--- a/Presentation/Water in Africa_ Technical and Environmental Resources, LTD. (WATER) (1).pptx
+++ b/Presentation/Water in Africa_ Technical and Environmental Resources, LTD. (WATER) (1).pptx
@@ -1,57 +1,57 @@
 
 <file path=ppt/presentation.xml><?xml version="1.0" encoding="utf-8"?>
-<p:presentation xmlns:a="http://schemas.openxmlformats.org/drawingml/2006/main" xmlns:r="http://schemas.openxmlformats.org/officeDocument/2006/relationships" xmlns:mc="http://schemas.openxmlformats.org/markup-compatibility/2006" xmlns:mv="urn:schemas-microsoft-com:mac:vml" xmlns:p="http://schemas.openxmlformats.org/presentationml/2006/main" xmlns:c="http://schemas.openxmlformats.org/drawingml/2006/chart" xmlns:dgm="http://schemas.openxmlformats.org/drawingml/2006/diagram" xmlns:o="urn:schemas-microsoft-com:office:office" xmlns:v="urn:schemas-microsoft-com:vml" xmlns:pvml="urn:schemas-microsoft-com:office:powerpoint" xmlns:com="http://schemas.openxmlformats.org/drawingml/2006/compatibility" xmlns:p14="http://schemas.microsoft.com/office/powerpoint/2010/main" xmlns:p15="http://schemas.microsoft.com/office/powerpoint/2012/main" xmlns:ahyp="http://schemas.microsoft.com/office/drawing/2018/hyperlinkcolor" autoCompressPictures="0" embedTrueTypeFonts="1" strictFirstAndLastChars="0" saveSubsetFonts="1">
+<p:presentation xmlns:a="http://schemas.openxmlformats.org/drawingml/2006/main" xmlns:r="http://schemas.openxmlformats.org/officeDocument/2006/relationships" xmlns:p="http://schemas.openxmlformats.org/presentationml/2006/main" strictFirstAndLastChars="0" embedTrueTypeFonts="1" saveSubsetFonts="1" autoCompressPictures="0">
   <p:sldMasterIdLst>
-    <p:sldMasterId id="2147483659" r:id="rId3"/>
+    <p:sldMasterId id="2147483659" r:id="rId1"/>
   </p:sldMasterIdLst>
   <p:notesMasterIdLst>
-    <p:notesMasterId r:id="rId4"/>
+    <p:notesMasterId r:id="rId27"/>
   </p:notesMasterIdLst>
   <p:sldIdLst>
-    <p:sldId id="256" r:id="rId5"/>
-    <p:sldId id="257" r:id="rId6"/>
-    <p:sldId id="258" r:id="rId7"/>
-    <p:sldId id="259" r:id="rId8"/>
-    <p:sldId id="260" r:id="rId9"/>
-    <p:sldId id="261" r:id="rId10"/>
-    <p:sldId id="262" r:id="rId11"/>
-    <p:sldId id="263" r:id="rId12"/>
-    <p:sldId id="264" r:id="rId13"/>
-    <p:sldId id="265" r:id="rId14"/>
-    <p:sldId id="266" r:id="rId15"/>
-    <p:sldId id="267" r:id="rId16"/>
-    <p:sldId id="268" r:id="rId17"/>
-    <p:sldId id="269" r:id="rId18"/>
-    <p:sldId id="270" r:id="rId19"/>
-    <p:sldId id="271" r:id="rId20"/>
-    <p:sldId id="272" r:id="rId21"/>
-    <p:sldId id="273" r:id="rId22"/>
-    <p:sldId id="274" r:id="rId23"/>
-    <p:sldId id="275" r:id="rId24"/>
-    <p:sldId id="276" r:id="rId25"/>
-    <p:sldId id="277" r:id="rId26"/>
-    <p:sldId id="278" r:id="rId27"/>
-    <p:sldId id="279" r:id="rId28"/>
-    <p:sldId id="280" r:id="rId29"/>
+    <p:sldId id="256" r:id="rId2"/>
+    <p:sldId id="257" r:id="rId3"/>
+    <p:sldId id="258" r:id="rId4"/>
+    <p:sldId id="259" r:id="rId5"/>
+    <p:sldId id="260" r:id="rId6"/>
+    <p:sldId id="261" r:id="rId7"/>
+    <p:sldId id="262" r:id="rId8"/>
+    <p:sldId id="263" r:id="rId9"/>
+    <p:sldId id="264" r:id="rId10"/>
+    <p:sldId id="265" r:id="rId11"/>
+    <p:sldId id="266" r:id="rId12"/>
+    <p:sldId id="267" r:id="rId13"/>
+    <p:sldId id="268" r:id="rId14"/>
+    <p:sldId id="269" r:id="rId15"/>
+    <p:sldId id="270" r:id="rId16"/>
+    <p:sldId id="271" r:id="rId17"/>
+    <p:sldId id="272" r:id="rId18"/>
+    <p:sldId id="273" r:id="rId19"/>
+    <p:sldId id="274" r:id="rId20"/>
+    <p:sldId id="275" r:id="rId21"/>
+    <p:sldId id="276" r:id="rId22"/>
+    <p:sldId id="277" r:id="rId23"/>
+    <p:sldId id="278" r:id="rId24"/>
+    <p:sldId id="279" r:id="rId25"/>
+    <p:sldId id="280" r:id="rId26"/>
   </p:sldIdLst>
-  <p:sldSz cy="5143500" cx="9144000"/>
+  <p:sldSz cx="9144000" cy="5143500" type="screen16x9"/>
   <p:notesSz cx="6858000" cy="9144000"/>
   <p:embeddedFontLst>
     <p:embeddedFont>
-      <p:font typeface="Roboto Slab"/>
-      <p:regular r:id="rId30"/>
-      <p:bold r:id="rId31"/>
+      <p:font typeface="Roboto" panose="020B0604020202020204" charset="0"/>
+      <p:regular r:id="rId28"/>
+      <p:bold r:id="rId29"/>
+      <p:italic r:id="rId30"/>
+      <p:boldItalic r:id="rId31"/>
     </p:embeddedFont>
     <p:embeddedFont>
-      <p:font typeface="Roboto"/>
+      <p:font typeface="Roboto Slab" panose="020B0604020202020204" charset="0"/>
       <p:regular r:id="rId32"/>
       <p:bold r:id="rId33"/>
-      <p:italic r:id="rId34"/>
-      <p:boldItalic r:id="rId35"/>
     </p:embeddedFont>
   </p:embeddedFontLst>
   <p:defaultTextStyle>
-    <a:defPPr lvl="0" marR="0" rtl="0" algn="l">
+    <a:defPPr marR="0" lvl="0" algn="l" rtl="0">
       <a:lnSpc>
         <a:spcPct val="100000"/>
       </a:lnSpc>
@@ -62,7 +62,7 @@
         <a:spcPts val="0"/>
       </a:spcAft>
     </a:defPPr>
-    <a:lvl1pPr lvl="0" marR="0" rtl="0" algn="l">
+    <a:lvl1pPr marR="0" lvl="0" algn="l" rtl="0">
       <a:lnSpc>
         <a:spcPct val="100000"/>
       </a:lnSpc>
@@ -76,7 +76,7 @@
         <a:srgbClr val="000000"/>
       </a:buClr>
       <a:buFont typeface="Arial"/>
-      <a:defRPr b="0" i="0" sz="1400" u="none" cap="none" strike="noStrike">
+      <a:defRPr sz="1400" b="0" i="0" u="none" strike="noStrike" cap="none">
         <a:solidFill>
           <a:srgbClr val="000000"/>
         </a:solidFill>
@@ -86,7 +86,7 @@
         <a:sym typeface="Arial"/>
       </a:defRPr>
     </a:lvl1pPr>
-    <a:lvl2pPr lvl="1" marR="0" rtl="0" algn="l">
+    <a:lvl2pPr marR="0" lvl="1" algn="l" rtl="0">
       <a:lnSpc>
         <a:spcPct val="100000"/>
       </a:lnSpc>
@@ -100,7 +100,7 @@
         <a:srgbClr val="000000"/>
       </a:buClr>
       <a:buFont typeface="Arial"/>
-      <a:defRPr b="0" i="0" sz="1400" u="none" cap="none" strike="noStrike">
+      <a:defRPr sz="1400" b="0" i="0" u="none" strike="noStrike" cap="none">
         <a:solidFill>
           <a:srgbClr val="000000"/>
         </a:solidFill>
@@ -110,7 +110,7 @@
         <a:sym typeface="Arial"/>
       </a:defRPr>
     </a:lvl2pPr>
-    <a:lvl3pPr lvl="2" marR="0" rtl="0" algn="l">
+    <a:lvl3pPr marR="0" lvl="2" algn="l" rtl="0">
       <a:lnSpc>
         <a:spcPct val="100000"/>
       </a:lnSpc>
@@ -124,7 +124,7 @@
         <a:srgbClr val="000000"/>
       </a:buClr>
       <a:buFont typeface="Arial"/>
-      <a:defRPr b="0" i="0" sz="1400" u="none" cap="none" strike="noStrike">
+      <a:defRPr sz="1400" b="0" i="0" u="none" strike="noStrike" cap="none">
         <a:solidFill>
           <a:srgbClr val="000000"/>
         </a:solidFill>
@@ -134,7 +134,7 @@
         <a:sym typeface="Arial"/>
       </a:defRPr>
     </a:lvl3pPr>
-    <a:lvl4pPr lvl="3" marR="0" rtl="0" algn="l">
+    <a:lvl4pPr marR="0" lvl="3" algn="l" rtl="0">
       <a:lnSpc>
         <a:spcPct val="100000"/>
       </a:lnSpc>
@@ -148,7 +148,7 @@
         <a:srgbClr val="000000"/>
       </a:buClr>
       <a:buFont typeface="Arial"/>
-      <a:defRPr b="0" i="0" sz="1400" u="none" cap="none" strike="noStrike">
+      <a:defRPr sz="1400" b="0" i="0" u="none" strike="noStrike" cap="none">
         <a:solidFill>
           <a:srgbClr val="000000"/>
         </a:solidFill>
@@ -158,7 +158,7 @@
         <a:sym typeface="Arial"/>
       </a:defRPr>
     </a:lvl4pPr>
-    <a:lvl5pPr lvl="4" marR="0" rtl="0" algn="l">
+    <a:lvl5pPr marR="0" lvl="4" algn="l" rtl="0">
       <a:lnSpc>
         <a:spcPct val="100000"/>
       </a:lnSpc>
@@ -172,7 +172,7 @@
         <a:srgbClr val="000000"/>
       </a:buClr>
       <a:buFont typeface="Arial"/>
-      <a:defRPr b="0" i="0" sz="1400" u="none" cap="none" strike="noStrike">
+      <a:defRPr sz="1400" b="0" i="0" u="none" strike="noStrike" cap="none">
         <a:solidFill>
           <a:srgbClr val="000000"/>
         </a:solidFill>
@@ -182,7 +182,7 @@
         <a:sym typeface="Arial"/>
       </a:defRPr>
     </a:lvl5pPr>
-    <a:lvl6pPr lvl="5" marR="0" rtl="0" algn="l">
+    <a:lvl6pPr marR="0" lvl="5" algn="l" rtl="0">
       <a:lnSpc>
         <a:spcPct val="100000"/>
       </a:lnSpc>
@@ -196,7 +196,7 @@
         <a:srgbClr val="000000"/>
       </a:buClr>
       <a:buFont typeface="Arial"/>
-      <a:defRPr b="0" i="0" sz="1400" u="none" cap="none" strike="noStrike">
+      <a:defRPr sz="1400" b="0" i="0" u="none" strike="noStrike" cap="none">
         <a:solidFill>
           <a:srgbClr val="000000"/>
         </a:solidFill>
@@ -206,7 +206,7 @@
         <a:sym typeface="Arial"/>
       </a:defRPr>
     </a:lvl6pPr>
-    <a:lvl7pPr lvl="6" marR="0" rtl="0" algn="l">
+    <a:lvl7pPr marR="0" lvl="6" algn="l" rtl="0">
       <a:lnSpc>
         <a:spcPct val="100000"/>
       </a:lnSpc>
@@ -220,7 +220,7 @@
         <a:srgbClr val="000000"/>
       </a:buClr>
       <a:buFont typeface="Arial"/>
-      <a:defRPr b="0" i="0" sz="1400" u="none" cap="none" strike="noStrike">
+      <a:defRPr sz="1400" b="0" i="0" u="none" strike="noStrike" cap="none">
         <a:solidFill>
           <a:srgbClr val="000000"/>
         </a:solidFill>
@@ -230,7 +230,7 @@
         <a:sym typeface="Arial"/>
       </a:defRPr>
     </a:lvl7pPr>
-    <a:lvl8pPr lvl="7" marR="0" rtl="0" algn="l">
+    <a:lvl8pPr marR="0" lvl="7" algn="l" rtl="0">
       <a:lnSpc>
         <a:spcPct val="100000"/>
       </a:lnSpc>
@@ -244,7 +244,7 @@
         <a:srgbClr val="000000"/>
       </a:buClr>
       <a:buFont typeface="Arial"/>
-      <a:defRPr b="0" i="0" sz="1400" u="none" cap="none" strike="noStrike">
+      <a:defRPr sz="1400" b="0" i="0" u="none" strike="noStrike" cap="none">
         <a:solidFill>
           <a:srgbClr val="000000"/>
         </a:solidFill>
@@ -254,7 +254,7 @@
         <a:sym typeface="Arial"/>
       </a:defRPr>
     </a:lvl8pPr>
-    <a:lvl9pPr lvl="8" marR="0" rtl="0" algn="l">
+    <a:lvl9pPr marR="0" lvl="8" algn="l" rtl="0">
       <a:lnSpc>
         <a:spcPct val="100000"/>
       </a:lnSpc>
@@ -268,7 +268,7 @@
         <a:srgbClr val="000000"/>
       </a:buClr>
       <a:buFont typeface="Arial"/>
-      <a:defRPr b="0" i="0" sz="1400" u="none" cap="none" strike="noStrike">
+      <a:defRPr sz="1400" b="0" i="0" u="none" strike="noStrike" cap="none">
         <a:solidFill>
           <a:srgbClr val="000000"/>
         </a:solidFill>
@@ -283,11 +283,16 @@
 </file>
 
 <file path=ppt/notesMasters/notesMaster1.xml><?xml version="1.0" encoding="utf-8"?>
-<p:notesMaster xmlns:a="http://schemas.openxmlformats.org/drawingml/2006/main" xmlns:r="http://schemas.openxmlformats.org/officeDocument/2006/relationships" xmlns:mc="http://schemas.openxmlformats.org/markup-compatibility/2006" xmlns:mv="urn:schemas-microsoft-com:mac:vml" xmlns:p="http://schemas.openxmlformats.org/presentationml/2006/main" xmlns:c="http://schemas.openxmlformats.org/drawingml/2006/chart" xmlns:dgm="http://schemas.openxmlformats.org/drawingml/2006/diagram" xmlns:o="urn:schemas-microsoft-com:office:office" xmlns:v="urn:schemas-microsoft-com:vml" xmlns:pvml="urn:schemas-microsoft-com:office:powerpoint" xmlns:com="http://schemas.openxmlformats.org/drawingml/2006/compatibility" xmlns:p14="http://schemas.microsoft.com/office/powerpoint/2010/main" xmlns:p15="http://schemas.microsoft.com/office/powerpoint/2012/main" xmlns:ahyp="http://schemas.microsoft.com/office/drawing/2018/hyperlinkcolor">
+<p:notesMaster xmlns:a="http://schemas.openxmlformats.org/drawingml/2006/main" xmlns:r="http://schemas.openxmlformats.org/officeDocument/2006/relationships" xmlns:p="http://schemas.openxmlformats.org/presentationml/2006/main">
   <p:cSld>
+    <p:bg>
+      <p:bgRef idx="1001">
+        <a:schemeClr val="bg1"/>
+      </p:bgRef>
+    </p:bg>
     <p:spTree>
       <p:nvGrpSpPr>
-        <p:cNvPr id="2" name="Shape 2"/>
+        <p:cNvPr id="1" name="Shape 2"/>
         <p:cNvGrpSpPr/>
         <p:nvPr/>
       </p:nvGrpSpPr>
@@ -302,9 +307,11 @@
       <p:sp>
         <p:nvSpPr>
           <p:cNvPr id="3" name="Google Shape;3;n"/>
-          <p:cNvSpPr/>
+          <p:cNvSpPr>
+            <a:spLocks noGrp="1" noRot="1" noChangeAspect="1"/>
+          </p:cNvSpPr>
           <p:nvPr>
-            <p:ph idx="2" type="sldImg"/>
+            <p:ph type="sldImg" idx="2"/>
           </p:nvPr>
         </p:nvSpPr>
         <p:spPr>
@@ -313,9 +320,13 @@
             <a:ext cx="6096075" cy="3429000"/>
           </a:xfrm>
           <a:custGeom>
-            <a:rect b="b" l="l" r="r" t="t"/>
+            <a:avLst/>
+            <a:gdLst/>
+            <a:ahLst/>
+            <a:cxnLst/>
+            <a:rect l="l" t="t" r="r" b="b"/>
             <a:pathLst>
-              <a:path extrusionOk="0" h="120000" w="120000">
+              <a:path w="120000" h="120000" extrusionOk="0">
                 <a:moveTo>
                   <a:pt x="0" y="0"/>
                 </a:moveTo>
@@ -333,23 +344,25 @@
             </a:pathLst>
           </a:custGeom>
           <a:noFill/>
-          <a:ln cap="flat" cmpd="sng" w="9525">
+          <a:ln w="9525" cap="flat" cmpd="sng">
             <a:solidFill>
               <a:srgbClr val="000000"/>
             </a:solidFill>
             <a:prstDash val="solid"/>
             <a:round/>
-            <a:headEnd len="sm" w="sm" type="none"/>
-            <a:tailEnd len="sm" w="sm" type="none"/>
+            <a:headEnd type="none" w="sm" len="sm"/>
+            <a:tailEnd type="none" w="sm" len="sm"/>
           </a:ln>
         </p:spPr>
       </p:sp>
       <p:sp>
         <p:nvSpPr>
           <p:cNvPr id="4" name="Google Shape;4;n"/>
-          <p:cNvSpPr txBox="1"/>
+          <p:cNvSpPr txBox="1">
+            <a:spLocks noGrp="1"/>
+          </p:cNvSpPr>
           <p:nvPr>
-            <p:ph idx="1" type="body"/>
+            <p:ph type="body" idx="1"/>
           </p:nvPr>
         </p:nvSpPr>
         <p:spPr>
@@ -366,11 +379,11 @@
           </a:ln>
         </p:spPr>
         <p:txBody>
-          <a:bodyPr anchorCtr="0" anchor="t" bIns="91425" lIns="91425" spcFirstLastPara="1" rIns="91425" wrap="square" tIns="91425">
+          <a:bodyPr spcFirstLastPara="1" wrap="square" lIns="91425" tIns="91425" rIns="91425" bIns="91425" anchor="t" anchorCtr="0">
             <a:noAutofit/>
           </a:bodyPr>
           <a:lstStyle>
-            <a:lvl1pPr indent="-298450" lvl="0" marL="457200">
+            <a:lvl1pPr marL="457200" lvl="0" indent="-298450">
               <a:spcBef>
                 <a:spcPts val="0"/>
               </a:spcBef>
@@ -381,7 +394,7 @@
               <a:buChar char="●"/>
               <a:defRPr sz="1100"/>
             </a:lvl1pPr>
-            <a:lvl2pPr indent="-298450" lvl="1" marL="914400">
+            <a:lvl2pPr marL="914400" lvl="1" indent="-298450">
               <a:spcBef>
                 <a:spcPts val="0"/>
               </a:spcBef>
@@ -392,7 +405,7 @@
               <a:buChar char="○"/>
               <a:defRPr sz="1100"/>
             </a:lvl2pPr>
-            <a:lvl3pPr indent="-298450" lvl="2" marL="1371600">
+            <a:lvl3pPr marL="1371600" lvl="2" indent="-298450">
               <a:spcBef>
                 <a:spcPts val="0"/>
               </a:spcBef>
@@ -403,7 +416,7 @@
               <a:buChar char="■"/>
               <a:defRPr sz="1100"/>
             </a:lvl3pPr>
-            <a:lvl4pPr indent="-298450" lvl="3" marL="1828800">
+            <a:lvl4pPr marL="1828800" lvl="3" indent="-298450">
               <a:spcBef>
                 <a:spcPts val="0"/>
               </a:spcBef>
@@ -414,7 +427,7 @@
               <a:buChar char="●"/>
               <a:defRPr sz="1100"/>
             </a:lvl4pPr>
-            <a:lvl5pPr indent="-298450" lvl="4" marL="2286000">
+            <a:lvl5pPr marL="2286000" lvl="4" indent="-298450">
               <a:spcBef>
                 <a:spcPts val="0"/>
               </a:spcBef>
@@ -425,7 +438,7 @@
               <a:buChar char="○"/>
               <a:defRPr sz="1100"/>
             </a:lvl5pPr>
-            <a:lvl6pPr indent="-298450" lvl="5" marL="2743200">
+            <a:lvl6pPr marL="2743200" lvl="5" indent="-298450">
               <a:spcBef>
                 <a:spcPts val="0"/>
               </a:spcBef>
@@ -436,7 +449,7 @@
               <a:buChar char="■"/>
               <a:defRPr sz="1100"/>
             </a:lvl6pPr>
-            <a:lvl7pPr indent="-298450" lvl="6" marL="3200400">
+            <a:lvl7pPr marL="3200400" lvl="6" indent="-298450">
               <a:spcBef>
                 <a:spcPts val="0"/>
               </a:spcBef>
@@ -447,7 +460,7 @@
               <a:buChar char="●"/>
               <a:defRPr sz="1100"/>
             </a:lvl7pPr>
-            <a:lvl8pPr indent="-298450" lvl="7" marL="3657600">
+            <a:lvl8pPr marL="3657600" lvl="7" indent="-298450">
               <a:spcBef>
                 <a:spcPts val="0"/>
               </a:spcBef>
@@ -458,7 +471,7 @@
               <a:buChar char="○"/>
               <a:defRPr sz="1100"/>
             </a:lvl8pPr>
-            <a:lvl9pPr indent="-298450" lvl="8" marL="4114800">
+            <a:lvl9pPr marL="4114800" lvl="8" indent="-298450">
               <a:spcBef>
                 <a:spcPts val="0"/>
               </a:spcBef>
@@ -470,14 +483,16 @@
               <a:defRPr sz="1100"/>
             </a:lvl9pPr>
           </a:lstStyle>
-          <a:p/>
+          <a:p>
+            <a:endParaRPr/>
+          </a:p>
         </p:txBody>
       </p:sp>
     </p:spTree>
   </p:cSld>
-  <p:clrMap accent1="accent1" accent2="accent2" accent3="accent3" accent4="accent4" accent5="accent5" accent6="accent6" bg1="lt1" bg2="dk2" tx1="dk1" tx2="lt2" folHlink="folHlink" hlink="hlink"/>
+  <p:clrMap bg1="lt1" tx1="dk1" bg2="dk2" tx2="lt2" accent1="accent1" accent2="accent2" accent3="accent3" accent4="accent4" accent5="accent5" accent6="accent6" hlink="hlink" folHlink="folHlink"/>
   <p:notesStyle>
-    <a:defPPr lvl="0" marR="0" rtl="0" algn="l">
+    <a:defPPr marR="0" lvl="0" algn="l" rtl="0">
       <a:lnSpc>
         <a:spcPct val="100000"/>
       </a:lnSpc>
@@ -488,7 +503,7 @@
         <a:spcPts val="0"/>
       </a:spcAft>
     </a:defPPr>
-    <a:lvl1pPr lvl="0" marR="0" rtl="0" algn="l">
+    <a:lvl1pPr marR="0" lvl="0" algn="l" rtl="0">
       <a:lnSpc>
         <a:spcPct val="100000"/>
       </a:lnSpc>
@@ -502,7 +517,7 @@
         <a:srgbClr val="000000"/>
       </a:buClr>
       <a:buFont typeface="Arial"/>
-      <a:defRPr b="0" i="0" sz="1400" u="none" cap="none" strike="noStrike">
+      <a:defRPr sz="1400" b="0" i="0" u="none" strike="noStrike" cap="none">
         <a:solidFill>
           <a:srgbClr val="000000"/>
         </a:solidFill>
@@ -512,7 +527,7 @@
         <a:sym typeface="Arial"/>
       </a:defRPr>
     </a:lvl1pPr>
-    <a:lvl2pPr lvl="1" marR="0" rtl="0" algn="l">
+    <a:lvl2pPr marR="0" lvl="1" algn="l" rtl="0">
       <a:lnSpc>
         <a:spcPct val="100000"/>
       </a:lnSpc>
@@ -526,7 +541,7 @@
         <a:srgbClr val="000000"/>
       </a:buClr>
       <a:buFont typeface="Arial"/>
-      <a:defRPr b="0" i="0" sz="1400" u="none" cap="none" strike="noStrike">
+      <a:defRPr sz="1400" b="0" i="0" u="none" strike="noStrike" cap="none">
         <a:solidFill>
           <a:srgbClr val="000000"/>
         </a:solidFill>
@@ -536,7 +551,7 @@
         <a:sym typeface="Arial"/>
       </a:defRPr>
     </a:lvl2pPr>
-    <a:lvl3pPr lvl="2" marR="0" rtl="0" algn="l">
+    <a:lvl3pPr marR="0" lvl="2" algn="l" rtl="0">
       <a:lnSpc>
         <a:spcPct val="100000"/>
       </a:lnSpc>
@@ -550,7 +565,7 @@
         <a:srgbClr val="000000"/>
       </a:buClr>
       <a:buFont typeface="Arial"/>
-      <a:defRPr b="0" i="0" sz="1400" u="none" cap="none" strike="noStrike">
+      <a:defRPr sz="1400" b="0" i="0" u="none" strike="noStrike" cap="none">
         <a:solidFill>
           <a:srgbClr val="000000"/>
         </a:solidFill>
@@ -560,7 +575,7 @@
         <a:sym typeface="Arial"/>
       </a:defRPr>
     </a:lvl3pPr>
-    <a:lvl4pPr lvl="3" marR="0" rtl="0" algn="l">
+    <a:lvl4pPr marR="0" lvl="3" algn="l" rtl="0">
       <a:lnSpc>
         <a:spcPct val="100000"/>
       </a:lnSpc>
@@ -574,7 +589,7 @@
         <a:srgbClr val="000000"/>
       </a:buClr>
       <a:buFont typeface="Arial"/>
-      <a:defRPr b="0" i="0" sz="1400" u="none" cap="none" strike="noStrike">
+      <a:defRPr sz="1400" b="0" i="0" u="none" strike="noStrike" cap="none">
         <a:solidFill>
           <a:srgbClr val="000000"/>
         </a:solidFill>
@@ -584,7 +599,7 @@
         <a:sym typeface="Arial"/>
       </a:defRPr>
     </a:lvl4pPr>
-    <a:lvl5pPr lvl="4" marR="0" rtl="0" algn="l">
+    <a:lvl5pPr marR="0" lvl="4" algn="l" rtl="0">
       <a:lnSpc>
         <a:spcPct val="100000"/>
       </a:lnSpc>
@@ -598,7 +613,7 @@
         <a:srgbClr val="000000"/>
       </a:buClr>
       <a:buFont typeface="Arial"/>
-      <a:defRPr b="0" i="0" sz="1400" u="none" cap="none" strike="noStrike">
+      <a:defRPr sz="1400" b="0" i="0" u="none" strike="noStrike" cap="none">
         <a:solidFill>
           <a:srgbClr val="000000"/>
         </a:solidFill>
@@ -608,7 +623,7 @@
         <a:sym typeface="Arial"/>
       </a:defRPr>
     </a:lvl5pPr>
-    <a:lvl6pPr lvl="5" marR="0" rtl="0" algn="l">
+    <a:lvl6pPr marR="0" lvl="5" algn="l" rtl="0">
       <a:lnSpc>
         <a:spcPct val="100000"/>
       </a:lnSpc>
@@ -622,7 +637,7 @@
         <a:srgbClr val="000000"/>
       </a:buClr>
       <a:buFont typeface="Arial"/>
-      <a:defRPr b="0" i="0" sz="1400" u="none" cap="none" strike="noStrike">
+      <a:defRPr sz="1400" b="0" i="0" u="none" strike="noStrike" cap="none">
         <a:solidFill>
           <a:srgbClr val="000000"/>
         </a:solidFill>
@@ -632,7 +647,7 @@
         <a:sym typeface="Arial"/>
       </a:defRPr>
     </a:lvl6pPr>
-    <a:lvl7pPr lvl="6" marR="0" rtl="0" algn="l">
+    <a:lvl7pPr marR="0" lvl="6" algn="l" rtl="0">
       <a:lnSpc>
         <a:spcPct val="100000"/>
       </a:lnSpc>
@@ -646,7 +661,7 @@
         <a:srgbClr val="000000"/>
       </a:buClr>
       <a:buFont typeface="Arial"/>
-      <a:defRPr b="0" i="0" sz="1400" u="none" cap="none" strike="noStrike">
+      <a:defRPr sz="1400" b="0" i="0" u="none" strike="noStrike" cap="none">
         <a:solidFill>
           <a:srgbClr val="000000"/>
         </a:solidFill>
@@ -656,7 +671,7 @@
         <a:sym typeface="Arial"/>
       </a:defRPr>
     </a:lvl7pPr>
-    <a:lvl8pPr lvl="7" marR="0" rtl="0" algn="l">
+    <a:lvl8pPr marR="0" lvl="7" algn="l" rtl="0">
       <a:lnSpc>
         <a:spcPct val="100000"/>
       </a:lnSpc>
@@ -670,7 +685,7 @@
         <a:srgbClr val="000000"/>
       </a:buClr>
       <a:buFont typeface="Arial"/>
-      <a:defRPr b="0" i="0" sz="1400" u="none" cap="none" strike="noStrike">
+      <a:defRPr sz="1400" b="0" i="0" u="none" strike="noStrike" cap="none">
         <a:solidFill>
           <a:srgbClr val="000000"/>
         </a:solidFill>
@@ -680,7 +695,7 @@
         <a:sym typeface="Arial"/>
       </a:defRPr>
     </a:lvl8pPr>
-    <a:lvl9pPr lvl="8" marR="0" rtl="0" algn="l">
+    <a:lvl9pPr marR="0" lvl="8" algn="l" rtl="0">
       <a:lnSpc>
         <a:spcPct val="100000"/>
       </a:lnSpc>
@@ -694,7 +709,7 @@
         <a:srgbClr val="000000"/>
       </a:buClr>
       <a:buFont typeface="Arial"/>
-      <a:defRPr b="0" i="0" sz="1400" u="none" cap="none" strike="noStrike">
+      <a:defRPr sz="1400" b="0" i="0" u="none" strike="noStrike" cap="none">
         <a:solidFill>
           <a:srgbClr val="000000"/>
         </a:solidFill>
@@ -709,11 +724,11 @@
 </file>
 
 <file path=ppt/notesSlides/notesSlide1.xml><?xml version="1.0" encoding="utf-8"?>
-<p:notes xmlns:a="http://schemas.openxmlformats.org/drawingml/2006/main" xmlns:r="http://schemas.openxmlformats.org/officeDocument/2006/relationships" xmlns:mc="http://schemas.openxmlformats.org/markup-compatibility/2006" xmlns:mv="urn:schemas-microsoft-com:mac:vml" xmlns:p="http://schemas.openxmlformats.org/presentationml/2006/main" xmlns:c="http://schemas.openxmlformats.org/drawingml/2006/chart" xmlns:dgm="http://schemas.openxmlformats.org/drawingml/2006/diagram" xmlns:o="urn:schemas-microsoft-com:office:office" xmlns:v="urn:schemas-microsoft-com:vml" xmlns:pvml="urn:schemas-microsoft-com:office:powerpoint" xmlns:com="http://schemas.openxmlformats.org/drawingml/2006/compatibility" xmlns:p14="http://schemas.microsoft.com/office/powerpoint/2010/main" xmlns:p15="http://schemas.microsoft.com/office/powerpoint/2012/main" xmlns:ahyp="http://schemas.microsoft.com/office/drawing/2018/hyperlinkcolor" showMasterPhAnim="0" showMasterSp="0">
+<p:notes xmlns:a="http://schemas.openxmlformats.org/drawingml/2006/main" xmlns:r="http://schemas.openxmlformats.org/officeDocument/2006/relationships" xmlns:p="http://schemas.openxmlformats.org/presentationml/2006/main" showMasterSp="0" showMasterPhAnim="0">
   <p:cSld>
     <p:spTree>
       <p:nvGrpSpPr>
-        <p:cNvPr id="59" name="Shape 59"/>
+        <p:cNvPr id="1" name="Shape 59"/>
         <p:cNvGrpSpPr/>
         <p:nvPr/>
       </p:nvGrpSpPr>
@@ -728,9 +743,11 @@
       <p:sp>
         <p:nvSpPr>
           <p:cNvPr id="60" name="Google Shape;60;p:notes"/>
-          <p:cNvSpPr/>
+          <p:cNvSpPr>
+            <a:spLocks noGrp="1" noRot="1" noChangeAspect="1"/>
+          </p:cNvSpPr>
           <p:nvPr>
-            <p:ph idx="2" type="sldImg"/>
+            <p:ph type="sldImg" idx="2"/>
           </p:nvPr>
         </p:nvSpPr>
         <p:spPr>
@@ -739,9 +756,13 @@
             <a:ext cx="6096075" cy="3429000"/>
           </a:xfrm>
           <a:custGeom>
-            <a:rect b="b" l="l" r="r" t="t"/>
+            <a:avLst/>
+            <a:gdLst/>
+            <a:ahLst/>
+            <a:cxnLst/>
+            <a:rect l="l" t="t" r="r" b="b"/>
             <a:pathLst>
-              <a:path extrusionOk="0" h="120000" w="120000">
+              <a:path w="120000" h="120000" extrusionOk="0">
                 <a:moveTo>
                   <a:pt x="0" y="0"/>
                 </a:moveTo>
@@ -763,9 +784,11 @@
       <p:sp>
         <p:nvSpPr>
           <p:cNvPr id="61" name="Google Shape;61;p:notes"/>
-          <p:cNvSpPr txBox="1"/>
+          <p:cNvSpPr txBox="1">
+            <a:spLocks noGrp="1"/>
+          </p:cNvSpPr>
           <p:nvPr>
-            <p:ph idx="1" type="body"/>
+            <p:ph type="body" idx="1"/>
           </p:nvPr>
         </p:nvSpPr>
         <p:spPr>
@@ -778,23 +801,20 @@
           </a:prstGeom>
         </p:spPr>
         <p:txBody>
-          <a:bodyPr anchorCtr="0" anchor="t" bIns="91425" lIns="91425" spcFirstLastPara="1" rIns="91425" wrap="square" tIns="91425">
+          <a:bodyPr spcFirstLastPara="1" wrap="square" lIns="91425" tIns="91425" rIns="91425" bIns="91425" anchor="t" anchorCtr="0">
             <a:noAutofit/>
           </a:bodyPr>
           <a:lstStyle/>
           <a:p>
-            <a:pPr indent="0" lvl="0" marL="0" rtl="0" algn="l">
-              <a:spcBef>
-                <a:spcPts val="0"/>
-              </a:spcBef>
-              <a:spcAft>
-                <a:spcPts val="0"/>
-              </a:spcAft>
-              <a:buNone/>
-            </a:pPr>
-            <a:r>
-              <a:t/>
-            </a:r>
+            <a:pPr marL="0" lvl="0" indent="0" algn="l" rtl="0">
+              <a:spcBef>
+                <a:spcPts val="0"/>
+              </a:spcBef>
+              <a:spcAft>
+                <a:spcPts val="0"/>
+              </a:spcAft>
+              <a:buNone/>
+            </a:pPr>
             <a:endParaRPr/>
           </a:p>
         </p:txBody>
@@ -808,11 +828,11 @@
 </file>
 
 <file path=ppt/notesSlides/notesSlide10.xml><?xml version="1.0" encoding="utf-8"?>
-<p:notes xmlns:a="http://schemas.openxmlformats.org/drawingml/2006/main" xmlns:r="http://schemas.openxmlformats.org/officeDocument/2006/relationships" xmlns:mc="http://schemas.openxmlformats.org/markup-compatibility/2006" xmlns:mv="urn:schemas-microsoft-com:mac:vml" xmlns:p="http://schemas.openxmlformats.org/presentationml/2006/main" xmlns:c="http://schemas.openxmlformats.org/drawingml/2006/chart" xmlns:dgm="http://schemas.openxmlformats.org/drawingml/2006/diagram" xmlns:o="urn:schemas-microsoft-com:office:office" xmlns:v="urn:schemas-microsoft-com:vml" xmlns:pvml="urn:schemas-microsoft-com:office:powerpoint" xmlns:com="http://schemas.openxmlformats.org/drawingml/2006/compatibility" xmlns:p14="http://schemas.microsoft.com/office/powerpoint/2010/main" xmlns:p15="http://schemas.microsoft.com/office/powerpoint/2012/main" xmlns:ahyp="http://schemas.microsoft.com/office/drawing/2018/hyperlinkcolor" showMasterPhAnim="0" showMasterSp="0">
+<p:notes xmlns:a="http://schemas.openxmlformats.org/drawingml/2006/main" xmlns:r="http://schemas.openxmlformats.org/officeDocument/2006/relationships" xmlns:p="http://schemas.openxmlformats.org/presentationml/2006/main" showMasterSp="0" showMasterPhAnim="0">
   <p:cSld>
     <p:spTree>
       <p:nvGrpSpPr>
-        <p:cNvPr id="155" name="Shape 155"/>
+        <p:cNvPr id="1" name="Shape 155"/>
         <p:cNvGrpSpPr/>
         <p:nvPr/>
       </p:nvGrpSpPr>
@@ -827,9 +847,11 @@
       <p:sp>
         <p:nvSpPr>
           <p:cNvPr id="156" name="Google Shape;156;g8ed0c59092_0_245:notes"/>
-          <p:cNvSpPr/>
+          <p:cNvSpPr>
+            <a:spLocks noGrp="1" noRot="1" noChangeAspect="1"/>
+          </p:cNvSpPr>
           <p:nvPr>
-            <p:ph idx="2" type="sldImg"/>
+            <p:ph type="sldImg" idx="2"/>
           </p:nvPr>
         </p:nvSpPr>
         <p:spPr>
@@ -838,9 +860,13 @@
             <a:ext cx="6096000" cy="3429000"/>
           </a:xfrm>
           <a:custGeom>
-            <a:rect b="b" l="l" r="r" t="t"/>
+            <a:avLst/>
+            <a:gdLst/>
+            <a:ahLst/>
+            <a:cxnLst/>
+            <a:rect l="l" t="t" r="r" b="b"/>
             <a:pathLst>
-              <a:path extrusionOk="0" h="120000" w="120000">
+              <a:path w="120000" h="120000" extrusionOk="0">
                 <a:moveTo>
                   <a:pt x="0" y="0"/>
                 </a:moveTo>
@@ -862,9 +888,11 @@
       <p:sp>
         <p:nvSpPr>
           <p:cNvPr id="157" name="Google Shape;157;g8ed0c59092_0_245:notes"/>
-          <p:cNvSpPr txBox="1"/>
+          <p:cNvSpPr txBox="1">
+            <a:spLocks noGrp="1"/>
+          </p:cNvSpPr>
           <p:nvPr>
-            <p:ph idx="1" type="body"/>
+            <p:ph type="body" idx="1"/>
           </p:nvPr>
         </p:nvSpPr>
         <p:spPr>
@@ -877,23 +905,20 @@
           </a:prstGeom>
         </p:spPr>
         <p:txBody>
-          <a:bodyPr anchorCtr="0" anchor="t" bIns="91425" lIns="91425" spcFirstLastPara="1" rIns="91425" wrap="square" tIns="91425">
+          <a:bodyPr spcFirstLastPara="1" wrap="square" lIns="91425" tIns="91425" rIns="91425" bIns="91425" anchor="t" anchorCtr="0">
             <a:noAutofit/>
           </a:bodyPr>
           <a:lstStyle/>
           <a:p>
-            <a:pPr indent="0" lvl="0" marL="0" rtl="0" algn="l">
-              <a:spcBef>
-                <a:spcPts val="0"/>
-              </a:spcBef>
-              <a:spcAft>
-                <a:spcPts val="0"/>
-              </a:spcAft>
-              <a:buNone/>
-            </a:pPr>
-            <a:r>
-              <a:t/>
-            </a:r>
+            <a:pPr marL="0" lvl="0" indent="0" algn="l" rtl="0">
+              <a:spcBef>
+                <a:spcPts val="0"/>
+              </a:spcBef>
+              <a:spcAft>
+                <a:spcPts val="0"/>
+              </a:spcAft>
+              <a:buNone/>
+            </a:pPr>
             <a:endParaRPr/>
           </a:p>
         </p:txBody>
@@ -907,11 +932,11 @@
 </file>
 
 <file path=ppt/notesSlides/notesSlide11.xml><?xml version="1.0" encoding="utf-8"?>
-<p:notes xmlns:a="http://schemas.openxmlformats.org/drawingml/2006/main" xmlns:r="http://schemas.openxmlformats.org/officeDocument/2006/relationships" xmlns:mc="http://schemas.openxmlformats.org/markup-compatibility/2006" xmlns:mv="urn:schemas-microsoft-com:mac:vml" xmlns:p="http://schemas.openxmlformats.org/presentationml/2006/main" xmlns:c="http://schemas.openxmlformats.org/drawingml/2006/chart" xmlns:dgm="http://schemas.openxmlformats.org/drawingml/2006/diagram" xmlns:o="urn:schemas-microsoft-com:office:office" xmlns:v="urn:schemas-microsoft-com:vml" xmlns:pvml="urn:schemas-microsoft-com:office:powerpoint" xmlns:com="http://schemas.openxmlformats.org/drawingml/2006/compatibility" xmlns:p14="http://schemas.microsoft.com/office/powerpoint/2010/main" xmlns:p15="http://schemas.microsoft.com/office/powerpoint/2012/main" xmlns:ahyp="http://schemas.microsoft.com/office/drawing/2018/hyperlinkcolor" showMasterPhAnim="0" showMasterSp="0">
+<p:notes xmlns:a="http://schemas.openxmlformats.org/drawingml/2006/main" xmlns:r="http://schemas.openxmlformats.org/officeDocument/2006/relationships" xmlns:p="http://schemas.openxmlformats.org/presentationml/2006/main" showMasterSp="0" showMasterPhAnim="0">
   <p:cSld>
     <p:spTree>
       <p:nvGrpSpPr>
-        <p:cNvPr id="160" name="Shape 160"/>
+        <p:cNvPr id="1" name="Shape 160"/>
         <p:cNvGrpSpPr/>
         <p:nvPr/>
       </p:nvGrpSpPr>
@@ -926,9 +951,11 @@
       <p:sp>
         <p:nvSpPr>
           <p:cNvPr id="161" name="Google Shape;161;g8ed0c59092_0_180:notes"/>
-          <p:cNvSpPr/>
+          <p:cNvSpPr>
+            <a:spLocks noGrp="1" noRot="1" noChangeAspect="1"/>
+          </p:cNvSpPr>
           <p:nvPr>
-            <p:ph idx="2" type="sldImg"/>
+            <p:ph type="sldImg" idx="2"/>
           </p:nvPr>
         </p:nvSpPr>
         <p:spPr>
@@ -937,9 +964,13 @@
             <a:ext cx="6096000" cy="3429000"/>
           </a:xfrm>
           <a:custGeom>
-            <a:rect b="b" l="l" r="r" t="t"/>
+            <a:avLst/>
+            <a:gdLst/>
+            <a:ahLst/>
+            <a:cxnLst/>
+            <a:rect l="l" t="t" r="r" b="b"/>
             <a:pathLst>
-              <a:path extrusionOk="0" h="120000" w="120000">
+              <a:path w="120000" h="120000" extrusionOk="0">
                 <a:moveTo>
                   <a:pt x="0" y="0"/>
                 </a:moveTo>
@@ -961,9 +992,11 @@
       <p:sp>
         <p:nvSpPr>
           <p:cNvPr id="162" name="Google Shape;162;g8ed0c59092_0_180:notes"/>
-          <p:cNvSpPr txBox="1"/>
+          <p:cNvSpPr txBox="1">
+            <a:spLocks noGrp="1"/>
+          </p:cNvSpPr>
           <p:nvPr>
-            <p:ph idx="1" type="body"/>
+            <p:ph type="body" idx="1"/>
           </p:nvPr>
         </p:nvSpPr>
         <p:spPr>
@@ -976,12 +1009,12 @@
           </a:prstGeom>
         </p:spPr>
         <p:txBody>
-          <a:bodyPr anchorCtr="0" anchor="t" bIns="91425" lIns="91425" spcFirstLastPara="1" rIns="91425" wrap="square" tIns="91425">
+          <a:bodyPr spcFirstLastPara="1" wrap="square" lIns="91425" tIns="91425" rIns="91425" bIns="91425" anchor="t" anchorCtr="0">
             <a:noAutofit/>
           </a:bodyPr>
           <a:lstStyle/>
           <a:p>
-            <a:pPr indent="0" lvl="0" marL="0" rtl="0" algn="l">
+            <a:pPr marL="0" lvl="0" indent="0" algn="l" rtl="0">
               <a:lnSpc>
                 <a:spcPct val="115000"/>
               </a:lnSpc>
@@ -1019,7 +1052,7 @@
             </a:endParaRPr>
           </a:p>
           <a:p>
-            <a:pPr indent="0" lvl="0" marL="0" rtl="0" algn="l">
+            <a:pPr marL="0" lvl="0" indent="0" algn="l" rtl="0">
               <a:lnSpc>
                 <a:spcPct val="115000"/>
               </a:lnSpc>
@@ -1036,9 +1069,6 @@
               <a:buFont typeface="Arial"/>
               <a:buNone/>
             </a:pPr>
-            <a:r>
-              <a:t/>
-            </a:r>
             <a:endParaRPr sz="1050">
               <a:solidFill>
                 <a:schemeClr val="dk2"/>
@@ -1049,7 +1079,7 @@
             </a:endParaRPr>
           </a:p>
           <a:p>
-            <a:pPr indent="0" lvl="0" marL="0" rtl="0" algn="l">
+            <a:pPr marL="0" lvl="0" indent="0" algn="l" rtl="0">
               <a:lnSpc>
                 <a:spcPct val="115000"/>
               </a:lnSpc>
@@ -1118,7 +1148,7 @@
             </a:endParaRPr>
           </a:p>
           <a:p>
-            <a:pPr indent="0" lvl="0" marL="0" rtl="0" algn="l">
+            <a:pPr marL="0" lvl="0" indent="0" algn="l" rtl="0">
               <a:lnSpc>
                 <a:spcPct val="115000"/>
               </a:lnSpc>
@@ -1135,9 +1165,6 @@
               <a:buFont typeface="Arial"/>
               <a:buNone/>
             </a:pPr>
-            <a:r>
-              <a:t/>
-            </a:r>
             <a:endParaRPr sz="1050">
               <a:solidFill>
                 <a:schemeClr val="dk2"/>
@@ -1148,18 +1175,15 @@
             </a:endParaRPr>
           </a:p>
           <a:p>
-            <a:pPr indent="0" lvl="0" marL="0" rtl="0" algn="l">
-              <a:spcBef>
-                <a:spcPts val="0"/>
-              </a:spcBef>
-              <a:spcAft>
-                <a:spcPts val="0"/>
-              </a:spcAft>
-              <a:buNone/>
-            </a:pPr>
-            <a:r>
-              <a:t/>
-            </a:r>
+            <a:pPr marL="0" lvl="0" indent="0" algn="l" rtl="0">
+              <a:spcBef>
+                <a:spcPts val="0"/>
+              </a:spcBef>
+              <a:spcAft>
+                <a:spcPts val="0"/>
+              </a:spcAft>
+              <a:buNone/>
+            </a:pPr>
             <a:endParaRPr/>
           </a:p>
         </p:txBody>
@@ -1173,11 +1197,11 @@
 </file>
 
 <file path=ppt/notesSlides/notesSlide12.xml><?xml version="1.0" encoding="utf-8"?>
-<p:notes xmlns:a="http://schemas.openxmlformats.org/drawingml/2006/main" xmlns:r="http://schemas.openxmlformats.org/officeDocument/2006/relationships" xmlns:mc="http://schemas.openxmlformats.org/markup-compatibility/2006" xmlns:mv="urn:schemas-microsoft-com:mac:vml" xmlns:p="http://schemas.openxmlformats.org/presentationml/2006/main" xmlns:c="http://schemas.openxmlformats.org/drawingml/2006/chart" xmlns:dgm="http://schemas.openxmlformats.org/drawingml/2006/diagram" xmlns:o="urn:schemas-microsoft-com:office:office" xmlns:v="urn:schemas-microsoft-com:vml" xmlns:pvml="urn:schemas-microsoft-com:office:powerpoint" xmlns:com="http://schemas.openxmlformats.org/drawingml/2006/compatibility" xmlns:p14="http://schemas.microsoft.com/office/powerpoint/2010/main" xmlns:p15="http://schemas.microsoft.com/office/powerpoint/2012/main" xmlns:ahyp="http://schemas.microsoft.com/office/drawing/2018/hyperlinkcolor" showMasterPhAnim="0" showMasterSp="0">
+<p:notes xmlns:a="http://schemas.openxmlformats.org/drawingml/2006/main" xmlns:r="http://schemas.openxmlformats.org/officeDocument/2006/relationships" xmlns:p="http://schemas.openxmlformats.org/presentationml/2006/main" showMasterSp="0" showMasterPhAnim="0">
   <p:cSld>
     <p:spTree>
       <p:nvGrpSpPr>
-        <p:cNvPr id="167" name="Shape 167"/>
+        <p:cNvPr id="1" name="Shape 167"/>
         <p:cNvGrpSpPr/>
         <p:nvPr/>
       </p:nvGrpSpPr>
@@ -1192,9 +1216,11 @@
       <p:sp>
         <p:nvSpPr>
           <p:cNvPr id="168" name="Google Shape;168;g8ee2726297_4_11:notes"/>
-          <p:cNvSpPr/>
+          <p:cNvSpPr>
+            <a:spLocks noGrp="1" noRot="1" noChangeAspect="1"/>
+          </p:cNvSpPr>
           <p:nvPr>
-            <p:ph idx="2" type="sldImg"/>
+            <p:ph type="sldImg" idx="2"/>
           </p:nvPr>
         </p:nvSpPr>
         <p:spPr>
@@ -1203,9 +1229,13 @@
             <a:ext cx="6096000" cy="3429000"/>
           </a:xfrm>
           <a:custGeom>
-            <a:rect b="b" l="l" r="r" t="t"/>
+            <a:avLst/>
+            <a:gdLst/>
+            <a:ahLst/>
+            <a:cxnLst/>
+            <a:rect l="l" t="t" r="r" b="b"/>
             <a:pathLst>
-              <a:path extrusionOk="0" h="120000" w="120000">
+              <a:path w="120000" h="120000" extrusionOk="0">
                 <a:moveTo>
                   <a:pt x="0" y="0"/>
                 </a:moveTo>
@@ -1227,9 +1257,11 @@
       <p:sp>
         <p:nvSpPr>
           <p:cNvPr id="169" name="Google Shape;169;g8ee2726297_4_11:notes"/>
-          <p:cNvSpPr txBox="1"/>
+          <p:cNvSpPr txBox="1">
+            <a:spLocks noGrp="1"/>
+          </p:cNvSpPr>
           <p:nvPr>
-            <p:ph idx="1" type="body"/>
+            <p:ph type="body" idx="1"/>
           </p:nvPr>
         </p:nvSpPr>
         <p:spPr>
@@ -1242,22 +1274,22 @@
           </a:prstGeom>
         </p:spPr>
         <p:txBody>
-          <a:bodyPr anchorCtr="0" anchor="t" bIns="91425" lIns="91425" spcFirstLastPara="1" rIns="91425" wrap="square" tIns="91425">
+          <a:bodyPr spcFirstLastPara="1" wrap="square" lIns="91425" tIns="91425" rIns="91425" bIns="91425" anchor="t" anchorCtr="0">
             <a:noAutofit/>
           </a:bodyPr>
           <a:lstStyle/>
           <a:p>
-            <a:pPr indent="0" lvl="0" marL="0" rtl="0" algn="l">
-              <a:spcBef>
-                <a:spcPts val="0"/>
-              </a:spcBef>
-              <a:spcAft>
-                <a:spcPts val="0"/>
-              </a:spcAft>
-              <a:buNone/>
-            </a:pPr>
-            <a:r>
-              <a:rPr b="1" lang="en"/>
+            <a:pPr marL="0" lvl="0" indent="0" algn="l" rtl="0">
+              <a:spcBef>
+                <a:spcPts val="0"/>
+              </a:spcBef>
+              <a:spcAft>
+                <a:spcPts val="0"/>
+              </a:spcAft>
+              <a:buNone/>
+            </a:pPr>
+            <a:r>
+              <a:rPr lang="en" b="1"/>
               <a:t>“WITHOUT GETTING INTO TECHNICAL DETAILS”, </a:t>
             </a:r>
             <a:r>
@@ -1277,11 +1309,11 @@
 </file>
 
 <file path=ppt/notesSlides/notesSlide13.xml><?xml version="1.0" encoding="utf-8"?>
-<p:notes xmlns:a="http://schemas.openxmlformats.org/drawingml/2006/main" xmlns:r="http://schemas.openxmlformats.org/officeDocument/2006/relationships" xmlns:mc="http://schemas.openxmlformats.org/markup-compatibility/2006" xmlns:mv="urn:schemas-microsoft-com:mac:vml" xmlns:p="http://schemas.openxmlformats.org/presentationml/2006/main" xmlns:c="http://schemas.openxmlformats.org/drawingml/2006/chart" xmlns:dgm="http://schemas.openxmlformats.org/drawingml/2006/diagram" xmlns:o="urn:schemas-microsoft-com:office:office" xmlns:v="urn:schemas-microsoft-com:vml" xmlns:pvml="urn:schemas-microsoft-com:office:powerpoint" xmlns:com="http://schemas.openxmlformats.org/drawingml/2006/compatibility" xmlns:p14="http://schemas.microsoft.com/office/powerpoint/2010/main" xmlns:p15="http://schemas.microsoft.com/office/powerpoint/2012/main" xmlns:ahyp="http://schemas.microsoft.com/office/drawing/2018/hyperlinkcolor" showMasterPhAnim="0" showMasterSp="0">
+<p:notes xmlns:a="http://schemas.openxmlformats.org/drawingml/2006/main" xmlns:r="http://schemas.openxmlformats.org/officeDocument/2006/relationships" xmlns:p="http://schemas.openxmlformats.org/presentationml/2006/main" showMasterSp="0" showMasterPhAnim="0">
   <p:cSld>
     <p:spTree>
       <p:nvGrpSpPr>
-        <p:cNvPr id="174" name="Shape 174"/>
+        <p:cNvPr id="1" name="Shape 174"/>
         <p:cNvGrpSpPr/>
         <p:nvPr/>
       </p:nvGrpSpPr>
@@ -1296,9 +1328,11 @@
       <p:sp>
         <p:nvSpPr>
           <p:cNvPr id="175" name="Google Shape;175;g8ee2726297_5_19:notes"/>
-          <p:cNvSpPr/>
+          <p:cNvSpPr>
+            <a:spLocks noGrp="1" noRot="1" noChangeAspect="1"/>
+          </p:cNvSpPr>
           <p:nvPr>
-            <p:ph idx="2" type="sldImg"/>
+            <p:ph type="sldImg" idx="2"/>
           </p:nvPr>
         </p:nvSpPr>
         <p:spPr>
@@ -1307,9 +1341,13 @@
             <a:ext cx="6096000" cy="3429000"/>
           </a:xfrm>
           <a:custGeom>
-            <a:rect b="b" l="l" r="r" t="t"/>
+            <a:avLst/>
+            <a:gdLst/>
+            <a:ahLst/>
+            <a:cxnLst/>
+            <a:rect l="l" t="t" r="r" b="b"/>
             <a:pathLst>
-              <a:path extrusionOk="0" h="120000" w="120000">
+              <a:path w="120000" h="120000" extrusionOk="0">
                 <a:moveTo>
                   <a:pt x="0" y="0"/>
                 </a:moveTo>
@@ -1331,9 +1369,11 @@
       <p:sp>
         <p:nvSpPr>
           <p:cNvPr id="176" name="Google Shape;176;g8ee2726297_5_19:notes"/>
-          <p:cNvSpPr txBox="1"/>
+          <p:cNvSpPr txBox="1">
+            <a:spLocks noGrp="1"/>
+          </p:cNvSpPr>
           <p:nvPr>
-            <p:ph idx="1" type="body"/>
+            <p:ph type="body" idx="1"/>
           </p:nvPr>
         </p:nvSpPr>
         <p:spPr>
@@ -1346,12 +1386,12 @@
           </a:prstGeom>
         </p:spPr>
         <p:txBody>
-          <a:bodyPr anchorCtr="0" anchor="t" bIns="91425" lIns="91425" spcFirstLastPara="1" rIns="91425" wrap="square" tIns="91425">
+          <a:bodyPr spcFirstLastPara="1" wrap="square" lIns="91425" tIns="91425" rIns="91425" bIns="91425" anchor="t" anchorCtr="0">
             <a:noAutofit/>
           </a:bodyPr>
           <a:lstStyle/>
           <a:p>
-            <a:pPr indent="0" lvl="0" marL="0" rtl="0" algn="l">
+            <a:pPr marL="0" lvl="0" indent="0" algn="l" rtl="0">
               <a:spcBef>
                 <a:spcPts val="0"/>
               </a:spcBef>
@@ -1367,7 +1407,7 @@
             <a:endParaRPr/>
           </a:p>
           <a:p>
-            <a:pPr indent="0" lvl="0" marL="0" rtl="0" algn="l">
+            <a:pPr marL="0" lvl="0" indent="0" algn="l" rtl="0">
               <a:spcBef>
                 <a:spcPts val="0"/>
               </a:spcBef>
@@ -1383,22 +1423,19 @@
             <a:endParaRPr/>
           </a:p>
           <a:p>
-            <a:pPr indent="0" lvl="0" marL="0" rtl="0" algn="l">
-              <a:spcBef>
-                <a:spcPts val="0"/>
-              </a:spcBef>
-              <a:spcAft>
-                <a:spcPts val="0"/>
-              </a:spcAft>
-              <a:buNone/>
-            </a:pPr>
-            <a:r>
-              <a:t/>
-            </a:r>
+            <a:pPr marL="0" lvl="0" indent="0" algn="l" rtl="0">
+              <a:spcBef>
+                <a:spcPts val="0"/>
+              </a:spcBef>
+              <a:spcAft>
+                <a:spcPts val="0"/>
+              </a:spcAft>
+              <a:buNone/>
+            </a:pPr>
             <a:endParaRPr/>
           </a:p>
           <a:p>
-            <a:pPr indent="0" lvl="0" marL="0" rtl="0" algn="l">
+            <a:pPr marL="0" lvl="0" indent="0" algn="l" rtl="0">
               <a:spcBef>
                 <a:spcPts val="0"/>
               </a:spcBef>
@@ -1424,11 +1461,11 @@
 </file>
 
 <file path=ppt/notesSlides/notesSlide14.xml><?xml version="1.0" encoding="utf-8"?>
-<p:notes xmlns:a="http://schemas.openxmlformats.org/drawingml/2006/main" xmlns:r="http://schemas.openxmlformats.org/officeDocument/2006/relationships" xmlns:mc="http://schemas.openxmlformats.org/markup-compatibility/2006" xmlns:mv="urn:schemas-microsoft-com:mac:vml" xmlns:p="http://schemas.openxmlformats.org/presentationml/2006/main" xmlns:c="http://schemas.openxmlformats.org/drawingml/2006/chart" xmlns:dgm="http://schemas.openxmlformats.org/drawingml/2006/diagram" xmlns:o="urn:schemas-microsoft-com:office:office" xmlns:v="urn:schemas-microsoft-com:vml" xmlns:pvml="urn:schemas-microsoft-com:office:powerpoint" xmlns:com="http://schemas.openxmlformats.org/drawingml/2006/compatibility" xmlns:p14="http://schemas.microsoft.com/office/powerpoint/2010/main" xmlns:p15="http://schemas.microsoft.com/office/powerpoint/2012/main" xmlns:ahyp="http://schemas.microsoft.com/office/drawing/2018/hyperlinkcolor" showMasterPhAnim="0" showMasterSp="0">
+<p:notes xmlns:a="http://schemas.openxmlformats.org/drawingml/2006/main" xmlns:r="http://schemas.openxmlformats.org/officeDocument/2006/relationships" xmlns:p="http://schemas.openxmlformats.org/presentationml/2006/main" showMasterSp="0" showMasterPhAnim="0">
   <p:cSld>
     <p:spTree>
       <p:nvGrpSpPr>
-        <p:cNvPr id="180" name="Shape 180"/>
+        <p:cNvPr id="1" name="Shape 180"/>
         <p:cNvGrpSpPr/>
         <p:nvPr/>
       </p:nvGrpSpPr>
@@ -1443,9 +1480,11 @@
       <p:sp>
         <p:nvSpPr>
           <p:cNvPr id="181" name="Google Shape;181;g8ed0c59092_1_20:notes"/>
-          <p:cNvSpPr/>
+          <p:cNvSpPr>
+            <a:spLocks noGrp="1" noRot="1" noChangeAspect="1"/>
+          </p:cNvSpPr>
           <p:nvPr>
-            <p:ph idx="2" type="sldImg"/>
+            <p:ph type="sldImg" idx="2"/>
           </p:nvPr>
         </p:nvSpPr>
         <p:spPr>
@@ -1454,9 +1493,13 @@
             <a:ext cx="6096000" cy="3429000"/>
           </a:xfrm>
           <a:custGeom>
-            <a:rect b="b" l="l" r="r" t="t"/>
+            <a:avLst/>
+            <a:gdLst/>
+            <a:ahLst/>
+            <a:cxnLst/>
+            <a:rect l="l" t="t" r="r" b="b"/>
             <a:pathLst>
-              <a:path extrusionOk="0" h="120000" w="120000">
+              <a:path w="120000" h="120000" extrusionOk="0">
                 <a:moveTo>
                   <a:pt x="0" y="0"/>
                 </a:moveTo>
@@ -1478,9 +1521,11 @@
       <p:sp>
         <p:nvSpPr>
           <p:cNvPr id="182" name="Google Shape;182;g8ed0c59092_1_20:notes"/>
-          <p:cNvSpPr txBox="1"/>
+          <p:cNvSpPr txBox="1">
+            <a:spLocks noGrp="1"/>
+          </p:cNvSpPr>
           <p:nvPr>
-            <p:ph idx="1" type="body"/>
+            <p:ph type="body" idx="1"/>
           </p:nvPr>
         </p:nvSpPr>
         <p:spPr>
@@ -1493,12 +1538,12 @@
           </a:prstGeom>
         </p:spPr>
         <p:txBody>
-          <a:bodyPr anchorCtr="0" anchor="t" bIns="91425" lIns="91425" spcFirstLastPara="1" rIns="91425" wrap="square" tIns="91425">
+          <a:bodyPr spcFirstLastPara="1" wrap="square" lIns="91425" tIns="91425" rIns="91425" bIns="91425" anchor="t" anchorCtr="0">
             <a:noAutofit/>
           </a:bodyPr>
           <a:lstStyle/>
           <a:p>
-            <a:pPr indent="0" lvl="0" marL="0" rtl="0" algn="l">
+            <a:pPr marL="0" lvl="0" indent="0" algn="l" rtl="0">
               <a:spcBef>
                 <a:spcPts val="0"/>
               </a:spcBef>
@@ -1514,7 +1559,7 @@
             <a:endParaRPr/>
           </a:p>
           <a:p>
-            <a:pPr indent="0" lvl="0" marL="0" rtl="0" algn="l">
+            <a:pPr marL="0" lvl="0" indent="0" algn="l" rtl="0">
               <a:spcBef>
                 <a:spcPts val="0"/>
               </a:spcBef>
@@ -1530,22 +1575,19 @@
             <a:endParaRPr/>
           </a:p>
           <a:p>
-            <a:pPr indent="0" lvl="0" marL="0" rtl="0" algn="l">
-              <a:spcBef>
-                <a:spcPts val="0"/>
-              </a:spcBef>
-              <a:spcAft>
-                <a:spcPts val="0"/>
-              </a:spcAft>
-              <a:buNone/>
-            </a:pPr>
-            <a:r>
-              <a:t/>
-            </a:r>
+            <a:pPr marL="0" lvl="0" indent="0" algn="l" rtl="0">
+              <a:spcBef>
+                <a:spcPts val="0"/>
+              </a:spcBef>
+              <a:spcAft>
+                <a:spcPts val="0"/>
+              </a:spcAft>
+              <a:buNone/>
+            </a:pPr>
             <a:endParaRPr/>
           </a:p>
           <a:p>
-            <a:pPr indent="0" lvl="0" marL="0" rtl="0" algn="l">
+            <a:pPr marL="0" lvl="0" indent="0" algn="l" rtl="0">
               <a:spcBef>
                 <a:spcPts val="0"/>
               </a:spcBef>
@@ -1561,7 +1603,7 @@
             <a:endParaRPr/>
           </a:p>
           <a:p>
-            <a:pPr indent="0" lvl="0" marL="0" rtl="0" algn="l">
+            <a:pPr marL="0" lvl="0" indent="0" algn="l" rtl="0">
               <a:spcBef>
                 <a:spcPts val="0"/>
               </a:spcBef>
@@ -1590,11 +1632,11 @@
 </file>
 
 <file path=ppt/notesSlides/notesSlide15.xml><?xml version="1.0" encoding="utf-8"?>
-<p:notes xmlns:a="http://schemas.openxmlformats.org/drawingml/2006/main" xmlns:r="http://schemas.openxmlformats.org/officeDocument/2006/relationships" xmlns:mc="http://schemas.openxmlformats.org/markup-compatibility/2006" xmlns:mv="urn:schemas-microsoft-com:mac:vml" xmlns:p="http://schemas.openxmlformats.org/presentationml/2006/main" xmlns:c="http://schemas.openxmlformats.org/drawingml/2006/chart" xmlns:dgm="http://schemas.openxmlformats.org/drawingml/2006/diagram" xmlns:o="urn:schemas-microsoft-com:office:office" xmlns:v="urn:schemas-microsoft-com:vml" xmlns:pvml="urn:schemas-microsoft-com:office:powerpoint" xmlns:com="http://schemas.openxmlformats.org/drawingml/2006/compatibility" xmlns:p14="http://schemas.microsoft.com/office/powerpoint/2010/main" xmlns:p15="http://schemas.microsoft.com/office/powerpoint/2012/main" xmlns:ahyp="http://schemas.microsoft.com/office/drawing/2018/hyperlinkcolor" showMasterPhAnim="0" showMasterSp="0">
+<p:notes xmlns:a="http://schemas.openxmlformats.org/drawingml/2006/main" xmlns:r="http://schemas.openxmlformats.org/officeDocument/2006/relationships" xmlns:p="http://schemas.openxmlformats.org/presentationml/2006/main" showMasterSp="0" showMasterPhAnim="0">
   <p:cSld>
     <p:spTree>
       <p:nvGrpSpPr>
-        <p:cNvPr id="186" name="Shape 186"/>
+        <p:cNvPr id="1" name="Shape 186"/>
         <p:cNvGrpSpPr/>
         <p:nvPr/>
       </p:nvGrpSpPr>
@@ -1609,9 +1651,11 @@
       <p:sp>
         <p:nvSpPr>
           <p:cNvPr id="187" name="Google Shape;187;g8ed0c59092_1_99:notes"/>
-          <p:cNvSpPr/>
+          <p:cNvSpPr>
+            <a:spLocks noGrp="1" noRot="1" noChangeAspect="1"/>
+          </p:cNvSpPr>
           <p:nvPr>
-            <p:ph idx="2" type="sldImg"/>
+            <p:ph type="sldImg" idx="2"/>
           </p:nvPr>
         </p:nvSpPr>
         <p:spPr>
@@ -1620,9 +1664,13 @@
             <a:ext cx="6096000" cy="3429000"/>
           </a:xfrm>
           <a:custGeom>
-            <a:rect b="b" l="l" r="r" t="t"/>
+            <a:avLst/>
+            <a:gdLst/>
+            <a:ahLst/>
+            <a:cxnLst/>
+            <a:rect l="l" t="t" r="r" b="b"/>
             <a:pathLst>
-              <a:path extrusionOk="0" h="120000" w="120000">
+              <a:path w="120000" h="120000" extrusionOk="0">
                 <a:moveTo>
                   <a:pt x="0" y="0"/>
                 </a:moveTo>
@@ -1644,9 +1692,11 @@
       <p:sp>
         <p:nvSpPr>
           <p:cNvPr id="188" name="Google Shape;188;g8ed0c59092_1_99:notes"/>
-          <p:cNvSpPr txBox="1"/>
+          <p:cNvSpPr txBox="1">
+            <a:spLocks noGrp="1"/>
+          </p:cNvSpPr>
           <p:nvPr>
-            <p:ph idx="1" type="body"/>
+            <p:ph type="body" idx="1"/>
           </p:nvPr>
         </p:nvSpPr>
         <p:spPr>
@@ -1659,12 +1709,12 @@
           </a:prstGeom>
         </p:spPr>
         <p:txBody>
-          <a:bodyPr anchorCtr="0" anchor="t" bIns="91425" lIns="91425" spcFirstLastPara="1" rIns="91425" wrap="square" tIns="91425">
+          <a:bodyPr spcFirstLastPara="1" wrap="square" lIns="91425" tIns="91425" rIns="91425" bIns="91425" anchor="t" anchorCtr="0">
             <a:noAutofit/>
           </a:bodyPr>
           <a:lstStyle/>
           <a:p>
-            <a:pPr indent="0" lvl="0" marL="0" rtl="0" algn="l">
+            <a:pPr marL="0" lvl="0" indent="0" algn="l" rtl="0">
               <a:spcBef>
                 <a:spcPts val="0"/>
               </a:spcBef>
@@ -1680,7 +1730,7 @@
             <a:endParaRPr/>
           </a:p>
           <a:p>
-            <a:pPr indent="0" lvl="0" marL="0" rtl="0" algn="l">
+            <a:pPr marL="0" lvl="0" indent="0" algn="l" rtl="0">
               <a:spcBef>
                 <a:spcPts val="0"/>
               </a:spcBef>
@@ -1696,22 +1746,19 @@
             <a:endParaRPr/>
           </a:p>
           <a:p>
-            <a:pPr indent="0" lvl="0" marL="0" rtl="0" algn="l">
-              <a:spcBef>
-                <a:spcPts val="0"/>
-              </a:spcBef>
-              <a:spcAft>
-                <a:spcPts val="0"/>
-              </a:spcAft>
-              <a:buNone/>
-            </a:pPr>
-            <a:r>
-              <a:t/>
-            </a:r>
+            <a:pPr marL="0" lvl="0" indent="0" algn="l" rtl="0">
+              <a:spcBef>
+                <a:spcPts val="0"/>
+              </a:spcBef>
+              <a:spcAft>
+                <a:spcPts val="0"/>
+              </a:spcAft>
+              <a:buNone/>
+            </a:pPr>
             <a:endParaRPr/>
           </a:p>
           <a:p>
-            <a:pPr indent="0" lvl="0" marL="0" rtl="0" algn="l">
+            <a:pPr marL="0" lvl="0" indent="0" algn="l" rtl="0">
               <a:spcBef>
                 <a:spcPts val="0"/>
               </a:spcBef>
@@ -1727,7 +1774,7 @@
             <a:endParaRPr/>
           </a:p>
           <a:p>
-            <a:pPr indent="0" lvl="0" marL="0" rtl="0" algn="l">
+            <a:pPr marL="0" lvl="0" indent="0" algn="l" rtl="0">
               <a:spcBef>
                 <a:spcPts val="0"/>
               </a:spcBef>
@@ -1746,18 +1793,15 @@
             <a:endParaRPr/>
           </a:p>
           <a:p>
-            <a:pPr indent="0" lvl="0" marL="0" rtl="0" algn="l">
-              <a:spcBef>
-                <a:spcPts val="0"/>
-              </a:spcBef>
-              <a:spcAft>
-                <a:spcPts val="0"/>
-              </a:spcAft>
-              <a:buNone/>
-            </a:pPr>
-            <a:r>
-              <a:t/>
-            </a:r>
+            <a:pPr marL="0" lvl="0" indent="0" algn="l" rtl="0">
+              <a:spcBef>
+                <a:spcPts val="0"/>
+              </a:spcBef>
+              <a:spcAft>
+                <a:spcPts val="0"/>
+              </a:spcAft>
+              <a:buNone/>
+            </a:pPr>
             <a:endParaRPr/>
           </a:p>
         </p:txBody>
@@ -1771,11 +1815,11 @@
 </file>
 
 <file path=ppt/notesSlides/notesSlide16.xml><?xml version="1.0" encoding="utf-8"?>
-<p:notes xmlns:a="http://schemas.openxmlformats.org/drawingml/2006/main" xmlns:r="http://schemas.openxmlformats.org/officeDocument/2006/relationships" xmlns:mc="http://schemas.openxmlformats.org/markup-compatibility/2006" xmlns:mv="urn:schemas-microsoft-com:mac:vml" xmlns:p="http://schemas.openxmlformats.org/presentationml/2006/main" xmlns:c="http://schemas.openxmlformats.org/drawingml/2006/chart" xmlns:dgm="http://schemas.openxmlformats.org/drawingml/2006/diagram" xmlns:o="urn:schemas-microsoft-com:office:office" xmlns:v="urn:schemas-microsoft-com:vml" xmlns:pvml="urn:schemas-microsoft-com:office:powerpoint" xmlns:com="http://schemas.openxmlformats.org/drawingml/2006/compatibility" xmlns:p14="http://schemas.microsoft.com/office/powerpoint/2010/main" xmlns:p15="http://schemas.microsoft.com/office/powerpoint/2012/main" xmlns:ahyp="http://schemas.microsoft.com/office/drawing/2018/hyperlinkcolor" showMasterPhAnim="0" showMasterSp="0">
+<p:notes xmlns:a="http://schemas.openxmlformats.org/drawingml/2006/main" xmlns:r="http://schemas.openxmlformats.org/officeDocument/2006/relationships" xmlns:p="http://schemas.openxmlformats.org/presentationml/2006/main" showMasterSp="0" showMasterPhAnim="0">
   <p:cSld>
     <p:spTree>
       <p:nvGrpSpPr>
-        <p:cNvPr id="192" name="Shape 192"/>
+        <p:cNvPr id="1" name="Shape 192"/>
         <p:cNvGrpSpPr/>
         <p:nvPr/>
       </p:nvGrpSpPr>
@@ -1790,9 +1834,11 @@
       <p:sp>
         <p:nvSpPr>
           <p:cNvPr id="193" name="Google Shape;193;g8ed0c59092_1_105:notes"/>
-          <p:cNvSpPr/>
+          <p:cNvSpPr>
+            <a:spLocks noGrp="1" noRot="1" noChangeAspect="1"/>
+          </p:cNvSpPr>
           <p:nvPr>
-            <p:ph idx="2" type="sldImg"/>
+            <p:ph type="sldImg" idx="2"/>
           </p:nvPr>
         </p:nvSpPr>
         <p:spPr>
@@ -1801,9 +1847,13 @@
             <a:ext cx="6096000" cy="3429000"/>
           </a:xfrm>
           <a:custGeom>
-            <a:rect b="b" l="l" r="r" t="t"/>
+            <a:avLst/>
+            <a:gdLst/>
+            <a:ahLst/>
+            <a:cxnLst/>
+            <a:rect l="l" t="t" r="r" b="b"/>
             <a:pathLst>
-              <a:path extrusionOk="0" h="120000" w="120000">
+              <a:path w="120000" h="120000" extrusionOk="0">
                 <a:moveTo>
                   <a:pt x="0" y="0"/>
                 </a:moveTo>
@@ -1825,9 +1875,11 @@
       <p:sp>
         <p:nvSpPr>
           <p:cNvPr id="194" name="Google Shape;194;g8ed0c59092_1_105:notes"/>
-          <p:cNvSpPr txBox="1"/>
+          <p:cNvSpPr txBox="1">
+            <a:spLocks noGrp="1"/>
+          </p:cNvSpPr>
           <p:nvPr>
-            <p:ph idx="1" type="body"/>
+            <p:ph type="body" idx="1"/>
           </p:nvPr>
         </p:nvSpPr>
         <p:spPr>
@@ -1840,27 +1892,24 @@
           </a:prstGeom>
         </p:spPr>
         <p:txBody>
-          <a:bodyPr anchorCtr="0" anchor="t" bIns="91425" lIns="91425" spcFirstLastPara="1" rIns="91425" wrap="square" tIns="91425">
+          <a:bodyPr spcFirstLastPara="1" wrap="square" lIns="91425" tIns="91425" rIns="91425" bIns="91425" anchor="t" anchorCtr="0">
             <a:noAutofit/>
           </a:bodyPr>
           <a:lstStyle/>
           <a:p>
-            <a:pPr indent="0" lvl="0" marL="0" rtl="0" algn="l">
-              <a:spcBef>
-                <a:spcPts val="0"/>
-              </a:spcBef>
-              <a:spcAft>
-                <a:spcPts val="0"/>
-              </a:spcAft>
-              <a:buNone/>
-            </a:pPr>
-            <a:r>
-              <a:t/>
-            </a:r>
+            <a:pPr marL="0" lvl="0" indent="0" algn="l" rtl="0">
+              <a:spcBef>
+                <a:spcPts val="0"/>
+              </a:spcBef>
+              <a:spcAft>
+                <a:spcPts val="0"/>
+              </a:spcAft>
+              <a:buNone/>
+            </a:pPr>
             <a:endParaRPr/>
           </a:p>
           <a:p>
-            <a:pPr indent="0" lvl="0" marL="0" rtl="0" algn="l">
+            <a:pPr marL="0" lvl="0" indent="0" algn="l" rtl="0">
               <a:spcBef>
                 <a:spcPts val="0"/>
               </a:spcBef>
@@ -1876,22 +1925,19 @@
             <a:endParaRPr/>
           </a:p>
           <a:p>
-            <a:pPr indent="0" lvl="0" marL="0" rtl="0" algn="l">
-              <a:spcBef>
-                <a:spcPts val="0"/>
-              </a:spcBef>
-              <a:spcAft>
-                <a:spcPts val="0"/>
-              </a:spcAft>
-              <a:buNone/>
-            </a:pPr>
-            <a:r>
-              <a:t/>
-            </a:r>
+            <a:pPr marL="0" lvl="0" indent="0" algn="l" rtl="0">
+              <a:spcBef>
+                <a:spcPts val="0"/>
+              </a:spcBef>
+              <a:spcAft>
+                <a:spcPts val="0"/>
+              </a:spcAft>
+              <a:buNone/>
+            </a:pPr>
             <a:endParaRPr/>
           </a:p>
           <a:p>
-            <a:pPr indent="0" lvl="0" marL="0" rtl="0" algn="l">
+            <a:pPr marL="0" lvl="0" indent="0" algn="l" rtl="0">
               <a:spcBef>
                 <a:spcPts val="0"/>
               </a:spcBef>
@@ -1920,11 +1966,11 @@
 </file>
 
 <file path=ppt/notesSlides/notesSlide17.xml><?xml version="1.0" encoding="utf-8"?>
-<p:notes xmlns:a="http://schemas.openxmlformats.org/drawingml/2006/main" xmlns:r="http://schemas.openxmlformats.org/officeDocument/2006/relationships" xmlns:mc="http://schemas.openxmlformats.org/markup-compatibility/2006" xmlns:mv="urn:schemas-microsoft-com:mac:vml" xmlns:p="http://schemas.openxmlformats.org/presentationml/2006/main" xmlns:c="http://schemas.openxmlformats.org/drawingml/2006/chart" xmlns:dgm="http://schemas.openxmlformats.org/drawingml/2006/diagram" xmlns:o="urn:schemas-microsoft-com:office:office" xmlns:v="urn:schemas-microsoft-com:vml" xmlns:pvml="urn:schemas-microsoft-com:office:powerpoint" xmlns:com="http://schemas.openxmlformats.org/drawingml/2006/compatibility" xmlns:p14="http://schemas.microsoft.com/office/powerpoint/2010/main" xmlns:p15="http://schemas.microsoft.com/office/powerpoint/2012/main" xmlns:ahyp="http://schemas.microsoft.com/office/drawing/2018/hyperlinkcolor" showMasterPhAnim="0" showMasterSp="0">
+<p:notes xmlns:a="http://schemas.openxmlformats.org/drawingml/2006/main" xmlns:r="http://schemas.openxmlformats.org/officeDocument/2006/relationships" xmlns:p="http://schemas.openxmlformats.org/presentationml/2006/main" showMasterSp="0" showMasterPhAnim="0">
   <p:cSld>
     <p:spTree>
       <p:nvGrpSpPr>
-        <p:cNvPr id="198" name="Shape 198"/>
+        <p:cNvPr id="1" name="Shape 198"/>
         <p:cNvGrpSpPr/>
         <p:nvPr/>
       </p:nvGrpSpPr>
@@ -1939,9 +1985,11 @@
       <p:sp>
         <p:nvSpPr>
           <p:cNvPr id="199" name="Google Shape;199;g8ed0c59092_1_111:notes"/>
-          <p:cNvSpPr/>
+          <p:cNvSpPr>
+            <a:spLocks noGrp="1" noRot="1" noChangeAspect="1"/>
+          </p:cNvSpPr>
           <p:nvPr>
-            <p:ph idx="2" type="sldImg"/>
+            <p:ph type="sldImg" idx="2"/>
           </p:nvPr>
         </p:nvSpPr>
         <p:spPr>
@@ -1950,9 +1998,13 @@
             <a:ext cx="6096000" cy="3429000"/>
           </a:xfrm>
           <a:custGeom>
-            <a:rect b="b" l="l" r="r" t="t"/>
+            <a:avLst/>
+            <a:gdLst/>
+            <a:ahLst/>
+            <a:cxnLst/>
+            <a:rect l="l" t="t" r="r" b="b"/>
             <a:pathLst>
-              <a:path extrusionOk="0" h="120000" w="120000">
+              <a:path w="120000" h="120000" extrusionOk="0">
                 <a:moveTo>
                   <a:pt x="0" y="0"/>
                 </a:moveTo>
@@ -1974,9 +2026,11 @@
       <p:sp>
         <p:nvSpPr>
           <p:cNvPr id="200" name="Google Shape;200;g8ed0c59092_1_111:notes"/>
-          <p:cNvSpPr txBox="1"/>
+          <p:cNvSpPr txBox="1">
+            <a:spLocks noGrp="1"/>
+          </p:cNvSpPr>
           <p:nvPr>
-            <p:ph idx="1" type="body"/>
+            <p:ph type="body" idx="1"/>
           </p:nvPr>
         </p:nvSpPr>
         <p:spPr>
@@ -1989,12 +2043,12 @@
           </a:prstGeom>
         </p:spPr>
         <p:txBody>
-          <a:bodyPr anchorCtr="0" anchor="t" bIns="91425" lIns="91425" spcFirstLastPara="1" rIns="91425" wrap="square" tIns="91425">
+          <a:bodyPr spcFirstLastPara="1" wrap="square" lIns="91425" tIns="91425" rIns="91425" bIns="91425" anchor="t" anchorCtr="0">
             <a:noAutofit/>
           </a:bodyPr>
           <a:lstStyle/>
           <a:p>
-            <a:pPr indent="0" lvl="0" marL="0" rtl="0" algn="l">
+            <a:pPr marL="0" lvl="0" indent="0" algn="l" rtl="0">
               <a:spcBef>
                 <a:spcPts val="0"/>
               </a:spcBef>
@@ -2010,7 +2064,7 @@
             <a:endParaRPr/>
           </a:p>
           <a:p>
-            <a:pPr indent="0" lvl="0" marL="0" rtl="0" algn="l">
+            <a:pPr marL="0" lvl="0" indent="0" algn="l" rtl="0">
               <a:spcBef>
                 <a:spcPts val="0"/>
               </a:spcBef>
@@ -2026,22 +2080,19 @@
             <a:endParaRPr/>
           </a:p>
           <a:p>
-            <a:pPr indent="0" lvl="0" marL="0" rtl="0" algn="l">
-              <a:spcBef>
-                <a:spcPts val="0"/>
-              </a:spcBef>
-              <a:spcAft>
-                <a:spcPts val="0"/>
-              </a:spcAft>
-              <a:buNone/>
-            </a:pPr>
-            <a:r>
-              <a:t/>
-            </a:r>
+            <a:pPr marL="0" lvl="0" indent="0" algn="l" rtl="0">
+              <a:spcBef>
+                <a:spcPts val="0"/>
+              </a:spcBef>
+              <a:spcAft>
+                <a:spcPts val="0"/>
+              </a:spcAft>
+              <a:buNone/>
+            </a:pPr>
             <a:endParaRPr/>
           </a:p>
           <a:p>
-            <a:pPr indent="0" lvl="0" marL="0" rtl="0" algn="l">
+            <a:pPr marL="0" lvl="0" indent="0" algn="l" rtl="0">
               <a:spcBef>
                 <a:spcPts val="0"/>
               </a:spcBef>
@@ -2077,11 +2128,11 @@
 </file>
 
 <file path=ppt/notesSlides/notesSlide18.xml><?xml version="1.0" encoding="utf-8"?>
-<p:notes xmlns:a="http://schemas.openxmlformats.org/drawingml/2006/main" xmlns:r="http://schemas.openxmlformats.org/officeDocument/2006/relationships" xmlns:mc="http://schemas.openxmlformats.org/markup-compatibility/2006" xmlns:mv="urn:schemas-microsoft-com:mac:vml" xmlns:p="http://schemas.openxmlformats.org/presentationml/2006/main" xmlns:c="http://schemas.openxmlformats.org/drawingml/2006/chart" xmlns:dgm="http://schemas.openxmlformats.org/drawingml/2006/diagram" xmlns:o="urn:schemas-microsoft-com:office:office" xmlns:v="urn:schemas-microsoft-com:vml" xmlns:pvml="urn:schemas-microsoft-com:office:powerpoint" xmlns:com="http://schemas.openxmlformats.org/drawingml/2006/compatibility" xmlns:p14="http://schemas.microsoft.com/office/powerpoint/2010/main" xmlns:p15="http://schemas.microsoft.com/office/powerpoint/2012/main" xmlns:ahyp="http://schemas.microsoft.com/office/drawing/2018/hyperlinkcolor" showMasterPhAnim="0" showMasterSp="0">
+<p:notes xmlns:a="http://schemas.openxmlformats.org/drawingml/2006/main" xmlns:r="http://schemas.openxmlformats.org/officeDocument/2006/relationships" xmlns:p="http://schemas.openxmlformats.org/presentationml/2006/main" showMasterSp="0" showMasterPhAnim="0">
   <p:cSld>
     <p:spTree>
       <p:nvGrpSpPr>
-        <p:cNvPr id="204" name="Shape 204"/>
+        <p:cNvPr id="1" name="Shape 204"/>
         <p:cNvGrpSpPr/>
         <p:nvPr/>
       </p:nvGrpSpPr>
@@ -2096,9 +2147,11 @@
       <p:sp>
         <p:nvSpPr>
           <p:cNvPr id="205" name="Google Shape;205;g8ed0c59092_1_117:notes"/>
-          <p:cNvSpPr/>
+          <p:cNvSpPr>
+            <a:spLocks noGrp="1" noRot="1" noChangeAspect="1"/>
+          </p:cNvSpPr>
           <p:nvPr>
-            <p:ph idx="2" type="sldImg"/>
+            <p:ph type="sldImg" idx="2"/>
           </p:nvPr>
         </p:nvSpPr>
         <p:spPr>
@@ -2107,9 +2160,13 @@
             <a:ext cx="6096000" cy="3429000"/>
           </a:xfrm>
           <a:custGeom>
-            <a:rect b="b" l="l" r="r" t="t"/>
+            <a:avLst/>
+            <a:gdLst/>
+            <a:ahLst/>
+            <a:cxnLst/>
+            <a:rect l="l" t="t" r="r" b="b"/>
             <a:pathLst>
-              <a:path extrusionOk="0" h="120000" w="120000">
+              <a:path w="120000" h="120000" extrusionOk="0">
                 <a:moveTo>
                   <a:pt x="0" y="0"/>
                 </a:moveTo>
@@ -2131,9 +2188,11 @@
       <p:sp>
         <p:nvSpPr>
           <p:cNvPr id="206" name="Google Shape;206;g8ed0c59092_1_117:notes"/>
-          <p:cNvSpPr txBox="1"/>
+          <p:cNvSpPr txBox="1">
+            <a:spLocks noGrp="1"/>
+          </p:cNvSpPr>
           <p:nvPr>
-            <p:ph idx="1" type="body"/>
+            <p:ph type="body" idx="1"/>
           </p:nvPr>
         </p:nvSpPr>
         <p:spPr>
@@ -2146,27 +2205,24 @@
           </a:prstGeom>
         </p:spPr>
         <p:txBody>
-          <a:bodyPr anchorCtr="0" anchor="t" bIns="91425" lIns="91425" spcFirstLastPara="1" rIns="91425" wrap="square" tIns="91425">
+          <a:bodyPr spcFirstLastPara="1" wrap="square" lIns="91425" tIns="91425" rIns="91425" bIns="91425" anchor="t" anchorCtr="0">
             <a:noAutofit/>
           </a:bodyPr>
           <a:lstStyle/>
           <a:p>
-            <a:pPr indent="0" lvl="0" marL="0" rtl="0" algn="l">
-              <a:spcBef>
-                <a:spcPts val="0"/>
-              </a:spcBef>
-              <a:spcAft>
-                <a:spcPts val="0"/>
-              </a:spcAft>
-              <a:buNone/>
-            </a:pPr>
-            <a:r>
-              <a:t/>
-            </a:r>
+            <a:pPr marL="0" lvl="0" indent="0" algn="l" rtl="0">
+              <a:spcBef>
+                <a:spcPts val="0"/>
+              </a:spcBef>
+              <a:spcAft>
+                <a:spcPts val="0"/>
+              </a:spcAft>
+              <a:buNone/>
+            </a:pPr>
             <a:endParaRPr/>
           </a:p>
           <a:p>
-            <a:pPr indent="0" lvl="0" marL="0" rtl="0" algn="l">
+            <a:pPr marL="0" lvl="0" indent="0" algn="l" rtl="0">
               <a:spcBef>
                 <a:spcPts val="0"/>
               </a:spcBef>
@@ -2182,7 +2238,7 @@
             <a:endParaRPr/>
           </a:p>
           <a:p>
-            <a:pPr indent="0" lvl="0" marL="0" rtl="0" algn="l">
+            <a:pPr marL="0" lvl="0" indent="0" algn="l" rtl="0">
               <a:spcBef>
                 <a:spcPts val="0"/>
               </a:spcBef>
@@ -2214,11 +2270,11 @@
 </file>
 
 <file path=ppt/notesSlides/notesSlide19.xml><?xml version="1.0" encoding="utf-8"?>
-<p:notes xmlns:a="http://schemas.openxmlformats.org/drawingml/2006/main" xmlns:r="http://schemas.openxmlformats.org/officeDocument/2006/relationships" xmlns:mc="http://schemas.openxmlformats.org/markup-compatibility/2006" xmlns:mv="urn:schemas-microsoft-com:mac:vml" xmlns:p="http://schemas.openxmlformats.org/presentationml/2006/main" xmlns:c="http://schemas.openxmlformats.org/drawingml/2006/chart" xmlns:dgm="http://schemas.openxmlformats.org/drawingml/2006/diagram" xmlns:o="urn:schemas-microsoft-com:office:office" xmlns:v="urn:schemas-microsoft-com:vml" xmlns:pvml="urn:schemas-microsoft-com:office:powerpoint" xmlns:com="http://schemas.openxmlformats.org/drawingml/2006/compatibility" xmlns:p14="http://schemas.microsoft.com/office/powerpoint/2010/main" xmlns:p15="http://schemas.microsoft.com/office/powerpoint/2012/main" xmlns:ahyp="http://schemas.microsoft.com/office/drawing/2018/hyperlinkcolor" showMasterPhAnim="0" showMasterSp="0">
+<p:notes xmlns:a="http://schemas.openxmlformats.org/drawingml/2006/main" xmlns:r="http://schemas.openxmlformats.org/officeDocument/2006/relationships" xmlns:p="http://schemas.openxmlformats.org/presentationml/2006/main" showMasterSp="0" showMasterPhAnim="0">
   <p:cSld>
     <p:spTree>
       <p:nvGrpSpPr>
-        <p:cNvPr id="210" name="Shape 210"/>
+        <p:cNvPr id="1" name="Shape 210"/>
         <p:cNvGrpSpPr/>
         <p:nvPr/>
       </p:nvGrpSpPr>
@@ -2233,9 +2289,11 @@
       <p:sp>
         <p:nvSpPr>
           <p:cNvPr id="211" name="Google Shape;211;g8ed0c59092_1_123:notes"/>
-          <p:cNvSpPr/>
+          <p:cNvSpPr>
+            <a:spLocks noGrp="1" noRot="1" noChangeAspect="1"/>
+          </p:cNvSpPr>
           <p:nvPr>
-            <p:ph idx="2" type="sldImg"/>
+            <p:ph type="sldImg" idx="2"/>
           </p:nvPr>
         </p:nvSpPr>
         <p:spPr>
@@ -2244,9 +2302,13 @@
             <a:ext cx="6096000" cy="3429000"/>
           </a:xfrm>
           <a:custGeom>
-            <a:rect b="b" l="l" r="r" t="t"/>
+            <a:avLst/>
+            <a:gdLst/>
+            <a:ahLst/>
+            <a:cxnLst/>
+            <a:rect l="l" t="t" r="r" b="b"/>
             <a:pathLst>
-              <a:path extrusionOk="0" h="120000" w="120000">
+              <a:path w="120000" h="120000" extrusionOk="0">
                 <a:moveTo>
                   <a:pt x="0" y="0"/>
                 </a:moveTo>
@@ -2268,9 +2330,11 @@
       <p:sp>
         <p:nvSpPr>
           <p:cNvPr id="212" name="Google Shape;212;g8ed0c59092_1_123:notes"/>
-          <p:cNvSpPr txBox="1"/>
+          <p:cNvSpPr txBox="1">
+            <a:spLocks noGrp="1"/>
+          </p:cNvSpPr>
           <p:nvPr>
-            <p:ph idx="1" type="body"/>
+            <p:ph type="body" idx="1"/>
           </p:nvPr>
         </p:nvSpPr>
         <p:spPr>
@@ -2283,12 +2347,12 @@
           </a:prstGeom>
         </p:spPr>
         <p:txBody>
-          <a:bodyPr anchorCtr="0" anchor="t" bIns="91425" lIns="91425" spcFirstLastPara="1" rIns="91425" wrap="square" tIns="91425">
+          <a:bodyPr spcFirstLastPara="1" wrap="square" lIns="91425" tIns="91425" rIns="91425" bIns="91425" anchor="t" anchorCtr="0">
             <a:noAutofit/>
           </a:bodyPr>
           <a:lstStyle/>
           <a:p>
-            <a:pPr indent="0" lvl="0" marL="0" rtl="0" algn="l">
+            <a:pPr marL="0" lvl="0" indent="0" algn="l" rtl="0">
               <a:spcBef>
                 <a:spcPts val="0"/>
               </a:spcBef>
@@ -2304,7 +2368,7 @@
             <a:endParaRPr/>
           </a:p>
           <a:p>
-            <a:pPr indent="0" lvl="0" marL="0" rtl="0" algn="l">
+            <a:pPr marL="0" lvl="0" indent="0" algn="l" rtl="0">
               <a:spcBef>
                 <a:spcPts val="0"/>
               </a:spcBef>
@@ -2330,11 +2394,11 @@
 </file>
 
 <file path=ppt/notesSlides/notesSlide2.xml><?xml version="1.0" encoding="utf-8"?>
-<p:notes xmlns:a="http://schemas.openxmlformats.org/drawingml/2006/main" xmlns:r="http://schemas.openxmlformats.org/officeDocument/2006/relationships" xmlns:mc="http://schemas.openxmlformats.org/markup-compatibility/2006" xmlns:mv="urn:schemas-microsoft-com:mac:vml" xmlns:p="http://schemas.openxmlformats.org/presentationml/2006/main" xmlns:c="http://schemas.openxmlformats.org/drawingml/2006/chart" xmlns:dgm="http://schemas.openxmlformats.org/drawingml/2006/diagram" xmlns:o="urn:schemas-microsoft-com:office:office" xmlns:v="urn:schemas-microsoft-com:vml" xmlns:pvml="urn:schemas-microsoft-com:office:powerpoint" xmlns:com="http://schemas.openxmlformats.org/drawingml/2006/compatibility" xmlns:p14="http://schemas.microsoft.com/office/powerpoint/2010/main" xmlns:p15="http://schemas.microsoft.com/office/powerpoint/2012/main" xmlns:ahyp="http://schemas.microsoft.com/office/drawing/2018/hyperlinkcolor" showMasterPhAnim="0" showMasterSp="0">
+<p:notes xmlns:a="http://schemas.openxmlformats.org/drawingml/2006/main" xmlns:r="http://schemas.openxmlformats.org/officeDocument/2006/relationships" xmlns:p="http://schemas.openxmlformats.org/presentationml/2006/main" showMasterSp="0" showMasterPhAnim="0">
   <p:cSld>
     <p:spTree>
       <p:nvGrpSpPr>
-        <p:cNvPr id="65" name="Shape 65"/>
+        <p:cNvPr id="1" name="Shape 65"/>
         <p:cNvGrpSpPr/>
         <p:nvPr/>
       </p:nvGrpSpPr>
@@ -2349,9 +2413,11 @@
       <p:sp>
         <p:nvSpPr>
           <p:cNvPr id="66" name="Google Shape;66;g8ed0c59092_0_162:notes"/>
-          <p:cNvSpPr/>
+          <p:cNvSpPr>
+            <a:spLocks noGrp="1" noRot="1" noChangeAspect="1"/>
+          </p:cNvSpPr>
           <p:nvPr>
-            <p:ph idx="2" type="sldImg"/>
+            <p:ph type="sldImg" idx="2"/>
           </p:nvPr>
         </p:nvSpPr>
         <p:spPr>
@@ -2360,9 +2426,13 @@
             <a:ext cx="6096000" cy="3429000"/>
           </a:xfrm>
           <a:custGeom>
-            <a:rect b="b" l="l" r="r" t="t"/>
+            <a:avLst/>
+            <a:gdLst/>
+            <a:ahLst/>
+            <a:cxnLst/>
+            <a:rect l="l" t="t" r="r" b="b"/>
             <a:pathLst>
-              <a:path extrusionOk="0" h="120000" w="120000">
+              <a:path w="120000" h="120000" extrusionOk="0">
                 <a:moveTo>
                   <a:pt x="0" y="0"/>
                 </a:moveTo>
@@ -2384,9 +2454,11 @@
       <p:sp>
         <p:nvSpPr>
           <p:cNvPr id="67" name="Google Shape;67;g8ed0c59092_0_162:notes"/>
-          <p:cNvSpPr txBox="1"/>
+          <p:cNvSpPr txBox="1">
+            <a:spLocks noGrp="1"/>
+          </p:cNvSpPr>
           <p:nvPr>
-            <p:ph idx="1" type="body"/>
+            <p:ph type="body" idx="1"/>
           </p:nvPr>
         </p:nvSpPr>
         <p:spPr>
@@ -2399,12 +2471,12 @@
           </a:prstGeom>
         </p:spPr>
         <p:txBody>
-          <a:bodyPr anchorCtr="0" anchor="t" bIns="91425" lIns="91425" spcFirstLastPara="1" rIns="91425" wrap="square" tIns="91425">
+          <a:bodyPr spcFirstLastPara="1" wrap="square" lIns="91425" tIns="91425" rIns="91425" bIns="91425" anchor="t" anchorCtr="0">
             <a:noAutofit/>
           </a:bodyPr>
           <a:lstStyle/>
           <a:p>
-            <a:pPr indent="0" lvl="0" marL="0" rtl="0" algn="l">
+            <a:pPr marL="0" lvl="0" indent="0" algn="l" rtl="0">
               <a:spcBef>
                 <a:spcPts val="0"/>
               </a:spcBef>
@@ -2418,7 +2490,7 @@
               <a:t>-Consequent to our goals, we are </a:t>
             </a:r>
             <a:r>
-              <a:rPr i="1" lang="en"/>
+              <a:rPr lang="en" i="1"/>
               <a:t>not</a:t>
             </a:r>
             <a:r>
@@ -2445,11 +2517,11 @@
 </file>
 
 <file path=ppt/notesSlides/notesSlide20.xml><?xml version="1.0" encoding="utf-8"?>
-<p:notes xmlns:a="http://schemas.openxmlformats.org/drawingml/2006/main" xmlns:r="http://schemas.openxmlformats.org/officeDocument/2006/relationships" xmlns:mc="http://schemas.openxmlformats.org/markup-compatibility/2006" xmlns:mv="urn:schemas-microsoft-com:mac:vml" xmlns:p="http://schemas.openxmlformats.org/presentationml/2006/main" xmlns:c="http://schemas.openxmlformats.org/drawingml/2006/chart" xmlns:dgm="http://schemas.openxmlformats.org/drawingml/2006/diagram" xmlns:o="urn:schemas-microsoft-com:office:office" xmlns:v="urn:schemas-microsoft-com:vml" xmlns:pvml="urn:schemas-microsoft-com:office:powerpoint" xmlns:com="http://schemas.openxmlformats.org/drawingml/2006/compatibility" xmlns:p14="http://schemas.microsoft.com/office/powerpoint/2010/main" xmlns:p15="http://schemas.microsoft.com/office/powerpoint/2012/main" xmlns:ahyp="http://schemas.microsoft.com/office/drawing/2018/hyperlinkcolor" showMasterPhAnim="0" showMasterSp="0">
+<p:notes xmlns:a="http://schemas.openxmlformats.org/drawingml/2006/main" xmlns:r="http://schemas.openxmlformats.org/officeDocument/2006/relationships" xmlns:p="http://schemas.openxmlformats.org/presentationml/2006/main" showMasterSp="0" showMasterPhAnim="0">
   <p:cSld>
     <p:spTree>
       <p:nvGrpSpPr>
-        <p:cNvPr id="216" name="Shape 216"/>
+        <p:cNvPr id="1" name="Shape 216"/>
         <p:cNvGrpSpPr/>
         <p:nvPr/>
       </p:nvGrpSpPr>
@@ -2464,9 +2536,11 @@
       <p:sp>
         <p:nvSpPr>
           <p:cNvPr id="217" name="Google Shape;217;g8ed0c59092_0_192:notes"/>
-          <p:cNvSpPr/>
+          <p:cNvSpPr>
+            <a:spLocks noGrp="1" noRot="1" noChangeAspect="1"/>
+          </p:cNvSpPr>
           <p:nvPr>
-            <p:ph idx="2" type="sldImg"/>
+            <p:ph type="sldImg" idx="2"/>
           </p:nvPr>
         </p:nvSpPr>
         <p:spPr>
@@ -2475,9 +2549,13 @@
             <a:ext cx="6096000" cy="3429000"/>
           </a:xfrm>
           <a:custGeom>
-            <a:rect b="b" l="l" r="r" t="t"/>
+            <a:avLst/>
+            <a:gdLst/>
+            <a:ahLst/>
+            <a:cxnLst/>
+            <a:rect l="l" t="t" r="r" b="b"/>
             <a:pathLst>
-              <a:path extrusionOk="0" h="120000" w="120000">
+              <a:path w="120000" h="120000" extrusionOk="0">
                 <a:moveTo>
                   <a:pt x="0" y="0"/>
                 </a:moveTo>
@@ -2499,9 +2577,11 @@
       <p:sp>
         <p:nvSpPr>
           <p:cNvPr id="218" name="Google Shape;218;g8ed0c59092_0_192:notes"/>
-          <p:cNvSpPr txBox="1"/>
+          <p:cNvSpPr txBox="1">
+            <a:spLocks noGrp="1"/>
+          </p:cNvSpPr>
           <p:nvPr>
-            <p:ph idx="1" type="body"/>
+            <p:ph type="body" idx="1"/>
           </p:nvPr>
         </p:nvSpPr>
         <p:spPr>
@@ -2514,23 +2594,20 @@
           </a:prstGeom>
         </p:spPr>
         <p:txBody>
-          <a:bodyPr anchorCtr="0" anchor="t" bIns="91425" lIns="91425" spcFirstLastPara="1" rIns="91425" wrap="square" tIns="91425">
+          <a:bodyPr spcFirstLastPara="1" wrap="square" lIns="91425" tIns="91425" rIns="91425" bIns="91425" anchor="t" anchorCtr="0">
             <a:noAutofit/>
           </a:bodyPr>
           <a:lstStyle/>
           <a:p>
-            <a:pPr indent="0" lvl="0" marL="0" rtl="0" algn="l">
-              <a:spcBef>
-                <a:spcPts val="0"/>
-              </a:spcBef>
-              <a:spcAft>
-                <a:spcPts val="0"/>
-              </a:spcAft>
-              <a:buNone/>
-            </a:pPr>
-            <a:r>
-              <a:t/>
-            </a:r>
+            <a:pPr marL="0" lvl="0" indent="0" algn="l" rtl="0">
+              <a:spcBef>
+                <a:spcPts val="0"/>
+              </a:spcBef>
+              <a:spcAft>
+                <a:spcPts val="0"/>
+              </a:spcAft>
+              <a:buNone/>
+            </a:pPr>
             <a:endParaRPr/>
           </a:p>
         </p:txBody>
@@ -2544,11 +2621,11 @@
 </file>
 
 <file path=ppt/notesSlides/notesSlide21.xml><?xml version="1.0" encoding="utf-8"?>
-<p:notes xmlns:a="http://schemas.openxmlformats.org/drawingml/2006/main" xmlns:r="http://schemas.openxmlformats.org/officeDocument/2006/relationships" xmlns:mc="http://schemas.openxmlformats.org/markup-compatibility/2006" xmlns:mv="urn:schemas-microsoft-com:mac:vml" xmlns:p="http://schemas.openxmlformats.org/presentationml/2006/main" xmlns:c="http://schemas.openxmlformats.org/drawingml/2006/chart" xmlns:dgm="http://schemas.openxmlformats.org/drawingml/2006/diagram" xmlns:o="urn:schemas-microsoft-com:office:office" xmlns:v="urn:schemas-microsoft-com:vml" xmlns:pvml="urn:schemas-microsoft-com:office:powerpoint" xmlns:com="http://schemas.openxmlformats.org/drawingml/2006/compatibility" xmlns:p14="http://schemas.microsoft.com/office/powerpoint/2010/main" xmlns:p15="http://schemas.microsoft.com/office/powerpoint/2012/main" xmlns:ahyp="http://schemas.microsoft.com/office/drawing/2018/hyperlinkcolor" showMasterPhAnim="0" showMasterSp="0">
+<p:notes xmlns:a="http://schemas.openxmlformats.org/drawingml/2006/main" xmlns:r="http://schemas.openxmlformats.org/officeDocument/2006/relationships" xmlns:p="http://schemas.openxmlformats.org/presentationml/2006/main" showMasterSp="0" showMasterPhAnim="0">
   <p:cSld>
     <p:spTree>
       <p:nvGrpSpPr>
-        <p:cNvPr id="221" name="Shape 221"/>
+        <p:cNvPr id="1" name="Shape 221"/>
         <p:cNvGrpSpPr/>
         <p:nvPr/>
       </p:nvGrpSpPr>
@@ -2563,9 +2640,11 @@
       <p:sp>
         <p:nvSpPr>
           <p:cNvPr id="222" name="Google Shape;222;g8ed0c59092_0_215:notes"/>
-          <p:cNvSpPr/>
+          <p:cNvSpPr>
+            <a:spLocks noGrp="1" noRot="1" noChangeAspect="1"/>
+          </p:cNvSpPr>
           <p:nvPr>
-            <p:ph idx="2" type="sldImg"/>
+            <p:ph type="sldImg" idx="2"/>
           </p:nvPr>
         </p:nvSpPr>
         <p:spPr>
@@ -2574,9 +2653,13 @@
             <a:ext cx="6096000" cy="3429000"/>
           </a:xfrm>
           <a:custGeom>
-            <a:rect b="b" l="l" r="r" t="t"/>
+            <a:avLst/>
+            <a:gdLst/>
+            <a:ahLst/>
+            <a:cxnLst/>
+            <a:rect l="l" t="t" r="r" b="b"/>
             <a:pathLst>
-              <a:path extrusionOk="0" h="120000" w="120000">
+              <a:path w="120000" h="120000" extrusionOk="0">
                 <a:moveTo>
                   <a:pt x="0" y="0"/>
                 </a:moveTo>
@@ -2598,9 +2681,11 @@
       <p:sp>
         <p:nvSpPr>
           <p:cNvPr id="223" name="Google Shape;223;g8ed0c59092_0_215:notes"/>
-          <p:cNvSpPr txBox="1"/>
+          <p:cNvSpPr txBox="1">
+            <a:spLocks noGrp="1"/>
+          </p:cNvSpPr>
           <p:nvPr>
-            <p:ph idx="1" type="body"/>
+            <p:ph type="body" idx="1"/>
           </p:nvPr>
         </p:nvSpPr>
         <p:spPr>
@@ -2613,12 +2698,12 @@
           </a:prstGeom>
         </p:spPr>
         <p:txBody>
-          <a:bodyPr anchorCtr="0" anchor="t" bIns="91425" lIns="91425" spcFirstLastPara="1" rIns="91425" wrap="square" tIns="91425">
+          <a:bodyPr spcFirstLastPara="1" wrap="square" lIns="91425" tIns="91425" rIns="91425" bIns="91425" anchor="t" anchorCtr="0">
             <a:noAutofit/>
           </a:bodyPr>
           <a:lstStyle/>
           <a:p>
-            <a:pPr indent="0" lvl="0" marL="0" rtl="0" algn="l">
+            <a:pPr marL="0" lvl="0" indent="0" algn="l" rtl="0">
               <a:spcBef>
                 <a:spcPts val="0"/>
               </a:spcBef>
@@ -2634,7 +2719,7 @@
             <a:endParaRPr/>
           </a:p>
           <a:p>
-            <a:pPr indent="0" lvl="0" marL="0" rtl="0" algn="l">
+            <a:pPr marL="0" lvl="0" indent="0" algn="l" rtl="0">
               <a:spcBef>
                 <a:spcPts val="0"/>
               </a:spcBef>
@@ -2650,22 +2735,19 @@
             <a:endParaRPr/>
           </a:p>
           <a:p>
-            <a:pPr indent="0" lvl="0" marL="0" rtl="0" algn="l">
-              <a:spcBef>
-                <a:spcPts val="0"/>
-              </a:spcBef>
-              <a:spcAft>
-                <a:spcPts val="0"/>
-              </a:spcAft>
-              <a:buNone/>
-            </a:pPr>
-            <a:r>
-              <a:t/>
-            </a:r>
+            <a:pPr marL="0" lvl="0" indent="0" algn="l" rtl="0">
+              <a:spcBef>
+                <a:spcPts val="0"/>
+              </a:spcBef>
+              <a:spcAft>
+                <a:spcPts val="0"/>
+              </a:spcAft>
+              <a:buNone/>
+            </a:pPr>
             <a:endParaRPr/>
           </a:p>
           <a:p>
-            <a:pPr indent="0" lvl="0" marL="0" rtl="0" algn="l">
+            <a:pPr marL="0" lvl="0" indent="0" algn="l" rtl="0">
               <a:spcBef>
                 <a:spcPts val="0"/>
               </a:spcBef>
@@ -2681,22 +2763,19 @@
             <a:endParaRPr/>
           </a:p>
           <a:p>
-            <a:pPr indent="0" lvl="0" marL="0" rtl="0" algn="l">
-              <a:spcBef>
-                <a:spcPts val="0"/>
-              </a:spcBef>
-              <a:spcAft>
-                <a:spcPts val="0"/>
-              </a:spcAft>
-              <a:buNone/>
-            </a:pPr>
-            <a:r>
-              <a:t/>
-            </a:r>
+            <a:pPr marL="0" lvl="0" indent="0" algn="l" rtl="0">
+              <a:spcBef>
+                <a:spcPts val="0"/>
+              </a:spcBef>
+              <a:spcAft>
+                <a:spcPts val="0"/>
+              </a:spcAft>
+              <a:buNone/>
+            </a:pPr>
             <a:endParaRPr/>
           </a:p>
           <a:p>
-            <a:pPr indent="-330200" lvl="0" marL="457200" rtl="0" algn="l">
+            <a:pPr marL="457200" lvl="0" indent="-330200" algn="l" rtl="0">
               <a:lnSpc>
                 <a:spcPct val="115000"/>
               </a:lnSpc>
@@ -2747,7 +2826,7 @@
             </a:endParaRPr>
           </a:p>
           <a:p>
-            <a:pPr indent="-330200" lvl="0" marL="457200" rtl="0" algn="l">
+            <a:pPr marL="457200" lvl="0" indent="-330200" algn="l" rtl="0">
               <a:lnSpc>
                 <a:spcPct val="115000"/>
               </a:lnSpc>
@@ -2798,7 +2877,7 @@
             </a:endParaRPr>
           </a:p>
           <a:p>
-            <a:pPr indent="-330200" lvl="0" marL="457200" rtl="0" algn="l">
+            <a:pPr marL="457200" lvl="0" indent="-330200" algn="l" rtl="0">
               <a:lnSpc>
                 <a:spcPct val="115000"/>
               </a:lnSpc>
@@ -2849,7 +2928,7 @@
             </a:endParaRPr>
           </a:p>
           <a:p>
-            <a:pPr indent="-330200" lvl="0" marL="457200" rtl="0" algn="l">
+            <a:pPr marL="457200" lvl="0" indent="-330200" algn="l" rtl="0">
               <a:lnSpc>
                 <a:spcPct val="115000"/>
               </a:lnSpc>
@@ -2900,7 +2979,7 @@
             </a:endParaRPr>
           </a:p>
           <a:p>
-            <a:pPr indent="-330200" lvl="0" marL="457200" rtl="0" algn="l">
+            <a:pPr marL="457200" lvl="0" indent="-330200" algn="l" rtl="0">
               <a:lnSpc>
                 <a:spcPct val="115000"/>
               </a:lnSpc>
@@ -2951,7 +3030,7 @@
             </a:endParaRPr>
           </a:p>
           <a:p>
-            <a:pPr indent="-330200" lvl="0" marL="457200" rtl="0" algn="l">
+            <a:pPr marL="457200" lvl="0" indent="-330200" algn="l" rtl="0">
               <a:lnSpc>
                 <a:spcPct val="115000"/>
               </a:lnSpc>
@@ -2991,7 +3070,7 @@
             </a:endParaRPr>
           </a:p>
           <a:p>
-            <a:pPr indent="0" lvl="0" marL="457200" rtl="0" algn="l">
+            <a:pPr marL="457200" lvl="0" indent="0" algn="l" rtl="0">
               <a:lnSpc>
                 <a:spcPct val="115000"/>
               </a:lnSpc>
@@ -3003,9 +3082,6 @@
               </a:spcAft>
               <a:buNone/>
             </a:pPr>
-            <a:r>
-              <a:t/>
-            </a:r>
             <a:endParaRPr sz="1800">
               <a:solidFill>
                 <a:schemeClr val="dk1"/>
@@ -3017,7 +3093,7 @@
             </a:endParaRPr>
           </a:p>
           <a:p>
-            <a:pPr indent="0" lvl="0" marL="0" rtl="0" algn="l">
+            <a:pPr marL="0" lvl="0" indent="0" algn="l" rtl="0">
               <a:spcBef>
                 <a:spcPts val="1600"/>
               </a:spcBef>
@@ -3026,9 +3102,6 @@
               </a:spcAft>
               <a:buNone/>
             </a:pPr>
-            <a:r>
-              <a:t/>
-            </a:r>
             <a:endParaRPr/>
           </a:p>
         </p:txBody>
@@ -3042,11 +3115,11 @@
 </file>
 
 <file path=ppt/notesSlides/notesSlide22.xml><?xml version="1.0" encoding="utf-8"?>
-<p:notes xmlns:a="http://schemas.openxmlformats.org/drawingml/2006/main" xmlns:r="http://schemas.openxmlformats.org/officeDocument/2006/relationships" xmlns:mc="http://schemas.openxmlformats.org/markup-compatibility/2006" xmlns:mv="urn:schemas-microsoft-com:mac:vml" xmlns:p="http://schemas.openxmlformats.org/presentationml/2006/main" xmlns:c="http://schemas.openxmlformats.org/drawingml/2006/chart" xmlns:dgm="http://schemas.openxmlformats.org/drawingml/2006/diagram" xmlns:o="urn:schemas-microsoft-com:office:office" xmlns:v="urn:schemas-microsoft-com:vml" xmlns:pvml="urn:schemas-microsoft-com:office:powerpoint" xmlns:com="http://schemas.openxmlformats.org/drawingml/2006/compatibility" xmlns:p14="http://schemas.microsoft.com/office/powerpoint/2010/main" xmlns:p15="http://schemas.microsoft.com/office/powerpoint/2012/main" xmlns:ahyp="http://schemas.microsoft.com/office/drawing/2018/hyperlinkcolor" showMasterPhAnim="0" showMasterSp="0">
+<p:notes xmlns:a="http://schemas.openxmlformats.org/drawingml/2006/main" xmlns:r="http://schemas.openxmlformats.org/officeDocument/2006/relationships" xmlns:p="http://schemas.openxmlformats.org/presentationml/2006/main" showMasterSp="0" showMasterPhAnim="0">
   <p:cSld>
     <p:spTree>
       <p:nvGrpSpPr>
-        <p:cNvPr id="228" name="Shape 228"/>
+        <p:cNvPr id="1" name="Shape 228"/>
         <p:cNvGrpSpPr/>
         <p:nvPr/>
       </p:nvGrpSpPr>
@@ -3061,9 +3134,11 @@
       <p:sp>
         <p:nvSpPr>
           <p:cNvPr id="229" name="Google Shape;229;g8ed0c59092_0_229:notes"/>
-          <p:cNvSpPr/>
+          <p:cNvSpPr>
+            <a:spLocks noGrp="1" noRot="1" noChangeAspect="1"/>
+          </p:cNvSpPr>
           <p:nvPr>
-            <p:ph idx="2" type="sldImg"/>
+            <p:ph type="sldImg" idx="2"/>
           </p:nvPr>
         </p:nvSpPr>
         <p:spPr>
@@ -3072,9 +3147,13 @@
             <a:ext cx="6096000" cy="3429000"/>
           </a:xfrm>
           <a:custGeom>
-            <a:rect b="b" l="l" r="r" t="t"/>
+            <a:avLst/>
+            <a:gdLst/>
+            <a:ahLst/>
+            <a:cxnLst/>
+            <a:rect l="l" t="t" r="r" b="b"/>
             <a:pathLst>
-              <a:path extrusionOk="0" h="120000" w="120000">
+              <a:path w="120000" h="120000" extrusionOk="0">
                 <a:moveTo>
                   <a:pt x="0" y="0"/>
                 </a:moveTo>
@@ -3096,9 +3175,11 @@
       <p:sp>
         <p:nvSpPr>
           <p:cNvPr id="230" name="Google Shape;230;g8ed0c59092_0_229:notes"/>
-          <p:cNvSpPr txBox="1"/>
+          <p:cNvSpPr txBox="1">
+            <a:spLocks noGrp="1"/>
+          </p:cNvSpPr>
           <p:nvPr>
-            <p:ph idx="1" type="body"/>
+            <p:ph type="body" idx="1"/>
           </p:nvPr>
         </p:nvSpPr>
         <p:spPr>
@@ -3111,23 +3192,20 @@
           </a:prstGeom>
         </p:spPr>
         <p:txBody>
-          <a:bodyPr anchorCtr="0" anchor="t" bIns="91425" lIns="91425" spcFirstLastPara="1" rIns="91425" wrap="square" tIns="91425">
+          <a:bodyPr spcFirstLastPara="1" wrap="square" lIns="91425" tIns="91425" rIns="91425" bIns="91425" anchor="t" anchorCtr="0">
             <a:noAutofit/>
           </a:bodyPr>
           <a:lstStyle/>
           <a:p>
-            <a:pPr indent="0" lvl="0" marL="0" rtl="0" algn="l">
-              <a:spcBef>
-                <a:spcPts val="0"/>
-              </a:spcBef>
-              <a:spcAft>
-                <a:spcPts val="0"/>
-              </a:spcAft>
-              <a:buNone/>
-            </a:pPr>
-            <a:r>
-              <a:t/>
-            </a:r>
+            <a:pPr marL="0" lvl="0" indent="0" algn="l" rtl="0">
+              <a:spcBef>
+                <a:spcPts val="0"/>
+              </a:spcBef>
+              <a:spcAft>
+                <a:spcPts val="0"/>
+              </a:spcAft>
+              <a:buNone/>
+            </a:pPr>
             <a:endParaRPr/>
           </a:p>
         </p:txBody>
@@ -3141,11 +3219,11 @@
 </file>
 
 <file path=ppt/notesSlides/notesSlide23.xml><?xml version="1.0" encoding="utf-8"?>
-<p:notes xmlns:a="http://schemas.openxmlformats.org/drawingml/2006/main" xmlns:r="http://schemas.openxmlformats.org/officeDocument/2006/relationships" xmlns:mc="http://schemas.openxmlformats.org/markup-compatibility/2006" xmlns:mv="urn:schemas-microsoft-com:mac:vml" xmlns:p="http://schemas.openxmlformats.org/presentationml/2006/main" xmlns:c="http://schemas.openxmlformats.org/drawingml/2006/chart" xmlns:dgm="http://schemas.openxmlformats.org/drawingml/2006/diagram" xmlns:o="urn:schemas-microsoft-com:office:office" xmlns:v="urn:schemas-microsoft-com:vml" xmlns:pvml="urn:schemas-microsoft-com:office:powerpoint" xmlns:com="http://schemas.openxmlformats.org/drawingml/2006/compatibility" xmlns:p14="http://schemas.microsoft.com/office/powerpoint/2010/main" xmlns:p15="http://schemas.microsoft.com/office/powerpoint/2012/main" xmlns:ahyp="http://schemas.microsoft.com/office/drawing/2018/hyperlinkcolor" showMasterPhAnim="0" showMasterSp="0">
+<p:notes xmlns:a="http://schemas.openxmlformats.org/drawingml/2006/main" xmlns:r="http://schemas.openxmlformats.org/officeDocument/2006/relationships" xmlns:p="http://schemas.openxmlformats.org/presentationml/2006/main" showMasterSp="0" showMasterPhAnim="0">
   <p:cSld>
     <p:spTree>
       <p:nvGrpSpPr>
-        <p:cNvPr id="235" name="Shape 235"/>
+        <p:cNvPr id="1" name="Shape 235"/>
         <p:cNvGrpSpPr/>
         <p:nvPr/>
       </p:nvGrpSpPr>
@@ -3160,9 +3238,11 @@
       <p:sp>
         <p:nvSpPr>
           <p:cNvPr id="236" name="Google Shape;236;g8ed0c59092_0_239:notes"/>
-          <p:cNvSpPr/>
+          <p:cNvSpPr>
+            <a:spLocks noGrp="1" noRot="1" noChangeAspect="1"/>
+          </p:cNvSpPr>
           <p:nvPr>
-            <p:ph idx="2" type="sldImg"/>
+            <p:ph type="sldImg" idx="2"/>
           </p:nvPr>
         </p:nvSpPr>
         <p:spPr>
@@ -3171,9 +3251,13 @@
             <a:ext cx="6096000" cy="3429000"/>
           </a:xfrm>
           <a:custGeom>
-            <a:rect b="b" l="l" r="r" t="t"/>
+            <a:avLst/>
+            <a:gdLst/>
+            <a:ahLst/>
+            <a:cxnLst/>
+            <a:rect l="l" t="t" r="r" b="b"/>
             <a:pathLst>
-              <a:path extrusionOk="0" h="120000" w="120000">
+              <a:path w="120000" h="120000" extrusionOk="0">
                 <a:moveTo>
                   <a:pt x="0" y="0"/>
                 </a:moveTo>
@@ -3195,9 +3279,11 @@
       <p:sp>
         <p:nvSpPr>
           <p:cNvPr id="237" name="Google Shape;237;g8ed0c59092_0_239:notes"/>
-          <p:cNvSpPr txBox="1"/>
+          <p:cNvSpPr txBox="1">
+            <a:spLocks noGrp="1"/>
+          </p:cNvSpPr>
           <p:nvPr>
-            <p:ph idx="1" type="body"/>
+            <p:ph type="body" idx="1"/>
           </p:nvPr>
         </p:nvSpPr>
         <p:spPr>
@@ -3210,12 +3296,12 @@
           </a:prstGeom>
         </p:spPr>
         <p:txBody>
-          <a:bodyPr anchorCtr="0" anchor="t" bIns="91425" lIns="91425" spcFirstLastPara="1" rIns="91425" wrap="square" tIns="91425">
+          <a:bodyPr spcFirstLastPara="1" wrap="square" lIns="91425" tIns="91425" rIns="91425" bIns="91425" anchor="t" anchorCtr="0">
             <a:noAutofit/>
           </a:bodyPr>
           <a:lstStyle/>
           <a:p>
-            <a:pPr indent="0" lvl="0" marL="0" rtl="0" algn="l">
+            <a:pPr marL="0" lvl="0" indent="0" algn="l" rtl="0">
               <a:spcBef>
                 <a:spcPts val="0"/>
               </a:spcBef>
@@ -3245,7 +3331,7 @@
             </a:endParaRPr>
           </a:p>
           <a:p>
-            <a:pPr indent="-342900" lvl="0" marL="457200" rtl="0" algn="l">
+            <a:pPr marL="457200" lvl="0" indent="-342900" algn="l" rtl="0">
               <a:lnSpc>
                 <a:spcPct val="115000"/>
               </a:lnSpc>
@@ -3285,7 +3371,7 @@
             </a:endParaRPr>
           </a:p>
           <a:p>
-            <a:pPr indent="-342900" lvl="0" marL="457200" rtl="0" algn="l">
+            <a:pPr marL="457200" lvl="0" indent="-342900" algn="l" rtl="0">
               <a:lnSpc>
                 <a:spcPct val="115000"/>
               </a:lnSpc>
@@ -3325,7 +3411,7 @@
             </a:endParaRPr>
           </a:p>
           <a:p>
-            <a:pPr indent="-342900" lvl="0" marL="457200" rtl="0" algn="l">
+            <a:pPr marL="457200" lvl="0" indent="-342900" algn="l" rtl="0">
               <a:lnSpc>
                 <a:spcPct val="115000"/>
               </a:lnSpc>
@@ -3365,7 +3451,7 @@
             </a:endParaRPr>
           </a:p>
           <a:p>
-            <a:pPr indent="-317500" lvl="1" marL="914400" rtl="0" algn="l">
+            <a:pPr marL="914400" lvl="1" indent="-317500" algn="l" rtl="0">
               <a:lnSpc>
                 <a:spcPct val="115000"/>
               </a:lnSpc>
@@ -3405,7 +3491,7 @@
             </a:endParaRPr>
           </a:p>
           <a:p>
-            <a:pPr indent="-317500" lvl="1" marL="914400" rtl="0" algn="l">
+            <a:pPr marL="914400" lvl="1" indent="-317500" algn="l" rtl="0">
               <a:lnSpc>
                 <a:spcPct val="115000"/>
               </a:lnSpc>
@@ -3445,7 +3531,7 @@
             </a:endParaRPr>
           </a:p>
           <a:p>
-            <a:pPr indent="-342900" lvl="0" marL="457200" rtl="0" algn="l">
+            <a:pPr marL="457200" lvl="0" indent="-342900" algn="l" rtl="0">
               <a:lnSpc>
                 <a:spcPct val="115000"/>
               </a:lnSpc>
@@ -3485,7 +3571,7 @@
             </a:endParaRPr>
           </a:p>
           <a:p>
-            <a:pPr indent="0" lvl="0" marL="0" rtl="0" algn="l">
+            <a:pPr marL="0" lvl="0" indent="0" algn="l" rtl="0">
               <a:spcBef>
                 <a:spcPts val="1600"/>
               </a:spcBef>
@@ -3494,9 +3580,6 @@
               </a:spcAft>
               <a:buNone/>
             </a:pPr>
-            <a:r>
-              <a:t/>
-            </a:r>
             <a:endParaRPr sz="1150">
               <a:solidFill>
                 <a:srgbClr val="1D1C1D"/>
@@ -3517,11 +3600,11 @@
 </file>
 
 <file path=ppt/notesSlides/notesSlide24.xml><?xml version="1.0" encoding="utf-8"?>
-<p:notes xmlns:a="http://schemas.openxmlformats.org/drawingml/2006/main" xmlns:r="http://schemas.openxmlformats.org/officeDocument/2006/relationships" xmlns:mc="http://schemas.openxmlformats.org/markup-compatibility/2006" xmlns:mv="urn:schemas-microsoft-com:mac:vml" xmlns:p="http://schemas.openxmlformats.org/presentationml/2006/main" xmlns:c="http://schemas.openxmlformats.org/drawingml/2006/chart" xmlns:dgm="http://schemas.openxmlformats.org/drawingml/2006/diagram" xmlns:o="urn:schemas-microsoft-com:office:office" xmlns:v="urn:schemas-microsoft-com:vml" xmlns:pvml="urn:schemas-microsoft-com:office:powerpoint" xmlns:com="http://schemas.openxmlformats.org/drawingml/2006/compatibility" xmlns:p14="http://schemas.microsoft.com/office/powerpoint/2010/main" xmlns:p15="http://schemas.microsoft.com/office/powerpoint/2012/main" xmlns:ahyp="http://schemas.microsoft.com/office/drawing/2018/hyperlinkcolor" showMasterPhAnim="0" showMasterSp="0">
+<p:notes xmlns:a="http://schemas.openxmlformats.org/drawingml/2006/main" xmlns:r="http://schemas.openxmlformats.org/officeDocument/2006/relationships" xmlns:p="http://schemas.openxmlformats.org/presentationml/2006/main" showMasterSp="0" showMasterPhAnim="0">
   <p:cSld>
     <p:spTree>
       <p:nvGrpSpPr>
-        <p:cNvPr id="243" name="Shape 243"/>
+        <p:cNvPr id="1" name="Shape 243"/>
         <p:cNvGrpSpPr/>
         <p:nvPr/>
       </p:nvGrpSpPr>
@@ -3536,9 +3619,11 @@
       <p:sp>
         <p:nvSpPr>
           <p:cNvPr id="244" name="Google Shape;244;g8ee2726297_1_2128:notes"/>
-          <p:cNvSpPr/>
+          <p:cNvSpPr>
+            <a:spLocks noGrp="1" noRot="1" noChangeAspect="1"/>
+          </p:cNvSpPr>
           <p:nvPr>
-            <p:ph idx="2" type="sldImg"/>
+            <p:ph type="sldImg" idx="2"/>
           </p:nvPr>
         </p:nvSpPr>
         <p:spPr>
@@ -3547,9 +3632,13 @@
             <a:ext cx="6096000" cy="3429000"/>
           </a:xfrm>
           <a:custGeom>
-            <a:rect b="b" l="l" r="r" t="t"/>
+            <a:avLst/>
+            <a:gdLst/>
+            <a:ahLst/>
+            <a:cxnLst/>
+            <a:rect l="l" t="t" r="r" b="b"/>
             <a:pathLst>
-              <a:path extrusionOk="0" h="120000" w="120000">
+              <a:path w="120000" h="120000" extrusionOk="0">
                 <a:moveTo>
                   <a:pt x="0" y="0"/>
                 </a:moveTo>
@@ -3571,9 +3660,11 @@
       <p:sp>
         <p:nvSpPr>
           <p:cNvPr id="245" name="Google Shape;245;g8ee2726297_1_2128:notes"/>
-          <p:cNvSpPr txBox="1"/>
+          <p:cNvSpPr txBox="1">
+            <a:spLocks noGrp="1"/>
+          </p:cNvSpPr>
           <p:nvPr>
-            <p:ph idx="1" type="body"/>
+            <p:ph type="body" idx="1"/>
           </p:nvPr>
         </p:nvSpPr>
         <p:spPr>
@@ -3586,23 +3677,20 @@
           </a:prstGeom>
         </p:spPr>
         <p:txBody>
-          <a:bodyPr anchorCtr="0" anchor="t" bIns="91425" lIns="91425" spcFirstLastPara="1" rIns="91425" wrap="square" tIns="91425">
+          <a:bodyPr spcFirstLastPara="1" wrap="square" lIns="91425" tIns="91425" rIns="91425" bIns="91425" anchor="t" anchorCtr="0">
             <a:noAutofit/>
           </a:bodyPr>
           <a:lstStyle/>
           <a:p>
-            <a:pPr indent="0" lvl="0" marL="0" rtl="0" algn="l">
-              <a:spcBef>
-                <a:spcPts val="0"/>
-              </a:spcBef>
-              <a:spcAft>
-                <a:spcPts val="0"/>
-              </a:spcAft>
-              <a:buNone/>
-            </a:pPr>
-            <a:r>
-              <a:t/>
-            </a:r>
+            <a:pPr marL="0" lvl="0" indent="0" algn="l" rtl="0">
+              <a:spcBef>
+                <a:spcPts val="0"/>
+              </a:spcBef>
+              <a:spcAft>
+                <a:spcPts val="0"/>
+              </a:spcAft>
+              <a:buNone/>
+            </a:pPr>
             <a:endParaRPr/>
           </a:p>
         </p:txBody>
@@ -3616,11 +3704,11 @@
 </file>
 
 <file path=ppt/notesSlides/notesSlide25.xml><?xml version="1.0" encoding="utf-8"?>
-<p:notes xmlns:a="http://schemas.openxmlformats.org/drawingml/2006/main" xmlns:r="http://schemas.openxmlformats.org/officeDocument/2006/relationships" xmlns:mc="http://schemas.openxmlformats.org/markup-compatibility/2006" xmlns:mv="urn:schemas-microsoft-com:mac:vml" xmlns:p="http://schemas.openxmlformats.org/presentationml/2006/main" xmlns:c="http://schemas.openxmlformats.org/drawingml/2006/chart" xmlns:dgm="http://schemas.openxmlformats.org/drawingml/2006/diagram" xmlns:o="urn:schemas-microsoft-com:office:office" xmlns:v="urn:schemas-microsoft-com:vml" xmlns:pvml="urn:schemas-microsoft-com:office:powerpoint" xmlns:com="http://schemas.openxmlformats.org/drawingml/2006/compatibility" xmlns:p14="http://schemas.microsoft.com/office/powerpoint/2010/main" xmlns:p15="http://schemas.microsoft.com/office/powerpoint/2012/main" xmlns:ahyp="http://schemas.microsoft.com/office/drawing/2018/hyperlinkcolor" showMasterPhAnim="0" showMasterSp="0">
+<p:notes xmlns:a="http://schemas.openxmlformats.org/drawingml/2006/main" xmlns:r="http://schemas.openxmlformats.org/officeDocument/2006/relationships" xmlns:p="http://schemas.openxmlformats.org/presentationml/2006/main" showMasterSp="0" showMasterPhAnim="0">
   <p:cSld>
     <p:spTree>
       <p:nvGrpSpPr>
-        <p:cNvPr id="256" name="Shape 256"/>
+        <p:cNvPr id="1" name="Shape 256"/>
         <p:cNvGrpSpPr/>
         <p:nvPr/>
       </p:nvGrpSpPr>
@@ -3635,9 +3723,11 @@
       <p:sp>
         <p:nvSpPr>
           <p:cNvPr id="257" name="Google Shape;257;g8ed0c59092_0_222:notes"/>
-          <p:cNvSpPr/>
+          <p:cNvSpPr>
+            <a:spLocks noGrp="1" noRot="1" noChangeAspect="1"/>
+          </p:cNvSpPr>
           <p:nvPr>
-            <p:ph idx="2" type="sldImg"/>
+            <p:ph type="sldImg" idx="2"/>
           </p:nvPr>
         </p:nvSpPr>
         <p:spPr>
@@ -3646,9 +3736,13 @@
             <a:ext cx="6096000" cy="3429000"/>
           </a:xfrm>
           <a:custGeom>
-            <a:rect b="b" l="l" r="r" t="t"/>
+            <a:avLst/>
+            <a:gdLst/>
+            <a:ahLst/>
+            <a:cxnLst/>
+            <a:rect l="l" t="t" r="r" b="b"/>
             <a:pathLst>
-              <a:path extrusionOk="0" h="120000" w="120000">
+              <a:path w="120000" h="120000" extrusionOk="0">
                 <a:moveTo>
                   <a:pt x="0" y="0"/>
                 </a:moveTo>
@@ -3670,9 +3764,11 @@
       <p:sp>
         <p:nvSpPr>
           <p:cNvPr id="258" name="Google Shape;258;g8ed0c59092_0_222:notes"/>
-          <p:cNvSpPr txBox="1"/>
+          <p:cNvSpPr txBox="1">
+            <a:spLocks noGrp="1"/>
+          </p:cNvSpPr>
           <p:nvPr>
-            <p:ph idx="1" type="body"/>
+            <p:ph type="body" idx="1"/>
           </p:nvPr>
         </p:nvSpPr>
         <p:spPr>
@@ -3685,23 +3781,20 @@
           </a:prstGeom>
         </p:spPr>
         <p:txBody>
-          <a:bodyPr anchorCtr="0" anchor="t" bIns="91425" lIns="91425" spcFirstLastPara="1" rIns="91425" wrap="square" tIns="91425">
+          <a:bodyPr spcFirstLastPara="1" wrap="square" lIns="91425" tIns="91425" rIns="91425" bIns="91425" anchor="t" anchorCtr="0">
             <a:noAutofit/>
           </a:bodyPr>
           <a:lstStyle/>
           <a:p>
-            <a:pPr indent="0" lvl="0" marL="0" rtl="0" algn="l">
-              <a:spcBef>
-                <a:spcPts val="0"/>
-              </a:spcBef>
-              <a:spcAft>
-                <a:spcPts val="0"/>
-              </a:spcAft>
-              <a:buNone/>
-            </a:pPr>
-            <a:r>
-              <a:t/>
-            </a:r>
+            <a:pPr marL="0" lvl="0" indent="0" algn="l" rtl="0">
+              <a:spcBef>
+                <a:spcPts val="0"/>
+              </a:spcBef>
+              <a:spcAft>
+                <a:spcPts val="0"/>
+              </a:spcAft>
+              <a:buNone/>
+            </a:pPr>
             <a:endParaRPr/>
           </a:p>
         </p:txBody>
@@ -3715,11 +3808,11 @@
 </file>
 
 <file path=ppt/notesSlides/notesSlide3.xml><?xml version="1.0" encoding="utf-8"?>
-<p:notes xmlns:a="http://schemas.openxmlformats.org/drawingml/2006/main" xmlns:r="http://schemas.openxmlformats.org/officeDocument/2006/relationships" xmlns:mc="http://schemas.openxmlformats.org/markup-compatibility/2006" xmlns:mv="urn:schemas-microsoft-com:mac:vml" xmlns:p="http://schemas.openxmlformats.org/presentationml/2006/main" xmlns:c="http://schemas.openxmlformats.org/drawingml/2006/chart" xmlns:dgm="http://schemas.openxmlformats.org/drawingml/2006/diagram" xmlns:o="urn:schemas-microsoft-com:office:office" xmlns:v="urn:schemas-microsoft-com:vml" xmlns:pvml="urn:schemas-microsoft-com:office:powerpoint" xmlns:com="http://schemas.openxmlformats.org/drawingml/2006/compatibility" xmlns:p14="http://schemas.microsoft.com/office/powerpoint/2010/main" xmlns:p15="http://schemas.microsoft.com/office/powerpoint/2012/main" xmlns:ahyp="http://schemas.microsoft.com/office/drawing/2018/hyperlinkcolor" showMasterPhAnim="0" showMasterSp="0">
+<p:notes xmlns:a="http://schemas.openxmlformats.org/drawingml/2006/main" xmlns:r="http://schemas.openxmlformats.org/officeDocument/2006/relationships" xmlns:p="http://schemas.openxmlformats.org/presentationml/2006/main" showMasterSp="0" showMasterPhAnim="0">
   <p:cSld>
     <p:spTree>
       <p:nvGrpSpPr>
-        <p:cNvPr id="72" name="Shape 72"/>
+        <p:cNvPr id="1" name="Shape 72"/>
         <p:cNvGrpSpPr/>
         <p:nvPr/>
       </p:nvGrpSpPr>
@@ -3734,9 +3827,11 @@
       <p:sp>
         <p:nvSpPr>
           <p:cNvPr id="73" name="Google Shape;73;g8ed0c59092_0_196:notes"/>
-          <p:cNvSpPr/>
+          <p:cNvSpPr>
+            <a:spLocks noGrp="1" noRot="1" noChangeAspect="1"/>
+          </p:cNvSpPr>
           <p:nvPr>
-            <p:ph idx="2" type="sldImg"/>
+            <p:ph type="sldImg" idx="2"/>
           </p:nvPr>
         </p:nvSpPr>
         <p:spPr>
@@ -3745,9 +3840,13 @@
             <a:ext cx="6096000" cy="3429000"/>
           </a:xfrm>
           <a:custGeom>
-            <a:rect b="b" l="l" r="r" t="t"/>
+            <a:avLst/>
+            <a:gdLst/>
+            <a:ahLst/>
+            <a:cxnLst/>
+            <a:rect l="l" t="t" r="r" b="b"/>
             <a:pathLst>
-              <a:path extrusionOk="0" h="120000" w="120000">
+              <a:path w="120000" h="120000" extrusionOk="0">
                 <a:moveTo>
                   <a:pt x="0" y="0"/>
                 </a:moveTo>
@@ -3769,9 +3868,11 @@
       <p:sp>
         <p:nvSpPr>
           <p:cNvPr id="74" name="Google Shape;74;g8ed0c59092_0_196:notes"/>
-          <p:cNvSpPr txBox="1"/>
+          <p:cNvSpPr txBox="1">
+            <a:spLocks noGrp="1"/>
+          </p:cNvSpPr>
           <p:nvPr>
-            <p:ph idx="1" type="body"/>
+            <p:ph type="body" idx="1"/>
           </p:nvPr>
         </p:nvSpPr>
         <p:spPr>
@@ -3784,23 +3885,20 @@
           </a:prstGeom>
         </p:spPr>
         <p:txBody>
-          <a:bodyPr anchorCtr="0" anchor="t" bIns="91425" lIns="91425" spcFirstLastPara="1" rIns="91425" wrap="square" tIns="91425">
+          <a:bodyPr spcFirstLastPara="1" wrap="square" lIns="91425" tIns="91425" rIns="91425" bIns="91425" anchor="t" anchorCtr="0">
             <a:noAutofit/>
           </a:bodyPr>
           <a:lstStyle/>
           <a:p>
-            <a:pPr indent="0" lvl="0" marL="0" rtl="0" algn="l">
-              <a:spcBef>
-                <a:spcPts val="0"/>
-              </a:spcBef>
-              <a:spcAft>
-                <a:spcPts val="0"/>
-              </a:spcAft>
-              <a:buNone/>
-            </a:pPr>
-            <a:r>
-              <a:t/>
-            </a:r>
+            <a:pPr marL="0" lvl="0" indent="0" algn="l" rtl="0">
+              <a:spcBef>
+                <a:spcPts val="0"/>
+              </a:spcBef>
+              <a:spcAft>
+                <a:spcPts val="0"/>
+              </a:spcAft>
+              <a:buNone/>
+            </a:pPr>
             <a:endParaRPr/>
           </a:p>
         </p:txBody>
@@ -3814,11 +3912,11 @@
 </file>
 
 <file path=ppt/notesSlides/notesSlide4.xml><?xml version="1.0" encoding="utf-8"?>
-<p:notes xmlns:a="http://schemas.openxmlformats.org/drawingml/2006/main" xmlns:r="http://schemas.openxmlformats.org/officeDocument/2006/relationships" xmlns:mc="http://schemas.openxmlformats.org/markup-compatibility/2006" xmlns:mv="urn:schemas-microsoft-com:mac:vml" xmlns:p="http://schemas.openxmlformats.org/presentationml/2006/main" xmlns:c="http://schemas.openxmlformats.org/drawingml/2006/chart" xmlns:dgm="http://schemas.openxmlformats.org/drawingml/2006/diagram" xmlns:o="urn:schemas-microsoft-com:office:office" xmlns:v="urn:schemas-microsoft-com:vml" xmlns:pvml="urn:schemas-microsoft-com:office:powerpoint" xmlns:com="http://schemas.openxmlformats.org/drawingml/2006/compatibility" xmlns:p14="http://schemas.microsoft.com/office/powerpoint/2010/main" xmlns:p15="http://schemas.microsoft.com/office/powerpoint/2012/main" xmlns:ahyp="http://schemas.microsoft.com/office/drawing/2018/hyperlinkcolor" showMasterPhAnim="0" showMasterSp="0">
+<p:notes xmlns:a="http://schemas.openxmlformats.org/drawingml/2006/main" xmlns:r="http://schemas.openxmlformats.org/officeDocument/2006/relationships" xmlns:p="http://schemas.openxmlformats.org/presentationml/2006/main" showMasterSp="0" showMasterPhAnim="0">
   <p:cSld>
     <p:spTree>
       <p:nvGrpSpPr>
-        <p:cNvPr id="78" name="Shape 78"/>
+        <p:cNvPr id="1" name="Shape 78"/>
         <p:cNvGrpSpPr/>
         <p:nvPr/>
       </p:nvGrpSpPr>
@@ -3833,9 +3931,11 @@
       <p:sp>
         <p:nvSpPr>
           <p:cNvPr id="79" name="Google Shape;79;g8ee2726297_5_2:notes"/>
-          <p:cNvSpPr/>
+          <p:cNvSpPr>
+            <a:spLocks noGrp="1" noRot="1" noChangeAspect="1"/>
+          </p:cNvSpPr>
           <p:nvPr>
-            <p:ph idx="2" type="sldImg"/>
+            <p:ph type="sldImg" idx="2"/>
           </p:nvPr>
         </p:nvSpPr>
         <p:spPr>
@@ -3844,9 +3944,13 @@
             <a:ext cx="6096000" cy="3429000"/>
           </a:xfrm>
           <a:custGeom>
-            <a:rect b="b" l="l" r="r" t="t"/>
+            <a:avLst/>
+            <a:gdLst/>
+            <a:ahLst/>
+            <a:cxnLst/>
+            <a:rect l="l" t="t" r="r" b="b"/>
             <a:pathLst>
-              <a:path extrusionOk="0" h="120000" w="120000">
+              <a:path w="120000" h="120000" extrusionOk="0">
                 <a:moveTo>
                   <a:pt x="0" y="0"/>
                 </a:moveTo>
@@ -3868,9 +3972,11 @@
       <p:sp>
         <p:nvSpPr>
           <p:cNvPr id="80" name="Google Shape;80;g8ee2726297_5_2:notes"/>
-          <p:cNvSpPr txBox="1"/>
+          <p:cNvSpPr txBox="1">
+            <a:spLocks noGrp="1"/>
+          </p:cNvSpPr>
           <p:nvPr>
-            <p:ph idx="1" type="body"/>
+            <p:ph type="body" idx="1"/>
           </p:nvPr>
         </p:nvSpPr>
         <p:spPr>
@@ -3883,12 +3989,12 @@
           </a:prstGeom>
         </p:spPr>
         <p:txBody>
-          <a:bodyPr anchorCtr="0" anchor="t" bIns="91425" lIns="91425" spcFirstLastPara="1" rIns="91425" wrap="square" tIns="91425">
+          <a:bodyPr spcFirstLastPara="1" wrap="square" lIns="91425" tIns="91425" rIns="91425" bIns="91425" anchor="t" anchorCtr="0">
             <a:noAutofit/>
           </a:bodyPr>
           <a:lstStyle/>
           <a:p>
-            <a:pPr indent="0" lvl="0" marL="0" rtl="0" algn="l">
+            <a:pPr marL="0" lvl="0" indent="0" algn="l" rtl="0">
               <a:spcBef>
                 <a:spcPts val="0"/>
               </a:spcBef>
@@ -3902,7 +4008,7 @@
               <a:t>Access to reliable water isn’t just hampered by the ability to </a:t>
             </a:r>
             <a:r>
-              <a:rPr i="1" lang="en"/>
+              <a:rPr lang="en" i="1"/>
               <a:t>get</a:t>
             </a:r>
             <a:r>
@@ -3922,11 +4028,11 @@
 </file>
 
 <file path=ppt/notesSlides/notesSlide5.xml><?xml version="1.0" encoding="utf-8"?>
-<p:notes xmlns:a="http://schemas.openxmlformats.org/drawingml/2006/main" xmlns:r="http://schemas.openxmlformats.org/officeDocument/2006/relationships" xmlns:mc="http://schemas.openxmlformats.org/markup-compatibility/2006" xmlns:mv="urn:schemas-microsoft-com:mac:vml" xmlns:p="http://schemas.openxmlformats.org/presentationml/2006/main" xmlns:c="http://schemas.openxmlformats.org/drawingml/2006/chart" xmlns:dgm="http://schemas.openxmlformats.org/drawingml/2006/diagram" xmlns:o="urn:schemas-microsoft-com:office:office" xmlns:v="urn:schemas-microsoft-com:vml" xmlns:pvml="urn:schemas-microsoft-com:office:powerpoint" xmlns:com="http://schemas.openxmlformats.org/drawingml/2006/compatibility" xmlns:p14="http://schemas.microsoft.com/office/powerpoint/2010/main" xmlns:p15="http://schemas.microsoft.com/office/powerpoint/2012/main" xmlns:ahyp="http://schemas.microsoft.com/office/drawing/2018/hyperlinkcolor" showMasterPhAnim="0" showMasterSp="0">
+<p:notes xmlns:a="http://schemas.openxmlformats.org/drawingml/2006/main" xmlns:r="http://schemas.openxmlformats.org/officeDocument/2006/relationships" xmlns:p="http://schemas.openxmlformats.org/presentationml/2006/main" showMasterSp="0" showMasterPhAnim="0">
   <p:cSld>
     <p:spTree>
       <p:nvGrpSpPr>
-        <p:cNvPr id="88" name="Shape 88"/>
+        <p:cNvPr id="1" name="Shape 88"/>
         <p:cNvGrpSpPr/>
         <p:nvPr/>
       </p:nvGrpSpPr>
@@ -3941,9 +4047,11 @@
       <p:sp>
         <p:nvSpPr>
           <p:cNvPr id="89" name="Google Shape;89;g8ee2726297_4_694:notes"/>
-          <p:cNvSpPr/>
+          <p:cNvSpPr>
+            <a:spLocks noGrp="1" noRot="1" noChangeAspect="1"/>
+          </p:cNvSpPr>
           <p:nvPr>
-            <p:ph idx="2" type="sldImg"/>
+            <p:ph type="sldImg" idx="2"/>
           </p:nvPr>
         </p:nvSpPr>
         <p:spPr>
@@ -3952,9 +4060,13 @@
             <a:ext cx="6096000" cy="3429000"/>
           </a:xfrm>
           <a:custGeom>
-            <a:rect b="b" l="l" r="r" t="t"/>
+            <a:avLst/>
+            <a:gdLst/>
+            <a:ahLst/>
+            <a:cxnLst/>
+            <a:rect l="l" t="t" r="r" b="b"/>
             <a:pathLst>
-              <a:path extrusionOk="0" h="120000" w="120000">
+              <a:path w="120000" h="120000" extrusionOk="0">
                 <a:moveTo>
                   <a:pt x="0" y="0"/>
                 </a:moveTo>
@@ -3976,9 +4088,11 @@
       <p:sp>
         <p:nvSpPr>
           <p:cNvPr id="90" name="Google Shape;90;g8ee2726297_4_694:notes"/>
-          <p:cNvSpPr txBox="1"/>
+          <p:cNvSpPr txBox="1">
+            <a:spLocks noGrp="1"/>
+          </p:cNvSpPr>
           <p:nvPr>
-            <p:ph idx="1" type="body"/>
+            <p:ph type="body" idx="1"/>
           </p:nvPr>
         </p:nvSpPr>
         <p:spPr>
@@ -3991,23 +4105,20 @@
           </a:prstGeom>
         </p:spPr>
         <p:txBody>
-          <a:bodyPr anchorCtr="0" anchor="t" bIns="91425" lIns="91425" spcFirstLastPara="1" rIns="91425" wrap="square" tIns="91425">
+          <a:bodyPr spcFirstLastPara="1" wrap="square" lIns="91425" tIns="91425" rIns="91425" bIns="91425" anchor="t" anchorCtr="0">
             <a:noAutofit/>
           </a:bodyPr>
           <a:lstStyle/>
           <a:p>
-            <a:pPr indent="0" lvl="0" marL="0" rtl="0" algn="l">
-              <a:spcBef>
-                <a:spcPts val="0"/>
-              </a:spcBef>
-              <a:spcAft>
-                <a:spcPts val="0"/>
-              </a:spcAft>
-              <a:buNone/>
-            </a:pPr>
-            <a:r>
-              <a:t/>
-            </a:r>
+            <a:pPr marL="0" lvl="0" indent="0" algn="l" rtl="0">
+              <a:spcBef>
+                <a:spcPts val="0"/>
+              </a:spcBef>
+              <a:spcAft>
+                <a:spcPts val="0"/>
+              </a:spcAft>
+              <a:buNone/>
+            </a:pPr>
             <a:endParaRPr/>
           </a:p>
         </p:txBody>
@@ -4021,11 +4132,11 @@
 </file>
 
 <file path=ppt/notesSlides/notesSlide6.xml><?xml version="1.0" encoding="utf-8"?>
-<p:notes xmlns:a="http://schemas.openxmlformats.org/drawingml/2006/main" xmlns:r="http://schemas.openxmlformats.org/officeDocument/2006/relationships" xmlns:mc="http://schemas.openxmlformats.org/markup-compatibility/2006" xmlns:mv="urn:schemas-microsoft-com:mac:vml" xmlns:p="http://schemas.openxmlformats.org/presentationml/2006/main" xmlns:c="http://schemas.openxmlformats.org/drawingml/2006/chart" xmlns:dgm="http://schemas.openxmlformats.org/drawingml/2006/diagram" xmlns:o="urn:schemas-microsoft-com:office:office" xmlns:v="urn:schemas-microsoft-com:vml" xmlns:pvml="urn:schemas-microsoft-com:office:powerpoint" xmlns:com="http://schemas.openxmlformats.org/drawingml/2006/compatibility" xmlns:p14="http://schemas.microsoft.com/office/powerpoint/2010/main" xmlns:p15="http://schemas.microsoft.com/office/powerpoint/2012/main" xmlns:ahyp="http://schemas.microsoft.com/office/drawing/2018/hyperlinkcolor" showMasterPhAnim="0" showMasterSp="0">
+<p:notes xmlns:a="http://schemas.openxmlformats.org/drawingml/2006/main" xmlns:r="http://schemas.openxmlformats.org/officeDocument/2006/relationships" xmlns:p="http://schemas.openxmlformats.org/presentationml/2006/main" showMasterSp="0" showMasterPhAnim="0">
   <p:cSld>
     <p:spTree>
       <p:nvGrpSpPr>
-        <p:cNvPr id="106" name="Shape 106"/>
+        <p:cNvPr id="1" name="Shape 106"/>
         <p:cNvGrpSpPr/>
         <p:nvPr/>
       </p:nvGrpSpPr>
@@ -4040,9 +4151,11 @@
       <p:sp>
         <p:nvSpPr>
           <p:cNvPr id="107" name="Google Shape;107;g8ed0c59092_0_166:notes"/>
-          <p:cNvSpPr/>
+          <p:cNvSpPr>
+            <a:spLocks noGrp="1" noRot="1" noChangeAspect="1"/>
+          </p:cNvSpPr>
           <p:nvPr>
-            <p:ph idx="2" type="sldImg"/>
+            <p:ph type="sldImg" idx="2"/>
           </p:nvPr>
         </p:nvSpPr>
         <p:spPr>
@@ -4051,9 +4164,13 @@
             <a:ext cx="6096000" cy="3429000"/>
           </a:xfrm>
           <a:custGeom>
-            <a:rect b="b" l="l" r="r" t="t"/>
+            <a:avLst/>
+            <a:gdLst/>
+            <a:ahLst/>
+            <a:cxnLst/>
+            <a:rect l="l" t="t" r="r" b="b"/>
             <a:pathLst>
-              <a:path extrusionOk="0" h="120000" w="120000">
+              <a:path w="120000" h="120000" extrusionOk="0">
                 <a:moveTo>
                   <a:pt x="0" y="0"/>
                 </a:moveTo>
@@ -4075,9 +4192,11 @@
       <p:sp>
         <p:nvSpPr>
           <p:cNvPr id="108" name="Google Shape;108;g8ed0c59092_0_166:notes"/>
-          <p:cNvSpPr txBox="1"/>
+          <p:cNvSpPr txBox="1">
+            <a:spLocks noGrp="1"/>
+          </p:cNvSpPr>
           <p:nvPr>
-            <p:ph idx="1" type="body"/>
+            <p:ph type="body" idx="1"/>
           </p:nvPr>
         </p:nvSpPr>
         <p:spPr>
@@ -4090,12 +4209,12 @@
           </a:prstGeom>
         </p:spPr>
         <p:txBody>
-          <a:bodyPr anchorCtr="0" anchor="t" bIns="91425" lIns="91425" spcFirstLastPara="1" rIns="91425" wrap="square" tIns="91425">
+          <a:bodyPr spcFirstLastPara="1" wrap="square" lIns="91425" tIns="91425" rIns="91425" bIns="91425" anchor="t" anchorCtr="0">
             <a:noAutofit/>
           </a:bodyPr>
           <a:lstStyle/>
           <a:p>
-            <a:pPr indent="0" lvl="0" marL="0" rtl="0" algn="l">
+            <a:pPr marL="0" lvl="0" indent="0" algn="l" rtl="0">
               <a:spcBef>
                 <a:spcPts val="0"/>
               </a:spcBef>
@@ -4111,7 +4230,7 @@
             <a:endParaRPr/>
           </a:p>
           <a:p>
-            <a:pPr indent="-298450" lvl="0" marL="457200" rtl="0" algn="l">
+            <a:pPr marL="457200" lvl="0" indent="-298450" algn="l" rtl="0">
               <a:spcBef>
                 <a:spcPts val="0"/>
               </a:spcBef>
@@ -4128,7 +4247,7 @@
             <a:endParaRPr/>
           </a:p>
           <a:p>
-            <a:pPr indent="-298450" lvl="0" marL="457200" rtl="0" algn="l">
+            <a:pPr marL="457200" lvl="0" indent="-298450" algn="l" rtl="0">
               <a:spcBef>
                 <a:spcPts val="0"/>
               </a:spcBef>
@@ -4138,9 +4257,6 @@
               <a:buSzPts val="1100"/>
               <a:buChar char="●"/>
             </a:pPr>
-            <a:r>
-              <a:t/>
-            </a:r>
             <a:endParaRPr/>
           </a:p>
         </p:txBody>
@@ -4154,11 +4270,11 @@
 </file>
 
 <file path=ppt/notesSlides/notesSlide7.xml><?xml version="1.0" encoding="utf-8"?>
-<p:notes xmlns:a="http://schemas.openxmlformats.org/drawingml/2006/main" xmlns:r="http://schemas.openxmlformats.org/officeDocument/2006/relationships" xmlns:mc="http://schemas.openxmlformats.org/markup-compatibility/2006" xmlns:mv="urn:schemas-microsoft-com:mac:vml" xmlns:p="http://schemas.openxmlformats.org/presentationml/2006/main" xmlns:c="http://schemas.openxmlformats.org/drawingml/2006/chart" xmlns:dgm="http://schemas.openxmlformats.org/drawingml/2006/diagram" xmlns:o="urn:schemas-microsoft-com:office:office" xmlns:v="urn:schemas-microsoft-com:vml" xmlns:pvml="urn:schemas-microsoft-com:office:powerpoint" xmlns:com="http://schemas.openxmlformats.org/drawingml/2006/compatibility" xmlns:p14="http://schemas.microsoft.com/office/powerpoint/2010/main" xmlns:p15="http://schemas.microsoft.com/office/powerpoint/2012/main" xmlns:ahyp="http://schemas.microsoft.com/office/drawing/2018/hyperlinkcolor" showMasterPhAnim="0" showMasterSp="0">
+<p:notes xmlns:a="http://schemas.openxmlformats.org/drawingml/2006/main" xmlns:r="http://schemas.openxmlformats.org/officeDocument/2006/relationships" xmlns:p="http://schemas.openxmlformats.org/presentationml/2006/main" showMasterSp="0" showMasterPhAnim="0">
   <p:cSld>
     <p:spTree>
       <p:nvGrpSpPr>
-        <p:cNvPr id="111" name="Shape 111"/>
+        <p:cNvPr id="1" name="Shape 111"/>
         <p:cNvGrpSpPr/>
         <p:nvPr/>
       </p:nvGrpSpPr>
@@ -4173,9 +4289,11 @@
       <p:sp>
         <p:nvSpPr>
           <p:cNvPr id="112" name="Google Shape;112;g8ed0c59092_0_202:notes"/>
-          <p:cNvSpPr/>
+          <p:cNvSpPr>
+            <a:spLocks noGrp="1" noRot="1" noChangeAspect="1"/>
+          </p:cNvSpPr>
           <p:nvPr>
-            <p:ph idx="2" type="sldImg"/>
+            <p:ph type="sldImg" idx="2"/>
           </p:nvPr>
         </p:nvSpPr>
         <p:spPr>
@@ -4184,9 +4302,13 @@
             <a:ext cx="6096000" cy="3429000"/>
           </a:xfrm>
           <a:custGeom>
-            <a:rect b="b" l="l" r="r" t="t"/>
+            <a:avLst/>
+            <a:gdLst/>
+            <a:ahLst/>
+            <a:cxnLst/>
+            <a:rect l="l" t="t" r="r" b="b"/>
             <a:pathLst>
-              <a:path extrusionOk="0" h="120000" w="120000">
+              <a:path w="120000" h="120000" extrusionOk="0">
                 <a:moveTo>
                   <a:pt x="0" y="0"/>
                 </a:moveTo>
@@ -4208,9 +4330,11 @@
       <p:sp>
         <p:nvSpPr>
           <p:cNvPr id="113" name="Google Shape;113;g8ed0c59092_0_202:notes"/>
-          <p:cNvSpPr txBox="1"/>
+          <p:cNvSpPr txBox="1">
+            <a:spLocks noGrp="1"/>
+          </p:cNvSpPr>
           <p:nvPr>
-            <p:ph idx="1" type="body"/>
+            <p:ph type="body" idx="1"/>
           </p:nvPr>
         </p:nvSpPr>
         <p:spPr>
@@ -4223,12 +4347,12 @@
           </a:prstGeom>
         </p:spPr>
         <p:txBody>
-          <a:bodyPr anchorCtr="0" anchor="t" bIns="91425" lIns="91425" spcFirstLastPara="1" rIns="91425" wrap="square" tIns="91425">
+          <a:bodyPr spcFirstLastPara="1" wrap="square" lIns="91425" tIns="91425" rIns="91425" bIns="91425" anchor="t" anchorCtr="0">
             <a:noAutofit/>
           </a:bodyPr>
           <a:lstStyle/>
           <a:p>
-            <a:pPr indent="-298450" lvl="0" marL="457200" rtl="0" algn="l">
+            <a:pPr marL="457200" lvl="0" indent="-298450" algn="l" rtl="0">
               <a:spcBef>
                 <a:spcPts val="0"/>
               </a:spcBef>
@@ -4245,7 +4369,7 @@
             <a:endParaRPr/>
           </a:p>
           <a:p>
-            <a:pPr indent="-298450" lvl="1" marL="914400" rtl="0" algn="l">
+            <a:pPr marL="914400" lvl="1" indent="-298450" algn="l" rtl="0">
               <a:spcBef>
                 <a:spcPts val="0"/>
               </a:spcBef>
@@ -4260,7 +4384,7 @@
               <a:t>There’s a </a:t>
             </a:r>
             <a:r>
-              <a:rPr i="1" lang="en"/>
+              <a:rPr lang="en" i="1"/>
               <a:t>lot</a:t>
             </a:r>
             <a:r>
@@ -4280,11 +4404,11 @@
 </file>
 
 <file path=ppt/notesSlides/notesSlide8.xml><?xml version="1.0" encoding="utf-8"?>
-<p:notes xmlns:a="http://schemas.openxmlformats.org/drawingml/2006/main" xmlns:r="http://schemas.openxmlformats.org/officeDocument/2006/relationships" xmlns:mc="http://schemas.openxmlformats.org/markup-compatibility/2006" xmlns:mv="urn:schemas-microsoft-com:mac:vml" xmlns:p="http://schemas.openxmlformats.org/presentationml/2006/main" xmlns:c="http://schemas.openxmlformats.org/drawingml/2006/chart" xmlns:dgm="http://schemas.openxmlformats.org/drawingml/2006/diagram" xmlns:o="urn:schemas-microsoft-com:office:office" xmlns:v="urn:schemas-microsoft-com:vml" xmlns:pvml="urn:schemas-microsoft-com:office:powerpoint" xmlns:com="http://schemas.openxmlformats.org/drawingml/2006/compatibility" xmlns:p14="http://schemas.microsoft.com/office/powerpoint/2010/main" xmlns:p15="http://schemas.microsoft.com/office/powerpoint/2012/main" xmlns:ahyp="http://schemas.microsoft.com/office/drawing/2018/hyperlinkcolor" showMasterPhAnim="0" showMasterSp="0">
+<p:notes xmlns:a="http://schemas.openxmlformats.org/drawingml/2006/main" xmlns:r="http://schemas.openxmlformats.org/officeDocument/2006/relationships" xmlns:p="http://schemas.openxmlformats.org/presentationml/2006/main" showMasterSp="0" showMasterPhAnim="0">
   <p:cSld>
     <p:spTree>
       <p:nvGrpSpPr>
-        <p:cNvPr id="126" name="Shape 126"/>
+        <p:cNvPr id="1" name="Shape 126"/>
         <p:cNvGrpSpPr/>
         <p:nvPr/>
       </p:nvGrpSpPr>
@@ -4299,9 +4423,11 @@
       <p:sp>
         <p:nvSpPr>
           <p:cNvPr id="127" name="Google Shape;127;g8ed0c59092_0_209:notes"/>
-          <p:cNvSpPr/>
+          <p:cNvSpPr>
+            <a:spLocks noGrp="1" noRot="1" noChangeAspect="1"/>
+          </p:cNvSpPr>
           <p:nvPr>
-            <p:ph idx="2" type="sldImg"/>
+            <p:ph type="sldImg" idx="2"/>
           </p:nvPr>
         </p:nvSpPr>
         <p:spPr>
@@ -4310,9 +4436,13 @@
             <a:ext cx="6096000" cy="3429000"/>
           </a:xfrm>
           <a:custGeom>
-            <a:rect b="b" l="l" r="r" t="t"/>
+            <a:avLst/>
+            <a:gdLst/>
+            <a:ahLst/>
+            <a:cxnLst/>
+            <a:rect l="l" t="t" r="r" b="b"/>
             <a:pathLst>
-              <a:path extrusionOk="0" h="120000" w="120000">
+              <a:path w="120000" h="120000" extrusionOk="0">
                 <a:moveTo>
                   <a:pt x="0" y="0"/>
                 </a:moveTo>
@@ -4334,9 +4464,11 @@
       <p:sp>
         <p:nvSpPr>
           <p:cNvPr id="128" name="Google Shape;128;g8ed0c59092_0_209:notes"/>
-          <p:cNvSpPr txBox="1"/>
+          <p:cNvSpPr txBox="1">
+            <a:spLocks noGrp="1"/>
+          </p:cNvSpPr>
           <p:nvPr>
-            <p:ph idx="1" type="body"/>
+            <p:ph type="body" idx="1"/>
           </p:nvPr>
         </p:nvSpPr>
         <p:spPr>
@@ -4349,12 +4481,12 @@
           </a:prstGeom>
         </p:spPr>
         <p:txBody>
-          <a:bodyPr anchorCtr="0" anchor="t" bIns="91425" lIns="91425" spcFirstLastPara="1" rIns="91425" wrap="square" tIns="91425">
+          <a:bodyPr spcFirstLastPara="1" wrap="square" lIns="91425" tIns="91425" rIns="91425" bIns="91425" anchor="t" anchorCtr="0">
             <a:noAutofit/>
           </a:bodyPr>
           <a:lstStyle/>
           <a:p>
-            <a:pPr indent="0" lvl="0" marL="0" rtl="0" algn="l">
+            <a:pPr marL="0" lvl="0" indent="0" algn="l" rtl="0">
               <a:spcBef>
                 <a:spcPts val="0"/>
               </a:spcBef>
@@ -4383,7 +4515,7 @@
             </a:endParaRPr>
           </a:p>
           <a:p>
-            <a:pPr indent="0" lvl="0" marL="0" rtl="0" algn="l">
+            <a:pPr marL="0" lvl="0" indent="0" algn="l" rtl="0">
               <a:spcBef>
                 <a:spcPts val="0"/>
               </a:spcBef>
@@ -4397,9 +4529,6 @@
               <a:buFont typeface="Arial"/>
               <a:buNone/>
             </a:pPr>
-            <a:r>
-              <a:t/>
-            </a:r>
             <a:endParaRPr>
               <a:solidFill>
                 <a:schemeClr val="dk2"/>
@@ -4407,7 +4536,7 @@
             </a:endParaRPr>
           </a:p>
           <a:p>
-            <a:pPr indent="0" lvl="0" marL="0" rtl="0" algn="l">
+            <a:pPr marL="0" lvl="0" indent="0" algn="l" rtl="0">
               <a:spcBef>
                 <a:spcPts val="0"/>
               </a:spcBef>
@@ -4436,7 +4565,7 @@
             </a:endParaRPr>
           </a:p>
           <a:p>
-            <a:pPr indent="0" lvl="0" marL="0" rtl="0" algn="l">
+            <a:pPr marL="0" lvl="0" indent="0" algn="l" rtl="0">
               <a:spcBef>
                 <a:spcPts val="0"/>
               </a:spcBef>
@@ -4465,7 +4594,7 @@
             </a:endParaRPr>
           </a:p>
           <a:p>
-            <a:pPr indent="0" lvl="0" marL="0" rtl="0" algn="l">
+            <a:pPr marL="0" lvl="0" indent="0" algn="l" rtl="0">
               <a:spcBef>
                 <a:spcPts val="0"/>
               </a:spcBef>
@@ -4494,7 +4623,7 @@
             </a:endParaRPr>
           </a:p>
           <a:p>
-            <a:pPr indent="0" lvl="0" marL="0" rtl="0" algn="l">
+            <a:pPr marL="0" lvl="0" indent="0" algn="l" rtl="0">
               <a:spcBef>
                 <a:spcPts val="0"/>
               </a:spcBef>
@@ -4523,7 +4652,7 @@
             </a:endParaRPr>
           </a:p>
           <a:p>
-            <a:pPr indent="0" lvl="0" marL="0" rtl="0" algn="l">
+            <a:pPr marL="0" lvl="0" indent="0" algn="l" rtl="0">
               <a:spcBef>
                 <a:spcPts val="0"/>
               </a:spcBef>
@@ -4552,7 +4681,7 @@
             </a:endParaRPr>
           </a:p>
           <a:p>
-            <a:pPr indent="0" lvl="0" marL="0" rtl="0" algn="l">
+            <a:pPr marL="0" lvl="0" indent="0" algn="l" rtl="0">
               <a:spcBef>
                 <a:spcPts val="0"/>
               </a:spcBef>
@@ -4576,7 +4705,7 @@
             </a:endParaRPr>
           </a:p>
           <a:p>
-            <a:pPr indent="0" lvl="0" marL="0" rtl="0" algn="l">
+            <a:pPr marL="0" lvl="0" indent="0" algn="l" rtl="0">
               <a:spcBef>
                 <a:spcPts val="0"/>
               </a:spcBef>
@@ -4605,18 +4734,15 @@
             </a:endParaRPr>
           </a:p>
           <a:p>
-            <a:pPr indent="0" lvl="0" marL="0" rtl="0" algn="l">
-              <a:spcBef>
-                <a:spcPts val="0"/>
-              </a:spcBef>
-              <a:spcAft>
-                <a:spcPts val="0"/>
-              </a:spcAft>
-              <a:buNone/>
-            </a:pPr>
-            <a:r>
-              <a:t/>
-            </a:r>
+            <a:pPr marL="0" lvl="0" indent="0" algn="l" rtl="0">
+              <a:spcBef>
+                <a:spcPts val="0"/>
+              </a:spcBef>
+              <a:spcAft>
+                <a:spcPts val="0"/>
+              </a:spcAft>
+              <a:buNone/>
+            </a:pPr>
             <a:endParaRPr/>
           </a:p>
         </p:txBody>
@@ -4630,11 +4756,11 @@
 </file>
 
 <file path=ppt/notesSlides/notesSlide9.xml><?xml version="1.0" encoding="utf-8"?>
-<p:notes xmlns:a="http://schemas.openxmlformats.org/drawingml/2006/main" xmlns:r="http://schemas.openxmlformats.org/officeDocument/2006/relationships" xmlns:mc="http://schemas.openxmlformats.org/markup-compatibility/2006" xmlns:mv="urn:schemas-microsoft-com:mac:vml" xmlns:p="http://schemas.openxmlformats.org/presentationml/2006/main" xmlns:c="http://schemas.openxmlformats.org/drawingml/2006/chart" xmlns:dgm="http://schemas.openxmlformats.org/drawingml/2006/diagram" xmlns:o="urn:schemas-microsoft-com:office:office" xmlns:v="urn:schemas-microsoft-com:vml" xmlns:pvml="urn:schemas-microsoft-com:office:powerpoint" xmlns:com="http://schemas.openxmlformats.org/drawingml/2006/compatibility" xmlns:p14="http://schemas.microsoft.com/office/powerpoint/2010/main" xmlns:p15="http://schemas.microsoft.com/office/powerpoint/2012/main" xmlns:ahyp="http://schemas.microsoft.com/office/drawing/2018/hyperlinkcolor" showMasterPhAnim="0" showMasterSp="0">
+<p:notes xmlns:a="http://schemas.openxmlformats.org/drawingml/2006/main" xmlns:r="http://schemas.openxmlformats.org/officeDocument/2006/relationships" xmlns:p="http://schemas.openxmlformats.org/presentationml/2006/main" showMasterSp="0" showMasterPhAnim="0">
   <p:cSld>
     <p:spTree>
       <p:nvGrpSpPr>
-        <p:cNvPr id="135" name="Shape 135"/>
+        <p:cNvPr id="1" name="Shape 135"/>
         <p:cNvGrpSpPr/>
         <p:nvPr/>
       </p:nvGrpSpPr>
@@ -4649,9 +4775,11 @@
       <p:sp>
         <p:nvSpPr>
           <p:cNvPr id="136" name="Google Shape;136;g8ed0c59092_0_174:notes"/>
-          <p:cNvSpPr/>
+          <p:cNvSpPr>
+            <a:spLocks noGrp="1" noRot="1" noChangeAspect="1"/>
+          </p:cNvSpPr>
           <p:nvPr>
-            <p:ph idx="2" type="sldImg"/>
+            <p:ph type="sldImg" idx="2"/>
           </p:nvPr>
         </p:nvSpPr>
         <p:spPr>
@@ -4660,9 +4788,13 @@
             <a:ext cx="6096000" cy="3429000"/>
           </a:xfrm>
           <a:custGeom>
-            <a:rect b="b" l="l" r="r" t="t"/>
+            <a:avLst/>
+            <a:gdLst/>
+            <a:ahLst/>
+            <a:cxnLst/>
+            <a:rect l="l" t="t" r="r" b="b"/>
             <a:pathLst>
-              <a:path extrusionOk="0" h="120000" w="120000">
+              <a:path w="120000" h="120000" extrusionOk="0">
                 <a:moveTo>
                   <a:pt x="0" y="0"/>
                 </a:moveTo>
@@ -4684,9 +4816,11 @@
       <p:sp>
         <p:nvSpPr>
           <p:cNvPr id="137" name="Google Shape;137;g8ed0c59092_0_174:notes"/>
-          <p:cNvSpPr txBox="1"/>
+          <p:cNvSpPr txBox="1">
+            <a:spLocks noGrp="1"/>
+          </p:cNvSpPr>
           <p:nvPr>
-            <p:ph idx="1" type="body"/>
+            <p:ph type="body" idx="1"/>
           </p:nvPr>
         </p:nvSpPr>
         <p:spPr>
@@ -4699,12 +4833,12 @@
           </a:prstGeom>
         </p:spPr>
         <p:txBody>
-          <a:bodyPr anchorCtr="0" anchor="t" bIns="91425" lIns="91425" spcFirstLastPara="1" rIns="91425" wrap="square" tIns="91425">
+          <a:bodyPr spcFirstLastPara="1" wrap="square" lIns="91425" tIns="91425" rIns="91425" bIns="91425" anchor="t" anchorCtr="0">
             <a:noAutofit/>
           </a:bodyPr>
           <a:lstStyle/>
           <a:p>
-            <a:pPr indent="0" lvl="0" marL="0" rtl="0" algn="l">
+            <a:pPr marL="0" lvl="0" indent="0" algn="l" rtl="0">
               <a:spcBef>
                 <a:spcPts val="0"/>
               </a:spcBef>
@@ -4730,11 +4864,11 @@
 </file>
 
 <file path=ppt/slideLayouts/slideLayout1.xml><?xml version="1.0" encoding="utf-8"?>
-<p:sldLayout xmlns:a="http://schemas.openxmlformats.org/drawingml/2006/main" xmlns:r="http://schemas.openxmlformats.org/officeDocument/2006/relationships" xmlns:mc="http://schemas.openxmlformats.org/markup-compatibility/2006" xmlns:mv="urn:schemas-microsoft-com:mac:vml" xmlns:p="http://schemas.openxmlformats.org/presentationml/2006/main" xmlns:c="http://schemas.openxmlformats.org/drawingml/2006/chart" xmlns:dgm="http://schemas.openxmlformats.org/drawingml/2006/diagram" xmlns:o="urn:schemas-microsoft-com:office:office" xmlns:v="urn:schemas-microsoft-com:vml" xmlns:pvml="urn:schemas-microsoft-com:office:powerpoint" xmlns:com="http://schemas.openxmlformats.org/drawingml/2006/compatibility" xmlns:p14="http://schemas.microsoft.com/office/powerpoint/2010/main" xmlns:p15="http://schemas.microsoft.com/office/powerpoint/2012/main" xmlns:ahyp="http://schemas.microsoft.com/office/drawing/2018/hyperlinkcolor" matchingName="Title slide" type="title">
+<p:sldLayout xmlns:a="http://schemas.openxmlformats.org/drawingml/2006/main" xmlns:r="http://schemas.openxmlformats.org/officeDocument/2006/relationships" xmlns:p="http://schemas.openxmlformats.org/presentationml/2006/main" matchingName="Title slide" type="title">
   <p:cSld name="TITLE">
     <p:spTree>
       <p:nvGrpSpPr>
-        <p:cNvPr id="9" name="Shape 9"/>
+        <p:cNvPr id="1" name="Shape 9"/>
         <p:cNvGrpSpPr/>
         <p:nvPr/>
       </p:nvGrpSpPr>
@@ -4758,9 +4892,13 @@
             <a:ext cx="1081625" cy="1124950"/>
           </a:xfrm>
           <a:custGeom>
-            <a:rect b="b" l="l" r="r" t="t"/>
+            <a:avLst/>
+            <a:gdLst/>
+            <a:ahLst/>
+            <a:cxnLst/>
+            <a:rect l="l" t="t" r="r" b="b"/>
             <a:pathLst>
-              <a:path extrusionOk="0" h="44998" w="43265">
+              <a:path w="43265" h="44998" extrusionOk="0">
                 <a:moveTo>
                   <a:pt x="0" y="44998"/>
                 </a:moveTo>
@@ -4774,14 +4912,14 @@
             </a:pathLst>
           </a:custGeom>
           <a:noFill/>
-          <a:ln cap="flat" cmpd="sng" w="28575">
+          <a:ln w="28575" cap="flat" cmpd="sng">
             <a:solidFill>
               <a:schemeClr val="accent5"/>
             </a:solidFill>
             <a:prstDash val="solid"/>
             <a:miter lim="8000"/>
-            <a:headEnd len="sm" w="sm" type="none"/>
-            <a:tailEnd len="sm" w="sm" type="none"/>
+            <a:headEnd type="none" w="sm" len="sm"/>
+            <a:tailEnd type="none" w="sm" len="sm"/>
           </a:ln>
         </p:spPr>
       </p:sp>
@@ -4797,9 +4935,13 @@
             <a:ext cx="1081625" cy="1124950"/>
           </a:xfrm>
           <a:custGeom>
-            <a:rect b="b" l="l" r="r" t="t"/>
+            <a:avLst/>
+            <a:gdLst/>
+            <a:ahLst/>
+            <a:cxnLst/>
+            <a:rect l="l" t="t" r="r" b="b"/>
             <a:pathLst>
-              <a:path extrusionOk="0" h="44998" w="43265">
+              <a:path w="43265" h="44998" extrusionOk="0">
                 <a:moveTo>
                   <a:pt x="0" y="44998"/>
                 </a:moveTo>
@@ -4813,14 +4955,14 @@
             </a:pathLst>
           </a:custGeom>
           <a:noFill/>
-          <a:ln cap="flat" cmpd="sng" w="28575">
+          <a:ln w="28575" cap="flat" cmpd="sng">
             <a:solidFill>
               <a:schemeClr val="accent5"/>
             </a:solidFill>
             <a:prstDash val="solid"/>
             <a:miter lim="8000"/>
-            <a:headEnd len="sm" w="sm" type="none"/>
-            <a:tailEnd len="sm" w="sm" type="none"/>
+            <a:headEnd type="none" w="sm" len="sm"/>
+            <a:tailEnd type="none" w="sm" len="sm"/>
           </a:ln>
         </p:spPr>
       </p:sp>
@@ -4839,21 +4981,23 @@
             <a:avLst/>
           </a:prstGeom>
           <a:noFill/>
-          <a:ln cap="flat" cmpd="sng" w="38100">
+          <a:ln w="38100" cap="flat" cmpd="sng">
             <a:solidFill>
               <a:schemeClr val="accent4"/>
             </a:solidFill>
             <a:prstDash val="solid"/>
             <a:round/>
-            <a:headEnd len="sm" w="sm" type="none"/>
-            <a:tailEnd len="sm" w="sm" type="none"/>
+            <a:headEnd type="none" w="sm" len="sm"/>
+            <a:tailEnd type="none" w="sm" len="sm"/>
           </a:ln>
         </p:spPr>
       </p:cxnSp>
       <p:sp>
         <p:nvSpPr>
           <p:cNvPr id="13" name="Google Shape;13;p2"/>
-          <p:cNvSpPr txBox="1"/>
+          <p:cNvSpPr txBox="1">
+            <a:spLocks noGrp="1"/>
+          </p:cNvSpPr>
           <p:nvPr>
             <p:ph type="ctrTitle"/>
           </p:nvPr>
@@ -4868,7 +5012,7 @@
           </a:prstGeom>
         </p:spPr>
         <p:txBody>
-          <a:bodyPr anchorCtr="0" anchor="b" bIns="91425" lIns="91425" spcFirstLastPara="1" rIns="91425" wrap="square" tIns="91425">
+          <a:bodyPr spcFirstLastPara="1" wrap="square" lIns="91425" tIns="91425" rIns="91425" bIns="91425" anchor="b" anchorCtr="0">
             <a:noAutofit/>
           </a:bodyPr>
           <a:lstStyle>
@@ -4972,15 +5116,19 @@
               <a:defRPr sz="4000"/>
             </a:lvl9pPr>
           </a:lstStyle>
-          <a:p/>
+          <a:p>
+            <a:endParaRPr/>
+          </a:p>
         </p:txBody>
       </p:sp>
       <p:sp>
         <p:nvSpPr>
           <p:cNvPr id="14" name="Google Shape;14;p2"/>
-          <p:cNvSpPr txBox="1"/>
+          <p:cNvSpPr txBox="1">
+            <a:spLocks noGrp="1"/>
+          </p:cNvSpPr>
           <p:nvPr>
-            <p:ph idx="1" type="subTitle"/>
+            <p:ph type="subTitle" idx="1"/>
           </p:nvPr>
         </p:nvSpPr>
         <p:spPr>
@@ -4993,7 +5141,7 @@
           </a:prstGeom>
         </p:spPr>
         <p:txBody>
-          <a:bodyPr anchorCtr="0" anchor="t" bIns="91425" lIns="91425" spcFirstLastPara="1" rIns="91425" wrap="square" tIns="91425">
+          <a:bodyPr spcFirstLastPara="1" wrap="square" lIns="91425" tIns="91425" rIns="91425" bIns="91425" anchor="t" anchorCtr="0">
             <a:noAutofit/>
           </a:bodyPr>
           <a:lstStyle>
@@ -5232,15 +5380,19 @@
               </a:defRPr>
             </a:lvl9pPr>
           </a:lstStyle>
-          <a:p/>
+          <a:p>
+            <a:endParaRPr/>
+          </a:p>
         </p:txBody>
       </p:sp>
       <p:sp>
         <p:nvSpPr>
           <p:cNvPr id="15" name="Google Shape;15;p2"/>
-          <p:cNvSpPr txBox="1"/>
+          <p:cNvSpPr txBox="1">
+            <a:spLocks noGrp="1"/>
+          </p:cNvSpPr>
           <p:nvPr>
-            <p:ph idx="12" type="sldNum"/>
+            <p:ph type="sldNum" idx="12"/>
           </p:nvPr>
         </p:nvSpPr>
         <p:spPr>
@@ -5253,7 +5405,7 @@
           </a:prstGeom>
         </p:spPr>
         <p:txBody>
-          <a:bodyPr anchorCtr="0" anchor="ctr" bIns="91425" lIns="91425" spcFirstLastPara="1" rIns="91425" wrap="square" tIns="91425">
+          <a:bodyPr spcFirstLastPara="1" wrap="square" lIns="91425" tIns="91425" rIns="91425" bIns="91425" anchor="ctr" anchorCtr="0">
             <a:noAutofit/>
           </a:bodyPr>
           <a:lstStyle>
@@ -5295,7 +5447,7 @@
             </a:lvl9pPr>
           </a:lstStyle>
           <a:p>
-            <a:pPr indent="0" lvl="0" marL="0" rtl="0" algn="r">
+            <a:pPr marL="0" lvl="0" indent="0" algn="r" rtl="0">
               <a:spcBef>
                 <a:spcPts val="0"/>
               </a:spcBef>
@@ -5321,11 +5473,11 @@
 </file>
 
 <file path=ppt/slideLayouts/slideLayout10.xml><?xml version="1.0" encoding="utf-8"?>
-<p:sldLayout xmlns:a="http://schemas.openxmlformats.org/drawingml/2006/main" xmlns:r="http://schemas.openxmlformats.org/officeDocument/2006/relationships" xmlns:mc="http://schemas.openxmlformats.org/markup-compatibility/2006" xmlns:mv="urn:schemas-microsoft-com:mac:vml" xmlns:p="http://schemas.openxmlformats.org/presentationml/2006/main" xmlns:c="http://schemas.openxmlformats.org/drawingml/2006/chart" xmlns:dgm="http://schemas.openxmlformats.org/drawingml/2006/diagram" xmlns:o="urn:schemas-microsoft-com:office:office" xmlns:v="urn:schemas-microsoft-com:vml" xmlns:pvml="urn:schemas-microsoft-com:office:powerpoint" xmlns:com="http://schemas.openxmlformats.org/drawingml/2006/compatibility" xmlns:p14="http://schemas.microsoft.com/office/powerpoint/2010/main" xmlns:p15="http://schemas.microsoft.com/office/powerpoint/2012/main" xmlns:ahyp="http://schemas.microsoft.com/office/drawing/2018/hyperlinkcolor" matchingName="Big number">
+<p:sldLayout xmlns:a="http://schemas.openxmlformats.org/drawingml/2006/main" xmlns:r="http://schemas.openxmlformats.org/officeDocument/2006/relationships" xmlns:p="http://schemas.openxmlformats.org/presentationml/2006/main" matchingName="Big number">
   <p:cSld name="BIG_NUMBER">
     <p:spTree>
       <p:nvGrpSpPr>
-        <p:cNvPr id="52" name="Shape 52"/>
+        <p:cNvPr id="1" name="Shape 52"/>
         <p:cNvGrpSpPr/>
         <p:nvPr/>
       </p:nvGrpSpPr>
@@ -5359,23 +5511,20 @@
           </a:ln>
         </p:spPr>
         <p:txBody>
-          <a:bodyPr anchorCtr="0" anchor="ctr" bIns="91425" lIns="91425" spcFirstLastPara="1" rIns="91425" wrap="square" tIns="91425">
+          <a:bodyPr spcFirstLastPara="1" wrap="square" lIns="91425" tIns="91425" rIns="91425" bIns="91425" anchor="ctr" anchorCtr="0">
             <a:noAutofit/>
           </a:bodyPr>
           <a:lstStyle/>
           <a:p>
-            <a:pPr indent="0" lvl="0" marL="0" rtl="0" algn="l">
-              <a:spcBef>
-                <a:spcPts val="0"/>
-              </a:spcBef>
-              <a:spcAft>
-                <a:spcPts val="0"/>
-              </a:spcAft>
-              <a:buNone/>
-            </a:pPr>
-            <a:r>
-              <a:t/>
-            </a:r>
+            <a:pPr marL="0" lvl="0" indent="0" algn="l" rtl="0">
+              <a:spcBef>
+                <a:spcPts val="0"/>
+              </a:spcBef>
+              <a:spcAft>
+                <a:spcPts val="0"/>
+              </a:spcAft>
+              <a:buNone/>
+            </a:pPr>
             <a:endParaRPr/>
           </a:p>
         </p:txBody>
@@ -5383,9 +5532,11 @@
       <p:sp>
         <p:nvSpPr>
           <p:cNvPr id="54" name="Google Shape;54;p11"/>
-          <p:cNvSpPr txBox="1"/>
+          <p:cNvSpPr txBox="1">
+            <a:spLocks noGrp="1"/>
+          </p:cNvSpPr>
           <p:nvPr>
-            <p:ph hasCustomPrompt="1" type="title"/>
+            <p:ph type="title" hasCustomPrompt="1"/>
           </p:nvPr>
         </p:nvSpPr>
         <p:spPr>
@@ -5398,7 +5549,7 @@
           </a:prstGeom>
         </p:spPr>
         <p:txBody>
-          <a:bodyPr anchorCtr="0" anchor="ctr" bIns="91425" lIns="91425" spcFirstLastPara="1" rIns="91425" wrap="square" tIns="91425">
+          <a:bodyPr spcFirstLastPara="1" wrap="square" lIns="91425" tIns="91425" rIns="91425" bIns="91425" anchor="ctr" anchorCtr="0">
             <a:noAutofit/>
           </a:bodyPr>
           <a:lstStyle>
@@ -5575,9 +5726,11 @@
       <p:sp>
         <p:nvSpPr>
           <p:cNvPr id="55" name="Google Shape;55;p11"/>
-          <p:cNvSpPr txBox="1"/>
+          <p:cNvSpPr txBox="1">
+            <a:spLocks noGrp="1"/>
+          </p:cNvSpPr>
           <p:nvPr>
-            <p:ph idx="1" type="body"/>
+            <p:ph type="body" idx="1"/>
           </p:nvPr>
         </p:nvSpPr>
         <p:spPr>
@@ -5590,11 +5743,11 @@
           </a:prstGeom>
         </p:spPr>
         <p:txBody>
-          <a:bodyPr anchorCtr="0" anchor="t" bIns="91425" lIns="91425" spcFirstLastPara="1" rIns="91425" wrap="square" tIns="91425">
+          <a:bodyPr spcFirstLastPara="1" wrap="square" lIns="91425" tIns="91425" rIns="91425" bIns="91425" anchor="t" anchorCtr="0">
             <a:noAutofit/>
           </a:bodyPr>
           <a:lstStyle>
-            <a:lvl1pPr indent="-342900" lvl="0" marL="457200" algn="ctr">
+            <a:lvl1pPr marL="457200" lvl="0" indent="-342900" algn="ctr">
               <a:spcBef>
                 <a:spcPts val="0"/>
               </a:spcBef>
@@ -5605,7 +5758,7 @@
               <a:buChar char="●"/>
               <a:defRPr/>
             </a:lvl1pPr>
-            <a:lvl2pPr indent="-317500" lvl="1" marL="914400" algn="ctr">
+            <a:lvl2pPr marL="914400" lvl="1" indent="-317500" algn="ctr">
               <a:spcBef>
                 <a:spcPts val="1600"/>
               </a:spcBef>
@@ -5616,7 +5769,7 @@
               <a:buChar char="○"/>
               <a:defRPr/>
             </a:lvl2pPr>
-            <a:lvl3pPr indent="-317500" lvl="2" marL="1371600" algn="ctr">
+            <a:lvl3pPr marL="1371600" lvl="2" indent="-317500" algn="ctr">
               <a:spcBef>
                 <a:spcPts val="1600"/>
               </a:spcBef>
@@ -5627,7 +5780,7 @@
               <a:buChar char="■"/>
               <a:defRPr/>
             </a:lvl3pPr>
-            <a:lvl4pPr indent="-317500" lvl="3" marL="1828800" algn="ctr">
+            <a:lvl4pPr marL="1828800" lvl="3" indent="-317500" algn="ctr">
               <a:spcBef>
                 <a:spcPts val="1600"/>
               </a:spcBef>
@@ -5638,7 +5791,7 @@
               <a:buChar char="●"/>
               <a:defRPr/>
             </a:lvl4pPr>
-            <a:lvl5pPr indent="-317500" lvl="4" marL="2286000" algn="ctr">
+            <a:lvl5pPr marL="2286000" lvl="4" indent="-317500" algn="ctr">
               <a:spcBef>
                 <a:spcPts val="1600"/>
               </a:spcBef>
@@ -5649,7 +5802,7 @@
               <a:buChar char="○"/>
               <a:defRPr/>
             </a:lvl5pPr>
-            <a:lvl6pPr indent="-317500" lvl="5" marL="2743200" algn="ctr">
+            <a:lvl6pPr marL="2743200" lvl="5" indent="-317500" algn="ctr">
               <a:spcBef>
                 <a:spcPts val="1600"/>
               </a:spcBef>
@@ -5660,7 +5813,7 @@
               <a:buChar char="■"/>
               <a:defRPr/>
             </a:lvl6pPr>
-            <a:lvl7pPr indent="-317500" lvl="6" marL="3200400" algn="ctr">
+            <a:lvl7pPr marL="3200400" lvl="6" indent="-317500" algn="ctr">
               <a:spcBef>
                 <a:spcPts val="1600"/>
               </a:spcBef>
@@ -5671,7 +5824,7 @@
               <a:buChar char="●"/>
               <a:defRPr/>
             </a:lvl7pPr>
-            <a:lvl8pPr indent="-317500" lvl="7" marL="3657600" algn="ctr">
+            <a:lvl8pPr marL="3657600" lvl="7" indent="-317500" algn="ctr">
               <a:spcBef>
                 <a:spcPts val="1600"/>
               </a:spcBef>
@@ -5682,7 +5835,7 @@
               <a:buChar char="○"/>
               <a:defRPr/>
             </a:lvl8pPr>
-            <a:lvl9pPr indent="-317500" lvl="8" marL="4114800" algn="ctr">
+            <a:lvl9pPr marL="4114800" lvl="8" indent="-317500" algn="ctr">
               <a:spcBef>
                 <a:spcPts val="1600"/>
               </a:spcBef>
@@ -5694,15 +5847,19 @@
               <a:defRPr/>
             </a:lvl9pPr>
           </a:lstStyle>
-          <a:p/>
+          <a:p>
+            <a:endParaRPr/>
+          </a:p>
         </p:txBody>
       </p:sp>
       <p:sp>
         <p:nvSpPr>
           <p:cNvPr id="56" name="Google Shape;56;p11"/>
-          <p:cNvSpPr txBox="1"/>
+          <p:cNvSpPr txBox="1">
+            <a:spLocks noGrp="1"/>
+          </p:cNvSpPr>
           <p:nvPr>
-            <p:ph idx="12" type="sldNum"/>
+            <p:ph type="sldNum" idx="12"/>
           </p:nvPr>
         </p:nvSpPr>
         <p:spPr>
@@ -5715,7 +5872,7 @@
           </a:prstGeom>
         </p:spPr>
         <p:txBody>
-          <a:bodyPr anchorCtr="0" anchor="ctr" bIns="91425" lIns="91425" spcFirstLastPara="1" rIns="91425" wrap="square" tIns="91425">
+          <a:bodyPr spcFirstLastPara="1" wrap="square" lIns="91425" tIns="91425" rIns="91425" bIns="91425" anchor="ctr" anchorCtr="0">
             <a:noAutofit/>
           </a:bodyPr>
           <a:lstStyle>
@@ -5757,7 +5914,7 @@
             </a:lvl9pPr>
           </a:lstStyle>
           <a:p>
-            <a:pPr indent="0" lvl="0" marL="0" rtl="0" algn="r">
+            <a:pPr marL="0" lvl="0" indent="0" algn="r" rtl="0">
               <a:spcBef>
                 <a:spcPts val="0"/>
               </a:spcBef>
@@ -5783,11 +5940,11 @@
 </file>
 
 <file path=ppt/slideLayouts/slideLayout11.xml><?xml version="1.0" encoding="utf-8"?>
-<p:sldLayout xmlns:a="http://schemas.openxmlformats.org/drawingml/2006/main" xmlns:r="http://schemas.openxmlformats.org/officeDocument/2006/relationships" xmlns:mc="http://schemas.openxmlformats.org/markup-compatibility/2006" xmlns:mv="urn:schemas-microsoft-com:mac:vml" xmlns:p="http://schemas.openxmlformats.org/presentationml/2006/main" xmlns:c="http://schemas.openxmlformats.org/drawingml/2006/chart" xmlns:dgm="http://schemas.openxmlformats.org/drawingml/2006/diagram" xmlns:o="urn:schemas-microsoft-com:office:office" xmlns:v="urn:schemas-microsoft-com:vml" xmlns:pvml="urn:schemas-microsoft-com:office:powerpoint" xmlns:com="http://schemas.openxmlformats.org/drawingml/2006/compatibility" xmlns:p14="http://schemas.microsoft.com/office/powerpoint/2010/main" xmlns:p15="http://schemas.microsoft.com/office/powerpoint/2012/main" xmlns:ahyp="http://schemas.microsoft.com/office/drawing/2018/hyperlinkcolor" matchingName="Blank" type="blank">
+<p:sldLayout xmlns:a="http://schemas.openxmlformats.org/drawingml/2006/main" xmlns:r="http://schemas.openxmlformats.org/officeDocument/2006/relationships" xmlns:p="http://schemas.openxmlformats.org/presentationml/2006/main" matchingName="Blank" type="blank">
   <p:cSld name="BLANK">
     <p:spTree>
       <p:nvGrpSpPr>
-        <p:cNvPr id="57" name="Shape 57"/>
+        <p:cNvPr id="1" name="Shape 57"/>
         <p:cNvGrpSpPr/>
         <p:nvPr/>
       </p:nvGrpSpPr>
@@ -5802,9 +5959,11 @@
       <p:sp>
         <p:nvSpPr>
           <p:cNvPr id="58" name="Google Shape;58;p12"/>
-          <p:cNvSpPr txBox="1"/>
+          <p:cNvSpPr txBox="1">
+            <a:spLocks noGrp="1"/>
+          </p:cNvSpPr>
           <p:nvPr>
-            <p:ph idx="12" type="sldNum"/>
+            <p:ph type="sldNum" idx="12"/>
           </p:nvPr>
         </p:nvSpPr>
         <p:spPr>
@@ -5817,7 +5976,7 @@
           </a:prstGeom>
         </p:spPr>
         <p:txBody>
-          <a:bodyPr anchorCtr="0" anchor="ctr" bIns="91425" lIns="91425" spcFirstLastPara="1" rIns="91425" wrap="square" tIns="91425">
+          <a:bodyPr spcFirstLastPara="1" wrap="square" lIns="91425" tIns="91425" rIns="91425" bIns="91425" anchor="ctr" anchorCtr="0">
             <a:noAutofit/>
           </a:bodyPr>
           <a:lstStyle>
@@ -5859,7 +6018,7 @@
             </a:lvl9pPr>
           </a:lstStyle>
           <a:p>
-            <a:pPr indent="0" lvl="0" marL="0" rtl="0" algn="r">
+            <a:pPr marL="0" lvl="0" indent="0" algn="r" rtl="0">
               <a:spcBef>
                 <a:spcPts val="0"/>
               </a:spcBef>
@@ -5885,18 +6044,19 @@
 </file>
 
 <file path=ppt/slideLayouts/slideLayout2.xml><?xml version="1.0" encoding="utf-8"?>
-<p:sldLayout xmlns:a="http://schemas.openxmlformats.org/drawingml/2006/main" xmlns:r="http://schemas.openxmlformats.org/officeDocument/2006/relationships" xmlns:mc="http://schemas.openxmlformats.org/markup-compatibility/2006" xmlns:mv="urn:schemas-microsoft-com:mac:vml" xmlns:p="http://schemas.openxmlformats.org/presentationml/2006/main" xmlns:c="http://schemas.openxmlformats.org/drawingml/2006/chart" xmlns:dgm="http://schemas.openxmlformats.org/drawingml/2006/diagram" xmlns:o="urn:schemas-microsoft-com:office:office" xmlns:v="urn:schemas-microsoft-com:vml" xmlns:pvml="urn:schemas-microsoft-com:office:powerpoint" xmlns:com="http://schemas.openxmlformats.org/drawingml/2006/compatibility" xmlns:p14="http://schemas.microsoft.com/office/powerpoint/2010/main" xmlns:p15="http://schemas.microsoft.com/office/powerpoint/2012/main" xmlns:ahyp="http://schemas.microsoft.com/office/drawing/2018/hyperlinkcolor" matchingName="Section header" type="secHead">
+<p:sldLayout xmlns:a="http://schemas.openxmlformats.org/drawingml/2006/main" xmlns:r="http://schemas.openxmlformats.org/officeDocument/2006/relationships" xmlns:p="http://schemas.openxmlformats.org/presentationml/2006/main" matchingName="Section header" type="secHead">
   <p:cSld name="SECTION_HEADER">
     <p:bg>
       <p:bgPr>
         <a:solidFill>
           <a:schemeClr val="lt2"/>
         </a:solidFill>
+        <a:effectLst/>
       </p:bgPr>
     </p:bg>
     <p:spTree>
       <p:nvGrpSpPr>
-        <p:cNvPr id="16" name="Shape 16"/>
+        <p:cNvPr id="1" name="Shape 16"/>
         <p:cNvGrpSpPr/>
         <p:nvPr/>
       </p:nvGrpSpPr>
@@ -5923,21 +6083,23 @@
             <a:avLst/>
           </a:prstGeom>
           <a:noFill/>
-          <a:ln cap="flat" cmpd="sng" w="38100">
+          <a:ln w="38100" cap="flat" cmpd="sng">
             <a:solidFill>
               <a:schemeClr val="accent4"/>
             </a:solidFill>
             <a:prstDash val="solid"/>
             <a:round/>
-            <a:headEnd len="sm" w="sm" type="none"/>
-            <a:tailEnd len="sm" w="sm" type="none"/>
+            <a:headEnd type="none" w="sm" len="sm"/>
+            <a:tailEnd type="none" w="sm" len="sm"/>
           </a:ln>
         </p:spPr>
       </p:cxnSp>
       <p:sp>
         <p:nvSpPr>
           <p:cNvPr id="18" name="Google Shape;18;p3"/>
-          <p:cNvSpPr txBox="1"/>
+          <p:cNvSpPr txBox="1">
+            <a:spLocks noGrp="1"/>
+          </p:cNvSpPr>
           <p:nvPr>
             <p:ph type="title"/>
           </p:nvPr>
@@ -5952,7 +6114,7 @@
           </a:prstGeom>
         </p:spPr>
         <p:txBody>
-          <a:bodyPr anchorCtr="0" anchor="b" bIns="91425" lIns="91425" spcFirstLastPara="1" rIns="91425" wrap="square" tIns="91425">
+          <a:bodyPr spcFirstLastPara="1" wrap="square" lIns="91425" tIns="91425" rIns="91425" bIns="91425" anchor="b" anchorCtr="0">
             <a:noAutofit/>
           </a:bodyPr>
           <a:lstStyle>
@@ -6063,15 +6225,19 @@
               <a:defRPr sz="4800"/>
             </a:lvl9pPr>
           </a:lstStyle>
-          <a:p/>
+          <a:p>
+            <a:endParaRPr/>
+          </a:p>
         </p:txBody>
       </p:sp>
       <p:sp>
         <p:nvSpPr>
           <p:cNvPr id="19" name="Google Shape;19;p3"/>
-          <p:cNvSpPr txBox="1"/>
+          <p:cNvSpPr txBox="1">
+            <a:spLocks noGrp="1"/>
+          </p:cNvSpPr>
           <p:nvPr>
-            <p:ph idx="12" type="sldNum"/>
+            <p:ph type="sldNum" idx="12"/>
           </p:nvPr>
         </p:nvSpPr>
         <p:spPr>
@@ -6084,7 +6250,7 @@
           </a:prstGeom>
         </p:spPr>
         <p:txBody>
-          <a:bodyPr anchorCtr="0" anchor="ctr" bIns="91425" lIns="91425" spcFirstLastPara="1" rIns="91425" wrap="square" tIns="91425">
+          <a:bodyPr spcFirstLastPara="1" wrap="square" lIns="91425" tIns="91425" rIns="91425" bIns="91425" anchor="ctr" anchorCtr="0">
             <a:noAutofit/>
           </a:bodyPr>
           <a:lstStyle>
@@ -6126,7 +6292,7 @@
             </a:lvl9pPr>
           </a:lstStyle>
           <a:p>
-            <a:pPr indent="0" lvl="0" marL="0" rtl="0" algn="r">
+            <a:pPr marL="0" lvl="0" indent="0" algn="r" rtl="0">
               <a:spcBef>
                 <a:spcPts val="0"/>
               </a:spcBef>
@@ -6152,11 +6318,11 @@
 </file>
 
 <file path=ppt/slideLayouts/slideLayout3.xml><?xml version="1.0" encoding="utf-8"?>
-<p:sldLayout xmlns:a="http://schemas.openxmlformats.org/drawingml/2006/main" xmlns:r="http://schemas.openxmlformats.org/officeDocument/2006/relationships" xmlns:mc="http://schemas.openxmlformats.org/markup-compatibility/2006" xmlns:mv="urn:schemas-microsoft-com:mac:vml" xmlns:p="http://schemas.openxmlformats.org/presentationml/2006/main" xmlns:c="http://schemas.openxmlformats.org/drawingml/2006/chart" xmlns:dgm="http://schemas.openxmlformats.org/drawingml/2006/diagram" xmlns:o="urn:schemas-microsoft-com:office:office" xmlns:v="urn:schemas-microsoft-com:vml" xmlns:pvml="urn:schemas-microsoft-com:office:powerpoint" xmlns:com="http://schemas.openxmlformats.org/drawingml/2006/compatibility" xmlns:p14="http://schemas.microsoft.com/office/powerpoint/2010/main" xmlns:p15="http://schemas.microsoft.com/office/powerpoint/2012/main" xmlns:ahyp="http://schemas.microsoft.com/office/drawing/2018/hyperlinkcolor" matchingName="Title and body" type="tx">
+<p:sldLayout xmlns:a="http://schemas.openxmlformats.org/drawingml/2006/main" xmlns:r="http://schemas.openxmlformats.org/officeDocument/2006/relationships" xmlns:p="http://schemas.openxmlformats.org/presentationml/2006/main" matchingName="Title and body" type="tx">
   <p:cSld name="TITLE_AND_BODY">
     <p:spTree>
       <p:nvGrpSpPr>
-        <p:cNvPr id="20" name="Shape 20"/>
+        <p:cNvPr id="1" name="Shape 20"/>
         <p:cNvGrpSpPr/>
         <p:nvPr/>
       </p:nvGrpSpPr>
@@ -6183,21 +6349,23 @@
             <a:avLst/>
           </a:prstGeom>
           <a:noFill/>
-          <a:ln cap="flat" cmpd="sng" w="38100">
+          <a:ln w="38100" cap="flat" cmpd="sng">
             <a:solidFill>
               <a:schemeClr val="accent4"/>
             </a:solidFill>
             <a:prstDash val="solid"/>
             <a:round/>
-            <a:headEnd len="sm" w="sm" type="none"/>
-            <a:tailEnd len="sm" w="sm" type="none"/>
+            <a:headEnd type="none" w="sm" len="sm"/>
+            <a:tailEnd type="none" w="sm" len="sm"/>
           </a:ln>
         </p:spPr>
       </p:cxnSp>
       <p:sp>
         <p:nvSpPr>
           <p:cNvPr id="22" name="Google Shape;22;p4"/>
-          <p:cNvSpPr txBox="1"/>
+          <p:cNvSpPr txBox="1">
+            <a:spLocks noGrp="1"/>
+          </p:cNvSpPr>
           <p:nvPr>
             <p:ph type="title"/>
           </p:nvPr>
@@ -6212,7 +6380,7 @@
           </a:prstGeom>
         </p:spPr>
         <p:txBody>
-          <a:bodyPr anchorCtr="0" anchor="b" bIns="91425" lIns="91425" spcFirstLastPara="1" rIns="91425" wrap="square" tIns="91425">
+          <a:bodyPr spcFirstLastPara="1" wrap="square" lIns="91425" tIns="91425" rIns="91425" bIns="91425" anchor="b" anchorCtr="0">
             <a:noAutofit/>
           </a:bodyPr>
           <a:lstStyle>
@@ -6316,15 +6484,19 @@
               <a:defRPr/>
             </a:lvl9pPr>
           </a:lstStyle>
-          <a:p/>
+          <a:p>
+            <a:endParaRPr/>
+          </a:p>
         </p:txBody>
       </p:sp>
       <p:sp>
         <p:nvSpPr>
           <p:cNvPr id="23" name="Google Shape;23;p4"/>
-          <p:cNvSpPr txBox="1"/>
+          <p:cNvSpPr txBox="1">
+            <a:spLocks noGrp="1"/>
+          </p:cNvSpPr>
           <p:nvPr>
-            <p:ph idx="1" type="body"/>
+            <p:ph type="body" idx="1"/>
           </p:nvPr>
         </p:nvSpPr>
         <p:spPr>
@@ -6337,11 +6509,11 @@
           </a:prstGeom>
         </p:spPr>
         <p:txBody>
-          <a:bodyPr anchorCtr="0" anchor="t" bIns="91425" lIns="91425" spcFirstLastPara="1" rIns="91425" wrap="square" tIns="91425">
+          <a:bodyPr spcFirstLastPara="1" wrap="square" lIns="91425" tIns="91425" rIns="91425" bIns="91425" anchor="t" anchorCtr="0">
             <a:noAutofit/>
           </a:bodyPr>
           <a:lstStyle>
-            <a:lvl1pPr indent="-342900" lvl="0" marL="457200">
+            <a:lvl1pPr marL="457200" lvl="0" indent="-342900">
               <a:spcBef>
                 <a:spcPts val="0"/>
               </a:spcBef>
@@ -6352,7 +6524,7 @@
               <a:buChar char="●"/>
               <a:defRPr/>
             </a:lvl1pPr>
-            <a:lvl2pPr indent="-317500" lvl="1" marL="914400">
+            <a:lvl2pPr marL="914400" lvl="1" indent="-317500">
               <a:spcBef>
                 <a:spcPts val="1600"/>
               </a:spcBef>
@@ -6363,7 +6535,7 @@
               <a:buChar char="○"/>
               <a:defRPr/>
             </a:lvl2pPr>
-            <a:lvl3pPr indent="-317500" lvl="2" marL="1371600">
+            <a:lvl3pPr marL="1371600" lvl="2" indent="-317500">
               <a:spcBef>
                 <a:spcPts val="1600"/>
               </a:spcBef>
@@ -6374,7 +6546,7 @@
               <a:buChar char="■"/>
               <a:defRPr/>
             </a:lvl3pPr>
-            <a:lvl4pPr indent="-317500" lvl="3" marL="1828800">
+            <a:lvl4pPr marL="1828800" lvl="3" indent="-317500">
               <a:spcBef>
                 <a:spcPts val="1600"/>
               </a:spcBef>
@@ -6385,7 +6557,7 @@
               <a:buChar char="●"/>
               <a:defRPr/>
             </a:lvl4pPr>
-            <a:lvl5pPr indent="-317500" lvl="4" marL="2286000">
+            <a:lvl5pPr marL="2286000" lvl="4" indent="-317500">
               <a:spcBef>
                 <a:spcPts val="1600"/>
               </a:spcBef>
@@ -6396,7 +6568,7 @@
               <a:buChar char="○"/>
               <a:defRPr/>
             </a:lvl5pPr>
-            <a:lvl6pPr indent="-317500" lvl="5" marL="2743200">
+            <a:lvl6pPr marL="2743200" lvl="5" indent="-317500">
               <a:spcBef>
                 <a:spcPts val="1600"/>
               </a:spcBef>
@@ -6407,7 +6579,7 @@
               <a:buChar char="■"/>
               <a:defRPr/>
             </a:lvl6pPr>
-            <a:lvl7pPr indent="-317500" lvl="6" marL="3200400">
+            <a:lvl7pPr marL="3200400" lvl="6" indent="-317500">
               <a:spcBef>
                 <a:spcPts val="1600"/>
               </a:spcBef>
@@ -6418,7 +6590,7 @@
               <a:buChar char="●"/>
               <a:defRPr/>
             </a:lvl7pPr>
-            <a:lvl8pPr indent="-317500" lvl="7" marL="3657600">
+            <a:lvl8pPr marL="3657600" lvl="7" indent="-317500">
               <a:spcBef>
                 <a:spcPts val="1600"/>
               </a:spcBef>
@@ -6429,7 +6601,7 @@
               <a:buChar char="○"/>
               <a:defRPr/>
             </a:lvl8pPr>
-            <a:lvl9pPr indent="-317500" lvl="8" marL="4114800">
+            <a:lvl9pPr marL="4114800" lvl="8" indent="-317500">
               <a:spcBef>
                 <a:spcPts val="1600"/>
               </a:spcBef>
@@ -6441,15 +6613,19 @@
               <a:defRPr/>
             </a:lvl9pPr>
           </a:lstStyle>
-          <a:p/>
+          <a:p>
+            <a:endParaRPr/>
+          </a:p>
         </p:txBody>
       </p:sp>
       <p:sp>
         <p:nvSpPr>
           <p:cNvPr id="24" name="Google Shape;24;p4"/>
-          <p:cNvSpPr txBox="1"/>
+          <p:cNvSpPr txBox="1">
+            <a:spLocks noGrp="1"/>
+          </p:cNvSpPr>
           <p:nvPr>
-            <p:ph idx="12" type="sldNum"/>
+            <p:ph type="sldNum" idx="12"/>
           </p:nvPr>
         </p:nvSpPr>
         <p:spPr>
@@ -6462,7 +6638,7 @@
           </a:prstGeom>
         </p:spPr>
         <p:txBody>
-          <a:bodyPr anchorCtr="0" anchor="ctr" bIns="91425" lIns="91425" spcFirstLastPara="1" rIns="91425" wrap="square" tIns="91425">
+          <a:bodyPr spcFirstLastPara="1" wrap="square" lIns="91425" tIns="91425" rIns="91425" bIns="91425" anchor="ctr" anchorCtr="0">
             <a:noAutofit/>
           </a:bodyPr>
           <a:lstStyle>
@@ -6504,7 +6680,7 @@
             </a:lvl9pPr>
           </a:lstStyle>
           <a:p>
-            <a:pPr indent="0" lvl="0" marL="0" rtl="0" algn="r">
+            <a:pPr marL="0" lvl="0" indent="0" algn="r" rtl="0">
               <a:spcBef>
                 <a:spcPts val="0"/>
               </a:spcBef>
@@ -6530,11 +6706,11 @@
 </file>
 
 <file path=ppt/slideLayouts/slideLayout4.xml><?xml version="1.0" encoding="utf-8"?>
-<p:sldLayout xmlns:a="http://schemas.openxmlformats.org/drawingml/2006/main" xmlns:r="http://schemas.openxmlformats.org/officeDocument/2006/relationships" xmlns:mc="http://schemas.openxmlformats.org/markup-compatibility/2006" xmlns:mv="urn:schemas-microsoft-com:mac:vml" xmlns:p="http://schemas.openxmlformats.org/presentationml/2006/main" xmlns:c="http://schemas.openxmlformats.org/drawingml/2006/chart" xmlns:dgm="http://schemas.openxmlformats.org/drawingml/2006/diagram" xmlns:o="urn:schemas-microsoft-com:office:office" xmlns:v="urn:schemas-microsoft-com:vml" xmlns:pvml="urn:schemas-microsoft-com:office:powerpoint" xmlns:com="http://schemas.openxmlformats.org/drawingml/2006/compatibility" xmlns:p14="http://schemas.microsoft.com/office/powerpoint/2010/main" xmlns:p15="http://schemas.microsoft.com/office/powerpoint/2012/main" xmlns:ahyp="http://schemas.microsoft.com/office/drawing/2018/hyperlinkcolor" matchingName="Title and two columns" type="twoColTx">
+<p:sldLayout xmlns:a="http://schemas.openxmlformats.org/drawingml/2006/main" xmlns:r="http://schemas.openxmlformats.org/officeDocument/2006/relationships" xmlns:p="http://schemas.openxmlformats.org/presentationml/2006/main" matchingName="Title and two columns" type="twoColTx">
   <p:cSld name="TITLE_AND_TWO_COLUMNS">
     <p:spTree>
       <p:nvGrpSpPr>
-        <p:cNvPr id="25" name="Shape 25"/>
+        <p:cNvPr id="1" name="Shape 25"/>
         <p:cNvGrpSpPr/>
         <p:nvPr/>
       </p:nvGrpSpPr>
@@ -6561,21 +6737,23 @@
             <a:avLst/>
           </a:prstGeom>
           <a:noFill/>
-          <a:ln cap="flat" cmpd="sng" w="38100">
+          <a:ln w="38100" cap="flat" cmpd="sng">
             <a:solidFill>
               <a:schemeClr val="accent4"/>
             </a:solidFill>
             <a:prstDash val="solid"/>
             <a:round/>
-            <a:headEnd len="sm" w="sm" type="none"/>
-            <a:tailEnd len="sm" w="sm" type="none"/>
+            <a:headEnd type="none" w="sm" len="sm"/>
+            <a:tailEnd type="none" w="sm" len="sm"/>
           </a:ln>
         </p:spPr>
       </p:cxnSp>
       <p:sp>
         <p:nvSpPr>
           <p:cNvPr id="27" name="Google Shape;27;p5"/>
-          <p:cNvSpPr txBox="1"/>
+          <p:cNvSpPr txBox="1">
+            <a:spLocks noGrp="1"/>
+          </p:cNvSpPr>
           <p:nvPr>
             <p:ph type="title"/>
           </p:nvPr>
@@ -6590,7 +6768,7 @@
           </a:prstGeom>
         </p:spPr>
         <p:txBody>
-          <a:bodyPr anchorCtr="0" anchor="b" bIns="91425" lIns="91425" spcFirstLastPara="1" rIns="91425" wrap="square" tIns="91425">
+          <a:bodyPr spcFirstLastPara="1" wrap="square" lIns="91425" tIns="91425" rIns="91425" bIns="91425" anchor="b" anchorCtr="0">
             <a:noAutofit/>
           </a:bodyPr>
           <a:lstStyle>
@@ -6694,15 +6872,19 @@
               <a:defRPr/>
             </a:lvl9pPr>
           </a:lstStyle>
-          <a:p/>
+          <a:p>
+            <a:endParaRPr/>
+          </a:p>
         </p:txBody>
       </p:sp>
       <p:sp>
         <p:nvSpPr>
           <p:cNvPr id="28" name="Google Shape;28;p5"/>
-          <p:cNvSpPr txBox="1"/>
+          <p:cNvSpPr txBox="1">
+            <a:spLocks noGrp="1"/>
+          </p:cNvSpPr>
           <p:nvPr>
-            <p:ph idx="1" type="body"/>
+            <p:ph type="body" idx="1"/>
           </p:nvPr>
         </p:nvSpPr>
         <p:spPr>
@@ -6715,11 +6897,11 @@
           </a:prstGeom>
         </p:spPr>
         <p:txBody>
-          <a:bodyPr anchorCtr="0" anchor="t" bIns="91425" lIns="91425" spcFirstLastPara="1" rIns="91425" wrap="square" tIns="91425">
+          <a:bodyPr spcFirstLastPara="1" wrap="square" lIns="91425" tIns="91425" rIns="91425" bIns="91425" anchor="t" anchorCtr="0">
             <a:noAutofit/>
           </a:bodyPr>
           <a:lstStyle>
-            <a:lvl1pPr indent="-317500" lvl="0" marL="457200">
+            <a:lvl1pPr marL="457200" lvl="0" indent="-317500">
               <a:spcBef>
                 <a:spcPts val="0"/>
               </a:spcBef>
@@ -6730,7 +6912,7 @@
               <a:buChar char="●"/>
               <a:defRPr sz="1400"/>
             </a:lvl1pPr>
-            <a:lvl2pPr indent="-304800" lvl="1" marL="914400">
+            <a:lvl2pPr marL="914400" lvl="1" indent="-304800">
               <a:spcBef>
                 <a:spcPts val="1600"/>
               </a:spcBef>
@@ -6741,7 +6923,7 @@
               <a:buChar char="○"/>
               <a:defRPr sz="1200"/>
             </a:lvl2pPr>
-            <a:lvl3pPr indent="-304800" lvl="2" marL="1371600">
+            <a:lvl3pPr marL="1371600" lvl="2" indent="-304800">
               <a:spcBef>
                 <a:spcPts val="1600"/>
               </a:spcBef>
@@ -6752,7 +6934,7 @@
               <a:buChar char="■"/>
               <a:defRPr sz="1200"/>
             </a:lvl3pPr>
-            <a:lvl4pPr indent="-304800" lvl="3" marL="1828800">
+            <a:lvl4pPr marL="1828800" lvl="3" indent="-304800">
               <a:spcBef>
                 <a:spcPts val="1600"/>
               </a:spcBef>
@@ -6763,7 +6945,7 @@
               <a:buChar char="●"/>
               <a:defRPr sz="1200"/>
             </a:lvl4pPr>
-            <a:lvl5pPr indent="-304800" lvl="4" marL="2286000">
+            <a:lvl5pPr marL="2286000" lvl="4" indent="-304800">
               <a:spcBef>
                 <a:spcPts val="1600"/>
               </a:spcBef>
@@ -6774,7 +6956,7 @@
               <a:buChar char="○"/>
               <a:defRPr sz="1200"/>
             </a:lvl5pPr>
-            <a:lvl6pPr indent="-304800" lvl="5" marL="2743200">
+            <a:lvl6pPr marL="2743200" lvl="5" indent="-304800">
               <a:spcBef>
                 <a:spcPts val="1600"/>
               </a:spcBef>
@@ -6785,7 +6967,7 @@
               <a:buChar char="■"/>
               <a:defRPr sz="1200"/>
             </a:lvl6pPr>
-            <a:lvl7pPr indent="-304800" lvl="6" marL="3200400">
+            <a:lvl7pPr marL="3200400" lvl="6" indent="-304800">
               <a:spcBef>
                 <a:spcPts val="1600"/>
               </a:spcBef>
@@ -6796,7 +6978,7 @@
               <a:buChar char="●"/>
               <a:defRPr sz="1200"/>
             </a:lvl7pPr>
-            <a:lvl8pPr indent="-304800" lvl="7" marL="3657600">
+            <a:lvl8pPr marL="3657600" lvl="7" indent="-304800">
               <a:spcBef>
                 <a:spcPts val="1600"/>
               </a:spcBef>
@@ -6807,7 +6989,7 @@
               <a:buChar char="○"/>
               <a:defRPr sz="1200"/>
             </a:lvl8pPr>
-            <a:lvl9pPr indent="-304800" lvl="8" marL="4114800">
+            <a:lvl9pPr marL="4114800" lvl="8" indent="-304800">
               <a:spcBef>
                 <a:spcPts val="1600"/>
               </a:spcBef>
@@ -6819,15 +7001,19 @@
               <a:defRPr sz="1200"/>
             </a:lvl9pPr>
           </a:lstStyle>
-          <a:p/>
+          <a:p>
+            <a:endParaRPr/>
+          </a:p>
         </p:txBody>
       </p:sp>
       <p:sp>
         <p:nvSpPr>
           <p:cNvPr id="29" name="Google Shape;29;p5"/>
-          <p:cNvSpPr txBox="1"/>
+          <p:cNvSpPr txBox="1">
+            <a:spLocks noGrp="1"/>
+          </p:cNvSpPr>
           <p:nvPr>
-            <p:ph idx="2" type="body"/>
+            <p:ph type="body" idx="2"/>
           </p:nvPr>
         </p:nvSpPr>
         <p:spPr>
@@ -6840,11 +7026,11 @@
           </a:prstGeom>
         </p:spPr>
         <p:txBody>
-          <a:bodyPr anchorCtr="0" anchor="t" bIns="91425" lIns="91425" spcFirstLastPara="1" rIns="91425" wrap="square" tIns="91425">
+          <a:bodyPr spcFirstLastPara="1" wrap="square" lIns="91425" tIns="91425" rIns="91425" bIns="91425" anchor="t" anchorCtr="0">
             <a:noAutofit/>
           </a:bodyPr>
           <a:lstStyle>
-            <a:lvl1pPr indent="-317500" lvl="0" marL="457200">
+            <a:lvl1pPr marL="457200" lvl="0" indent="-317500">
               <a:spcBef>
                 <a:spcPts val="0"/>
               </a:spcBef>
@@ -6855,7 +7041,7 @@
               <a:buChar char="●"/>
               <a:defRPr sz="1400"/>
             </a:lvl1pPr>
-            <a:lvl2pPr indent="-304800" lvl="1" marL="914400">
+            <a:lvl2pPr marL="914400" lvl="1" indent="-304800">
               <a:spcBef>
                 <a:spcPts val="1600"/>
               </a:spcBef>
@@ -6866,7 +7052,7 @@
               <a:buChar char="○"/>
               <a:defRPr sz="1200"/>
             </a:lvl2pPr>
-            <a:lvl3pPr indent="-304800" lvl="2" marL="1371600">
+            <a:lvl3pPr marL="1371600" lvl="2" indent="-304800">
               <a:spcBef>
                 <a:spcPts val="1600"/>
               </a:spcBef>
@@ -6877,7 +7063,7 @@
               <a:buChar char="■"/>
               <a:defRPr sz="1200"/>
             </a:lvl3pPr>
-            <a:lvl4pPr indent="-304800" lvl="3" marL="1828800">
+            <a:lvl4pPr marL="1828800" lvl="3" indent="-304800">
               <a:spcBef>
                 <a:spcPts val="1600"/>
               </a:spcBef>
@@ -6888,7 +7074,7 @@
               <a:buChar char="●"/>
               <a:defRPr sz="1200"/>
             </a:lvl4pPr>
-            <a:lvl5pPr indent="-304800" lvl="4" marL="2286000">
+            <a:lvl5pPr marL="2286000" lvl="4" indent="-304800">
               <a:spcBef>
                 <a:spcPts val="1600"/>
               </a:spcBef>
@@ -6899,7 +7085,7 @@
               <a:buChar char="○"/>
               <a:defRPr sz="1200"/>
             </a:lvl5pPr>
-            <a:lvl6pPr indent="-304800" lvl="5" marL="2743200">
+            <a:lvl6pPr marL="2743200" lvl="5" indent="-304800">
               <a:spcBef>
                 <a:spcPts val="1600"/>
               </a:spcBef>
@@ -6910,7 +7096,7 @@
               <a:buChar char="■"/>
               <a:defRPr sz="1200"/>
             </a:lvl6pPr>
-            <a:lvl7pPr indent="-304800" lvl="6" marL="3200400">
+            <a:lvl7pPr marL="3200400" lvl="6" indent="-304800">
               <a:spcBef>
                 <a:spcPts val="1600"/>
               </a:spcBef>
@@ -6921,7 +7107,7 @@
               <a:buChar char="●"/>
               <a:defRPr sz="1200"/>
             </a:lvl7pPr>
-            <a:lvl8pPr indent="-304800" lvl="7" marL="3657600">
+            <a:lvl8pPr marL="3657600" lvl="7" indent="-304800">
               <a:spcBef>
                 <a:spcPts val="1600"/>
               </a:spcBef>
@@ -6932,7 +7118,7 @@
               <a:buChar char="○"/>
               <a:defRPr sz="1200"/>
             </a:lvl8pPr>
-            <a:lvl9pPr indent="-304800" lvl="8" marL="4114800">
+            <a:lvl9pPr marL="4114800" lvl="8" indent="-304800">
               <a:spcBef>
                 <a:spcPts val="1600"/>
               </a:spcBef>
@@ -6944,15 +7130,19 @@
               <a:defRPr sz="1200"/>
             </a:lvl9pPr>
           </a:lstStyle>
-          <a:p/>
+          <a:p>
+            <a:endParaRPr/>
+          </a:p>
         </p:txBody>
       </p:sp>
       <p:sp>
         <p:nvSpPr>
           <p:cNvPr id="30" name="Google Shape;30;p5"/>
-          <p:cNvSpPr txBox="1"/>
+          <p:cNvSpPr txBox="1">
+            <a:spLocks noGrp="1"/>
+          </p:cNvSpPr>
           <p:nvPr>
-            <p:ph idx="12" type="sldNum"/>
+            <p:ph type="sldNum" idx="12"/>
           </p:nvPr>
         </p:nvSpPr>
         <p:spPr>
@@ -6965,7 +7155,7 @@
           </a:prstGeom>
         </p:spPr>
         <p:txBody>
-          <a:bodyPr anchorCtr="0" anchor="ctr" bIns="91425" lIns="91425" spcFirstLastPara="1" rIns="91425" wrap="square" tIns="91425">
+          <a:bodyPr spcFirstLastPara="1" wrap="square" lIns="91425" tIns="91425" rIns="91425" bIns="91425" anchor="ctr" anchorCtr="0">
             <a:noAutofit/>
           </a:bodyPr>
           <a:lstStyle>
@@ -7007,7 +7197,7 @@
             </a:lvl9pPr>
           </a:lstStyle>
           <a:p>
-            <a:pPr indent="0" lvl="0" marL="0" rtl="0" algn="r">
+            <a:pPr marL="0" lvl="0" indent="0" algn="r" rtl="0">
               <a:spcBef>
                 <a:spcPts val="0"/>
               </a:spcBef>
@@ -7033,11 +7223,11 @@
 </file>
 
 <file path=ppt/slideLayouts/slideLayout5.xml><?xml version="1.0" encoding="utf-8"?>
-<p:sldLayout xmlns:a="http://schemas.openxmlformats.org/drawingml/2006/main" xmlns:r="http://schemas.openxmlformats.org/officeDocument/2006/relationships" xmlns:mc="http://schemas.openxmlformats.org/markup-compatibility/2006" xmlns:mv="urn:schemas-microsoft-com:mac:vml" xmlns:p="http://schemas.openxmlformats.org/presentationml/2006/main" xmlns:c="http://schemas.openxmlformats.org/drawingml/2006/chart" xmlns:dgm="http://schemas.openxmlformats.org/drawingml/2006/diagram" xmlns:o="urn:schemas-microsoft-com:office:office" xmlns:v="urn:schemas-microsoft-com:vml" xmlns:pvml="urn:schemas-microsoft-com:office:powerpoint" xmlns:com="http://schemas.openxmlformats.org/drawingml/2006/compatibility" xmlns:p14="http://schemas.microsoft.com/office/powerpoint/2010/main" xmlns:p15="http://schemas.microsoft.com/office/powerpoint/2012/main" xmlns:ahyp="http://schemas.microsoft.com/office/drawing/2018/hyperlinkcolor" matchingName="Title only" type="titleOnly">
+<p:sldLayout xmlns:a="http://schemas.openxmlformats.org/drawingml/2006/main" xmlns:r="http://schemas.openxmlformats.org/officeDocument/2006/relationships" xmlns:p="http://schemas.openxmlformats.org/presentationml/2006/main" matchingName="Title only" type="titleOnly">
   <p:cSld name="TITLE_ONLY">
     <p:spTree>
       <p:nvGrpSpPr>
-        <p:cNvPr id="31" name="Shape 31"/>
+        <p:cNvPr id="1" name="Shape 31"/>
         <p:cNvGrpSpPr/>
         <p:nvPr/>
       </p:nvGrpSpPr>
@@ -7052,7 +7242,9 @@
       <p:sp>
         <p:nvSpPr>
           <p:cNvPr id="32" name="Google Shape;32;p6"/>
-          <p:cNvSpPr txBox="1"/>
+          <p:cNvSpPr txBox="1">
+            <a:spLocks noGrp="1"/>
+          </p:cNvSpPr>
           <p:nvPr>
             <p:ph type="title"/>
           </p:nvPr>
@@ -7067,7 +7259,7 @@
           </a:prstGeom>
         </p:spPr>
         <p:txBody>
-          <a:bodyPr anchorCtr="0" anchor="b" bIns="91425" lIns="91425" spcFirstLastPara="1" rIns="91425" wrap="square" tIns="91425">
+          <a:bodyPr spcFirstLastPara="1" wrap="square" lIns="91425" tIns="91425" rIns="91425" bIns="91425" anchor="b" anchorCtr="0">
             <a:noAutofit/>
           </a:bodyPr>
           <a:lstStyle>
@@ -7171,15 +7363,19 @@
               <a:defRPr/>
             </a:lvl9pPr>
           </a:lstStyle>
-          <a:p/>
+          <a:p>
+            <a:endParaRPr/>
+          </a:p>
         </p:txBody>
       </p:sp>
       <p:sp>
         <p:nvSpPr>
           <p:cNvPr id="33" name="Google Shape;33;p6"/>
-          <p:cNvSpPr txBox="1"/>
+          <p:cNvSpPr txBox="1">
+            <a:spLocks noGrp="1"/>
+          </p:cNvSpPr>
           <p:nvPr>
-            <p:ph idx="12" type="sldNum"/>
+            <p:ph type="sldNum" idx="12"/>
           </p:nvPr>
         </p:nvSpPr>
         <p:spPr>
@@ -7192,7 +7388,7 @@
           </a:prstGeom>
         </p:spPr>
         <p:txBody>
-          <a:bodyPr anchorCtr="0" anchor="ctr" bIns="91425" lIns="91425" spcFirstLastPara="1" rIns="91425" wrap="square" tIns="91425">
+          <a:bodyPr spcFirstLastPara="1" wrap="square" lIns="91425" tIns="91425" rIns="91425" bIns="91425" anchor="ctr" anchorCtr="0">
             <a:noAutofit/>
           </a:bodyPr>
           <a:lstStyle>
@@ -7234,7 +7430,7 @@
             </a:lvl9pPr>
           </a:lstStyle>
           <a:p>
-            <a:pPr indent="0" lvl="0" marL="0" rtl="0" algn="r">
+            <a:pPr marL="0" lvl="0" indent="0" algn="r" rtl="0">
               <a:spcBef>
                 <a:spcPts val="0"/>
               </a:spcBef>
@@ -7260,11 +7456,11 @@
 </file>
 
 <file path=ppt/slideLayouts/slideLayout6.xml><?xml version="1.0" encoding="utf-8"?>
-<p:sldLayout xmlns:a="http://schemas.openxmlformats.org/drawingml/2006/main" xmlns:r="http://schemas.openxmlformats.org/officeDocument/2006/relationships" xmlns:mc="http://schemas.openxmlformats.org/markup-compatibility/2006" xmlns:mv="urn:schemas-microsoft-com:mac:vml" xmlns:p="http://schemas.openxmlformats.org/presentationml/2006/main" xmlns:c="http://schemas.openxmlformats.org/drawingml/2006/chart" xmlns:dgm="http://schemas.openxmlformats.org/drawingml/2006/diagram" xmlns:o="urn:schemas-microsoft-com:office:office" xmlns:v="urn:schemas-microsoft-com:vml" xmlns:pvml="urn:schemas-microsoft-com:office:powerpoint" xmlns:com="http://schemas.openxmlformats.org/drawingml/2006/compatibility" xmlns:p14="http://schemas.microsoft.com/office/powerpoint/2010/main" xmlns:p15="http://schemas.microsoft.com/office/powerpoint/2012/main" xmlns:ahyp="http://schemas.microsoft.com/office/drawing/2018/hyperlinkcolor" matchingName="One column text">
+<p:sldLayout xmlns:a="http://schemas.openxmlformats.org/drawingml/2006/main" xmlns:r="http://schemas.openxmlformats.org/officeDocument/2006/relationships" xmlns:p="http://schemas.openxmlformats.org/presentationml/2006/main" matchingName="One column text">
   <p:cSld name="ONE_COLUMN_TEXT">
     <p:spTree>
       <p:nvGrpSpPr>
-        <p:cNvPr id="34" name="Shape 34"/>
+        <p:cNvPr id="1" name="Shape 34"/>
         <p:cNvGrpSpPr/>
         <p:nvPr/>
       </p:nvGrpSpPr>
@@ -7291,21 +7487,23 @@
             <a:avLst/>
           </a:prstGeom>
           <a:noFill/>
-          <a:ln cap="flat" cmpd="sng" w="38100">
+          <a:ln w="38100" cap="flat" cmpd="sng">
             <a:solidFill>
               <a:schemeClr val="accent4"/>
             </a:solidFill>
             <a:prstDash val="solid"/>
             <a:round/>
-            <a:headEnd len="sm" w="sm" type="none"/>
-            <a:tailEnd len="sm" w="sm" type="none"/>
+            <a:headEnd type="none" w="sm" len="sm"/>
+            <a:tailEnd type="none" w="sm" len="sm"/>
           </a:ln>
         </p:spPr>
       </p:cxnSp>
       <p:sp>
         <p:nvSpPr>
           <p:cNvPr id="36" name="Google Shape;36;p7"/>
-          <p:cNvSpPr txBox="1"/>
+          <p:cNvSpPr txBox="1">
+            <a:spLocks noGrp="1"/>
+          </p:cNvSpPr>
           <p:nvPr>
             <p:ph type="title"/>
           </p:nvPr>
@@ -7320,7 +7518,7 @@
           </a:prstGeom>
         </p:spPr>
         <p:txBody>
-          <a:bodyPr anchorCtr="0" anchor="b" bIns="91425" lIns="91425" spcFirstLastPara="1" rIns="91425" wrap="square" tIns="91425">
+          <a:bodyPr spcFirstLastPara="1" wrap="square" lIns="91425" tIns="91425" rIns="91425" bIns="91425" anchor="b" anchorCtr="0">
             <a:noAutofit/>
           </a:bodyPr>
           <a:lstStyle>
@@ -7424,15 +7622,19 @@
               <a:defRPr sz="2400"/>
             </a:lvl9pPr>
           </a:lstStyle>
-          <a:p/>
+          <a:p>
+            <a:endParaRPr/>
+          </a:p>
         </p:txBody>
       </p:sp>
       <p:sp>
         <p:nvSpPr>
           <p:cNvPr id="37" name="Google Shape;37;p7"/>
-          <p:cNvSpPr txBox="1"/>
+          <p:cNvSpPr txBox="1">
+            <a:spLocks noGrp="1"/>
+          </p:cNvSpPr>
           <p:nvPr>
-            <p:ph idx="1" type="body"/>
+            <p:ph type="body" idx="1"/>
           </p:nvPr>
         </p:nvSpPr>
         <p:spPr>
@@ -7445,11 +7647,11 @@
           </a:prstGeom>
         </p:spPr>
         <p:txBody>
-          <a:bodyPr anchorCtr="0" anchor="t" bIns="91425" lIns="91425" spcFirstLastPara="1" rIns="91425" wrap="square" tIns="91425">
+          <a:bodyPr spcFirstLastPara="1" wrap="square" lIns="91425" tIns="91425" rIns="91425" bIns="91425" anchor="t" anchorCtr="0">
             <a:noAutofit/>
           </a:bodyPr>
           <a:lstStyle>
-            <a:lvl1pPr indent="-304800" lvl="0" marL="457200">
+            <a:lvl1pPr marL="457200" lvl="0" indent="-304800">
               <a:spcBef>
                 <a:spcPts val="0"/>
               </a:spcBef>
@@ -7460,7 +7662,7 @@
               <a:buChar char="●"/>
               <a:defRPr sz="1200"/>
             </a:lvl1pPr>
-            <a:lvl2pPr indent="-304800" lvl="1" marL="914400">
+            <a:lvl2pPr marL="914400" lvl="1" indent="-304800">
               <a:spcBef>
                 <a:spcPts val="1600"/>
               </a:spcBef>
@@ -7471,7 +7673,7 @@
               <a:buChar char="○"/>
               <a:defRPr sz="1200"/>
             </a:lvl2pPr>
-            <a:lvl3pPr indent="-304800" lvl="2" marL="1371600">
+            <a:lvl3pPr marL="1371600" lvl="2" indent="-304800">
               <a:spcBef>
                 <a:spcPts val="1600"/>
               </a:spcBef>
@@ -7482,7 +7684,7 @@
               <a:buChar char="■"/>
               <a:defRPr sz="1200"/>
             </a:lvl3pPr>
-            <a:lvl4pPr indent="-304800" lvl="3" marL="1828800">
+            <a:lvl4pPr marL="1828800" lvl="3" indent="-304800">
               <a:spcBef>
                 <a:spcPts val="1600"/>
               </a:spcBef>
@@ -7493,7 +7695,7 @@
               <a:buChar char="●"/>
               <a:defRPr sz="1200"/>
             </a:lvl4pPr>
-            <a:lvl5pPr indent="-304800" lvl="4" marL="2286000">
+            <a:lvl5pPr marL="2286000" lvl="4" indent="-304800">
               <a:spcBef>
                 <a:spcPts val="1600"/>
               </a:spcBef>
@@ -7504,7 +7706,7 @@
               <a:buChar char="○"/>
               <a:defRPr sz="1200"/>
             </a:lvl5pPr>
-            <a:lvl6pPr indent="-304800" lvl="5" marL="2743200">
+            <a:lvl6pPr marL="2743200" lvl="5" indent="-304800">
               <a:spcBef>
                 <a:spcPts val="1600"/>
               </a:spcBef>
@@ -7515,7 +7717,7 @@
               <a:buChar char="■"/>
               <a:defRPr sz="1200"/>
             </a:lvl6pPr>
-            <a:lvl7pPr indent="-304800" lvl="6" marL="3200400">
+            <a:lvl7pPr marL="3200400" lvl="6" indent="-304800">
               <a:spcBef>
                 <a:spcPts val="1600"/>
               </a:spcBef>
@@ -7526,7 +7728,7 @@
               <a:buChar char="●"/>
               <a:defRPr sz="1200"/>
             </a:lvl7pPr>
-            <a:lvl8pPr indent="-304800" lvl="7" marL="3657600">
+            <a:lvl8pPr marL="3657600" lvl="7" indent="-304800">
               <a:spcBef>
                 <a:spcPts val="1600"/>
               </a:spcBef>
@@ -7537,7 +7739,7 @@
               <a:buChar char="○"/>
               <a:defRPr sz="1200"/>
             </a:lvl8pPr>
-            <a:lvl9pPr indent="-304800" lvl="8" marL="4114800">
+            <a:lvl9pPr marL="4114800" lvl="8" indent="-304800">
               <a:spcBef>
                 <a:spcPts val="1600"/>
               </a:spcBef>
@@ -7549,15 +7751,19 @@
               <a:defRPr sz="1200"/>
             </a:lvl9pPr>
           </a:lstStyle>
-          <a:p/>
+          <a:p>
+            <a:endParaRPr/>
+          </a:p>
         </p:txBody>
       </p:sp>
       <p:sp>
         <p:nvSpPr>
           <p:cNvPr id="38" name="Google Shape;38;p7"/>
-          <p:cNvSpPr txBox="1"/>
+          <p:cNvSpPr txBox="1">
+            <a:spLocks noGrp="1"/>
+          </p:cNvSpPr>
           <p:nvPr>
-            <p:ph idx="12" type="sldNum"/>
+            <p:ph type="sldNum" idx="12"/>
           </p:nvPr>
         </p:nvSpPr>
         <p:spPr>
@@ -7570,7 +7776,7 @@
           </a:prstGeom>
         </p:spPr>
         <p:txBody>
-          <a:bodyPr anchorCtr="0" anchor="ctr" bIns="91425" lIns="91425" spcFirstLastPara="1" rIns="91425" wrap="square" tIns="91425">
+          <a:bodyPr spcFirstLastPara="1" wrap="square" lIns="91425" tIns="91425" rIns="91425" bIns="91425" anchor="ctr" anchorCtr="0">
             <a:noAutofit/>
           </a:bodyPr>
           <a:lstStyle>
@@ -7612,7 +7818,7 @@
             </a:lvl9pPr>
           </a:lstStyle>
           <a:p>
-            <a:pPr indent="0" lvl="0" marL="0" rtl="0" algn="r">
+            <a:pPr marL="0" lvl="0" indent="0" algn="r" rtl="0">
               <a:spcBef>
                 <a:spcPts val="0"/>
               </a:spcBef>
@@ -7638,11 +7844,11 @@
 </file>
 
 <file path=ppt/slideLayouts/slideLayout7.xml><?xml version="1.0" encoding="utf-8"?>
-<p:sldLayout xmlns:a="http://schemas.openxmlformats.org/drawingml/2006/main" xmlns:r="http://schemas.openxmlformats.org/officeDocument/2006/relationships" xmlns:mc="http://schemas.openxmlformats.org/markup-compatibility/2006" xmlns:mv="urn:schemas-microsoft-com:mac:vml" xmlns:p="http://schemas.openxmlformats.org/presentationml/2006/main" xmlns:c="http://schemas.openxmlformats.org/drawingml/2006/chart" xmlns:dgm="http://schemas.openxmlformats.org/drawingml/2006/diagram" xmlns:o="urn:schemas-microsoft-com:office:office" xmlns:v="urn:schemas-microsoft-com:vml" xmlns:pvml="urn:schemas-microsoft-com:office:powerpoint" xmlns:com="http://schemas.openxmlformats.org/drawingml/2006/compatibility" xmlns:p14="http://schemas.microsoft.com/office/powerpoint/2010/main" xmlns:p15="http://schemas.microsoft.com/office/powerpoint/2012/main" xmlns:ahyp="http://schemas.microsoft.com/office/drawing/2018/hyperlinkcolor" matchingName="Main point">
+<p:sldLayout xmlns:a="http://schemas.openxmlformats.org/drawingml/2006/main" xmlns:r="http://schemas.openxmlformats.org/officeDocument/2006/relationships" xmlns:p="http://schemas.openxmlformats.org/presentationml/2006/main" matchingName="Main point">
   <p:cSld name="MAIN_POINT">
     <p:spTree>
       <p:nvGrpSpPr>
-        <p:cNvPr id="39" name="Shape 39"/>
+        <p:cNvPr id="1" name="Shape 39"/>
         <p:cNvGrpSpPr/>
         <p:nvPr/>
       </p:nvGrpSpPr>
@@ -7657,7 +7863,9 @@
       <p:sp>
         <p:nvSpPr>
           <p:cNvPr id="40" name="Google Shape;40;p8"/>
-          <p:cNvSpPr txBox="1"/>
+          <p:cNvSpPr txBox="1">
+            <a:spLocks noGrp="1"/>
+          </p:cNvSpPr>
           <p:nvPr>
             <p:ph type="title"/>
           </p:nvPr>
@@ -7672,7 +7880,7 @@
           </a:prstGeom>
         </p:spPr>
         <p:txBody>
-          <a:bodyPr anchorCtr="0" anchor="ctr" bIns="91425" lIns="91425" spcFirstLastPara="1" rIns="91425" wrap="square" tIns="91425">
+          <a:bodyPr spcFirstLastPara="1" wrap="square" lIns="91425" tIns="91425" rIns="91425" bIns="91425" anchor="ctr" anchorCtr="0">
             <a:noAutofit/>
           </a:bodyPr>
           <a:lstStyle>
@@ -7776,15 +7984,19 @@
               <a:defRPr sz="4800"/>
             </a:lvl9pPr>
           </a:lstStyle>
-          <a:p/>
+          <a:p>
+            <a:endParaRPr/>
+          </a:p>
         </p:txBody>
       </p:sp>
       <p:sp>
         <p:nvSpPr>
           <p:cNvPr id="41" name="Google Shape;41;p8"/>
-          <p:cNvSpPr txBox="1"/>
+          <p:cNvSpPr txBox="1">
+            <a:spLocks noGrp="1"/>
+          </p:cNvSpPr>
           <p:nvPr>
-            <p:ph idx="12" type="sldNum"/>
+            <p:ph type="sldNum" idx="12"/>
           </p:nvPr>
         </p:nvSpPr>
         <p:spPr>
@@ -7797,7 +8009,7 @@
           </a:prstGeom>
         </p:spPr>
         <p:txBody>
-          <a:bodyPr anchorCtr="0" anchor="ctr" bIns="91425" lIns="91425" spcFirstLastPara="1" rIns="91425" wrap="square" tIns="91425">
+          <a:bodyPr spcFirstLastPara="1" wrap="square" lIns="91425" tIns="91425" rIns="91425" bIns="91425" anchor="ctr" anchorCtr="0">
             <a:noAutofit/>
           </a:bodyPr>
           <a:lstStyle>
@@ -7839,7 +8051,7 @@
             </a:lvl9pPr>
           </a:lstStyle>
           <a:p>
-            <a:pPr indent="0" lvl="0" marL="0" rtl="0" algn="r">
+            <a:pPr marL="0" lvl="0" indent="0" algn="r" rtl="0">
               <a:spcBef>
                 <a:spcPts val="0"/>
               </a:spcBef>
@@ -7865,11 +8077,11 @@
 </file>
 
 <file path=ppt/slideLayouts/slideLayout8.xml><?xml version="1.0" encoding="utf-8"?>
-<p:sldLayout xmlns:a="http://schemas.openxmlformats.org/drawingml/2006/main" xmlns:r="http://schemas.openxmlformats.org/officeDocument/2006/relationships" xmlns:mc="http://schemas.openxmlformats.org/markup-compatibility/2006" xmlns:mv="urn:schemas-microsoft-com:mac:vml" xmlns:p="http://schemas.openxmlformats.org/presentationml/2006/main" xmlns:c="http://schemas.openxmlformats.org/drawingml/2006/chart" xmlns:dgm="http://schemas.openxmlformats.org/drawingml/2006/diagram" xmlns:o="urn:schemas-microsoft-com:office:office" xmlns:v="urn:schemas-microsoft-com:vml" xmlns:pvml="urn:schemas-microsoft-com:office:powerpoint" xmlns:com="http://schemas.openxmlformats.org/drawingml/2006/compatibility" xmlns:p14="http://schemas.microsoft.com/office/powerpoint/2010/main" xmlns:p15="http://schemas.microsoft.com/office/powerpoint/2012/main" xmlns:ahyp="http://schemas.microsoft.com/office/drawing/2018/hyperlinkcolor" matchingName="Section title and description">
+<p:sldLayout xmlns:a="http://schemas.openxmlformats.org/drawingml/2006/main" xmlns:r="http://schemas.openxmlformats.org/officeDocument/2006/relationships" xmlns:p="http://schemas.openxmlformats.org/presentationml/2006/main" matchingName="Section title and description">
   <p:cSld name="SECTION_TITLE_AND_DESCRIPTION">
     <p:spTree>
       <p:nvGrpSpPr>
-        <p:cNvPr id="42" name="Shape 42"/>
+        <p:cNvPr id="1" name="Shape 42"/>
         <p:cNvGrpSpPr/>
         <p:nvPr/>
       </p:nvGrpSpPr>
@@ -7903,23 +8115,20 @@
           </a:ln>
         </p:spPr>
         <p:txBody>
-          <a:bodyPr anchorCtr="0" anchor="ctr" bIns="91425" lIns="91425" spcFirstLastPara="1" rIns="91425" wrap="square" tIns="91425">
+          <a:bodyPr spcFirstLastPara="1" wrap="square" lIns="91425" tIns="91425" rIns="91425" bIns="91425" anchor="ctr" anchorCtr="0">
             <a:noAutofit/>
           </a:bodyPr>
           <a:lstStyle/>
           <a:p>
-            <a:pPr indent="0" lvl="0" marL="0" rtl="0" algn="l">
-              <a:spcBef>
-                <a:spcPts val="0"/>
-              </a:spcBef>
-              <a:spcAft>
-                <a:spcPts val="0"/>
-              </a:spcAft>
-              <a:buNone/>
-            </a:pPr>
-            <a:r>
-              <a:t/>
-            </a:r>
+            <a:pPr marL="0" lvl="0" indent="0" algn="l" rtl="0">
+              <a:spcBef>
+                <a:spcPts val="0"/>
+              </a:spcBef>
+              <a:spcAft>
+                <a:spcPts val="0"/>
+              </a:spcAft>
+              <a:buNone/>
+            </a:pPr>
             <a:endParaRPr/>
           </a:p>
         </p:txBody>
@@ -7939,21 +8148,23 @@
             <a:avLst/>
           </a:prstGeom>
           <a:noFill/>
-          <a:ln cap="flat" cmpd="sng" w="38100">
+          <a:ln w="38100" cap="flat" cmpd="sng">
             <a:solidFill>
               <a:schemeClr val="accent5"/>
             </a:solidFill>
             <a:prstDash val="solid"/>
             <a:round/>
-            <a:headEnd len="sm" w="sm" type="none"/>
-            <a:tailEnd len="sm" w="sm" type="none"/>
+            <a:headEnd type="none" w="sm" len="sm"/>
+            <a:tailEnd type="none" w="sm" len="sm"/>
           </a:ln>
         </p:spPr>
       </p:cxnSp>
       <p:sp>
         <p:nvSpPr>
           <p:cNvPr id="45" name="Google Shape;45;p9"/>
-          <p:cNvSpPr txBox="1"/>
+          <p:cNvSpPr txBox="1">
+            <a:spLocks noGrp="1"/>
+          </p:cNvSpPr>
           <p:nvPr>
             <p:ph type="title"/>
           </p:nvPr>
@@ -7968,7 +8179,7 @@
           </a:prstGeom>
         </p:spPr>
         <p:txBody>
-          <a:bodyPr anchorCtr="0" anchor="b" bIns="91425" lIns="91425" spcFirstLastPara="1" rIns="91425" wrap="square" tIns="91425">
+          <a:bodyPr spcFirstLastPara="1" wrap="square" lIns="91425" tIns="91425" rIns="91425" bIns="91425" anchor="b" anchorCtr="0">
             <a:noAutofit/>
           </a:bodyPr>
           <a:lstStyle>
@@ -8072,15 +8283,19 @@
               <a:defRPr sz="3800"/>
             </a:lvl9pPr>
           </a:lstStyle>
-          <a:p/>
+          <a:p>
+            <a:endParaRPr/>
+          </a:p>
         </p:txBody>
       </p:sp>
       <p:sp>
         <p:nvSpPr>
           <p:cNvPr id="46" name="Google Shape;46;p9"/>
-          <p:cNvSpPr txBox="1"/>
+          <p:cNvSpPr txBox="1">
+            <a:spLocks noGrp="1"/>
+          </p:cNvSpPr>
           <p:nvPr>
-            <p:ph idx="1" type="subTitle"/>
+            <p:ph type="subTitle" idx="1"/>
           </p:nvPr>
         </p:nvSpPr>
         <p:spPr>
@@ -8093,7 +8308,7 @@
           </a:prstGeom>
         </p:spPr>
         <p:txBody>
-          <a:bodyPr anchorCtr="0" anchor="t" bIns="91425" lIns="91425" spcFirstLastPara="1" rIns="91425" wrap="square" tIns="91425">
+          <a:bodyPr spcFirstLastPara="1" wrap="square" lIns="91425" tIns="91425" rIns="91425" bIns="91425" anchor="t" anchorCtr="0">
             <a:noAutofit/>
           </a:bodyPr>
           <a:lstStyle>
@@ -8287,15 +8502,19 @@
               </a:defRPr>
             </a:lvl9pPr>
           </a:lstStyle>
-          <a:p/>
+          <a:p>
+            <a:endParaRPr/>
+          </a:p>
         </p:txBody>
       </p:sp>
       <p:sp>
         <p:nvSpPr>
           <p:cNvPr id="47" name="Google Shape;47;p9"/>
-          <p:cNvSpPr txBox="1"/>
+          <p:cNvSpPr txBox="1">
+            <a:spLocks noGrp="1"/>
+          </p:cNvSpPr>
           <p:nvPr>
-            <p:ph idx="2" type="body"/>
+            <p:ph type="body" idx="2"/>
           </p:nvPr>
         </p:nvSpPr>
         <p:spPr>
@@ -8308,11 +8527,11 @@
           </a:prstGeom>
         </p:spPr>
         <p:txBody>
-          <a:bodyPr anchorCtr="0" anchor="ctr" bIns="91425" lIns="91425" spcFirstLastPara="1" rIns="91425" wrap="square" tIns="91425">
+          <a:bodyPr spcFirstLastPara="1" wrap="square" lIns="91425" tIns="91425" rIns="91425" bIns="91425" anchor="ctr" anchorCtr="0">
             <a:noAutofit/>
           </a:bodyPr>
           <a:lstStyle>
-            <a:lvl1pPr indent="-342900" lvl="0" marL="457200">
+            <a:lvl1pPr marL="457200" lvl="0" indent="-342900">
               <a:spcBef>
                 <a:spcPts val="0"/>
               </a:spcBef>
@@ -8323,7 +8542,7 @@
               <a:buChar char="●"/>
               <a:defRPr/>
             </a:lvl1pPr>
-            <a:lvl2pPr indent="-317500" lvl="1" marL="914400">
+            <a:lvl2pPr marL="914400" lvl="1" indent="-317500">
               <a:spcBef>
                 <a:spcPts val="1600"/>
               </a:spcBef>
@@ -8334,7 +8553,7 @@
               <a:buChar char="○"/>
               <a:defRPr/>
             </a:lvl2pPr>
-            <a:lvl3pPr indent="-317500" lvl="2" marL="1371600">
+            <a:lvl3pPr marL="1371600" lvl="2" indent="-317500">
               <a:spcBef>
                 <a:spcPts val="1600"/>
               </a:spcBef>
@@ -8345,7 +8564,7 @@
               <a:buChar char="■"/>
               <a:defRPr/>
             </a:lvl3pPr>
-            <a:lvl4pPr indent="-317500" lvl="3" marL="1828800">
+            <a:lvl4pPr marL="1828800" lvl="3" indent="-317500">
               <a:spcBef>
                 <a:spcPts val="1600"/>
               </a:spcBef>
@@ -8356,7 +8575,7 @@
               <a:buChar char="●"/>
               <a:defRPr/>
             </a:lvl4pPr>
-            <a:lvl5pPr indent="-317500" lvl="4" marL="2286000">
+            <a:lvl5pPr marL="2286000" lvl="4" indent="-317500">
               <a:spcBef>
                 <a:spcPts val="1600"/>
               </a:spcBef>
@@ -8367,7 +8586,7 @@
               <a:buChar char="○"/>
               <a:defRPr/>
             </a:lvl5pPr>
-            <a:lvl6pPr indent="-317500" lvl="5" marL="2743200">
+            <a:lvl6pPr marL="2743200" lvl="5" indent="-317500">
               <a:spcBef>
                 <a:spcPts val="1600"/>
               </a:spcBef>
@@ -8378,7 +8597,7 @@
               <a:buChar char="■"/>
               <a:defRPr/>
             </a:lvl6pPr>
-            <a:lvl7pPr indent="-317500" lvl="6" marL="3200400">
+            <a:lvl7pPr marL="3200400" lvl="6" indent="-317500">
               <a:spcBef>
                 <a:spcPts val="1600"/>
               </a:spcBef>
@@ -8389,7 +8608,7 @@
               <a:buChar char="●"/>
               <a:defRPr/>
             </a:lvl7pPr>
-            <a:lvl8pPr indent="-317500" lvl="7" marL="3657600">
+            <a:lvl8pPr marL="3657600" lvl="7" indent="-317500">
               <a:spcBef>
                 <a:spcPts val="1600"/>
               </a:spcBef>
@@ -8400,7 +8619,7 @@
               <a:buChar char="○"/>
               <a:defRPr/>
             </a:lvl8pPr>
-            <a:lvl9pPr indent="-317500" lvl="8" marL="4114800">
+            <a:lvl9pPr marL="4114800" lvl="8" indent="-317500">
               <a:spcBef>
                 <a:spcPts val="1600"/>
               </a:spcBef>
@@ -8412,15 +8631,19 @@
               <a:defRPr/>
             </a:lvl9pPr>
           </a:lstStyle>
-          <a:p/>
+          <a:p>
+            <a:endParaRPr/>
+          </a:p>
         </p:txBody>
       </p:sp>
       <p:sp>
         <p:nvSpPr>
           <p:cNvPr id="48" name="Google Shape;48;p9"/>
-          <p:cNvSpPr txBox="1"/>
+          <p:cNvSpPr txBox="1">
+            <a:spLocks noGrp="1"/>
+          </p:cNvSpPr>
           <p:nvPr>
-            <p:ph idx="12" type="sldNum"/>
+            <p:ph type="sldNum" idx="12"/>
           </p:nvPr>
         </p:nvSpPr>
         <p:spPr>
@@ -8433,7 +8656,7 @@
           </a:prstGeom>
         </p:spPr>
         <p:txBody>
-          <a:bodyPr anchorCtr="0" anchor="ctr" bIns="91425" lIns="91425" spcFirstLastPara="1" rIns="91425" wrap="square" tIns="91425">
+          <a:bodyPr spcFirstLastPara="1" wrap="square" lIns="91425" tIns="91425" rIns="91425" bIns="91425" anchor="ctr" anchorCtr="0">
             <a:noAutofit/>
           </a:bodyPr>
           <a:lstStyle>
@@ -8475,7 +8698,7 @@
             </a:lvl9pPr>
           </a:lstStyle>
           <a:p>
-            <a:pPr indent="0" lvl="0" marL="0" rtl="0" algn="r">
+            <a:pPr marL="0" lvl="0" indent="0" algn="r" rtl="0">
               <a:spcBef>
                 <a:spcPts val="0"/>
               </a:spcBef>
@@ -8501,11 +8724,11 @@
 </file>
 
 <file path=ppt/slideLayouts/slideLayout9.xml><?xml version="1.0" encoding="utf-8"?>
-<p:sldLayout xmlns:a="http://schemas.openxmlformats.org/drawingml/2006/main" xmlns:r="http://schemas.openxmlformats.org/officeDocument/2006/relationships" xmlns:mc="http://schemas.openxmlformats.org/markup-compatibility/2006" xmlns:mv="urn:schemas-microsoft-com:mac:vml" xmlns:p="http://schemas.openxmlformats.org/presentationml/2006/main" xmlns:c="http://schemas.openxmlformats.org/drawingml/2006/chart" xmlns:dgm="http://schemas.openxmlformats.org/drawingml/2006/diagram" xmlns:o="urn:schemas-microsoft-com:office:office" xmlns:v="urn:schemas-microsoft-com:vml" xmlns:pvml="urn:schemas-microsoft-com:office:powerpoint" xmlns:com="http://schemas.openxmlformats.org/drawingml/2006/compatibility" xmlns:p14="http://schemas.microsoft.com/office/powerpoint/2010/main" xmlns:p15="http://schemas.microsoft.com/office/powerpoint/2012/main" xmlns:ahyp="http://schemas.microsoft.com/office/drawing/2018/hyperlinkcolor" matchingName="Caption">
+<p:sldLayout xmlns:a="http://schemas.openxmlformats.org/drawingml/2006/main" xmlns:r="http://schemas.openxmlformats.org/officeDocument/2006/relationships" xmlns:p="http://schemas.openxmlformats.org/presentationml/2006/main" matchingName="Caption">
   <p:cSld name="CAPTION_ONLY">
     <p:spTree>
       <p:nvGrpSpPr>
-        <p:cNvPr id="49" name="Shape 49"/>
+        <p:cNvPr id="1" name="Shape 49"/>
         <p:cNvGrpSpPr/>
         <p:nvPr/>
       </p:nvGrpSpPr>
@@ -8520,9 +8743,11 @@
       <p:sp>
         <p:nvSpPr>
           <p:cNvPr id="50" name="Google Shape;50;p10"/>
-          <p:cNvSpPr txBox="1"/>
+          <p:cNvSpPr txBox="1">
+            <a:spLocks noGrp="1"/>
+          </p:cNvSpPr>
           <p:nvPr>
-            <p:ph idx="1" type="body"/>
+            <p:ph type="body" idx="1"/>
           </p:nvPr>
         </p:nvSpPr>
         <p:spPr>
@@ -8535,11 +8760,11 @@
           </a:prstGeom>
         </p:spPr>
         <p:txBody>
-          <a:bodyPr anchorCtr="0" anchor="ctr" bIns="91425" lIns="91425" spcFirstLastPara="1" rIns="91425" wrap="square" tIns="91425">
+          <a:bodyPr spcFirstLastPara="1" wrap="square" lIns="91425" tIns="91425" rIns="91425" bIns="91425" anchor="ctr" anchorCtr="0">
             <a:noAutofit/>
           </a:bodyPr>
           <a:lstStyle>
-            <a:lvl1pPr indent="-228600" lvl="0" marL="457200">
+            <a:lvl1pPr marL="457200" lvl="0" indent="-228600">
               <a:lnSpc>
                 <a:spcPct val="100000"/>
               </a:lnSpc>
@@ -8560,15 +8785,19 @@
               </a:defRPr>
             </a:lvl1pPr>
           </a:lstStyle>
-          <a:p/>
+          <a:p>
+            <a:endParaRPr/>
+          </a:p>
         </p:txBody>
       </p:sp>
       <p:sp>
         <p:nvSpPr>
           <p:cNvPr id="51" name="Google Shape;51;p10"/>
-          <p:cNvSpPr txBox="1"/>
+          <p:cNvSpPr txBox="1">
+            <a:spLocks noGrp="1"/>
+          </p:cNvSpPr>
           <p:nvPr>
-            <p:ph idx="12" type="sldNum"/>
+            <p:ph type="sldNum" idx="12"/>
           </p:nvPr>
         </p:nvSpPr>
         <p:spPr>
@@ -8581,7 +8810,7 @@
           </a:prstGeom>
         </p:spPr>
         <p:txBody>
-          <a:bodyPr anchorCtr="0" anchor="ctr" bIns="91425" lIns="91425" spcFirstLastPara="1" rIns="91425" wrap="square" tIns="91425">
+          <a:bodyPr spcFirstLastPara="1" wrap="square" lIns="91425" tIns="91425" rIns="91425" bIns="91425" anchor="ctr" anchorCtr="0">
             <a:noAutofit/>
           </a:bodyPr>
           <a:lstStyle>
@@ -8623,7 +8852,7 @@
             </a:lvl9pPr>
           </a:lstStyle>
           <a:p>
-            <a:pPr indent="0" lvl="0" marL="0" rtl="0" algn="r">
+            <a:pPr marL="0" lvl="0" indent="0" algn="r" rtl="0">
               <a:spcBef>
                 <a:spcPts val="0"/>
               </a:spcBef>
@@ -8649,18 +8878,19 @@
 </file>
 
 <file path=ppt/slideMasters/slideMaster1.xml><?xml version="1.0" encoding="utf-8"?>
-<p:sldMaster xmlns:a="http://schemas.openxmlformats.org/drawingml/2006/main" xmlns:r="http://schemas.openxmlformats.org/officeDocument/2006/relationships" xmlns:mc="http://schemas.openxmlformats.org/markup-compatibility/2006" xmlns:mv="urn:schemas-microsoft-com:mac:vml" xmlns:p="http://schemas.openxmlformats.org/presentationml/2006/main" xmlns:c="http://schemas.openxmlformats.org/drawingml/2006/chart" xmlns:dgm="http://schemas.openxmlformats.org/drawingml/2006/diagram" xmlns:o="urn:schemas-microsoft-com:office:office" xmlns:v="urn:schemas-microsoft-com:vml" xmlns:pvml="urn:schemas-microsoft-com:office:powerpoint" xmlns:com="http://schemas.openxmlformats.org/drawingml/2006/compatibility" xmlns:p14="http://schemas.microsoft.com/office/powerpoint/2010/main" xmlns:p15="http://schemas.microsoft.com/office/powerpoint/2012/main" xmlns:ahyp="http://schemas.microsoft.com/office/drawing/2018/hyperlinkcolor">
+<p:sldMaster xmlns:a="http://schemas.openxmlformats.org/drawingml/2006/main" xmlns:r="http://schemas.openxmlformats.org/officeDocument/2006/relationships" xmlns:p="http://schemas.openxmlformats.org/presentationml/2006/main">
   <p:cSld name="marina">
     <p:bg>
       <p:bgPr>
         <a:solidFill>
           <a:schemeClr val="lt1"/>
         </a:solidFill>
+        <a:effectLst/>
       </p:bgPr>
     </p:bg>
     <p:spTree>
       <p:nvGrpSpPr>
-        <p:cNvPr id="5" name="Shape 5"/>
+        <p:cNvPr id="1" name="Shape 5"/>
         <p:cNvGrpSpPr/>
         <p:nvPr/>
       </p:nvGrpSpPr>
@@ -8675,7 +8905,9 @@
       <p:sp>
         <p:nvSpPr>
           <p:cNvPr id="6" name="Google Shape;6;p1"/>
-          <p:cNvSpPr txBox="1"/>
+          <p:cNvSpPr txBox="1">
+            <a:spLocks noGrp="1"/>
+          </p:cNvSpPr>
           <p:nvPr>
             <p:ph type="title"/>
           </p:nvPr>
@@ -8694,7 +8926,7 @@
           </a:ln>
         </p:spPr>
         <p:txBody>
-          <a:bodyPr anchorCtr="0" anchor="b" bIns="91425" lIns="91425" spcFirstLastPara="1" rIns="91425" wrap="square" tIns="91425">
+          <a:bodyPr spcFirstLastPara="1" wrap="square" lIns="91425" tIns="91425" rIns="91425" bIns="91425" anchor="b" anchorCtr="0">
             <a:noAutofit/>
           </a:bodyPr>
           <a:lstStyle>
@@ -8906,15 +9138,19 @@
               </a:defRPr>
             </a:lvl9pPr>
           </a:lstStyle>
-          <a:p/>
+          <a:p>
+            <a:endParaRPr/>
+          </a:p>
         </p:txBody>
       </p:sp>
       <p:sp>
         <p:nvSpPr>
           <p:cNvPr id="7" name="Google Shape;7;p1"/>
-          <p:cNvSpPr txBox="1"/>
+          <p:cNvSpPr txBox="1">
+            <a:spLocks noGrp="1"/>
+          </p:cNvSpPr>
           <p:nvPr>
-            <p:ph idx="1" type="body"/>
+            <p:ph type="body" idx="1"/>
           </p:nvPr>
         </p:nvSpPr>
         <p:spPr>
@@ -8931,11 +9167,11 @@
           </a:ln>
         </p:spPr>
         <p:txBody>
-          <a:bodyPr anchorCtr="0" anchor="t" bIns="91425" lIns="91425" spcFirstLastPara="1" rIns="91425" wrap="square" tIns="91425">
+          <a:bodyPr spcFirstLastPara="1" wrap="square" lIns="91425" tIns="91425" rIns="91425" bIns="91425" anchor="t" anchorCtr="0">
             <a:noAutofit/>
           </a:bodyPr>
           <a:lstStyle>
-            <a:lvl1pPr indent="-342900" lvl="0" marL="457200">
+            <a:lvl1pPr marL="457200" lvl="0" indent="-342900">
               <a:lnSpc>
                 <a:spcPct val="115000"/>
               </a:lnSpc>
@@ -8961,7 +9197,7 @@
                 <a:sym typeface="Roboto"/>
               </a:defRPr>
             </a:lvl1pPr>
-            <a:lvl2pPr indent="-317500" lvl="1" marL="914400">
+            <a:lvl2pPr marL="914400" lvl="1" indent="-317500">
               <a:lnSpc>
                 <a:spcPct val="115000"/>
               </a:lnSpc>
@@ -8987,7 +9223,7 @@
                 <a:sym typeface="Roboto"/>
               </a:defRPr>
             </a:lvl2pPr>
-            <a:lvl3pPr indent="-317500" lvl="2" marL="1371600">
+            <a:lvl3pPr marL="1371600" lvl="2" indent="-317500">
               <a:lnSpc>
                 <a:spcPct val="115000"/>
               </a:lnSpc>
@@ -9013,7 +9249,7 @@
                 <a:sym typeface="Roboto"/>
               </a:defRPr>
             </a:lvl3pPr>
-            <a:lvl4pPr indent="-317500" lvl="3" marL="1828800">
+            <a:lvl4pPr marL="1828800" lvl="3" indent="-317500">
               <a:lnSpc>
                 <a:spcPct val="115000"/>
               </a:lnSpc>
@@ -9039,7 +9275,7 @@
                 <a:sym typeface="Roboto"/>
               </a:defRPr>
             </a:lvl4pPr>
-            <a:lvl5pPr indent="-317500" lvl="4" marL="2286000">
+            <a:lvl5pPr marL="2286000" lvl="4" indent="-317500">
               <a:lnSpc>
                 <a:spcPct val="115000"/>
               </a:lnSpc>
@@ -9065,7 +9301,7 @@
                 <a:sym typeface="Roboto"/>
               </a:defRPr>
             </a:lvl5pPr>
-            <a:lvl6pPr indent="-317500" lvl="5" marL="2743200">
+            <a:lvl6pPr marL="2743200" lvl="5" indent="-317500">
               <a:lnSpc>
                 <a:spcPct val="115000"/>
               </a:lnSpc>
@@ -9091,7 +9327,7 @@
                 <a:sym typeface="Roboto"/>
               </a:defRPr>
             </a:lvl6pPr>
-            <a:lvl7pPr indent="-317500" lvl="6" marL="3200400">
+            <a:lvl7pPr marL="3200400" lvl="6" indent="-317500">
               <a:lnSpc>
                 <a:spcPct val="115000"/>
               </a:lnSpc>
@@ -9117,7 +9353,7 @@
                 <a:sym typeface="Roboto"/>
               </a:defRPr>
             </a:lvl7pPr>
-            <a:lvl8pPr indent="-317500" lvl="7" marL="3657600">
+            <a:lvl8pPr marL="3657600" lvl="7" indent="-317500">
               <a:lnSpc>
                 <a:spcPct val="115000"/>
               </a:lnSpc>
@@ -9143,7 +9379,7 @@
                 <a:sym typeface="Roboto"/>
               </a:defRPr>
             </a:lvl8pPr>
-            <a:lvl9pPr indent="-317500" lvl="8" marL="4114800">
+            <a:lvl9pPr marL="4114800" lvl="8" indent="-317500">
               <a:lnSpc>
                 <a:spcPct val="115000"/>
               </a:lnSpc>
@@ -9170,15 +9406,19 @@
               </a:defRPr>
             </a:lvl9pPr>
           </a:lstStyle>
-          <a:p/>
+          <a:p>
+            <a:endParaRPr/>
+          </a:p>
         </p:txBody>
       </p:sp>
       <p:sp>
         <p:nvSpPr>
           <p:cNvPr id="8" name="Google Shape;8;p1"/>
-          <p:cNvSpPr txBox="1"/>
+          <p:cNvSpPr txBox="1">
+            <a:spLocks noGrp="1"/>
+          </p:cNvSpPr>
           <p:nvPr>
-            <p:ph idx="12" type="sldNum"/>
+            <p:ph type="sldNum" idx="12"/>
           </p:nvPr>
         </p:nvSpPr>
         <p:spPr>
@@ -9195,7 +9435,7 @@
           </a:ln>
         </p:spPr>
         <p:txBody>
-          <a:bodyPr anchorCtr="0" anchor="ctr" bIns="91425" lIns="91425" spcFirstLastPara="1" rIns="91425" wrap="square" tIns="91425">
+          <a:bodyPr spcFirstLastPara="1" wrap="square" lIns="91425" tIns="91425" rIns="91425" bIns="91425" anchor="ctr" anchorCtr="0">
             <a:noAutofit/>
           </a:bodyPr>
           <a:lstStyle>
@@ -9309,7 +9549,7 @@
             </a:lvl9pPr>
           </a:lstStyle>
           <a:p>
-            <a:pPr indent="0" lvl="0" marL="0" rtl="0" algn="r">
+            <a:pPr marL="0" lvl="0" indent="0" algn="r" rtl="0">
               <a:spcBef>
                 <a:spcPts val="0"/>
               </a:spcBef>
@@ -9328,7 +9568,7 @@
       </p:sp>
     </p:spTree>
   </p:cSld>
-  <p:clrMap accent1="accent1" accent2="accent2" accent3="accent3" accent4="accent4" accent5="accent5" accent6="accent6" bg1="lt1" bg2="dk2" tx1="dk1" tx2="lt2" folHlink="folHlink" hlink="hlink"/>
+  <p:clrMap bg1="lt1" tx1="dk1" bg2="dk2" tx2="lt2" accent1="accent1" accent2="accent2" accent3="accent3" accent4="accent4" accent5="accent5" accent6="accent6" hlink="hlink" folHlink="folHlink"/>
   <p:sldLayoutIdLst>
     <p:sldLayoutId id="2147483648" r:id="rId1"/>
     <p:sldLayoutId id="2147483649" r:id="rId2"/>
@@ -9342,10 +9582,10 @@
     <p:sldLayoutId id="2147483657" r:id="rId10"/>
     <p:sldLayoutId id="2147483658" r:id="rId11"/>
   </p:sldLayoutIdLst>
-  <p:hf dt="0" ftr="0" hdr="0" sldNum="0"/>
+  <p:hf sldNum="0" hdr="0" ftr="0" dt="0"/>
   <p:txStyles>
     <p:titleStyle>
-      <a:defPPr lvl="0" marR="0" rtl="0" algn="l">
+      <a:defPPr marR="0" lvl="0" algn="l" rtl="0">
         <a:lnSpc>
           <a:spcPct val="100000"/>
         </a:lnSpc>
@@ -9356,7 +9596,7 @@
           <a:spcPts val="0"/>
         </a:spcAft>
       </a:defPPr>
-      <a:lvl1pPr lvl="0" marR="0" rtl="0" algn="l">
+      <a:lvl1pPr marR="0" lvl="0" algn="l" rtl="0">
         <a:lnSpc>
           <a:spcPct val="100000"/>
         </a:lnSpc>
@@ -9370,7 +9610,7 @@
           <a:srgbClr val="000000"/>
         </a:buClr>
         <a:buFont typeface="Arial"/>
-        <a:defRPr b="0" i="0" sz="1400" u="none" cap="none" strike="noStrike">
+        <a:defRPr sz="1400" b="0" i="0" u="none" strike="noStrike" cap="none">
           <a:solidFill>
             <a:srgbClr val="000000"/>
           </a:solidFill>
@@ -9380,7 +9620,7 @@
           <a:sym typeface="Arial"/>
         </a:defRPr>
       </a:lvl1pPr>
-      <a:lvl2pPr lvl="1" marR="0" rtl="0" algn="l">
+      <a:lvl2pPr marR="0" lvl="1" algn="l" rtl="0">
         <a:lnSpc>
           <a:spcPct val="100000"/>
         </a:lnSpc>
@@ -9394,7 +9634,7 @@
           <a:srgbClr val="000000"/>
         </a:buClr>
         <a:buFont typeface="Arial"/>
-        <a:defRPr b="0" i="0" sz="1400" u="none" cap="none" strike="noStrike">
+        <a:defRPr sz="1400" b="0" i="0" u="none" strike="noStrike" cap="none">
           <a:solidFill>
             <a:srgbClr val="000000"/>
           </a:solidFill>
@@ -9404,7 +9644,7 @@
           <a:sym typeface="Arial"/>
         </a:defRPr>
       </a:lvl2pPr>
-      <a:lvl3pPr lvl="2" marR="0" rtl="0" algn="l">
+      <a:lvl3pPr marR="0" lvl="2" algn="l" rtl="0">
         <a:lnSpc>
           <a:spcPct val="100000"/>
         </a:lnSpc>
@@ -9418,7 +9658,7 @@
           <a:srgbClr val="000000"/>
         </a:buClr>
         <a:buFont typeface="Arial"/>
-        <a:defRPr b="0" i="0" sz="1400" u="none" cap="none" strike="noStrike">
+        <a:defRPr sz="1400" b="0" i="0" u="none" strike="noStrike" cap="none">
           <a:solidFill>
             <a:srgbClr val="000000"/>
           </a:solidFill>
@@ -9428,7 +9668,7 @@
           <a:sym typeface="Arial"/>
         </a:defRPr>
       </a:lvl3pPr>
-      <a:lvl4pPr lvl="3" marR="0" rtl="0" algn="l">
+      <a:lvl4pPr marR="0" lvl="3" algn="l" rtl="0">
         <a:lnSpc>
           <a:spcPct val="100000"/>
         </a:lnSpc>
@@ -9442,7 +9682,7 @@
           <a:srgbClr val="000000"/>
         </a:buClr>
         <a:buFont typeface="Arial"/>
-        <a:defRPr b="0" i="0" sz="1400" u="none" cap="none" strike="noStrike">
+        <a:defRPr sz="1400" b="0" i="0" u="none" strike="noStrike" cap="none">
           <a:solidFill>
             <a:srgbClr val="000000"/>
           </a:solidFill>
@@ -9452,7 +9692,7 @@
           <a:sym typeface="Arial"/>
         </a:defRPr>
       </a:lvl4pPr>
-      <a:lvl5pPr lvl="4" marR="0" rtl="0" algn="l">
+      <a:lvl5pPr marR="0" lvl="4" algn="l" rtl="0">
         <a:lnSpc>
           <a:spcPct val="100000"/>
         </a:lnSpc>
@@ -9466,7 +9706,7 @@
           <a:srgbClr val="000000"/>
         </a:buClr>
         <a:buFont typeface="Arial"/>
-        <a:defRPr b="0" i="0" sz="1400" u="none" cap="none" strike="noStrike">
+        <a:defRPr sz="1400" b="0" i="0" u="none" strike="noStrike" cap="none">
           <a:solidFill>
             <a:srgbClr val="000000"/>
           </a:solidFill>
@@ -9476,7 +9716,7 @@
           <a:sym typeface="Arial"/>
         </a:defRPr>
       </a:lvl5pPr>
-      <a:lvl6pPr lvl="5" marR="0" rtl="0" algn="l">
+      <a:lvl6pPr marR="0" lvl="5" algn="l" rtl="0">
         <a:lnSpc>
           <a:spcPct val="100000"/>
         </a:lnSpc>
@@ -9490,7 +9730,7 @@
           <a:srgbClr val="000000"/>
         </a:buClr>
         <a:buFont typeface="Arial"/>
-        <a:defRPr b="0" i="0" sz="1400" u="none" cap="none" strike="noStrike">
+        <a:defRPr sz="1400" b="0" i="0" u="none" strike="noStrike" cap="none">
           <a:solidFill>
             <a:srgbClr val="000000"/>
           </a:solidFill>
@@ -9500,7 +9740,7 @@
           <a:sym typeface="Arial"/>
         </a:defRPr>
       </a:lvl6pPr>
-      <a:lvl7pPr lvl="6" marR="0" rtl="0" algn="l">
+      <a:lvl7pPr marR="0" lvl="6" algn="l" rtl="0">
         <a:lnSpc>
           <a:spcPct val="100000"/>
         </a:lnSpc>
@@ -9514,7 +9754,7 @@
           <a:srgbClr val="000000"/>
         </a:buClr>
         <a:buFont typeface="Arial"/>
-        <a:defRPr b="0" i="0" sz="1400" u="none" cap="none" strike="noStrike">
+        <a:defRPr sz="1400" b="0" i="0" u="none" strike="noStrike" cap="none">
           <a:solidFill>
             <a:srgbClr val="000000"/>
           </a:solidFill>
@@ -9524,7 +9764,7 @@
           <a:sym typeface="Arial"/>
         </a:defRPr>
       </a:lvl7pPr>
-      <a:lvl8pPr lvl="7" marR="0" rtl="0" algn="l">
+      <a:lvl8pPr marR="0" lvl="7" algn="l" rtl="0">
         <a:lnSpc>
           <a:spcPct val="100000"/>
         </a:lnSpc>
@@ -9538,7 +9778,7 @@
           <a:srgbClr val="000000"/>
         </a:buClr>
         <a:buFont typeface="Arial"/>
-        <a:defRPr b="0" i="0" sz="1400" u="none" cap="none" strike="noStrike">
+        <a:defRPr sz="1400" b="0" i="0" u="none" strike="noStrike" cap="none">
           <a:solidFill>
             <a:srgbClr val="000000"/>
           </a:solidFill>
@@ -9548,7 +9788,7 @@
           <a:sym typeface="Arial"/>
         </a:defRPr>
       </a:lvl8pPr>
-      <a:lvl9pPr lvl="8" marR="0" rtl="0" algn="l">
+      <a:lvl9pPr marR="0" lvl="8" algn="l" rtl="0">
         <a:lnSpc>
           <a:spcPct val="100000"/>
         </a:lnSpc>
@@ -9562,7 +9802,7 @@
           <a:srgbClr val="000000"/>
         </a:buClr>
         <a:buFont typeface="Arial"/>
-        <a:defRPr b="0" i="0" sz="1400" u="none" cap="none" strike="noStrike">
+        <a:defRPr sz="1400" b="0" i="0" u="none" strike="noStrike" cap="none">
           <a:solidFill>
             <a:srgbClr val="000000"/>
           </a:solidFill>
@@ -9574,7 +9814,7 @@
       </a:lvl9pPr>
     </p:titleStyle>
     <p:bodyStyle>
-      <a:defPPr lvl="0" marR="0" rtl="0" algn="l">
+      <a:defPPr marR="0" lvl="0" algn="l" rtl="0">
         <a:lnSpc>
           <a:spcPct val="100000"/>
         </a:lnSpc>
@@ -9585,7 +9825,7 @@
           <a:spcPts val="0"/>
         </a:spcAft>
       </a:defPPr>
-      <a:lvl1pPr lvl="0" marR="0" rtl="0" algn="l">
+      <a:lvl1pPr marR="0" lvl="0" algn="l" rtl="0">
         <a:lnSpc>
           <a:spcPct val="100000"/>
         </a:lnSpc>
@@ -9599,7 +9839,7 @@
           <a:srgbClr val="000000"/>
         </a:buClr>
         <a:buFont typeface="Arial"/>
-        <a:defRPr b="0" i="0" sz="1400" u="none" cap="none" strike="noStrike">
+        <a:defRPr sz="1400" b="0" i="0" u="none" strike="noStrike" cap="none">
           <a:solidFill>
             <a:srgbClr val="000000"/>
           </a:solidFill>
@@ -9609,7 +9849,7 @@
           <a:sym typeface="Arial"/>
         </a:defRPr>
       </a:lvl1pPr>
-      <a:lvl2pPr lvl="1" marR="0" rtl="0" algn="l">
+      <a:lvl2pPr marR="0" lvl="1" algn="l" rtl="0">
         <a:lnSpc>
           <a:spcPct val="100000"/>
         </a:lnSpc>
@@ -9623,7 +9863,7 @@
           <a:srgbClr val="000000"/>
         </a:buClr>
         <a:buFont typeface="Arial"/>
-        <a:defRPr b="0" i="0" sz="1400" u="none" cap="none" strike="noStrike">
+        <a:defRPr sz="1400" b="0" i="0" u="none" strike="noStrike" cap="none">
           <a:solidFill>
             <a:srgbClr val="000000"/>
           </a:solidFill>
@@ -9633,7 +9873,7 @@
           <a:sym typeface="Arial"/>
         </a:defRPr>
       </a:lvl2pPr>
-      <a:lvl3pPr lvl="2" marR="0" rtl="0" algn="l">
+      <a:lvl3pPr marR="0" lvl="2" algn="l" rtl="0">
         <a:lnSpc>
           <a:spcPct val="100000"/>
         </a:lnSpc>
@@ -9647,7 +9887,7 @@
           <a:srgbClr val="000000"/>
         </a:buClr>
         <a:buFont typeface="Arial"/>
-        <a:defRPr b="0" i="0" sz="1400" u="none" cap="none" strike="noStrike">
+        <a:defRPr sz="1400" b="0" i="0" u="none" strike="noStrike" cap="none">
           <a:solidFill>
             <a:srgbClr val="000000"/>
           </a:solidFill>
@@ -9657,7 +9897,7 @@
           <a:sym typeface="Arial"/>
         </a:defRPr>
       </a:lvl3pPr>
-      <a:lvl4pPr lvl="3" marR="0" rtl="0" algn="l">
+      <a:lvl4pPr marR="0" lvl="3" algn="l" rtl="0">
         <a:lnSpc>
           <a:spcPct val="100000"/>
         </a:lnSpc>
@@ -9671,7 +9911,7 @@
           <a:srgbClr val="000000"/>
         </a:buClr>
         <a:buFont typeface="Arial"/>
-        <a:defRPr b="0" i="0" sz="1400" u="none" cap="none" strike="noStrike">
+        <a:defRPr sz="1400" b="0" i="0" u="none" strike="noStrike" cap="none">
           <a:solidFill>
             <a:srgbClr val="000000"/>
           </a:solidFill>
@@ -9681,7 +9921,7 @@
           <a:sym typeface="Arial"/>
         </a:defRPr>
       </a:lvl4pPr>
-      <a:lvl5pPr lvl="4" marR="0" rtl="0" algn="l">
+      <a:lvl5pPr marR="0" lvl="4" algn="l" rtl="0">
         <a:lnSpc>
           <a:spcPct val="100000"/>
         </a:lnSpc>
@@ -9695,7 +9935,7 @@
           <a:srgbClr val="000000"/>
         </a:buClr>
         <a:buFont typeface="Arial"/>
-        <a:defRPr b="0" i="0" sz="1400" u="none" cap="none" strike="noStrike">
+        <a:defRPr sz="1400" b="0" i="0" u="none" strike="noStrike" cap="none">
           <a:solidFill>
             <a:srgbClr val="000000"/>
           </a:solidFill>
@@ -9705,7 +9945,7 @@
           <a:sym typeface="Arial"/>
         </a:defRPr>
       </a:lvl5pPr>
-      <a:lvl6pPr lvl="5" marR="0" rtl="0" algn="l">
+      <a:lvl6pPr marR="0" lvl="5" algn="l" rtl="0">
         <a:lnSpc>
           <a:spcPct val="100000"/>
         </a:lnSpc>
@@ -9719,7 +9959,7 @@
           <a:srgbClr val="000000"/>
         </a:buClr>
         <a:buFont typeface="Arial"/>
-        <a:defRPr b="0" i="0" sz="1400" u="none" cap="none" strike="noStrike">
+        <a:defRPr sz="1400" b="0" i="0" u="none" strike="noStrike" cap="none">
           <a:solidFill>
             <a:srgbClr val="000000"/>
           </a:solidFill>
@@ -9729,7 +9969,7 @@
           <a:sym typeface="Arial"/>
         </a:defRPr>
       </a:lvl6pPr>
-      <a:lvl7pPr lvl="6" marR="0" rtl="0" algn="l">
+      <a:lvl7pPr marR="0" lvl="6" algn="l" rtl="0">
         <a:lnSpc>
           <a:spcPct val="100000"/>
         </a:lnSpc>
@@ -9743,7 +9983,7 @@
           <a:srgbClr val="000000"/>
         </a:buClr>
         <a:buFont typeface="Arial"/>
-        <a:defRPr b="0" i="0" sz="1400" u="none" cap="none" strike="noStrike">
+        <a:defRPr sz="1400" b="0" i="0" u="none" strike="noStrike" cap="none">
           <a:solidFill>
             <a:srgbClr val="000000"/>
           </a:solidFill>
@@ -9753,7 +9993,7 @@
           <a:sym typeface="Arial"/>
         </a:defRPr>
       </a:lvl7pPr>
-      <a:lvl8pPr lvl="7" marR="0" rtl="0" algn="l">
+      <a:lvl8pPr marR="0" lvl="7" algn="l" rtl="0">
         <a:lnSpc>
           <a:spcPct val="100000"/>
         </a:lnSpc>
@@ -9767,7 +10007,7 @@
           <a:srgbClr val="000000"/>
         </a:buClr>
         <a:buFont typeface="Arial"/>
-        <a:defRPr b="0" i="0" sz="1400" u="none" cap="none" strike="noStrike">
+        <a:defRPr sz="1400" b="0" i="0" u="none" strike="noStrike" cap="none">
           <a:solidFill>
             <a:srgbClr val="000000"/>
           </a:solidFill>
@@ -9777,7 +10017,7 @@
           <a:sym typeface="Arial"/>
         </a:defRPr>
       </a:lvl8pPr>
-      <a:lvl9pPr lvl="8" marR="0" rtl="0" algn="l">
+      <a:lvl9pPr marR="0" lvl="8" algn="l" rtl="0">
         <a:lnSpc>
           <a:spcPct val="100000"/>
         </a:lnSpc>
@@ -9791,7 +10031,7 @@
           <a:srgbClr val="000000"/>
         </a:buClr>
         <a:buFont typeface="Arial"/>
-        <a:defRPr b="0" i="0" sz="1400" u="none" cap="none" strike="noStrike">
+        <a:defRPr sz="1400" b="0" i="0" u="none" strike="noStrike" cap="none">
           <a:solidFill>
             <a:srgbClr val="000000"/>
           </a:solidFill>
@@ -9803,7 +10043,7 @@
       </a:lvl9pPr>
     </p:bodyStyle>
     <p:otherStyle>
-      <a:defPPr lvl="0" marR="0" rtl="0" algn="l">
+      <a:defPPr marR="0" lvl="0" algn="l" rtl="0">
         <a:lnSpc>
           <a:spcPct val="100000"/>
         </a:lnSpc>
@@ -9814,7 +10054,7 @@
           <a:spcPts val="0"/>
         </a:spcAft>
       </a:defPPr>
-      <a:lvl1pPr lvl="0" marR="0" rtl="0" algn="l">
+      <a:lvl1pPr marR="0" lvl="0" algn="l" rtl="0">
         <a:lnSpc>
           <a:spcPct val="100000"/>
         </a:lnSpc>
@@ -9828,7 +10068,7 @@
           <a:srgbClr val="000000"/>
         </a:buClr>
         <a:buFont typeface="Arial"/>
-        <a:defRPr b="0" i="0" sz="1400" u="none" cap="none" strike="noStrike">
+        <a:defRPr sz="1400" b="0" i="0" u="none" strike="noStrike" cap="none">
           <a:solidFill>
             <a:srgbClr val="000000"/>
           </a:solidFill>
@@ -9838,7 +10078,7 @@
           <a:sym typeface="Arial"/>
         </a:defRPr>
       </a:lvl1pPr>
-      <a:lvl2pPr lvl="1" marR="0" rtl="0" algn="l">
+      <a:lvl2pPr marR="0" lvl="1" algn="l" rtl="0">
         <a:lnSpc>
           <a:spcPct val="100000"/>
         </a:lnSpc>
@@ -9852,7 +10092,7 @@
           <a:srgbClr val="000000"/>
         </a:buClr>
         <a:buFont typeface="Arial"/>
-        <a:defRPr b="0" i="0" sz="1400" u="none" cap="none" strike="noStrike">
+        <a:defRPr sz="1400" b="0" i="0" u="none" strike="noStrike" cap="none">
           <a:solidFill>
             <a:srgbClr val="000000"/>
           </a:solidFill>
@@ -9862,7 +10102,7 @@
           <a:sym typeface="Arial"/>
         </a:defRPr>
       </a:lvl2pPr>
-      <a:lvl3pPr lvl="2" marR="0" rtl="0" algn="l">
+      <a:lvl3pPr marR="0" lvl="2" algn="l" rtl="0">
         <a:lnSpc>
           <a:spcPct val="100000"/>
         </a:lnSpc>
@@ -9876,7 +10116,7 @@
           <a:srgbClr val="000000"/>
         </a:buClr>
         <a:buFont typeface="Arial"/>
-        <a:defRPr b="0" i="0" sz="1400" u="none" cap="none" strike="noStrike">
+        <a:defRPr sz="1400" b="0" i="0" u="none" strike="noStrike" cap="none">
           <a:solidFill>
             <a:srgbClr val="000000"/>
           </a:solidFill>
@@ -9886,7 +10126,7 @@
           <a:sym typeface="Arial"/>
         </a:defRPr>
       </a:lvl3pPr>
-      <a:lvl4pPr lvl="3" marR="0" rtl="0" algn="l">
+      <a:lvl4pPr marR="0" lvl="3" algn="l" rtl="0">
         <a:lnSpc>
           <a:spcPct val="100000"/>
         </a:lnSpc>
@@ -9900,7 +10140,7 @@
           <a:srgbClr val="000000"/>
         </a:buClr>
         <a:buFont typeface="Arial"/>
-        <a:defRPr b="0" i="0" sz="1400" u="none" cap="none" strike="noStrike">
+        <a:defRPr sz="1400" b="0" i="0" u="none" strike="noStrike" cap="none">
           <a:solidFill>
             <a:srgbClr val="000000"/>
           </a:solidFill>
@@ -9910,7 +10150,7 @@
           <a:sym typeface="Arial"/>
         </a:defRPr>
       </a:lvl4pPr>
-      <a:lvl5pPr lvl="4" marR="0" rtl="0" algn="l">
+      <a:lvl5pPr marR="0" lvl="4" algn="l" rtl="0">
         <a:lnSpc>
           <a:spcPct val="100000"/>
         </a:lnSpc>
@@ -9924,7 +10164,7 @@
           <a:srgbClr val="000000"/>
         </a:buClr>
         <a:buFont typeface="Arial"/>
-        <a:defRPr b="0" i="0" sz="1400" u="none" cap="none" strike="noStrike">
+        <a:defRPr sz="1400" b="0" i="0" u="none" strike="noStrike" cap="none">
           <a:solidFill>
             <a:srgbClr val="000000"/>
           </a:solidFill>
@@ -9934,7 +10174,7 @@
           <a:sym typeface="Arial"/>
         </a:defRPr>
       </a:lvl5pPr>
-      <a:lvl6pPr lvl="5" marR="0" rtl="0" algn="l">
+      <a:lvl6pPr marR="0" lvl="5" algn="l" rtl="0">
         <a:lnSpc>
           <a:spcPct val="100000"/>
         </a:lnSpc>
@@ -9948,7 +10188,7 @@
           <a:srgbClr val="000000"/>
         </a:buClr>
         <a:buFont typeface="Arial"/>
-        <a:defRPr b="0" i="0" sz="1400" u="none" cap="none" strike="noStrike">
+        <a:defRPr sz="1400" b="0" i="0" u="none" strike="noStrike" cap="none">
           <a:solidFill>
             <a:srgbClr val="000000"/>
           </a:solidFill>
@@ -9958,7 +10198,7 @@
           <a:sym typeface="Arial"/>
         </a:defRPr>
       </a:lvl6pPr>
-      <a:lvl7pPr lvl="6" marR="0" rtl="0" algn="l">
+      <a:lvl7pPr marR="0" lvl="6" algn="l" rtl="0">
         <a:lnSpc>
           <a:spcPct val="100000"/>
         </a:lnSpc>
@@ -9972,7 +10212,7 @@
           <a:srgbClr val="000000"/>
         </a:buClr>
         <a:buFont typeface="Arial"/>
-        <a:defRPr b="0" i="0" sz="1400" u="none" cap="none" strike="noStrike">
+        <a:defRPr sz="1400" b="0" i="0" u="none" strike="noStrike" cap="none">
           <a:solidFill>
             <a:srgbClr val="000000"/>
           </a:solidFill>
@@ -9982,7 +10222,7 @@
           <a:sym typeface="Arial"/>
         </a:defRPr>
       </a:lvl7pPr>
-      <a:lvl8pPr lvl="7" marR="0" rtl="0" algn="l">
+      <a:lvl8pPr marR="0" lvl="7" algn="l" rtl="0">
         <a:lnSpc>
           <a:spcPct val="100000"/>
         </a:lnSpc>
@@ -9996,7 +10236,7 @@
           <a:srgbClr val="000000"/>
         </a:buClr>
         <a:buFont typeface="Arial"/>
-        <a:defRPr b="0" i="0" sz="1400" u="none" cap="none" strike="noStrike">
+        <a:defRPr sz="1400" b="0" i="0" u="none" strike="noStrike" cap="none">
           <a:solidFill>
             <a:srgbClr val="000000"/>
           </a:solidFill>
@@ -10006,7 +10246,7 @@
           <a:sym typeface="Arial"/>
         </a:defRPr>
       </a:lvl8pPr>
-      <a:lvl9pPr lvl="8" marR="0" rtl="0" algn="l">
+      <a:lvl9pPr marR="0" lvl="8" algn="l" rtl="0">
         <a:lnSpc>
           <a:spcPct val="100000"/>
         </a:lnSpc>
@@ -10020,7 +10260,7 @@
           <a:srgbClr val="000000"/>
         </a:buClr>
         <a:buFont typeface="Arial"/>
-        <a:defRPr b="0" i="0" sz="1400" u="none" cap="none" strike="noStrike">
+        <a:defRPr sz="1400" b="0" i="0" u="none" strike="noStrike" cap="none">
           <a:solidFill>
             <a:srgbClr val="000000"/>
           </a:solidFill>
@@ -10036,11 +10276,11 @@
 </file>
 
 <file path=ppt/slides/slide1.xml><?xml version="1.0" encoding="utf-8"?>
-<p:sld xmlns:a="http://schemas.openxmlformats.org/drawingml/2006/main" xmlns:r="http://schemas.openxmlformats.org/officeDocument/2006/relationships" xmlns:mc="http://schemas.openxmlformats.org/markup-compatibility/2006" xmlns:mv="urn:schemas-microsoft-com:mac:vml" xmlns:p="http://schemas.openxmlformats.org/presentationml/2006/main" xmlns:c="http://schemas.openxmlformats.org/drawingml/2006/chart" xmlns:dgm="http://schemas.openxmlformats.org/drawingml/2006/diagram" xmlns:o="urn:schemas-microsoft-com:office:office" xmlns:v="urn:schemas-microsoft-com:vml" xmlns:pvml="urn:schemas-microsoft-com:office:powerpoint" xmlns:com="http://schemas.openxmlformats.org/drawingml/2006/compatibility" xmlns:p14="http://schemas.microsoft.com/office/powerpoint/2010/main" xmlns:p15="http://schemas.microsoft.com/office/powerpoint/2012/main" xmlns:ahyp="http://schemas.microsoft.com/office/drawing/2018/hyperlinkcolor">
+<p:sld xmlns:a="http://schemas.openxmlformats.org/drawingml/2006/main" xmlns:r="http://schemas.openxmlformats.org/officeDocument/2006/relationships" xmlns:p="http://schemas.openxmlformats.org/presentationml/2006/main">
   <p:cSld>
     <p:spTree>
       <p:nvGrpSpPr>
-        <p:cNvPr id="62" name="Shape 62"/>
+        <p:cNvPr id="1" name="Shape 62"/>
         <p:cNvGrpSpPr/>
         <p:nvPr/>
       </p:nvGrpSpPr>
@@ -10055,7 +10295,9 @@
       <p:sp>
         <p:nvSpPr>
           <p:cNvPr id="63" name="Google Shape;63;p13"/>
-          <p:cNvSpPr txBox="1"/>
+          <p:cNvSpPr txBox="1">
+            <a:spLocks noGrp="1"/>
+          </p:cNvSpPr>
           <p:nvPr>
             <p:ph type="ctrTitle"/>
           </p:nvPr>
@@ -10071,12 +10313,12 @@
           <a:noFill/>
         </p:spPr>
         <p:txBody>
-          <a:bodyPr anchorCtr="0" anchor="b" bIns="91425" lIns="91425" spcFirstLastPara="1" rIns="91425" wrap="square" tIns="91425">
+          <a:bodyPr spcFirstLastPara="1" wrap="square" lIns="91425" tIns="91425" rIns="91425" bIns="91425" anchor="b" anchorCtr="0">
             <a:noAutofit/>
           </a:bodyPr>
           <a:lstStyle/>
           <a:p>
-            <a:pPr indent="0" lvl="0" marL="0" rtl="0" algn="ctr">
+            <a:pPr marL="0" lvl="0" indent="0" algn="ctr" rtl="0">
               <a:spcBef>
                 <a:spcPts val="0"/>
               </a:spcBef>
@@ -10092,7 +10334,7 @@
             <a:endParaRPr sz="2800"/>
           </a:p>
           <a:p>
-            <a:pPr indent="0" lvl="0" marL="0" rtl="0" algn="ctr">
+            <a:pPr marL="0" lvl="0" indent="0" algn="ctr" rtl="0">
               <a:spcBef>
                 <a:spcPts val="0"/>
               </a:spcBef>
@@ -10112,9 +10354,11 @@
       <p:sp>
         <p:nvSpPr>
           <p:cNvPr id="64" name="Google Shape;64;p13"/>
-          <p:cNvSpPr txBox="1"/>
+          <p:cNvSpPr txBox="1">
+            <a:spLocks noGrp="1"/>
+          </p:cNvSpPr>
           <p:nvPr>
-            <p:ph idx="1" type="subTitle"/>
+            <p:ph type="subTitle" idx="1"/>
           </p:nvPr>
         </p:nvSpPr>
         <p:spPr>
@@ -10128,22 +10372,22 @@
           <a:noFill/>
         </p:spPr>
         <p:txBody>
-          <a:bodyPr anchorCtr="0" anchor="t" bIns="91425" lIns="91425" spcFirstLastPara="1" rIns="91425" wrap="square" tIns="91425">
+          <a:bodyPr spcFirstLastPara="1" wrap="square" lIns="91425" tIns="91425" rIns="91425" bIns="91425" anchor="t" anchorCtr="0">
             <a:noAutofit/>
           </a:bodyPr>
           <a:lstStyle/>
           <a:p>
-            <a:pPr indent="0" lvl="0" marL="0" rtl="0" algn="ctr">
-              <a:spcBef>
-                <a:spcPts val="0"/>
-              </a:spcBef>
-              <a:spcAft>
-                <a:spcPts val="0"/>
-              </a:spcAft>
-              <a:buNone/>
-            </a:pPr>
-            <a:r>
-              <a:rPr b="1" lang="en" sz="2000">
+            <a:pPr marL="0" lvl="0" indent="0" algn="ctr" rtl="0">
+              <a:spcBef>
+                <a:spcPts val="0"/>
+              </a:spcBef>
+              <a:spcAft>
+                <a:spcPts val="0"/>
+              </a:spcAft>
+              <a:buNone/>
+            </a:pPr>
+            <a:r>
+              <a:rPr lang="en" sz="2000" b="1">
                 <a:latin typeface="Roboto"/>
                 <a:ea typeface="Roboto"/>
                 <a:cs typeface="Roboto"/>
@@ -10151,7 +10395,7 @@
               </a:rPr>
               <a:t>Water Point Repair in Tanzania</a:t>
             </a:r>
-            <a:endParaRPr b="1" sz="2000">
+            <a:endParaRPr sz="2000" b="1">
               <a:latin typeface="Roboto"/>
               <a:ea typeface="Roboto"/>
               <a:cs typeface="Roboto"/>
@@ -10159,17 +10403,17 @@
             </a:endParaRPr>
           </a:p>
           <a:p>
-            <a:pPr indent="0" lvl="0" marL="0" rtl="0" algn="ctr">
-              <a:spcBef>
-                <a:spcPts val="0"/>
-              </a:spcBef>
-              <a:spcAft>
-                <a:spcPts val="0"/>
-              </a:spcAft>
-              <a:buNone/>
-            </a:pPr>
-            <a:r>
-              <a:rPr i="1" lang="en" sz="2000">
+            <a:pPr marL="0" lvl="0" indent="0" algn="ctr" rtl="0">
+              <a:spcBef>
+                <a:spcPts val="0"/>
+              </a:spcBef>
+              <a:spcAft>
+                <a:spcPts val="0"/>
+              </a:spcAft>
+              <a:buNone/>
+            </a:pPr>
+            <a:r>
+              <a:rPr lang="en" sz="2000" i="1">
                 <a:solidFill>
                   <a:schemeClr val="lt2"/>
                 </a:solidFill>
@@ -10180,7 +10424,7 @@
               </a:rPr>
               <a:t> </a:t>
             </a:r>
-            <a:endParaRPr i="1" sz="2000">
+            <a:endParaRPr sz="2000" i="1">
               <a:solidFill>
                 <a:schemeClr val="lt2"/>
               </a:solidFill>
@@ -10201,11 +10445,11 @@
 </file>
 
 <file path=ppt/slides/slide10.xml><?xml version="1.0" encoding="utf-8"?>
-<p:sld xmlns:a="http://schemas.openxmlformats.org/drawingml/2006/main" xmlns:r="http://schemas.openxmlformats.org/officeDocument/2006/relationships" xmlns:mc="http://schemas.openxmlformats.org/markup-compatibility/2006" xmlns:mv="urn:schemas-microsoft-com:mac:vml" xmlns:p="http://schemas.openxmlformats.org/presentationml/2006/main" xmlns:c="http://schemas.openxmlformats.org/drawingml/2006/chart" xmlns:dgm="http://schemas.openxmlformats.org/drawingml/2006/diagram" xmlns:o="urn:schemas-microsoft-com:office:office" xmlns:v="urn:schemas-microsoft-com:vml" xmlns:pvml="urn:schemas-microsoft-com:office:powerpoint" xmlns:com="http://schemas.openxmlformats.org/drawingml/2006/compatibility" xmlns:p14="http://schemas.microsoft.com/office/powerpoint/2010/main" xmlns:p15="http://schemas.microsoft.com/office/powerpoint/2012/main" xmlns:ahyp="http://schemas.microsoft.com/office/drawing/2018/hyperlinkcolor">
+<p:sld xmlns:a="http://schemas.openxmlformats.org/drawingml/2006/main" xmlns:r="http://schemas.openxmlformats.org/officeDocument/2006/relationships" xmlns:p="http://schemas.openxmlformats.org/presentationml/2006/main">
   <p:cSld>
     <p:spTree>
       <p:nvGrpSpPr>
-        <p:cNvPr id="158" name="Shape 158"/>
+        <p:cNvPr id="1" name="Shape 158"/>
         <p:cNvGrpSpPr/>
         <p:nvPr/>
       </p:nvGrpSpPr>
@@ -10220,7 +10464,9 @@
       <p:sp>
         <p:nvSpPr>
           <p:cNvPr id="159" name="Google Shape;159;p22"/>
-          <p:cNvSpPr txBox="1"/>
+          <p:cNvSpPr txBox="1">
+            <a:spLocks noGrp="1"/>
+          </p:cNvSpPr>
           <p:nvPr>
             <p:ph type="title"/>
           </p:nvPr>
@@ -10235,12 +10481,12 @@
           </a:prstGeom>
         </p:spPr>
         <p:txBody>
-          <a:bodyPr anchorCtr="0" anchor="b" bIns="91425" lIns="91425" spcFirstLastPara="1" rIns="91425" wrap="square" tIns="91425">
+          <a:bodyPr spcFirstLastPara="1" wrap="square" lIns="91425" tIns="91425" rIns="91425" bIns="91425" anchor="b" anchorCtr="0">
             <a:noAutofit/>
           </a:bodyPr>
           <a:lstStyle/>
           <a:p>
-            <a:pPr indent="0" lvl="0" marL="0" rtl="0" algn="ctr">
+            <a:pPr marL="0" lvl="0" indent="0" algn="ctr" rtl="0">
               <a:spcBef>
                 <a:spcPts val="0"/>
               </a:spcBef>
@@ -10266,11 +10512,11 @@
 </file>
 
 <file path=ppt/slides/slide11.xml><?xml version="1.0" encoding="utf-8"?>
-<p:sld xmlns:a="http://schemas.openxmlformats.org/drawingml/2006/main" xmlns:r="http://schemas.openxmlformats.org/officeDocument/2006/relationships" xmlns:mc="http://schemas.openxmlformats.org/markup-compatibility/2006" xmlns:mv="urn:schemas-microsoft-com:mac:vml" xmlns:p="http://schemas.openxmlformats.org/presentationml/2006/main" xmlns:c="http://schemas.openxmlformats.org/drawingml/2006/chart" xmlns:dgm="http://schemas.openxmlformats.org/drawingml/2006/diagram" xmlns:o="urn:schemas-microsoft-com:office:office" xmlns:v="urn:schemas-microsoft-com:vml" xmlns:pvml="urn:schemas-microsoft-com:office:powerpoint" xmlns:com="http://schemas.openxmlformats.org/drawingml/2006/compatibility" xmlns:p14="http://schemas.microsoft.com/office/powerpoint/2010/main" xmlns:p15="http://schemas.microsoft.com/office/powerpoint/2012/main" xmlns:ahyp="http://schemas.microsoft.com/office/drawing/2018/hyperlinkcolor">
+<p:sld xmlns:a="http://schemas.openxmlformats.org/drawingml/2006/main" xmlns:r="http://schemas.openxmlformats.org/officeDocument/2006/relationships" xmlns:p="http://schemas.openxmlformats.org/presentationml/2006/main">
   <p:cSld>
     <p:spTree>
       <p:nvGrpSpPr>
-        <p:cNvPr id="163" name="Shape 163"/>
+        <p:cNvPr id="1" name="Shape 163"/>
         <p:cNvGrpSpPr/>
         <p:nvPr/>
       </p:nvGrpSpPr>
@@ -10285,7 +10531,9 @@
       <p:sp>
         <p:nvSpPr>
           <p:cNvPr id="164" name="Google Shape;164;p23"/>
-          <p:cNvSpPr txBox="1"/>
+          <p:cNvSpPr txBox="1">
+            <a:spLocks noGrp="1"/>
+          </p:cNvSpPr>
           <p:nvPr>
             <p:ph type="title"/>
           </p:nvPr>
@@ -10300,12 +10548,12 @@
           </a:prstGeom>
         </p:spPr>
         <p:txBody>
-          <a:bodyPr anchorCtr="0" anchor="b" bIns="91425" lIns="91425" spcFirstLastPara="1" rIns="91425" wrap="square" tIns="91425">
+          <a:bodyPr spcFirstLastPara="1" wrap="square" lIns="91425" tIns="91425" rIns="91425" bIns="91425" anchor="b" anchorCtr="0">
             <a:noAutofit/>
           </a:bodyPr>
           <a:lstStyle/>
           <a:p>
-            <a:pPr indent="0" lvl="0" marL="0" rtl="0" algn="ctr">
+            <a:pPr marL="0" lvl="0" indent="0" algn="ctr" rtl="0">
               <a:spcBef>
                 <a:spcPts val="0"/>
               </a:spcBef>
@@ -10325,9 +10573,11 @@
       <p:sp>
         <p:nvSpPr>
           <p:cNvPr id="165" name="Google Shape;165;p23"/>
-          <p:cNvSpPr txBox="1"/>
+          <p:cNvSpPr txBox="1">
+            <a:spLocks noGrp="1"/>
+          </p:cNvSpPr>
           <p:nvPr>
-            <p:ph idx="1" type="subTitle"/>
+            <p:ph type="subTitle" idx="1"/>
           </p:nvPr>
         </p:nvSpPr>
         <p:spPr>
@@ -10340,12 +10590,12 @@
           </a:prstGeom>
         </p:spPr>
         <p:txBody>
-          <a:bodyPr anchorCtr="0" anchor="t" bIns="91425" lIns="91425" spcFirstLastPara="1" rIns="91425" wrap="square" tIns="91425">
+          <a:bodyPr spcFirstLastPara="1" wrap="square" lIns="91425" tIns="91425" rIns="91425" bIns="91425" anchor="t" anchorCtr="0">
             <a:noAutofit/>
           </a:bodyPr>
           <a:lstStyle/>
           <a:p>
-            <a:pPr indent="-342900" lvl="0" marL="457200" rtl="0" algn="l">
+            <a:pPr marL="457200" lvl="0" indent="-342900" algn="l" rtl="0">
               <a:spcBef>
                 <a:spcPts val="0"/>
               </a:spcBef>
@@ -10362,22 +10612,19 @@
             <a:endParaRPr sz="1800"/>
           </a:p>
           <a:p>
-            <a:pPr indent="0" lvl="0" marL="457200" rtl="0" algn="l">
-              <a:spcBef>
-                <a:spcPts val="0"/>
-              </a:spcBef>
-              <a:spcAft>
-                <a:spcPts val="0"/>
-              </a:spcAft>
-              <a:buNone/>
-            </a:pPr>
-            <a:r>
-              <a:t/>
-            </a:r>
+            <a:pPr marL="457200" lvl="0" indent="0" algn="l" rtl="0">
+              <a:spcBef>
+                <a:spcPts val="0"/>
+              </a:spcBef>
+              <a:spcAft>
+                <a:spcPts val="0"/>
+              </a:spcAft>
+              <a:buNone/>
+            </a:pPr>
             <a:endParaRPr sz="1800"/>
           </a:p>
           <a:p>
-            <a:pPr indent="-342900" lvl="0" marL="457200" rtl="0" algn="l">
+            <a:pPr marL="457200" lvl="0" indent="-342900" algn="l" rtl="0">
               <a:spcBef>
                 <a:spcPts val="0"/>
               </a:spcBef>
@@ -10394,18 +10641,15 @@
             <a:endParaRPr sz="1800"/>
           </a:p>
           <a:p>
-            <a:pPr indent="0" lvl="0" marL="457200" rtl="0" algn="l">
-              <a:spcBef>
-                <a:spcPts val="0"/>
-              </a:spcBef>
-              <a:spcAft>
-                <a:spcPts val="0"/>
-              </a:spcAft>
-              <a:buNone/>
-            </a:pPr>
-            <a:r>
-              <a:t/>
-            </a:r>
+            <a:pPr marL="457200" lvl="0" indent="0" algn="l" rtl="0">
+              <a:spcBef>
+                <a:spcPts val="0"/>
+              </a:spcBef>
+              <a:spcAft>
+                <a:spcPts val="0"/>
+              </a:spcAft>
+              <a:buNone/>
+            </a:pPr>
             <a:endParaRPr sz="1800"/>
           </a:p>
         </p:txBody>
@@ -10413,9 +10657,11 @@
       <p:sp>
         <p:nvSpPr>
           <p:cNvPr id="166" name="Google Shape;166;p23"/>
-          <p:cNvSpPr txBox="1"/>
+          <p:cNvSpPr txBox="1">
+            <a:spLocks noGrp="1"/>
+          </p:cNvSpPr>
           <p:nvPr>
-            <p:ph idx="2" type="body"/>
+            <p:ph type="body" idx="2"/>
           </p:nvPr>
         </p:nvSpPr>
         <p:spPr>
@@ -10428,12 +10674,12 @@
           </a:prstGeom>
         </p:spPr>
         <p:txBody>
-          <a:bodyPr anchorCtr="0" anchor="ctr" bIns="91425" lIns="91425" spcFirstLastPara="1" rIns="91425" wrap="square" tIns="91425">
+          <a:bodyPr spcFirstLastPara="1" wrap="square" lIns="91425" tIns="91425" rIns="91425" bIns="91425" anchor="ctr" anchorCtr="0">
             <a:noAutofit/>
           </a:bodyPr>
           <a:lstStyle/>
           <a:p>
-            <a:pPr indent="0" lvl="0" marL="0" rtl="0" algn="l">
+            <a:pPr marL="0" lvl="0" indent="0" algn="l" rtl="0">
               <a:spcBef>
                 <a:spcPts val="0"/>
               </a:spcBef>
@@ -10449,7 +10695,7 @@
             <a:endParaRPr/>
           </a:p>
           <a:p>
-            <a:pPr indent="-342900" lvl="0" marL="457200" rtl="0" algn="l">
+            <a:pPr marL="457200" lvl="0" indent="-342900" algn="l" rtl="0">
               <a:spcBef>
                 <a:spcPts val="1600"/>
               </a:spcBef>
@@ -10466,7 +10712,7 @@
             <a:endParaRPr/>
           </a:p>
           <a:p>
-            <a:pPr indent="-342900" lvl="0" marL="457200" rtl="0" algn="l">
+            <a:pPr marL="457200" lvl="0" indent="-342900" algn="l" rtl="0">
               <a:spcBef>
                 <a:spcPts val="0"/>
               </a:spcBef>
@@ -10483,7 +10729,7 @@
             <a:endParaRPr/>
           </a:p>
           <a:p>
-            <a:pPr indent="-342900" lvl="0" marL="457200" rtl="0" algn="l">
+            <a:pPr marL="457200" lvl="0" indent="-342900" algn="l" rtl="0">
               <a:spcBef>
                 <a:spcPts val="0"/>
               </a:spcBef>
@@ -10500,7 +10746,7 @@
             <a:endParaRPr/>
           </a:p>
           <a:p>
-            <a:pPr indent="-342900" lvl="0" marL="457200" rtl="0" algn="l">
+            <a:pPr marL="457200" lvl="0" indent="-342900" algn="l" rtl="0">
               <a:spcBef>
                 <a:spcPts val="0"/>
               </a:spcBef>
@@ -10517,7 +10763,7 @@
             <a:endParaRPr/>
           </a:p>
           <a:p>
-            <a:pPr indent="-342900" lvl="0" marL="457200" rtl="0" algn="l">
+            <a:pPr marL="457200" lvl="0" indent="-342900" algn="l" rtl="0">
               <a:spcBef>
                 <a:spcPts val="0"/>
               </a:spcBef>
@@ -10534,7 +10780,7 @@
             <a:endParaRPr/>
           </a:p>
           <a:p>
-            <a:pPr indent="0" lvl="0" marL="0" rtl="0" algn="l">
+            <a:pPr marL="0" lvl="0" indent="0" algn="l" rtl="0">
               <a:spcBef>
                 <a:spcPts val="1600"/>
               </a:spcBef>
@@ -10543,9 +10789,6 @@
               </a:spcAft>
               <a:buNone/>
             </a:pPr>
-            <a:r>
-              <a:t/>
-            </a:r>
             <a:endParaRPr/>
           </a:p>
         </p:txBody>
@@ -10559,11 +10802,11 @@
 </file>
 
 <file path=ppt/slides/slide12.xml><?xml version="1.0" encoding="utf-8"?>
-<p:sld xmlns:a="http://schemas.openxmlformats.org/drawingml/2006/main" xmlns:r="http://schemas.openxmlformats.org/officeDocument/2006/relationships" xmlns:mc="http://schemas.openxmlformats.org/markup-compatibility/2006" xmlns:mv="urn:schemas-microsoft-com:mac:vml" xmlns:p="http://schemas.openxmlformats.org/presentationml/2006/main" xmlns:c="http://schemas.openxmlformats.org/drawingml/2006/chart" xmlns:dgm="http://schemas.openxmlformats.org/drawingml/2006/diagram" xmlns:o="urn:schemas-microsoft-com:office:office" xmlns:v="urn:schemas-microsoft-com:vml" xmlns:pvml="urn:schemas-microsoft-com:office:powerpoint" xmlns:com="http://schemas.openxmlformats.org/drawingml/2006/compatibility" xmlns:p14="http://schemas.microsoft.com/office/powerpoint/2010/main" xmlns:p15="http://schemas.microsoft.com/office/powerpoint/2012/main" xmlns:ahyp="http://schemas.microsoft.com/office/drawing/2018/hyperlinkcolor">
+<p:sld xmlns:a="http://schemas.openxmlformats.org/drawingml/2006/main" xmlns:r="http://schemas.openxmlformats.org/officeDocument/2006/relationships" xmlns:p="http://schemas.openxmlformats.org/presentationml/2006/main">
   <p:cSld>
     <p:spTree>
       <p:nvGrpSpPr>
-        <p:cNvPr id="170" name="Shape 170"/>
+        <p:cNvPr id="1" name="Shape 170"/>
         <p:cNvGrpSpPr/>
         <p:nvPr/>
       </p:nvGrpSpPr>
@@ -10578,7 +10821,9 @@
       <p:sp>
         <p:nvSpPr>
           <p:cNvPr id="171" name="Google Shape;171;p24"/>
-          <p:cNvSpPr txBox="1"/>
+          <p:cNvSpPr txBox="1">
+            <a:spLocks noGrp="1"/>
+          </p:cNvSpPr>
           <p:nvPr>
             <p:ph type="title"/>
           </p:nvPr>
@@ -10593,12 +10838,12 @@
           </a:prstGeom>
         </p:spPr>
         <p:txBody>
-          <a:bodyPr anchorCtr="0" anchor="b" bIns="91425" lIns="91425" spcFirstLastPara="1" rIns="91425" wrap="square" tIns="91425">
+          <a:bodyPr spcFirstLastPara="1" wrap="square" lIns="91425" tIns="91425" rIns="91425" bIns="91425" anchor="b" anchorCtr="0">
             <a:noAutofit/>
           </a:bodyPr>
           <a:lstStyle/>
           <a:p>
-            <a:pPr indent="0" lvl="0" marL="0" rtl="0" algn="ctr">
+            <a:pPr marL="0" lvl="0" indent="0" algn="ctr" rtl="0">
               <a:spcBef>
                 <a:spcPts val="0"/>
               </a:spcBef>
@@ -10618,9 +10863,11 @@
       <p:sp>
         <p:nvSpPr>
           <p:cNvPr id="172" name="Google Shape;172;p24"/>
-          <p:cNvSpPr txBox="1"/>
+          <p:cNvSpPr txBox="1">
+            <a:spLocks noGrp="1"/>
+          </p:cNvSpPr>
           <p:nvPr>
-            <p:ph idx="1" type="body"/>
+            <p:ph type="body" idx="1"/>
           </p:nvPr>
         </p:nvSpPr>
         <p:spPr>
@@ -10633,12 +10880,12 @@
           </a:prstGeom>
         </p:spPr>
         <p:txBody>
-          <a:bodyPr anchorCtr="0" anchor="t" bIns="91425" lIns="91425" spcFirstLastPara="1" rIns="91425" wrap="square" tIns="91425">
+          <a:bodyPr spcFirstLastPara="1" wrap="square" lIns="91425" tIns="91425" rIns="91425" bIns="91425" anchor="t" anchorCtr="0">
             <a:noAutofit/>
           </a:bodyPr>
           <a:lstStyle/>
           <a:p>
-            <a:pPr indent="-304800" lvl="0" marL="457200" rtl="0" algn="l">
+            <a:pPr marL="457200" lvl="0" indent="-304800" algn="l" rtl="0">
               <a:spcBef>
                 <a:spcPts val="0"/>
               </a:spcBef>
@@ -10658,7 +10905,7 @@
             <a:endParaRPr/>
           </a:p>
           <a:p>
-            <a:pPr indent="-304800" lvl="0" marL="457200" rtl="0" algn="l">
+            <a:pPr marL="457200" lvl="0" indent="-304800" algn="l" rtl="0">
               <a:spcBef>
                 <a:spcPts val="0"/>
               </a:spcBef>
@@ -10675,7 +10922,7 @@
             <a:endParaRPr/>
           </a:p>
           <a:p>
-            <a:pPr indent="-304800" lvl="1" marL="914400" rtl="0" algn="l">
+            <a:pPr marL="914400" lvl="1" indent="-304800" algn="l" rtl="0">
               <a:spcBef>
                 <a:spcPts val="0"/>
               </a:spcBef>
@@ -10692,7 +10939,7 @@
             <a:endParaRPr/>
           </a:p>
           <a:p>
-            <a:pPr indent="-304800" lvl="1" marL="914400" rtl="0" algn="l">
+            <a:pPr marL="914400" lvl="1" indent="-304800" algn="l" rtl="0">
               <a:spcBef>
                 <a:spcPts val="0"/>
               </a:spcBef>
@@ -10709,7 +10956,7 @@
             <a:endParaRPr/>
           </a:p>
           <a:p>
-            <a:pPr indent="-304800" lvl="1" marL="914400" rtl="0" algn="l">
+            <a:pPr marL="914400" lvl="1" indent="-304800" algn="l" rtl="0">
               <a:spcBef>
                 <a:spcPts val="0"/>
               </a:spcBef>
@@ -10729,7 +10976,7 @@
             <a:endParaRPr/>
           </a:p>
           <a:p>
-            <a:pPr indent="-304800" lvl="0" marL="457200" rtl="0" algn="l">
+            <a:pPr marL="457200" lvl="0" indent="-304800" algn="l" rtl="0">
               <a:spcBef>
                 <a:spcPts val="0"/>
               </a:spcBef>
@@ -10784,11 +11031,11 @@
 </file>
 
 <file path=ppt/slides/slide13.xml><?xml version="1.0" encoding="utf-8"?>
-<p:sld xmlns:a="http://schemas.openxmlformats.org/drawingml/2006/main" xmlns:r="http://schemas.openxmlformats.org/officeDocument/2006/relationships" xmlns:mc="http://schemas.openxmlformats.org/markup-compatibility/2006" xmlns:mv="urn:schemas-microsoft-com:mac:vml" xmlns:p="http://schemas.openxmlformats.org/presentationml/2006/main" xmlns:c="http://schemas.openxmlformats.org/drawingml/2006/chart" xmlns:dgm="http://schemas.openxmlformats.org/drawingml/2006/diagram" xmlns:o="urn:schemas-microsoft-com:office:office" xmlns:v="urn:schemas-microsoft-com:vml" xmlns:pvml="urn:schemas-microsoft-com:office:powerpoint" xmlns:com="http://schemas.openxmlformats.org/drawingml/2006/compatibility" xmlns:p14="http://schemas.microsoft.com/office/powerpoint/2010/main" xmlns:p15="http://schemas.microsoft.com/office/powerpoint/2012/main" xmlns:ahyp="http://schemas.microsoft.com/office/drawing/2018/hyperlinkcolor">
+<p:sld xmlns:a="http://schemas.openxmlformats.org/drawingml/2006/main" xmlns:r="http://schemas.openxmlformats.org/officeDocument/2006/relationships" xmlns:p="http://schemas.openxmlformats.org/presentationml/2006/main">
   <p:cSld>
     <p:spTree>
       <p:nvGrpSpPr>
-        <p:cNvPr id="177" name="Shape 177"/>
+        <p:cNvPr id="1" name="Shape 177"/>
         <p:cNvGrpSpPr/>
         <p:nvPr/>
       </p:nvGrpSpPr>
@@ -10803,7 +11050,9 @@
       <p:sp>
         <p:nvSpPr>
           <p:cNvPr id="178" name="Google Shape;178;p25"/>
-          <p:cNvSpPr txBox="1"/>
+          <p:cNvSpPr txBox="1">
+            <a:spLocks noGrp="1"/>
+          </p:cNvSpPr>
           <p:nvPr>
             <p:ph type="title"/>
           </p:nvPr>
@@ -10818,12 +11067,12 @@
           </a:prstGeom>
         </p:spPr>
         <p:txBody>
-          <a:bodyPr anchorCtr="0" anchor="b" bIns="91425" lIns="91425" spcFirstLastPara="1" rIns="91425" wrap="square" tIns="91425">
+          <a:bodyPr spcFirstLastPara="1" wrap="square" lIns="91425" tIns="91425" rIns="91425" bIns="91425" anchor="b" anchorCtr="0">
             <a:noAutofit/>
           </a:bodyPr>
           <a:lstStyle/>
           <a:p>
-            <a:pPr indent="0" lvl="0" marL="0" rtl="0" algn="ctr">
+            <a:pPr marL="0" lvl="0" indent="0" algn="ctr" rtl="0">
               <a:spcBef>
                 <a:spcPts val="0"/>
               </a:spcBef>
@@ -10850,7 +11099,7 @@
           <a:blip r:embed="rId3">
             <a:alphaModFix/>
           </a:blip>
-          <a:srcRect b="0" l="0" r="0" t="0"/>
+          <a:srcRect/>
           <a:stretch/>
         </p:blipFill>
         <p:spPr>
@@ -10876,11 +11125,11 @@
 </file>
 
 <file path=ppt/slides/slide14.xml><?xml version="1.0" encoding="utf-8"?>
-<p:sld xmlns:a="http://schemas.openxmlformats.org/drawingml/2006/main" xmlns:r="http://schemas.openxmlformats.org/officeDocument/2006/relationships" xmlns:mc="http://schemas.openxmlformats.org/markup-compatibility/2006" xmlns:mv="urn:schemas-microsoft-com:mac:vml" xmlns:p="http://schemas.openxmlformats.org/presentationml/2006/main" xmlns:c="http://schemas.openxmlformats.org/drawingml/2006/chart" xmlns:dgm="http://schemas.openxmlformats.org/drawingml/2006/diagram" xmlns:o="urn:schemas-microsoft-com:office:office" xmlns:v="urn:schemas-microsoft-com:vml" xmlns:pvml="urn:schemas-microsoft-com:office:powerpoint" xmlns:com="http://schemas.openxmlformats.org/drawingml/2006/compatibility" xmlns:p14="http://schemas.microsoft.com/office/powerpoint/2010/main" xmlns:p15="http://schemas.microsoft.com/office/powerpoint/2012/main" xmlns:ahyp="http://schemas.microsoft.com/office/drawing/2018/hyperlinkcolor">
+<p:sld xmlns:a="http://schemas.openxmlformats.org/drawingml/2006/main" xmlns:r="http://schemas.openxmlformats.org/officeDocument/2006/relationships" xmlns:p="http://schemas.openxmlformats.org/presentationml/2006/main">
   <p:cSld>
     <p:spTree>
       <p:nvGrpSpPr>
-        <p:cNvPr id="183" name="Shape 183"/>
+        <p:cNvPr id="1" name="Shape 183"/>
         <p:cNvGrpSpPr/>
         <p:nvPr/>
       </p:nvGrpSpPr>
@@ -10895,7 +11144,9 @@
       <p:sp>
         <p:nvSpPr>
           <p:cNvPr id="184" name="Google Shape;184;p26"/>
-          <p:cNvSpPr txBox="1"/>
+          <p:cNvSpPr txBox="1">
+            <a:spLocks noGrp="1"/>
+          </p:cNvSpPr>
           <p:nvPr>
             <p:ph type="title"/>
           </p:nvPr>
@@ -10910,12 +11161,12 @@
           </a:prstGeom>
         </p:spPr>
         <p:txBody>
-          <a:bodyPr anchorCtr="0" anchor="b" bIns="91425" lIns="91425" spcFirstLastPara="1" rIns="91425" wrap="square" tIns="91425">
+          <a:bodyPr spcFirstLastPara="1" wrap="square" lIns="91425" tIns="91425" rIns="91425" bIns="91425" anchor="b" anchorCtr="0">
             <a:noAutofit/>
           </a:bodyPr>
           <a:lstStyle/>
           <a:p>
-            <a:pPr indent="0" lvl="0" marL="0" rtl="0" algn="ctr">
+            <a:pPr marL="0" lvl="0" indent="0" algn="ctr" rtl="0">
               <a:spcBef>
                 <a:spcPts val="0"/>
               </a:spcBef>
@@ -10926,11 +11177,7 @@
             </a:pPr>
             <a:r>
               <a:rPr lang="en"/>
-              <a:t>Model </a:t>
-            </a:r>
-            <a:r>
-              <a:rPr lang="en"/>
-              <a:t>Performance</a:t>
+              <a:t>Model Performance</a:t>
             </a:r>
             <a:endParaRPr/>
           </a:p>
@@ -10946,7 +11193,7 @@
           <a:blip r:embed="rId3">
             <a:alphaModFix/>
           </a:blip>
-          <a:srcRect b="0" l="0" r="0" t="0"/>
+          <a:srcRect/>
           <a:stretch/>
         </p:blipFill>
         <p:spPr>
@@ -10972,11 +11219,11 @@
 </file>
 
 <file path=ppt/slides/slide15.xml><?xml version="1.0" encoding="utf-8"?>
-<p:sld xmlns:a="http://schemas.openxmlformats.org/drawingml/2006/main" xmlns:r="http://schemas.openxmlformats.org/officeDocument/2006/relationships" xmlns:mc="http://schemas.openxmlformats.org/markup-compatibility/2006" xmlns:mv="urn:schemas-microsoft-com:mac:vml" xmlns:p="http://schemas.openxmlformats.org/presentationml/2006/main" xmlns:c="http://schemas.openxmlformats.org/drawingml/2006/chart" xmlns:dgm="http://schemas.openxmlformats.org/drawingml/2006/diagram" xmlns:o="urn:schemas-microsoft-com:office:office" xmlns:v="urn:schemas-microsoft-com:vml" xmlns:pvml="urn:schemas-microsoft-com:office:powerpoint" xmlns:com="http://schemas.openxmlformats.org/drawingml/2006/compatibility" xmlns:p14="http://schemas.microsoft.com/office/powerpoint/2010/main" xmlns:p15="http://schemas.microsoft.com/office/powerpoint/2012/main" xmlns:ahyp="http://schemas.microsoft.com/office/drawing/2018/hyperlinkcolor">
+<p:sld xmlns:a="http://schemas.openxmlformats.org/drawingml/2006/main" xmlns:r="http://schemas.openxmlformats.org/officeDocument/2006/relationships" xmlns:p="http://schemas.openxmlformats.org/presentationml/2006/main">
   <p:cSld>
     <p:spTree>
       <p:nvGrpSpPr>
-        <p:cNvPr id="189" name="Shape 189"/>
+        <p:cNvPr id="1" name="Shape 189"/>
         <p:cNvGrpSpPr/>
         <p:nvPr/>
       </p:nvGrpSpPr>
@@ -10991,7 +11238,9 @@
       <p:sp>
         <p:nvSpPr>
           <p:cNvPr id="190" name="Google Shape;190;p27"/>
-          <p:cNvSpPr txBox="1"/>
+          <p:cNvSpPr txBox="1">
+            <a:spLocks noGrp="1"/>
+          </p:cNvSpPr>
           <p:nvPr>
             <p:ph type="title"/>
           </p:nvPr>
@@ -11006,12 +11255,12 @@
           </a:prstGeom>
         </p:spPr>
         <p:txBody>
-          <a:bodyPr anchorCtr="0" anchor="b" bIns="91425" lIns="91425" spcFirstLastPara="1" rIns="91425" wrap="square" tIns="91425">
+          <a:bodyPr spcFirstLastPara="1" wrap="square" lIns="91425" tIns="91425" rIns="91425" bIns="91425" anchor="b" anchorCtr="0">
             <a:noAutofit/>
           </a:bodyPr>
           <a:lstStyle/>
           <a:p>
-            <a:pPr indent="0" lvl="0" marL="0" rtl="0" algn="ctr">
+            <a:pPr marL="0" lvl="0" indent="0" algn="ctr" rtl="0">
               <a:spcBef>
                 <a:spcPts val="0"/>
               </a:spcBef>
@@ -11022,11 +11271,7 @@
             </a:pPr>
             <a:r>
               <a:rPr lang="en"/>
-              <a:t>Model </a:t>
-            </a:r>
-            <a:r>
-              <a:rPr lang="en"/>
-              <a:t>Performance</a:t>
+              <a:t>Model Performance</a:t>
             </a:r>
             <a:endParaRPr/>
           </a:p>
@@ -11042,7 +11287,7 @@
           <a:blip r:embed="rId3">
             <a:alphaModFix/>
           </a:blip>
-          <a:srcRect b="0" l="0" r="0" t="0"/>
+          <a:srcRect/>
           <a:stretch/>
         </p:blipFill>
         <p:spPr>
@@ -11068,11 +11313,11 @@
 </file>
 
 <file path=ppt/slides/slide16.xml><?xml version="1.0" encoding="utf-8"?>
-<p:sld xmlns:a="http://schemas.openxmlformats.org/drawingml/2006/main" xmlns:r="http://schemas.openxmlformats.org/officeDocument/2006/relationships" xmlns:mc="http://schemas.openxmlformats.org/markup-compatibility/2006" xmlns:mv="urn:schemas-microsoft-com:mac:vml" xmlns:p="http://schemas.openxmlformats.org/presentationml/2006/main" xmlns:c="http://schemas.openxmlformats.org/drawingml/2006/chart" xmlns:dgm="http://schemas.openxmlformats.org/drawingml/2006/diagram" xmlns:o="urn:schemas-microsoft-com:office:office" xmlns:v="urn:schemas-microsoft-com:vml" xmlns:pvml="urn:schemas-microsoft-com:office:powerpoint" xmlns:com="http://schemas.openxmlformats.org/drawingml/2006/compatibility" xmlns:p14="http://schemas.microsoft.com/office/powerpoint/2010/main" xmlns:p15="http://schemas.microsoft.com/office/powerpoint/2012/main" xmlns:ahyp="http://schemas.microsoft.com/office/drawing/2018/hyperlinkcolor">
+<p:sld xmlns:a="http://schemas.openxmlformats.org/drawingml/2006/main" xmlns:r="http://schemas.openxmlformats.org/officeDocument/2006/relationships" xmlns:p="http://schemas.openxmlformats.org/presentationml/2006/main">
   <p:cSld>
     <p:spTree>
       <p:nvGrpSpPr>
-        <p:cNvPr id="195" name="Shape 195"/>
+        <p:cNvPr id="1" name="Shape 195"/>
         <p:cNvGrpSpPr/>
         <p:nvPr/>
       </p:nvGrpSpPr>
@@ -11087,7 +11332,9 @@
       <p:sp>
         <p:nvSpPr>
           <p:cNvPr id="196" name="Google Shape;196;p28"/>
-          <p:cNvSpPr txBox="1"/>
+          <p:cNvSpPr txBox="1">
+            <a:spLocks noGrp="1"/>
+          </p:cNvSpPr>
           <p:nvPr>
             <p:ph type="title"/>
           </p:nvPr>
@@ -11102,12 +11349,12 @@
           </a:prstGeom>
         </p:spPr>
         <p:txBody>
-          <a:bodyPr anchorCtr="0" anchor="b" bIns="91425" lIns="91425" spcFirstLastPara="1" rIns="91425" wrap="square" tIns="91425">
+          <a:bodyPr spcFirstLastPara="1" wrap="square" lIns="91425" tIns="91425" rIns="91425" bIns="91425" anchor="b" anchorCtr="0">
             <a:noAutofit/>
           </a:bodyPr>
           <a:lstStyle/>
           <a:p>
-            <a:pPr indent="0" lvl="0" marL="0" rtl="0" algn="ctr">
+            <a:pPr marL="0" lvl="0" indent="0" algn="ctr" rtl="0">
               <a:spcBef>
                 <a:spcPts val="0"/>
               </a:spcBef>
@@ -11118,11 +11365,7 @@
             </a:pPr>
             <a:r>
               <a:rPr lang="en"/>
-              <a:t>Model </a:t>
-            </a:r>
-            <a:r>
-              <a:rPr lang="en"/>
-              <a:t>Performance</a:t>
+              <a:t>Model Performance</a:t>
             </a:r>
             <a:endParaRPr/>
           </a:p>
@@ -11138,7 +11381,7 @@
           <a:blip r:embed="rId3">
             <a:alphaModFix/>
           </a:blip>
-          <a:srcRect b="0" l="0" r="0" t="0"/>
+          <a:srcRect/>
           <a:stretch/>
         </p:blipFill>
         <p:spPr>
@@ -11164,11 +11407,11 @@
 </file>
 
 <file path=ppt/slides/slide17.xml><?xml version="1.0" encoding="utf-8"?>
-<p:sld xmlns:a="http://schemas.openxmlformats.org/drawingml/2006/main" xmlns:r="http://schemas.openxmlformats.org/officeDocument/2006/relationships" xmlns:mc="http://schemas.openxmlformats.org/markup-compatibility/2006" xmlns:mv="urn:schemas-microsoft-com:mac:vml" xmlns:p="http://schemas.openxmlformats.org/presentationml/2006/main" xmlns:c="http://schemas.openxmlformats.org/drawingml/2006/chart" xmlns:dgm="http://schemas.openxmlformats.org/drawingml/2006/diagram" xmlns:o="urn:schemas-microsoft-com:office:office" xmlns:v="urn:schemas-microsoft-com:vml" xmlns:pvml="urn:schemas-microsoft-com:office:powerpoint" xmlns:com="http://schemas.openxmlformats.org/drawingml/2006/compatibility" xmlns:p14="http://schemas.microsoft.com/office/powerpoint/2010/main" xmlns:p15="http://schemas.microsoft.com/office/powerpoint/2012/main" xmlns:ahyp="http://schemas.microsoft.com/office/drawing/2018/hyperlinkcolor">
+<p:sld xmlns:a="http://schemas.openxmlformats.org/drawingml/2006/main" xmlns:r="http://schemas.openxmlformats.org/officeDocument/2006/relationships" xmlns:p="http://schemas.openxmlformats.org/presentationml/2006/main">
   <p:cSld>
     <p:spTree>
       <p:nvGrpSpPr>
-        <p:cNvPr id="201" name="Shape 201"/>
+        <p:cNvPr id="1" name="Shape 201"/>
         <p:cNvGrpSpPr/>
         <p:nvPr/>
       </p:nvGrpSpPr>
@@ -11183,7 +11426,9 @@
       <p:sp>
         <p:nvSpPr>
           <p:cNvPr id="202" name="Google Shape;202;p29"/>
-          <p:cNvSpPr txBox="1"/>
+          <p:cNvSpPr txBox="1">
+            <a:spLocks noGrp="1"/>
+          </p:cNvSpPr>
           <p:nvPr>
             <p:ph type="title"/>
           </p:nvPr>
@@ -11198,12 +11443,12 @@
           </a:prstGeom>
         </p:spPr>
         <p:txBody>
-          <a:bodyPr anchorCtr="0" anchor="b" bIns="91425" lIns="91425" spcFirstLastPara="1" rIns="91425" wrap="square" tIns="91425">
+          <a:bodyPr spcFirstLastPara="1" wrap="square" lIns="91425" tIns="91425" rIns="91425" bIns="91425" anchor="b" anchorCtr="0">
             <a:noAutofit/>
           </a:bodyPr>
           <a:lstStyle/>
           <a:p>
-            <a:pPr indent="0" lvl="0" marL="0" rtl="0" algn="ctr">
+            <a:pPr marL="0" lvl="0" indent="0" algn="ctr" rtl="0">
               <a:spcBef>
                 <a:spcPts val="0"/>
               </a:spcBef>
@@ -11214,11 +11459,7 @@
             </a:pPr>
             <a:r>
               <a:rPr lang="en"/>
-              <a:t>Model </a:t>
-            </a:r>
-            <a:r>
-              <a:rPr lang="en"/>
-              <a:t>Performance</a:t>
+              <a:t>Model Performance</a:t>
             </a:r>
             <a:endParaRPr/>
           </a:p>
@@ -11234,7 +11475,7 @@
           <a:blip r:embed="rId3">
             <a:alphaModFix/>
           </a:blip>
-          <a:srcRect b="0" l="0" r="0" t="0"/>
+          <a:srcRect/>
           <a:stretch/>
         </p:blipFill>
         <p:spPr>
@@ -11260,11 +11501,11 @@
 </file>
 
 <file path=ppt/slides/slide18.xml><?xml version="1.0" encoding="utf-8"?>
-<p:sld xmlns:a="http://schemas.openxmlformats.org/drawingml/2006/main" xmlns:r="http://schemas.openxmlformats.org/officeDocument/2006/relationships" xmlns:mc="http://schemas.openxmlformats.org/markup-compatibility/2006" xmlns:mv="urn:schemas-microsoft-com:mac:vml" xmlns:p="http://schemas.openxmlformats.org/presentationml/2006/main" xmlns:c="http://schemas.openxmlformats.org/drawingml/2006/chart" xmlns:dgm="http://schemas.openxmlformats.org/drawingml/2006/diagram" xmlns:o="urn:schemas-microsoft-com:office:office" xmlns:v="urn:schemas-microsoft-com:vml" xmlns:pvml="urn:schemas-microsoft-com:office:powerpoint" xmlns:com="http://schemas.openxmlformats.org/drawingml/2006/compatibility" xmlns:p14="http://schemas.microsoft.com/office/powerpoint/2010/main" xmlns:p15="http://schemas.microsoft.com/office/powerpoint/2012/main" xmlns:ahyp="http://schemas.microsoft.com/office/drawing/2018/hyperlinkcolor">
+<p:sld xmlns:a="http://schemas.openxmlformats.org/drawingml/2006/main" xmlns:r="http://schemas.openxmlformats.org/officeDocument/2006/relationships" xmlns:p="http://schemas.openxmlformats.org/presentationml/2006/main">
   <p:cSld>
     <p:spTree>
       <p:nvGrpSpPr>
-        <p:cNvPr id="207" name="Shape 207"/>
+        <p:cNvPr id="1" name="Shape 207"/>
         <p:cNvGrpSpPr/>
         <p:nvPr/>
       </p:nvGrpSpPr>
@@ -11279,7 +11520,9 @@
       <p:sp>
         <p:nvSpPr>
           <p:cNvPr id="208" name="Google Shape;208;p30"/>
-          <p:cNvSpPr txBox="1"/>
+          <p:cNvSpPr txBox="1">
+            <a:spLocks noGrp="1"/>
+          </p:cNvSpPr>
           <p:nvPr>
             <p:ph type="title"/>
           </p:nvPr>
@@ -11294,12 +11537,12 @@
           </a:prstGeom>
         </p:spPr>
         <p:txBody>
-          <a:bodyPr anchorCtr="0" anchor="b" bIns="91425" lIns="91425" spcFirstLastPara="1" rIns="91425" wrap="square" tIns="91425">
+          <a:bodyPr spcFirstLastPara="1" wrap="square" lIns="91425" tIns="91425" rIns="91425" bIns="91425" anchor="b" anchorCtr="0">
             <a:noAutofit/>
           </a:bodyPr>
           <a:lstStyle/>
           <a:p>
-            <a:pPr indent="0" lvl="0" marL="0" rtl="0" algn="ctr">
+            <a:pPr marL="0" lvl="0" indent="0" algn="ctr" rtl="0">
               <a:spcBef>
                 <a:spcPts val="0"/>
               </a:spcBef>
@@ -11310,11 +11553,7 @@
             </a:pPr>
             <a:r>
               <a:rPr lang="en"/>
-              <a:t>Model </a:t>
-            </a:r>
-            <a:r>
-              <a:rPr lang="en"/>
-              <a:t>Performance</a:t>
+              <a:t>Model Performance</a:t>
             </a:r>
             <a:endParaRPr/>
           </a:p>
@@ -11330,7 +11569,7 @@
           <a:blip r:embed="rId3">
             <a:alphaModFix/>
           </a:blip>
-          <a:srcRect b="0" l="0" r="0" t="0"/>
+          <a:srcRect/>
           <a:stretch/>
         </p:blipFill>
         <p:spPr>
@@ -11356,11 +11595,11 @@
 </file>
 
 <file path=ppt/slides/slide19.xml><?xml version="1.0" encoding="utf-8"?>
-<p:sld xmlns:a="http://schemas.openxmlformats.org/drawingml/2006/main" xmlns:r="http://schemas.openxmlformats.org/officeDocument/2006/relationships" xmlns:mc="http://schemas.openxmlformats.org/markup-compatibility/2006" xmlns:mv="urn:schemas-microsoft-com:mac:vml" xmlns:p="http://schemas.openxmlformats.org/presentationml/2006/main" xmlns:c="http://schemas.openxmlformats.org/drawingml/2006/chart" xmlns:dgm="http://schemas.openxmlformats.org/drawingml/2006/diagram" xmlns:o="urn:schemas-microsoft-com:office:office" xmlns:v="urn:schemas-microsoft-com:vml" xmlns:pvml="urn:schemas-microsoft-com:office:powerpoint" xmlns:com="http://schemas.openxmlformats.org/drawingml/2006/compatibility" xmlns:p14="http://schemas.microsoft.com/office/powerpoint/2010/main" xmlns:p15="http://schemas.microsoft.com/office/powerpoint/2012/main" xmlns:ahyp="http://schemas.microsoft.com/office/drawing/2018/hyperlinkcolor">
+<p:sld xmlns:a="http://schemas.openxmlformats.org/drawingml/2006/main" xmlns:r="http://schemas.openxmlformats.org/officeDocument/2006/relationships" xmlns:p="http://schemas.openxmlformats.org/presentationml/2006/main">
   <p:cSld>
     <p:spTree>
       <p:nvGrpSpPr>
-        <p:cNvPr id="213" name="Shape 213"/>
+        <p:cNvPr id="1" name="Shape 213"/>
         <p:cNvGrpSpPr/>
         <p:nvPr/>
       </p:nvGrpSpPr>
@@ -11375,7 +11614,9 @@
       <p:sp>
         <p:nvSpPr>
           <p:cNvPr id="214" name="Google Shape;214;p31"/>
-          <p:cNvSpPr txBox="1"/>
+          <p:cNvSpPr txBox="1">
+            <a:spLocks noGrp="1"/>
+          </p:cNvSpPr>
           <p:nvPr>
             <p:ph type="title"/>
           </p:nvPr>
@@ -11390,12 +11631,12 @@
           </a:prstGeom>
         </p:spPr>
         <p:txBody>
-          <a:bodyPr anchorCtr="0" anchor="b" bIns="91425" lIns="91425" spcFirstLastPara="1" rIns="91425" wrap="square" tIns="91425">
+          <a:bodyPr spcFirstLastPara="1" wrap="square" lIns="91425" tIns="91425" rIns="91425" bIns="91425" anchor="b" anchorCtr="0">
             <a:noAutofit/>
           </a:bodyPr>
           <a:lstStyle/>
           <a:p>
-            <a:pPr indent="0" lvl="0" marL="0" rtl="0" algn="ctr">
+            <a:pPr marL="0" lvl="0" indent="0" algn="ctr" rtl="0">
               <a:spcBef>
                 <a:spcPts val="0"/>
               </a:spcBef>
@@ -11406,11 +11647,7 @@
             </a:pPr>
             <a:r>
               <a:rPr lang="en"/>
-              <a:t>Model </a:t>
-            </a:r>
-            <a:r>
-              <a:rPr lang="en"/>
-              <a:t>Performance</a:t>
+              <a:t>Model Performance</a:t>
             </a:r>
             <a:endParaRPr/>
           </a:p>
@@ -11426,7 +11663,7 @@
           <a:blip r:embed="rId3">
             <a:alphaModFix/>
           </a:blip>
-          <a:srcRect b="0" l="0" r="0" t="0"/>
+          <a:srcRect/>
           <a:stretch/>
         </p:blipFill>
         <p:spPr>
@@ -11452,11 +11689,11 @@
 </file>
 
 <file path=ppt/slides/slide2.xml><?xml version="1.0" encoding="utf-8"?>
-<p:sld xmlns:a="http://schemas.openxmlformats.org/drawingml/2006/main" xmlns:r="http://schemas.openxmlformats.org/officeDocument/2006/relationships" xmlns:mc="http://schemas.openxmlformats.org/markup-compatibility/2006" xmlns:mv="urn:schemas-microsoft-com:mac:vml" xmlns:p="http://schemas.openxmlformats.org/presentationml/2006/main" xmlns:c="http://schemas.openxmlformats.org/drawingml/2006/chart" xmlns:dgm="http://schemas.openxmlformats.org/drawingml/2006/diagram" xmlns:o="urn:schemas-microsoft-com:office:office" xmlns:v="urn:schemas-microsoft-com:vml" xmlns:pvml="urn:schemas-microsoft-com:office:powerpoint" xmlns:com="http://schemas.openxmlformats.org/drawingml/2006/compatibility" xmlns:p14="http://schemas.microsoft.com/office/powerpoint/2010/main" xmlns:p15="http://schemas.microsoft.com/office/powerpoint/2012/main" xmlns:ahyp="http://schemas.microsoft.com/office/drawing/2018/hyperlinkcolor">
+<p:sld xmlns:a="http://schemas.openxmlformats.org/drawingml/2006/main" xmlns:r="http://schemas.openxmlformats.org/officeDocument/2006/relationships" xmlns:p="http://schemas.openxmlformats.org/presentationml/2006/main">
   <p:cSld>
     <p:spTree>
       <p:nvGrpSpPr>
-        <p:cNvPr id="68" name="Shape 68"/>
+        <p:cNvPr id="1" name="Shape 68"/>
         <p:cNvGrpSpPr/>
         <p:nvPr/>
       </p:nvGrpSpPr>
@@ -11471,7 +11708,9 @@
       <p:sp>
         <p:nvSpPr>
           <p:cNvPr id="69" name="Google Shape;69;p14"/>
-          <p:cNvSpPr txBox="1"/>
+          <p:cNvSpPr txBox="1">
+            <a:spLocks noGrp="1"/>
+          </p:cNvSpPr>
           <p:nvPr>
             <p:ph type="title"/>
           </p:nvPr>
@@ -11486,12 +11725,12 @@
           </a:prstGeom>
         </p:spPr>
         <p:txBody>
-          <a:bodyPr anchorCtr="0" anchor="ctr" bIns="91425" lIns="91425" spcFirstLastPara="1" rIns="91425" wrap="square" tIns="91425">
+          <a:bodyPr spcFirstLastPara="1" wrap="square" lIns="91425" tIns="91425" rIns="91425" bIns="91425" anchor="ctr" anchorCtr="0">
             <a:noAutofit/>
           </a:bodyPr>
           <a:lstStyle/>
           <a:p>
-            <a:pPr indent="0" lvl="0" marL="0" rtl="0" algn="l">
+            <a:pPr marL="0" lvl="0" indent="0" algn="l" rtl="0">
               <a:spcBef>
                 <a:spcPts val="0"/>
               </a:spcBef>
@@ -11511,9 +11750,11 @@
       <p:sp>
         <p:nvSpPr>
           <p:cNvPr id="70" name="Google Shape;70;p14"/>
-          <p:cNvSpPr txBox="1"/>
+          <p:cNvSpPr txBox="1">
+            <a:spLocks noGrp="1"/>
+          </p:cNvSpPr>
           <p:nvPr>
-            <p:ph idx="4294967295" type="subTitle"/>
+            <p:ph type="subTitle" idx="4294967295"/>
           </p:nvPr>
         </p:nvSpPr>
         <p:spPr>
@@ -11526,12 +11767,12 @@
           </a:prstGeom>
         </p:spPr>
         <p:txBody>
-          <a:bodyPr anchorCtr="0" anchor="t" bIns="91425" lIns="91425" spcFirstLastPara="1" rIns="91425" wrap="square" tIns="91425">
+          <a:bodyPr spcFirstLastPara="1" wrap="square" lIns="91425" tIns="91425" rIns="91425" bIns="91425" anchor="t" anchorCtr="0">
             <a:noAutofit/>
           </a:bodyPr>
           <a:lstStyle/>
           <a:p>
-            <a:pPr indent="0" lvl="0" marL="0" rtl="0" algn="l">
+            <a:pPr marL="0" lvl="0" indent="0" algn="l" rtl="0">
               <a:spcBef>
                 <a:spcPts val="0"/>
               </a:spcBef>
@@ -11541,14 +11782,14 @@
               <a:buNone/>
             </a:pPr>
             <a:r>
-              <a:rPr b="1" i="1" lang="en" sz="2100">
+              <a:rPr lang="en" sz="2100" b="1" i="1">
                 <a:solidFill>
                   <a:schemeClr val="accent5"/>
                 </a:solidFill>
               </a:rPr>
               <a:t>Reduce overhead costs by anticipating water pump maintenance status</a:t>
             </a:r>
-            <a:endParaRPr b="1" i="1" sz="2100">
+            <a:endParaRPr sz="2100" b="1" i="1">
               <a:solidFill>
                 <a:schemeClr val="accent5"/>
               </a:solidFill>
@@ -11593,11 +11834,11 @@
 </file>
 
 <file path=ppt/slides/slide20.xml><?xml version="1.0" encoding="utf-8"?>
-<p:sld xmlns:a="http://schemas.openxmlformats.org/drawingml/2006/main" xmlns:r="http://schemas.openxmlformats.org/officeDocument/2006/relationships" xmlns:mc="http://schemas.openxmlformats.org/markup-compatibility/2006" xmlns:mv="urn:schemas-microsoft-com:mac:vml" xmlns:p="http://schemas.openxmlformats.org/presentationml/2006/main" xmlns:c="http://schemas.openxmlformats.org/drawingml/2006/chart" xmlns:dgm="http://schemas.openxmlformats.org/drawingml/2006/diagram" xmlns:o="urn:schemas-microsoft-com:office:office" xmlns:v="urn:schemas-microsoft-com:vml" xmlns:pvml="urn:schemas-microsoft-com:office:powerpoint" xmlns:com="http://schemas.openxmlformats.org/drawingml/2006/compatibility" xmlns:p14="http://schemas.microsoft.com/office/powerpoint/2010/main" xmlns:p15="http://schemas.microsoft.com/office/powerpoint/2012/main" xmlns:ahyp="http://schemas.microsoft.com/office/drawing/2018/hyperlinkcolor">
+<p:sld xmlns:a="http://schemas.openxmlformats.org/drawingml/2006/main" xmlns:r="http://schemas.openxmlformats.org/officeDocument/2006/relationships" xmlns:p="http://schemas.openxmlformats.org/presentationml/2006/main">
   <p:cSld>
     <p:spTree>
       <p:nvGrpSpPr>
-        <p:cNvPr id="219" name="Shape 219"/>
+        <p:cNvPr id="1" name="Shape 219"/>
         <p:cNvGrpSpPr/>
         <p:nvPr/>
       </p:nvGrpSpPr>
@@ -11612,7 +11853,9 @@
       <p:sp>
         <p:nvSpPr>
           <p:cNvPr id="220" name="Google Shape;220;p32"/>
-          <p:cNvSpPr txBox="1"/>
+          <p:cNvSpPr txBox="1">
+            <a:spLocks noGrp="1"/>
+          </p:cNvSpPr>
           <p:nvPr>
             <p:ph type="title"/>
           </p:nvPr>
@@ -11627,12 +11870,12 @@
           </a:prstGeom>
         </p:spPr>
         <p:txBody>
-          <a:bodyPr anchorCtr="0" anchor="b" bIns="91425" lIns="91425" spcFirstLastPara="1" rIns="91425" wrap="square" tIns="91425">
+          <a:bodyPr spcFirstLastPara="1" wrap="square" lIns="91425" tIns="91425" rIns="91425" bIns="91425" anchor="b" anchorCtr="0">
             <a:noAutofit/>
           </a:bodyPr>
           <a:lstStyle/>
           <a:p>
-            <a:pPr indent="0" lvl="0" marL="0" rtl="0" algn="ctr">
+            <a:pPr marL="0" lvl="0" indent="0" algn="ctr" rtl="0">
               <a:spcBef>
                 <a:spcPts val="0"/>
               </a:spcBef>
@@ -11658,11 +11901,11 @@
 </file>
 
 <file path=ppt/slides/slide21.xml><?xml version="1.0" encoding="utf-8"?>
-<p:sld xmlns:a="http://schemas.openxmlformats.org/drawingml/2006/main" xmlns:r="http://schemas.openxmlformats.org/officeDocument/2006/relationships" xmlns:mc="http://schemas.openxmlformats.org/markup-compatibility/2006" xmlns:mv="urn:schemas-microsoft-com:mac:vml" xmlns:p="http://schemas.openxmlformats.org/presentationml/2006/main" xmlns:c="http://schemas.openxmlformats.org/drawingml/2006/chart" xmlns:dgm="http://schemas.openxmlformats.org/drawingml/2006/diagram" xmlns:o="urn:schemas-microsoft-com:office:office" xmlns:v="urn:schemas-microsoft-com:vml" xmlns:pvml="urn:schemas-microsoft-com:office:powerpoint" xmlns:com="http://schemas.openxmlformats.org/drawingml/2006/compatibility" xmlns:p14="http://schemas.microsoft.com/office/powerpoint/2010/main" xmlns:p15="http://schemas.microsoft.com/office/powerpoint/2012/main" xmlns:ahyp="http://schemas.microsoft.com/office/drawing/2018/hyperlinkcolor">
+<p:sld xmlns:a="http://schemas.openxmlformats.org/drawingml/2006/main" xmlns:r="http://schemas.openxmlformats.org/officeDocument/2006/relationships" xmlns:p="http://schemas.openxmlformats.org/presentationml/2006/main">
   <p:cSld>
     <p:spTree>
       <p:nvGrpSpPr>
-        <p:cNvPr id="224" name="Shape 224"/>
+        <p:cNvPr id="1" name="Shape 224"/>
         <p:cNvGrpSpPr/>
         <p:nvPr/>
       </p:nvGrpSpPr>
@@ -11677,7 +11920,9 @@
       <p:sp>
         <p:nvSpPr>
           <p:cNvPr id="225" name="Google Shape;225;p33"/>
-          <p:cNvSpPr txBox="1"/>
+          <p:cNvSpPr txBox="1">
+            <a:spLocks noGrp="1"/>
+          </p:cNvSpPr>
           <p:nvPr>
             <p:ph type="title"/>
           </p:nvPr>
@@ -11692,12 +11937,12 @@
           </a:prstGeom>
         </p:spPr>
         <p:txBody>
-          <a:bodyPr anchorCtr="0" anchor="b" bIns="91425" lIns="91425" spcFirstLastPara="1" rIns="91425" wrap="square" tIns="91425">
+          <a:bodyPr spcFirstLastPara="1" wrap="square" lIns="91425" tIns="91425" rIns="91425" bIns="91425" anchor="b" anchorCtr="0">
             <a:noAutofit/>
           </a:bodyPr>
           <a:lstStyle/>
           <a:p>
-            <a:pPr indent="0" lvl="0" marL="0" rtl="0" algn="ctr">
+            <a:pPr marL="0" lvl="0" indent="0" algn="ctr" rtl="0">
               <a:spcBef>
                 <a:spcPts val="0"/>
               </a:spcBef>
@@ -11717,9 +11962,11 @@
       <p:sp>
         <p:nvSpPr>
           <p:cNvPr id="226" name="Google Shape;226;p33"/>
-          <p:cNvSpPr txBox="1"/>
+          <p:cNvSpPr txBox="1">
+            <a:spLocks noGrp="1"/>
+          </p:cNvSpPr>
           <p:nvPr>
-            <p:ph idx="2" type="body"/>
+            <p:ph type="body" idx="2"/>
           </p:nvPr>
         </p:nvSpPr>
         <p:spPr>
@@ -11735,12 +11982,12 @@
           </a:solidFill>
         </p:spPr>
         <p:txBody>
-          <a:bodyPr anchorCtr="0" anchor="ctr" bIns="91425" lIns="91425" spcFirstLastPara="1" rIns="91425" wrap="square" tIns="91425">
+          <a:bodyPr spcFirstLastPara="1" wrap="square" lIns="91425" tIns="91425" rIns="91425" bIns="91425" anchor="ctr" anchorCtr="0">
             <a:noAutofit/>
           </a:bodyPr>
           <a:lstStyle/>
           <a:p>
-            <a:pPr indent="-330200" lvl="0" marL="457200" rtl="0" algn="l">
+            <a:pPr marL="457200" lvl="0" indent="-330200" algn="l" rtl="0">
               <a:spcBef>
                 <a:spcPts val="0"/>
               </a:spcBef>
@@ -11751,24 +11998,24 @@
               <a:buChar char="●"/>
             </a:pPr>
             <a:r>
-              <a:rPr lang="en" sz="1600"/>
+              <a:rPr lang="en" sz="1600" dirty="0"/>
               <a:t>Better </a:t>
             </a:r>
             <a:r>
-              <a:rPr b="1" lang="en" sz="1600"/>
+              <a:rPr lang="en" sz="1600" b="1" dirty="0"/>
               <a:t>computational </a:t>
             </a:r>
             <a:r>
-              <a:rPr lang="en" sz="1600"/>
+              <a:rPr lang="en" sz="1600" dirty="0"/>
               <a:t>resources</a:t>
             </a:r>
             <a:br>
-              <a:rPr lang="en" sz="1600"/>
+              <a:rPr lang="en" sz="1600" dirty="0"/>
             </a:br>
-            <a:endParaRPr sz="1600"/>
-          </a:p>
-          <a:p>
-            <a:pPr indent="-330200" lvl="0" marL="457200" rtl="0" algn="l">
+            <a:endParaRPr sz="1600" dirty="0"/>
+          </a:p>
+          <a:p>
+            <a:pPr marL="457200" lvl="0" indent="-330200" algn="l" rtl="0">
               <a:spcBef>
                 <a:spcPts val="0"/>
               </a:spcBef>
@@ -11779,24 +12026,24 @@
               <a:buChar char="●"/>
             </a:pPr>
             <a:r>
-              <a:rPr lang="en" sz="1600"/>
+              <a:rPr lang="en" sz="1600" dirty="0"/>
               <a:t>Underlying </a:t>
             </a:r>
             <a:r>
-              <a:rPr b="1" lang="en" sz="1600"/>
+              <a:rPr lang="en" sz="1600" b="1" dirty="0"/>
               <a:t>data quality</a:t>
             </a:r>
             <a:r>
-              <a:rPr lang="en" sz="1600"/>
+              <a:rPr lang="en" sz="1600" dirty="0"/>
               <a:t> correlations</a:t>
             </a:r>
             <a:br>
-              <a:rPr lang="en" sz="1600"/>
+              <a:rPr lang="en" sz="1600" dirty="0"/>
             </a:br>
-            <a:endParaRPr sz="1600"/>
-          </a:p>
-          <a:p>
-            <a:pPr indent="-330200" lvl="0" marL="457200" rtl="0" algn="l">
+            <a:endParaRPr sz="1600" dirty="0"/>
+          </a:p>
+          <a:p>
+            <a:pPr marL="457200" lvl="0" indent="-330200" algn="l" rtl="0">
               <a:spcBef>
                 <a:spcPts val="0"/>
               </a:spcBef>
@@ -11807,24 +12054,24 @@
               <a:buChar char="●"/>
             </a:pPr>
             <a:r>
-              <a:rPr lang="en" sz="1600"/>
+              <a:rPr lang="en" sz="1600" dirty="0"/>
               <a:t>Obtain </a:t>
             </a:r>
             <a:r>
-              <a:rPr b="1" lang="en" sz="1600"/>
+              <a:rPr lang="en" sz="1600" b="1" dirty="0"/>
               <a:t>more data </a:t>
             </a:r>
             <a:r>
-              <a:rPr lang="en" sz="1600"/>
+              <a:rPr lang="en" sz="1600" dirty="0"/>
               <a:t>for integrity control</a:t>
             </a:r>
             <a:br>
-              <a:rPr lang="en" sz="1600"/>
+              <a:rPr lang="en" sz="1600" dirty="0"/>
             </a:br>
-            <a:endParaRPr sz="1600"/>
-          </a:p>
-          <a:p>
-            <a:pPr indent="-330200" lvl="0" marL="457200" rtl="0" algn="l">
+            <a:endParaRPr sz="1600" dirty="0"/>
+          </a:p>
+          <a:p>
+            <a:pPr marL="457200" lvl="0" indent="-330200" algn="l" rtl="0">
               <a:spcBef>
                 <a:spcPts val="0"/>
               </a:spcBef>
@@ -11835,20 +12082,20 @@
               <a:buChar char="●"/>
             </a:pPr>
             <a:r>
-              <a:rPr lang="en" sz="1600"/>
+              <a:rPr lang="en" sz="1600" dirty="0"/>
               <a:t>More sophisticated </a:t>
             </a:r>
             <a:r>
-              <a:rPr b="1" lang="en" sz="1600"/>
+              <a:rPr lang="en" sz="1600" b="1" dirty="0"/>
               <a:t>data correction</a:t>
             </a:r>
             <a:br>
-              <a:rPr b="1" lang="en" sz="1600"/>
+              <a:rPr lang="en" sz="1600" b="1" dirty="0"/>
             </a:br>
-            <a:endParaRPr b="1" sz="1600"/>
-          </a:p>
-          <a:p>
-            <a:pPr indent="-330200" lvl="0" marL="457200" rtl="0" algn="l">
+            <a:endParaRPr sz="1600" b="1" dirty="0"/>
+          </a:p>
+          <a:p>
+            <a:pPr marL="457200" lvl="0" indent="-330200" algn="l" rtl="0">
               <a:spcBef>
                 <a:spcPts val="0"/>
               </a:spcBef>
@@ -11859,20 +12106,20 @@
               <a:buChar char="●"/>
             </a:pPr>
             <a:r>
-              <a:rPr lang="en" sz="1600"/>
+              <a:rPr lang="en" sz="1600" dirty="0"/>
               <a:t>Further </a:t>
             </a:r>
             <a:r>
-              <a:rPr b="1" lang="en" sz="1600"/>
+              <a:rPr lang="en" sz="1600" b="1" dirty="0"/>
               <a:t>feature optimization</a:t>
             </a:r>
             <a:br>
-              <a:rPr lang="en" sz="1600"/>
+              <a:rPr lang="en" sz="1600" dirty="0"/>
             </a:br>
-            <a:endParaRPr sz="1600"/>
-          </a:p>
-          <a:p>
-            <a:pPr indent="-330200" lvl="0" marL="457200" rtl="0" algn="l">
+            <a:endParaRPr sz="1600" dirty="0"/>
+          </a:p>
+          <a:p>
+            <a:pPr marL="457200" lvl="0" indent="-330200" algn="l" rtl="0">
               <a:spcBef>
                 <a:spcPts val="0"/>
               </a:spcBef>
@@ -11883,17 +12130,17 @@
               <a:buChar char="●"/>
             </a:pPr>
             <a:r>
-              <a:rPr lang="en" sz="1600"/>
+              <a:rPr lang="en" sz="1600" dirty="0"/>
               <a:t>Informed </a:t>
             </a:r>
             <a:r>
-              <a:rPr b="1" lang="en" sz="1600"/>
+              <a:rPr lang="en" sz="1600" b="1" dirty="0"/>
               <a:t>feature engineering</a:t>
             </a:r>
-            <a:endParaRPr b="1" sz="1600"/>
-          </a:p>
-          <a:p>
-            <a:pPr indent="0" lvl="0" marL="457200" rtl="0" algn="l">
+            <a:endParaRPr sz="1600" b="1" dirty="0"/>
+          </a:p>
+          <a:p>
+            <a:pPr marL="457200" lvl="0" indent="0" algn="l" rtl="0">
               <a:spcBef>
                 <a:spcPts val="1600"/>
               </a:spcBef>
@@ -11902,10 +12149,7 @@
               </a:spcAft>
               <a:buNone/>
             </a:pPr>
-            <a:r>
-              <a:t/>
-            </a:r>
-            <a:endParaRPr/>
+            <a:endParaRPr dirty="0"/>
           </a:p>
         </p:txBody>
       </p:sp>
@@ -11936,7 +12180,7 @@
             <a:noFill/>
           </a:ln>
           <a:effectLst>
-            <a:reflection blurRad="0" dir="5400000" dist="38100" endA="0" endPos="30000" fadeDir="5400012" kx="0" rotWithShape="0" algn="bl" stPos="0" sy="-100000" ky="0"/>
+            <a:reflection endPos="30000" dist="38100" dir="5400000" fadeDir="5400012" sy="-100000" algn="bl" rotWithShape="0"/>
           </a:effectLst>
         </p:spPr>
       </p:pic>
@@ -11949,11 +12193,11 @@
 </file>
 
 <file path=ppt/slides/slide22.xml><?xml version="1.0" encoding="utf-8"?>
-<p:sld xmlns:a="http://schemas.openxmlformats.org/drawingml/2006/main" xmlns:r="http://schemas.openxmlformats.org/officeDocument/2006/relationships" xmlns:mc="http://schemas.openxmlformats.org/markup-compatibility/2006" xmlns:mv="urn:schemas-microsoft-com:mac:vml" xmlns:p="http://schemas.openxmlformats.org/presentationml/2006/main" xmlns:c="http://schemas.openxmlformats.org/drawingml/2006/chart" xmlns:dgm="http://schemas.openxmlformats.org/drawingml/2006/diagram" xmlns:o="urn:schemas-microsoft-com:office:office" xmlns:v="urn:schemas-microsoft-com:vml" xmlns:pvml="urn:schemas-microsoft-com:office:powerpoint" xmlns:com="http://schemas.openxmlformats.org/drawingml/2006/compatibility" xmlns:p14="http://schemas.microsoft.com/office/powerpoint/2010/main" xmlns:p15="http://schemas.microsoft.com/office/powerpoint/2012/main" xmlns:ahyp="http://schemas.microsoft.com/office/drawing/2018/hyperlinkcolor">
+<p:sld xmlns:a="http://schemas.openxmlformats.org/drawingml/2006/main" xmlns:r="http://schemas.openxmlformats.org/officeDocument/2006/relationships" xmlns:p="http://schemas.openxmlformats.org/presentationml/2006/main">
   <p:cSld>
     <p:spTree>
       <p:nvGrpSpPr>
-        <p:cNvPr id="231" name="Shape 231"/>
+        <p:cNvPr id="1" name="Shape 231"/>
         <p:cNvGrpSpPr/>
         <p:nvPr/>
       </p:nvGrpSpPr>
@@ -11968,7 +12212,9 @@
       <p:sp>
         <p:nvSpPr>
           <p:cNvPr id="232" name="Google Shape;232;p34"/>
-          <p:cNvSpPr txBox="1"/>
+          <p:cNvSpPr txBox="1">
+            <a:spLocks noGrp="1"/>
+          </p:cNvSpPr>
           <p:nvPr>
             <p:ph type="title"/>
           </p:nvPr>
@@ -11983,12 +12229,12 @@
           </a:prstGeom>
         </p:spPr>
         <p:txBody>
-          <a:bodyPr anchorCtr="0" anchor="b" bIns="91425" lIns="91425" spcFirstLastPara="1" rIns="91425" wrap="square" tIns="91425">
+          <a:bodyPr spcFirstLastPara="1" wrap="square" lIns="91425" tIns="91425" rIns="91425" bIns="91425" anchor="b" anchorCtr="0">
             <a:noAutofit/>
           </a:bodyPr>
           <a:lstStyle/>
           <a:p>
-            <a:pPr indent="0" lvl="0" marL="0" rtl="0" algn="ctr">
+            <a:pPr marL="0" lvl="0" indent="0" algn="ctr" rtl="0">
               <a:spcBef>
                 <a:spcPts val="0"/>
               </a:spcBef>
@@ -12008,9 +12254,11 @@
       <p:sp>
         <p:nvSpPr>
           <p:cNvPr id="233" name="Google Shape;233;p34"/>
-          <p:cNvSpPr txBox="1"/>
+          <p:cNvSpPr txBox="1">
+            <a:spLocks noGrp="1"/>
+          </p:cNvSpPr>
           <p:nvPr>
-            <p:ph idx="2" type="body"/>
+            <p:ph type="body" idx="2"/>
           </p:nvPr>
         </p:nvSpPr>
         <p:spPr>
@@ -12023,12 +12271,12 @@
           </a:prstGeom>
         </p:spPr>
         <p:txBody>
-          <a:bodyPr anchorCtr="0" anchor="ctr" bIns="91425" lIns="91425" spcFirstLastPara="1" rIns="91425" wrap="square" tIns="91425">
+          <a:bodyPr spcFirstLastPara="1" wrap="square" lIns="91425" tIns="91425" rIns="91425" bIns="91425" anchor="ctr" anchorCtr="0">
             <a:noAutofit/>
           </a:bodyPr>
           <a:lstStyle/>
           <a:p>
-            <a:pPr indent="-342900" lvl="0" marL="457200" rtl="0" algn="l">
+            <a:pPr marL="457200" lvl="0" indent="-342900" algn="l" rtl="0">
               <a:spcBef>
                 <a:spcPts val="0"/>
               </a:spcBef>
@@ -12039,16 +12287,16 @@
               <a:buChar char="●"/>
             </a:pPr>
             <a:r>
-              <a:rPr b="0" lang="en"/>
+              <a:rPr lang="en" b="0" dirty="0"/>
               <a:t>Cautiously investigate applicability to other areas</a:t>
             </a:r>
             <a:br>
-              <a:rPr b="0" lang="en"/>
+              <a:rPr lang="en" b="0" dirty="0"/>
             </a:br>
-            <a:endParaRPr b="0"/>
-          </a:p>
-          <a:p>
-            <a:pPr indent="-342900" lvl="0" marL="457200" rtl="0" algn="l">
+            <a:endParaRPr b="0" dirty="0"/>
+          </a:p>
+          <a:p>
+            <a:pPr marL="457200" lvl="0" indent="-342900" algn="l" rtl="0">
               <a:spcBef>
                 <a:spcPts val="0"/>
               </a:spcBef>
@@ -12059,16 +12307,16 @@
               <a:buChar char="●"/>
             </a:pPr>
             <a:r>
-              <a:rPr b="0" lang="en"/>
+              <a:rPr lang="en" b="0" dirty="0"/>
               <a:t>Develop lifetime estimations</a:t>
             </a:r>
             <a:br>
-              <a:rPr b="0" lang="en"/>
+              <a:rPr lang="en" b="0" dirty="0"/>
             </a:br>
-            <a:endParaRPr b="0"/>
-          </a:p>
-          <a:p>
-            <a:pPr indent="-342900" lvl="0" marL="457200" rtl="0" algn="l">
+            <a:endParaRPr b="0" dirty="0"/>
+          </a:p>
+          <a:p>
+            <a:pPr marL="457200" lvl="0" indent="-342900" algn="l" rtl="0">
               <a:spcBef>
                 <a:spcPts val="0"/>
               </a:spcBef>
@@ -12079,16 +12327,16 @@
               <a:buChar char="●"/>
             </a:pPr>
             <a:r>
-              <a:rPr b="0" lang="en"/>
+              <a:rPr lang="en" b="0" dirty="0"/>
               <a:t>Invert model to identify demand for particulars</a:t>
             </a:r>
             <a:br>
-              <a:rPr b="0" lang="en"/>
+              <a:rPr lang="en" b="0" dirty="0"/>
             </a:br>
-            <a:endParaRPr b="0"/>
-          </a:p>
-          <a:p>
-            <a:pPr indent="-342900" lvl="0" marL="457200" rtl="0" algn="l">
+            <a:endParaRPr b="0" dirty="0"/>
+          </a:p>
+          <a:p>
+            <a:pPr marL="457200" lvl="0" indent="-342900" algn="l" rtl="0">
               <a:spcBef>
                 <a:spcPts val="0"/>
               </a:spcBef>
@@ -12099,13 +12347,13 @@
               <a:buChar char="●"/>
             </a:pPr>
             <a:r>
-              <a:rPr b="0" lang="en"/>
+              <a:rPr lang="en" b="0" dirty="0"/>
               <a:t>Combine with economic models</a:t>
             </a:r>
-            <a:endParaRPr b="0"/>
-          </a:p>
-          <a:p>
-            <a:pPr indent="0" lvl="0" marL="457200" rtl="0" algn="l">
+            <a:endParaRPr b="0" dirty="0"/>
+          </a:p>
+          <a:p>
+            <a:pPr marL="457200" lvl="0" indent="0" algn="l" rtl="0">
               <a:spcBef>
                 <a:spcPts val="1600"/>
               </a:spcBef>
@@ -12114,10 +12362,7 @@
               </a:spcAft>
               <a:buNone/>
             </a:pPr>
-            <a:r>
-              <a:t/>
-            </a:r>
-            <a:endParaRPr b="0" sz="1400"/>
+            <a:endParaRPr sz="1400" b="0" dirty="0"/>
           </a:p>
         </p:txBody>
       </p:sp>
@@ -12148,12 +12393,12 @@
             <a:noFill/>
           </a:ln>
           <a:effectLst>
-            <a:outerShdw blurRad="57150" rotWithShape="0" algn="bl" dir="5400000" dist="19050">
+            <a:outerShdw blurRad="57150" dist="19050" dir="5400000" algn="bl" rotWithShape="0">
               <a:srgbClr val="000000">
                 <a:alpha val="80000"/>
               </a:srgbClr>
             </a:outerShdw>
-            <a:reflection blurRad="0" dir="5400000" dist="85725" endA="0" endPos="34000" fadeDir="5400012" kx="0" rotWithShape="0" algn="bl" stA="52000" stPos="0" sy="-100000" ky="0"/>
+            <a:reflection stA="52000" endPos="34000" dist="85725" dir="5400000" fadeDir="5400012" sy="-100000" algn="bl" rotWithShape="0"/>
           </a:effectLst>
         </p:spPr>
       </p:pic>
@@ -12166,11 +12411,11 @@
 </file>
 
 <file path=ppt/slides/slide23.xml><?xml version="1.0" encoding="utf-8"?>
-<p:sld xmlns:a="http://schemas.openxmlformats.org/drawingml/2006/main" xmlns:r="http://schemas.openxmlformats.org/officeDocument/2006/relationships" xmlns:mc="http://schemas.openxmlformats.org/markup-compatibility/2006" xmlns:mv="urn:schemas-microsoft-com:mac:vml" xmlns:p="http://schemas.openxmlformats.org/presentationml/2006/main" xmlns:c="http://schemas.openxmlformats.org/drawingml/2006/chart" xmlns:dgm="http://schemas.openxmlformats.org/drawingml/2006/diagram" xmlns:o="urn:schemas-microsoft-com:office:office" xmlns:v="urn:schemas-microsoft-com:vml" xmlns:pvml="urn:schemas-microsoft-com:office:powerpoint" xmlns:com="http://schemas.openxmlformats.org/drawingml/2006/compatibility" xmlns:p14="http://schemas.microsoft.com/office/powerpoint/2010/main" xmlns:p15="http://schemas.microsoft.com/office/powerpoint/2012/main" xmlns:ahyp="http://schemas.microsoft.com/office/drawing/2018/hyperlinkcolor">
+<p:sld xmlns:a="http://schemas.openxmlformats.org/drawingml/2006/main" xmlns:r="http://schemas.openxmlformats.org/officeDocument/2006/relationships" xmlns:p="http://schemas.openxmlformats.org/presentationml/2006/main">
   <p:cSld>
     <p:spTree>
       <p:nvGrpSpPr>
-        <p:cNvPr id="238" name="Shape 238"/>
+        <p:cNvPr id="1" name="Shape 238"/>
         <p:cNvGrpSpPr/>
         <p:nvPr/>
       </p:nvGrpSpPr>
@@ -12185,7 +12430,9 @@
       <p:sp>
         <p:nvSpPr>
           <p:cNvPr id="239" name="Google Shape;239;p35"/>
-          <p:cNvSpPr txBox="1"/>
+          <p:cNvSpPr txBox="1">
+            <a:spLocks noGrp="1"/>
+          </p:cNvSpPr>
           <p:nvPr>
             <p:ph type="title"/>
           </p:nvPr>
@@ -12200,12 +12447,12 @@
           </a:prstGeom>
         </p:spPr>
         <p:txBody>
-          <a:bodyPr anchorCtr="0" anchor="b" bIns="91425" lIns="91425" spcFirstLastPara="1" rIns="91425" wrap="square" tIns="91425">
+          <a:bodyPr spcFirstLastPara="1" wrap="square" lIns="91425" tIns="91425" rIns="91425" bIns="91425" anchor="b" anchorCtr="0">
             <a:noAutofit/>
           </a:bodyPr>
           <a:lstStyle/>
           <a:p>
-            <a:pPr indent="0" lvl="0" marL="0" rtl="0" algn="ctr">
+            <a:pPr marL="0" lvl="0" indent="0" algn="ctr" rtl="0">
               <a:spcBef>
                 <a:spcPts val="0"/>
               </a:spcBef>
@@ -12225,9 +12472,11 @@
       <p:sp>
         <p:nvSpPr>
           <p:cNvPr id="240" name="Google Shape;240;p35"/>
-          <p:cNvSpPr txBox="1"/>
+          <p:cNvSpPr txBox="1">
+            <a:spLocks noGrp="1"/>
+          </p:cNvSpPr>
           <p:nvPr>
-            <p:ph idx="2" type="body"/>
+            <p:ph type="body" idx="2"/>
           </p:nvPr>
         </p:nvSpPr>
         <p:spPr>
@@ -12240,28 +12489,28 @@
           </a:prstGeom>
         </p:spPr>
         <p:txBody>
-          <a:bodyPr anchorCtr="0" anchor="ctr" bIns="91425" lIns="91425" spcFirstLastPara="1" rIns="91425" wrap="square" tIns="91425">
+          <a:bodyPr spcFirstLastPara="1" wrap="square" lIns="91425" tIns="91425" rIns="91425" bIns="91425" anchor="ctr" anchorCtr="0">
             <a:noAutofit/>
           </a:bodyPr>
           <a:lstStyle/>
           <a:p>
-            <a:pPr indent="0" lvl="0" marL="0" rtl="0" algn="l">
-              <a:spcBef>
-                <a:spcPts val="0"/>
-              </a:spcBef>
-              <a:spcAft>
-                <a:spcPts val="0"/>
-              </a:spcAft>
-              <a:buNone/>
-            </a:pPr>
-            <a:r>
-              <a:rPr lang="en"/>
+            <a:pPr marL="0" lvl="0" indent="0" algn="l" rtl="0">
+              <a:spcBef>
+                <a:spcPts val="0"/>
+              </a:spcBef>
+              <a:spcAft>
+                <a:spcPts val="0"/>
+              </a:spcAft>
+              <a:buNone/>
+            </a:pPr>
+            <a:r>
+              <a:rPr lang="en" dirty="0"/>
               <a:t>Improve maintenance planning &amp; budgeting by:</a:t>
             </a:r>
-            <a:endParaRPr/>
-          </a:p>
-          <a:p>
-            <a:pPr indent="-342900" lvl="0" marL="457200" rtl="0" algn="l">
+            <a:endParaRPr dirty="0"/>
+          </a:p>
+          <a:p>
+            <a:pPr marL="457200" lvl="0" indent="-342900" algn="l" rtl="0">
               <a:spcBef>
                 <a:spcPts val="1600"/>
               </a:spcBef>
@@ -12272,13 +12521,13 @@
               <a:buChar char="●"/>
             </a:pPr>
             <a:r>
-              <a:rPr lang="en"/>
+              <a:rPr lang="en" dirty="0"/>
               <a:t>Using readily available categories of data</a:t>
             </a:r>
-            <a:endParaRPr/>
-          </a:p>
-          <a:p>
-            <a:pPr indent="-342900" lvl="0" marL="457200" rtl="0" algn="l">
+            <a:endParaRPr dirty="0"/>
+          </a:p>
+          <a:p>
+            <a:pPr marL="457200" lvl="0" indent="-342900" algn="l" rtl="0">
               <a:spcBef>
                 <a:spcPts val="0"/>
               </a:spcBef>
@@ -12289,13 +12538,13 @@
               <a:buChar char="●"/>
             </a:pPr>
             <a:r>
-              <a:rPr lang="en"/>
+              <a:rPr lang="en" dirty="0"/>
               <a:t>Applying data to our model</a:t>
             </a:r>
-            <a:endParaRPr/>
-          </a:p>
-          <a:p>
-            <a:pPr indent="-342900" lvl="0" marL="457200" rtl="0" algn="l">
+            <a:endParaRPr dirty="0"/>
+          </a:p>
+          <a:p>
+            <a:pPr marL="457200" lvl="0" indent="-342900" algn="l" rtl="0">
               <a:spcBef>
                 <a:spcPts val="0"/>
               </a:spcBef>
@@ -12306,13 +12555,13 @@
               <a:buChar char="●"/>
             </a:pPr>
             <a:r>
-              <a:rPr lang="en"/>
+              <a:rPr lang="en" dirty="0"/>
               <a:t>Model gives desired performance:</a:t>
             </a:r>
-            <a:endParaRPr/>
-          </a:p>
-          <a:p>
-            <a:pPr indent="-317500" lvl="1" marL="914400" rtl="0" algn="l">
+            <a:endParaRPr dirty="0"/>
+          </a:p>
+          <a:p>
+            <a:pPr marL="914400" lvl="1" indent="-317500" algn="l" rtl="0">
               <a:spcBef>
                 <a:spcPts val="0"/>
               </a:spcBef>
@@ -12323,13 +12572,13 @@
               <a:buChar char="○"/>
             </a:pPr>
             <a:r>
-              <a:rPr lang="en"/>
+              <a:rPr lang="en" dirty="0"/>
               <a:t>91% for pumps needing any maintenance</a:t>
             </a:r>
-            <a:endParaRPr/>
-          </a:p>
-          <a:p>
-            <a:pPr indent="-317500" lvl="1" marL="914400" rtl="0" algn="l">
+            <a:endParaRPr dirty="0"/>
+          </a:p>
+          <a:p>
+            <a:pPr marL="914400" lvl="1" indent="-317500" algn="l" rtl="0">
               <a:spcBef>
                 <a:spcPts val="0"/>
               </a:spcBef>
@@ -12340,19 +12589,21 @@
               <a:buChar char="○"/>
             </a:pPr>
             <a:r>
-              <a:rPr lang="en"/>
+              <a:rPr lang="en" dirty="0"/>
               <a:t>78% for identifying level of maintenance</a:t>
             </a:r>
-            <a:endParaRPr/>
+            <a:endParaRPr dirty="0"/>
           </a:p>
         </p:txBody>
       </p:sp>
       <p:sp>
         <p:nvSpPr>
           <p:cNvPr id="241" name="Google Shape;241;p35"/>
-          <p:cNvSpPr txBox="1"/>
+          <p:cNvSpPr txBox="1">
+            <a:spLocks noGrp="1"/>
+          </p:cNvSpPr>
           <p:nvPr>
-            <p:ph idx="1" type="subTitle"/>
+            <p:ph type="subTitle" idx="1"/>
           </p:nvPr>
         </p:nvSpPr>
         <p:spPr>
@@ -12365,12 +12616,12 @@
           </a:prstGeom>
         </p:spPr>
         <p:txBody>
-          <a:bodyPr anchorCtr="0" anchor="t" bIns="91425" lIns="91425" spcFirstLastPara="1" rIns="91425" wrap="square" tIns="91425">
+          <a:bodyPr spcFirstLastPara="1" wrap="square" lIns="91425" tIns="91425" rIns="91425" bIns="91425" anchor="t" anchorCtr="0">
             <a:noAutofit/>
           </a:bodyPr>
           <a:lstStyle/>
           <a:p>
-            <a:pPr indent="0" lvl="0" marL="0" rtl="0" algn="ctr">
+            <a:pPr marL="0" lvl="0" indent="0" algn="ctr" rtl="0">
               <a:spcBef>
                 <a:spcPts val="0"/>
               </a:spcBef>
@@ -12424,11 +12675,11 @@
 </file>
 
 <file path=ppt/slides/slide24.xml><?xml version="1.0" encoding="utf-8"?>
-<p:sld xmlns:a="http://schemas.openxmlformats.org/drawingml/2006/main" xmlns:r="http://schemas.openxmlformats.org/officeDocument/2006/relationships" xmlns:mc="http://schemas.openxmlformats.org/markup-compatibility/2006" xmlns:mv="urn:schemas-microsoft-com:mac:vml" xmlns:p="http://schemas.openxmlformats.org/presentationml/2006/main" xmlns:c="http://schemas.openxmlformats.org/drawingml/2006/chart" xmlns:dgm="http://schemas.openxmlformats.org/drawingml/2006/diagram" xmlns:o="urn:schemas-microsoft-com:office:office" xmlns:v="urn:schemas-microsoft-com:vml" xmlns:pvml="urn:schemas-microsoft-com:office:powerpoint" xmlns:com="http://schemas.openxmlformats.org/drawingml/2006/compatibility" xmlns:p14="http://schemas.microsoft.com/office/powerpoint/2010/main" xmlns:p15="http://schemas.microsoft.com/office/powerpoint/2012/main" xmlns:ahyp="http://schemas.microsoft.com/office/drawing/2018/hyperlinkcolor">
+<p:sld xmlns:a="http://schemas.openxmlformats.org/drawingml/2006/main" xmlns:r="http://schemas.openxmlformats.org/officeDocument/2006/relationships" xmlns:p="http://schemas.openxmlformats.org/presentationml/2006/main">
   <p:cSld>
     <p:spTree>
       <p:nvGrpSpPr>
-        <p:cNvPr id="246" name="Shape 246"/>
+        <p:cNvPr id="1" name="Shape 246"/>
         <p:cNvGrpSpPr/>
         <p:nvPr/>
       </p:nvGrpSpPr>
@@ -12443,7 +12694,9 @@
       <p:sp>
         <p:nvSpPr>
           <p:cNvPr id="247" name="Google Shape;247;p36"/>
-          <p:cNvSpPr txBox="1"/>
+          <p:cNvSpPr txBox="1">
+            <a:spLocks noGrp="1"/>
+          </p:cNvSpPr>
           <p:nvPr>
             <p:ph type="title"/>
           </p:nvPr>
@@ -12458,22 +12711,22 @@
           </a:prstGeom>
         </p:spPr>
         <p:txBody>
-          <a:bodyPr anchorCtr="0" anchor="b" bIns="91425" lIns="91425" spcFirstLastPara="1" rIns="91425" wrap="square" tIns="91425">
+          <a:bodyPr spcFirstLastPara="1" wrap="square" lIns="91425" tIns="91425" rIns="91425" bIns="91425" anchor="b" anchorCtr="0">
             <a:noAutofit/>
           </a:bodyPr>
           <a:lstStyle/>
           <a:p>
-            <a:pPr indent="0" lvl="0" marL="0" rtl="0" algn="ctr">
-              <a:spcBef>
-                <a:spcPts val="0"/>
-              </a:spcBef>
-              <a:spcAft>
-                <a:spcPts val="0"/>
-              </a:spcAft>
-              <a:buNone/>
-            </a:pPr>
-            <a:r>
-              <a:rPr b="1" lang="en"/>
+            <a:pPr marL="0" lvl="0" indent="0" algn="ctr" rtl="0">
+              <a:spcBef>
+                <a:spcPts val="0"/>
+              </a:spcBef>
+              <a:spcAft>
+                <a:spcPts val="0"/>
+              </a:spcAft>
+              <a:buNone/>
+            </a:pPr>
+            <a:r>
+              <a:rPr lang="en" b="1"/>
               <a:t>“ASANTE!”</a:t>
             </a:r>
             <a:endParaRPr b="1"/>
@@ -12507,7 +12760,7 @@
             <a:noFill/>
           </a:ln>
           <a:effectLst>
-            <a:outerShdw blurRad="471488" rotWithShape="0" algn="bl" dist="19050">
+            <a:outerShdw blurRad="471488" dist="19050" algn="bl" rotWithShape="0">
               <a:srgbClr val="000000">
                 <a:alpha val="79000"/>
               </a:srgbClr>
@@ -12525,7 +12778,7 @@
           <a:blip r:embed="rId4">
             <a:alphaModFix/>
           </a:blip>
-          <a:srcRect b="8886" l="5959" r="35213" t="15999"/>
+          <a:srcRect l="5959" t="15999" r="35213" b="8886"/>
           <a:stretch/>
         </p:blipFill>
         <p:spPr>
@@ -12541,7 +12794,7 @@
             <a:noFill/>
           </a:ln>
           <a:effectLst>
-            <a:outerShdw blurRad="457200" rotWithShape="0" algn="bl" dist="19050">
+            <a:outerShdw blurRad="457200" dist="19050" algn="bl" rotWithShape="0">
               <a:srgbClr val="000000">
                 <a:alpha val="79000"/>
               </a:srgbClr>
@@ -12687,22 +12940,22 @@
           </a:ln>
         </p:spPr>
         <p:txBody>
-          <a:bodyPr anchorCtr="0" anchor="t" bIns="91425" lIns="91425" spcFirstLastPara="1" rIns="91425" wrap="square" tIns="91425">
+          <a:bodyPr spcFirstLastPara="1" wrap="square" lIns="91425" tIns="91425" rIns="91425" bIns="91425" anchor="t" anchorCtr="0">
             <a:noAutofit/>
           </a:bodyPr>
           <a:lstStyle/>
           <a:p>
-            <a:pPr indent="0" lvl="0" marL="0" rtl="0" algn="ctr">
-              <a:spcBef>
-                <a:spcPts val="0"/>
-              </a:spcBef>
-              <a:spcAft>
-                <a:spcPts val="0"/>
-              </a:spcAft>
-              <a:buNone/>
-            </a:pPr>
-            <a:r>
-              <a:rPr b="1" lang="en" sz="2000">
+            <a:pPr marL="0" lvl="0" indent="0" algn="ctr" rtl="0">
+              <a:spcBef>
+                <a:spcPts val="0"/>
+              </a:spcBef>
+              <a:spcAft>
+                <a:spcPts val="0"/>
+              </a:spcAft>
+              <a:buNone/>
+            </a:pPr>
+            <a:r>
+              <a:rPr lang="en" sz="2000" b="1">
                 <a:solidFill>
                   <a:schemeClr val="dk2"/>
                 </a:solidFill>
@@ -12713,7 +12966,7 @@
               </a:rPr>
               <a:t>James Shaw</a:t>
             </a:r>
-            <a:endParaRPr b="1" sz="2000">
+            <a:endParaRPr sz="2000" b="1">
               <a:solidFill>
                 <a:schemeClr val="dk2"/>
               </a:solidFill>
@@ -12745,22 +12998,22 @@
           </a:ln>
         </p:spPr>
         <p:txBody>
-          <a:bodyPr anchorCtr="0" anchor="t" bIns="91425" lIns="91425" spcFirstLastPara="1" rIns="91425" wrap="square" tIns="91425">
+          <a:bodyPr spcFirstLastPara="1" wrap="square" lIns="91425" tIns="91425" rIns="91425" bIns="91425" anchor="t" anchorCtr="0">
             <a:noAutofit/>
           </a:bodyPr>
           <a:lstStyle/>
           <a:p>
-            <a:pPr indent="0" lvl="0" marL="0" rtl="0" algn="ctr">
-              <a:spcBef>
-                <a:spcPts val="0"/>
-              </a:spcBef>
-              <a:spcAft>
-                <a:spcPts val="0"/>
-              </a:spcAft>
-              <a:buNone/>
-            </a:pPr>
-            <a:r>
-              <a:rPr b="1" lang="en" sz="2000">
+            <a:pPr marL="0" lvl="0" indent="0" algn="ctr" rtl="0">
+              <a:spcBef>
+                <a:spcPts val="0"/>
+              </a:spcBef>
+              <a:spcAft>
+                <a:spcPts val="0"/>
+              </a:spcAft>
+              <a:buNone/>
+            </a:pPr>
+            <a:r>
+              <a:rPr lang="en" sz="2000" b="1">
                 <a:solidFill>
                   <a:schemeClr val="dk2"/>
                 </a:solidFill>
@@ -12771,7 +13024,7 @@
               </a:rPr>
               <a:t>Alexander Newton</a:t>
             </a:r>
-            <a:endParaRPr b="1" sz="2000">
+            <a:endParaRPr sz="2000" b="1">
               <a:solidFill>
                 <a:schemeClr val="dk2"/>
               </a:solidFill>
@@ -12792,11 +13045,11 @@
 </file>
 
 <file path=ppt/slides/slide25.xml><?xml version="1.0" encoding="utf-8"?>
-<p:sld xmlns:a="http://schemas.openxmlformats.org/drawingml/2006/main" xmlns:r="http://schemas.openxmlformats.org/officeDocument/2006/relationships" xmlns:mc="http://schemas.openxmlformats.org/markup-compatibility/2006" xmlns:mv="urn:schemas-microsoft-com:mac:vml" xmlns:p="http://schemas.openxmlformats.org/presentationml/2006/main" xmlns:c="http://schemas.openxmlformats.org/drawingml/2006/chart" xmlns:dgm="http://schemas.openxmlformats.org/drawingml/2006/diagram" xmlns:o="urn:schemas-microsoft-com:office:office" xmlns:v="urn:schemas-microsoft-com:vml" xmlns:pvml="urn:schemas-microsoft-com:office:powerpoint" xmlns:com="http://schemas.openxmlformats.org/drawingml/2006/compatibility" xmlns:p14="http://schemas.microsoft.com/office/powerpoint/2010/main" xmlns:p15="http://schemas.microsoft.com/office/powerpoint/2012/main" xmlns:ahyp="http://schemas.microsoft.com/office/drawing/2018/hyperlinkcolor">
+<p:sld xmlns:a="http://schemas.openxmlformats.org/drawingml/2006/main" xmlns:r="http://schemas.openxmlformats.org/officeDocument/2006/relationships" xmlns:p="http://schemas.openxmlformats.org/presentationml/2006/main">
   <p:cSld>
     <p:spTree>
       <p:nvGrpSpPr>
-        <p:cNvPr id="259" name="Shape 259"/>
+        <p:cNvPr id="1" name="Shape 259"/>
         <p:cNvGrpSpPr/>
         <p:nvPr/>
       </p:nvGrpSpPr>
@@ -12839,7 +13092,9 @@
       <p:sp>
         <p:nvSpPr>
           <p:cNvPr id="261" name="Google Shape;261;p37"/>
-          <p:cNvSpPr txBox="1"/>
+          <p:cNvSpPr txBox="1">
+            <a:spLocks noGrp="1"/>
+          </p:cNvSpPr>
           <p:nvPr>
             <p:ph type="title"/>
           </p:nvPr>
@@ -12853,7 +13108,7 @@
             <a:avLst/>
           </a:prstGeom>
           <a:effectLst>
-            <a:outerShdw blurRad="57150" rotWithShape="0" algn="bl" dir="5400000" dist="19050">
+            <a:outerShdw blurRad="57150" dist="19050" dir="5400000" algn="bl" rotWithShape="0">
               <a:srgbClr val="000000">
                 <a:alpha val="50000"/>
               </a:srgbClr>
@@ -12861,22 +13116,22 @@
           </a:effectLst>
         </p:spPr>
         <p:txBody>
-          <a:bodyPr anchorCtr="0" anchor="ctr" bIns="91425" lIns="91425" spcFirstLastPara="1" rIns="91425" wrap="square" tIns="91425">
+          <a:bodyPr spcFirstLastPara="1" wrap="square" lIns="91425" tIns="91425" rIns="91425" bIns="91425" anchor="ctr" anchorCtr="0">
             <a:noAutofit/>
           </a:bodyPr>
           <a:lstStyle/>
           <a:p>
-            <a:pPr indent="0" lvl="0" marL="0" rtl="0" algn="l">
-              <a:spcBef>
-                <a:spcPts val="0"/>
-              </a:spcBef>
-              <a:spcAft>
-                <a:spcPts val="0"/>
-              </a:spcAft>
-              <a:buNone/>
-            </a:pPr>
-            <a:r>
-              <a:rPr b="1" lang="en">
+            <a:pPr marL="0" lvl="0" indent="0" algn="l" rtl="0">
+              <a:spcBef>
+                <a:spcPts val="0"/>
+              </a:spcBef>
+              <a:spcAft>
+                <a:spcPts val="0"/>
+              </a:spcAft>
+              <a:buNone/>
+            </a:pPr>
+            <a:r>
+              <a:rPr lang="en" b="1">
                 <a:solidFill>
                   <a:schemeClr val="accent4"/>
                 </a:solidFill>
@@ -12900,11 +13155,11 @@
 </file>
 
 <file path=ppt/slides/slide3.xml><?xml version="1.0" encoding="utf-8"?>
-<p:sld xmlns:a="http://schemas.openxmlformats.org/drawingml/2006/main" xmlns:r="http://schemas.openxmlformats.org/officeDocument/2006/relationships" xmlns:mc="http://schemas.openxmlformats.org/markup-compatibility/2006" xmlns:mv="urn:schemas-microsoft-com:mac:vml" xmlns:p="http://schemas.openxmlformats.org/presentationml/2006/main" xmlns:c="http://schemas.openxmlformats.org/drawingml/2006/chart" xmlns:dgm="http://schemas.openxmlformats.org/drawingml/2006/diagram" xmlns:o="urn:schemas-microsoft-com:office:office" xmlns:v="urn:schemas-microsoft-com:vml" xmlns:pvml="urn:schemas-microsoft-com:office:powerpoint" xmlns:com="http://schemas.openxmlformats.org/drawingml/2006/compatibility" xmlns:p14="http://schemas.microsoft.com/office/powerpoint/2010/main" xmlns:p15="http://schemas.microsoft.com/office/powerpoint/2012/main" xmlns:ahyp="http://schemas.microsoft.com/office/drawing/2018/hyperlinkcolor">
+<p:sld xmlns:a="http://schemas.openxmlformats.org/drawingml/2006/main" xmlns:r="http://schemas.openxmlformats.org/officeDocument/2006/relationships" xmlns:p="http://schemas.openxmlformats.org/presentationml/2006/main">
   <p:cSld>
     <p:spTree>
       <p:nvGrpSpPr>
-        <p:cNvPr id="75" name="Shape 75"/>
+        <p:cNvPr id="1" name="Shape 75"/>
         <p:cNvGrpSpPr/>
         <p:nvPr/>
       </p:nvGrpSpPr>
@@ -12919,7 +13174,9 @@
       <p:sp>
         <p:nvSpPr>
           <p:cNvPr id="76" name="Google Shape;76;p15"/>
-          <p:cNvSpPr txBox="1"/>
+          <p:cNvSpPr txBox="1">
+            <a:spLocks noGrp="1"/>
+          </p:cNvSpPr>
           <p:nvPr>
             <p:ph type="title"/>
           </p:nvPr>
@@ -12934,12 +13191,12 @@
           </a:prstGeom>
         </p:spPr>
         <p:txBody>
-          <a:bodyPr anchorCtr="0" anchor="b" bIns="91425" lIns="91425" spcFirstLastPara="1" rIns="91425" wrap="square" tIns="91425">
+          <a:bodyPr spcFirstLastPara="1" wrap="square" lIns="91425" tIns="91425" rIns="91425" bIns="91425" anchor="b" anchorCtr="0">
             <a:noAutofit/>
           </a:bodyPr>
           <a:lstStyle/>
           <a:p>
-            <a:pPr indent="0" lvl="0" marL="0" rtl="0" algn="ctr">
+            <a:pPr marL="0" lvl="0" indent="0" algn="ctr" rtl="0">
               <a:spcBef>
                 <a:spcPts val="0"/>
               </a:spcBef>
@@ -12959,9 +13216,11 @@
       <p:sp>
         <p:nvSpPr>
           <p:cNvPr id="77" name="Google Shape;77;p15"/>
-          <p:cNvSpPr txBox="1"/>
+          <p:cNvSpPr txBox="1">
+            <a:spLocks noGrp="1"/>
+          </p:cNvSpPr>
           <p:nvPr>
-            <p:ph idx="2" type="body"/>
+            <p:ph type="body" idx="2"/>
           </p:nvPr>
         </p:nvSpPr>
         <p:spPr>
@@ -12974,12 +13233,12 @@
           </a:prstGeom>
         </p:spPr>
         <p:txBody>
-          <a:bodyPr anchorCtr="0" anchor="ctr" bIns="91425" lIns="91425" spcFirstLastPara="1" rIns="91425" wrap="square" tIns="91425">
+          <a:bodyPr spcFirstLastPara="1" wrap="square" lIns="91425" tIns="91425" rIns="91425" bIns="91425" anchor="ctr" anchorCtr="0">
             <a:noAutofit/>
           </a:bodyPr>
           <a:lstStyle/>
           <a:p>
-            <a:pPr indent="-342900" lvl="0" marL="457200" rtl="0" algn="l">
+            <a:pPr marL="457200" lvl="0" indent="-342900" algn="l" rtl="0">
               <a:spcBef>
                 <a:spcPts val="0"/>
               </a:spcBef>
@@ -12996,7 +13255,7 @@
             <a:endParaRPr/>
           </a:p>
           <a:p>
-            <a:pPr indent="-317500" lvl="1" marL="914400" rtl="0" algn="l">
+            <a:pPr marL="914400" lvl="1" indent="-317500" algn="l" rtl="0">
               <a:spcBef>
                 <a:spcPts val="0"/>
               </a:spcBef>
@@ -13013,7 +13272,7 @@
             <a:endParaRPr/>
           </a:p>
           <a:p>
-            <a:pPr indent="-317500" lvl="1" marL="914400" rtl="0" algn="l">
+            <a:pPr marL="914400" lvl="1" indent="-317500" algn="l" rtl="0">
               <a:spcBef>
                 <a:spcPts val="0"/>
               </a:spcBef>
@@ -13030,7 +13289,7 @@
             <a:endParaRPr/>
           </a:p>
           <a:p>
-            <a:pPr indent="-317500" lvl="1" marL="914400" rtl="0" algn="l">
+            <a:pPr marL="914400" lvl="1" indent="-317500" algn="l" rtl="0">
               <a:spcBef>
                 <a:spcPts val="0"/>
               </a:spcBef>
@@ -13050,7 +13309,7 @@
             <a:endParaRPr/>
           </a:p>
           <a:p>
-            <a:pPr indent="-342900" lvl="0" marL="457200" rtl="0" algn="l">
+            <a:pPr marL="457200" lvl="0" indent="-342900" algn="l" rtl="0">
               <a:spcBef>
                 <a:spcPts val="0"/>
               </a:spcBef>
@@ -13067,7 +13326,7 @@
             <a:endParaRPr/>
           </a:p>
           <a:p>
-            <a:pPr indent="-317500" lvl="1" marL="914400" rtl="0" algn="l">
+            <a:pPr marL="914400" lvl="1" indent="-317500" algn="l" rtl="0">
               <a:spcBef>
                 <a:spcPts val="0"/>
               </a:spcBef>
@@ -13084,7 +13343,7 @@
             <a:endParaRPr/>
           </a:p>
           <a:p>
-            <a:pPr indent="-317500" lvl="1" marL="914400" rtl="0" algn="l">
+            <a:pPr marL="914400" lvl="1" indent="-317500" algn="l" rtl="0">
               <a:spcBef>
                 <a:spcPts val="0"/>
               </a:spcBef>
@@ -13101,7 +13360,7 @@
             <a:endParaRPr/>
           </a:p>
           <a:p>
-            <a:pPr indent="-317500" lvl="1" marL="914400" rtl="0" algn="l">
+            <a:pPr marL="914400" lvl="1" indent="-317500" algn="l" rtl="0">
               <a:spcBef>
                 <a:spcPts val="0"/>
               </a:spcBef>
@@ -13121,7 +13380,7 @@
             <a:endParaRPr/>
           </a:p>
           <a:p>
-            <a:pPr indent="-342900" lvl="0" marL="457200" rtl="0" algn="l">
+            <a:pPr marL="457200" lvl="0" indent="-342900" algn="l" rtl="0">
               <a:spcBef>
                 <a:spcPts val="0"/>
               </a:spcBef>
@@ -13138,7 +13397,7 @@
             <a:endParaRPr/>
           </a:p>
           <a:p>
-            <a:pPr indent="-317500" lvl="1" marL="914400" rtl="0" algn="l">
+            <a:pPr marL="914400" lvl="1" indent="-317500" algn="l" rtl="0">
               <a:spcBef>
                 <a:spcPts val="0"/>
               </a:spcBef>
@@ -13155,7 +13414,7 @@
             <a:endParaRPr/>
           </a:p>
           <a:p>
-            <a:pPr indent="-317500" lvl="1" marL="914400" rtl="0" algn="l">
+            <a:pPr marL="914400" lvl="1" indent="-317500" algn="l" rtl="0">
               <a:spcBef>
                 <a:spcPts val="0"/>
               </a:spcBef>
@@ -13172,7 +13431,7 @@
             <a:endParaRPr/>
           </a:p>
           <a:p>
-            <a:pPr indent="-317500" lvl="1" marL="914400" rtl="0" algn="l">
+            <a:pPr marL="914400" lvl="1" indent="-317500" algn="l" rtl="0">
               <a:spcBef>
                 <a:spcPts val="0"/>
               </a:spcBef>
@@ -13199,11 +13458,11 @@
 </file>
 
 <file path=ppt/slides/slide4.xml><?xml version="1.0" encoding="utf-8"?>
-<p:sld xmlns:a="http://schemas.openxmlformats.org/drawingml/2006/main" xmlns:r="http://schemas.openxmlformats.org/officeDocument/2006/relationships" xmlns:mc="http://schemas.openxmlformats.org/markup-compatibility/2006" xmlns:mv="urn:schemas-microsoft-com:mac:vml" xmlns:p="http://schemas.openxmlformats.org/presentationml/2006/main" xmlns:c="http://schemas.openxmlformats.org/drawingml/2006/chart" xmlns:dgm="http://schemas.openxmlformats.org/drawingml/2006/diagram" xmlns:o="urn:schemas-microsoft-com:office:office" xmlns:v="urn:schemas-microsoft-com:vml" xmlns:pvml="urn:schemas-microsoft-com:office:powerpoint" xmlns:com="http://schemas.openxmlformats.org/drawingml/2006/compatibility" xmlns:p14="http://schemas.microsoft.com/office/powerpoint/2010/main" xmlns:p15="http://schemas.microsoft.com/office/powerpoint/2012/main" xmlns:ahyp="http://schemas.microsoft.com/office/drawing/2018/hyperlinkcolor">
+<p:sld xmlns:a="http://schemas.openxmlformats.org/drawingml/2006/main" xmlns:r="http://schemas.openxmlformats.org/officeDocument/2006/relationships" xmlns:p="http://schemas.openxmlformats.org/presentationml/2006/main">
   <p:cSld>
     <p:spTree>
       <p:nvGrpSpPr>
-        <p:cNvPr id="81" name="Shape 81"/>
+        <p:cNvPr id="1" name="Shape 81"/>
         <p:cNvGrpSpPr/>
         <p:nvPr/>
       </p:nvGrpSpPr>
@@ -13218,7 +13477,9 @@
       <p:sp>
         <p:nvSpPr>
           <p:cNvPr id="82" name="Google Shape;82;p16"/>
-          <p:cNvSpPr txBox="1"/>
+          <p:cNvSpPr txBox="1">
+            <a:spLocks noGrp="1"/>
+          </p:cNvSpPr>
           <p:nvPr>
             <p:ph type="title"/>
           </p:nvPr>
@@ -13236,12 +13497,12 @@
           </a:ln>
         </p:spPr>
         <p:txBody>
-          <a:bodyPr anchorCtr="0" anchor="ctr" bIns="91425" lIns="91425" spcFirstLastPara="1" rIns="91425" wrap="square" tIns="91425">
+          <a:bodyPr spcFirstLastPara="1" wrap="square" lIns="91425" tIns="91425" rIns="91425" bIns="91425" anchor="ctr" anchorCtr="0">
             <a:noAutofit/>
           </a:bodyPr>
           <a:lstStyle/>
           <a:p>
-            <a:pPr indent="0" lvl="0" marL="0" rtl="0" algn="l">
+            <a:pPr marL="0" lvl="0" indent="0" algn="l" rtl="0">
               <a:spcBef>
                 <a:spcPts val="0"/>
               </a:spcBef>
@@ -13273,23 +13534,23 @@
             <a:avLst/>
           </a:prstGeom>
           <a:noFill/>
-          <a:ln cap="flat" cmpd="sng" w="19050">
+          <a:ln w="19050" cap="flat" cmpd="sng">
             <a:solidFill>
               <a:schemeClr val="lt2"/>
             </a:solidFill>
             <a:prstDash val="solid"/>
             <a:round/>
-            <a:headEnd len="sm" w="sm" type="none"/>
-            <a:tailEnd len="sm" w="sm" type="none"/>
+            <a:headEnd type="none" w="sm" len="sm"/>
+            <a:tailEnd type="none" w="sm" len="sm"/>
           </a:ln>
         </p:spPr>
         <p:txBody>
-          <a:bodyPr anchorCtr="0" anchor="ctr" bIns="91425" lIns="91425" spcFirstLastPara="1" rIns="91425" wrap="square" tIns="91425">
+          <a:bodyPr spcFirstLastPara="1" wrap="square" lIns="91425" tIns="91425" rIns="91425" bIns="91425" anchor="ctr" anchorCtr="0">
             <a:noAutofit/>
           </a:bodyPr>
           <a:lstStyle/>
           <a:p>
-            <a:pPr indent="0" lvl="0" marL="0" rtl="0" algn="ctr">
+            <a:pPr marL="0" lvl="0" indent="0" algn="ctr" rtl="0">
               <a:spcBef>
                 <a:spcPts val="0"/>
               </a:spcBef>
@@ -13337,23 +13598,23 @@
             <a:avLst/>
           </a:prstGeom>
           <a:noFill/>
-          <a:ln cap="flat" cmpd="sng" w="19050">
+          <a:ln w="19050" cap="flat" cmpd="sng">
             <a:solidFill>
               <a:schemeClr val="lt2"/>
             </a:solidFill>
             <a:prstDash val="solid"/>
             <a:round/>
-            <a:headEnd len="sm" w="sm" type="none"/>
-            <a:tailEnd len="sm" w="sm" type="none"/>
+            <a:headEnd type="none" w="sm" len="sm"/>
+            <a:tailEnd type="none" w="sm" len="sm"/>
           </a:ln>
         </p:spPr>
         <p:txBody>
-          <a:bodyPr anchorCtr="0" anchor="t" bIns="91425" lIns="91425" spcFirstLastPara="1" rIns="91425" wrap="square" tIns="91425">
+          <a:bodyPr spcFirstLastPara="1" wrap="square" lIns="91425" tIns="91425" rIns="91425" bIns="91425" anchor="t" anchorCtr="0">
             <a:noAutofit/>
           </a:bodyPr>
           <a:lstStyle/>
           <a:p>
-            <a:pPr indent="0" lvl="0" marL="0" rtl="0" algn="ctr">
+            <a:pPr marL="0" lvl="0" indent="0" algn="ctr" rtl="0">
               <a:spcBef>
                 <a:spcPts val="0"/>
               </a:spcBef>
@@ -13398,23 +13659,23 @@
             <a:avLst/>
           </a:prstGeom>
           <a:noFill/>
-          <a:ln cap="flat" cmpd="sng" w="19050">
+          <a:ln w="19050" cap="flat" cmpd="sng">
             <a:solidFill>
               <a:schemeClr val="lt2"/>
             </a:solidFill>
             <a:prstDash val="solid"/>
             <a:round/>
-            <a:headEnd len="sm" w="sm" type="none"/>
-            <a:tailEnd len="sm" w="sm" type="none"/>
+            <a:headEnd type="none" w="sm" len="sm"/>
+            <a:tailEnd type="none" w="sm" len="sm"/>
           </a:ln>
         </p:spPr>
         <p:txBody>
-          <a:bodyPr anchorCtr="0" anchor="ctr" bIns="91425" lIns="91425" spcFirstLastPara="1" rIns="91425" wrap="square" tIns="91425">
+          <a:bodyPr spcFirstLastPara="1" wrap="square" lIns="91425" tIns="91425" rIns="91425" bIns="91425" anchor="ctr" anchorCtr="0">
             <a:noAutofit/>
           </a:bodyPr>
           <a:lstStyle/>
           <a:p>
-            <a:pPr indent="0" lvl="0" marL="0" rtl="0" algn="ctr">
+            <a:pPr marL="0" lvl="0" indent="0" algn="ctr" rtl="0">
               <a:spcBef>
                 <a:spcPts val="0"/>
               </a:spcBef>
@@ -13454,7 +13715,7 @@
           <p:nvPr/>
         </p:nvCxnSpPr>
         <p:spPr>
-          <a:xfrm flipH="1" rot="10800000">
+          <a:xfrm rot="10800000" flipH="1">
             <a:off x="2066825" y="1865625"/>
             <a:ext cx="966900" cy="6000"/>
           </a:xfrm>
@@ -13462,14 +13723,14 @@
             <a:avLst/>
           </a:prstGeom>
           <a:noFill/>
-          <a:ln cap="flat" cmpd="sng" w="76200">
+          <a:ln w="76200" cap="flat" cmpd="sng">
             <a:solidFill>
               <a:schemeClr val="lt2"/>
             </a:solidFill>
             <a:prstDash val="solid"/>
             <a:round/>
-            <a:headEnd len="med" w="med" type="oval"/>
-            <a:tailEnd len="med" w="med" type="triangle"/>
+            <a:headEnd type="oval" w="med" len="med"/>
+            <a:tailEnd type="triangle" w="med" len="med"/>
           </a:ln>
         </p:spPr>
       </p:cxnSp>
@@ -13491,14 +13752,14 @@
             <a:avLst/>
           </a:prstGeom>
           <a:noFill/>
-          <a:ln cap="flat" cmpd="sng" w="76200">
+          <a:ln w="76200" cap="flat" cmpd="sng">
             <a:solidFill>
               <a:schemeClr val="lt2"/>
             </a:solidFill>
             <a:prstDash val="solid"/>
             <a:round/>
-            <a:headEnd len="med" w="med" type="oval"/>
-            <a:tailEnd len="med" w="med" type="triangle"/>
+            <a:headEnd type="oval" w="med" len="med"/>
+            <a:tailEnd type="triangle" w="med" len="med"/>
           </a:ln>
         </p:spPr>
       </p:cxnSp>
@@ -13511,11 +13772,11 @@
 </file>
 
 <file path=ppt/slides/slide5.xml><?xml version="1.0" encoding="utf-8"?>
-<p:sld xmlns:a="http://schemas.openxmlformats.org/drawingml/2006/main" xmlns:r="http://schemas.openxmlformats.org/officeDocument/2006/relationships" xmlns:mc="http://schemas.openxmlformats.org/markup-compatibility/2006" xmlns:mv="urn:schemas-microsoft-com:mac:vml" xmlns:p="http://schemas.openxmlformats.org/presentationml/2006/main" xmlns:c="http://schemas.openxmlformats.org/drawingml/2006/chart" xmlns:dgm="http://schemas.openxmlformats.org/drawingml/2006/diagram" xmlns:o="urn:schemas-microsoft-com:office:office" xmlns:v="urn:schemas-microsoft-com:vml" xmlns:pvml="urn:schemas-microsoft-com:office:powerpoint" xmlns:com="http://schemas.openxmlformats.org/drawingml/2006/compatibility" xmlns:p14="http://schemas.microsoft.com/office/powerpoint/2010/main" xmlns:p15="http://schemas.microsoft.com/office/powerpoint/2012/main" xmlns:ahyp="http://schemas.microsoft.com/office/drawing/2018/hyperlinkcolor">
+<p:sld xmlns:a="http://schemas.openxmlformats.org/drawingml/2006/main" xmlns:r="http://schemas.openxmlformats.org/officeDocument/2006/relationships" xmlns:p="http://schemas.openxmlformats.org/presentationml/2006/main">
   <p:cSld>
     <p:spTree>
       <p:nvGrpSpPr>
-        <p:cNvPr id="91" name="Shape 91"/>
+        <p:cNvPr id="1" name="Shape 91"/>
         <p:cNvGrpSpPr/>
         <p:nvPr/>
       </p:nvGrpSpPr>
@@ -13537,31 +13798,33 @@
           <p:nvPr/>
         </p:nvCxnSpPr>
         <p:spPr>
-          <a:xfrm flipH="1" rot="5400000">
+          <a:xfrm rot="5400000" flipH="1">
             <a:off x="3969450" y="521325"/>
             <a:ext cx="1611600" cy="4775100"/>
           </a:xfrm>
           <a:prstGeom prst="bentConnector3">
             <a:avLst>
-              <a:gd fmla="val 60715" name="adj1"/>
+              <a:gd name="adj1" fmla="val 60715"/>
             </a:avLst>
           </a:prstGeom>
           <a:noFill/>
-          <a:ln cap="flat" cmpd="sng" w="28575">
+          <a:ln w="28575" cap="flat" cmpd="sng">
             <a:solidFill>
               <a:srgbClr val="FF0000"/>
             </a:solidFill>
             <a:prstDash val="solid"/>
             <a:round/>
-            <a:headEnd len="med" w="med" type="none"/>
-            <a:tailEnd len="med" w="med" type="none"/>
+            <a:headEnd type="none" w="med" len="med"/>
+            <a:tailEnd type="none" w="med" len="med"/>
           </a:ln>
         </p:spPr>
       </p:cxnSp>
       <p:sp>
         <p:nvSpPr>
           <p:cNvPr id="95" name="Google Shape;95;p17"/>
-          <p:cNvSpPr txBox="1"/>
+          <p:cNvSpPr txBox="1">
+            <a:spLocks noGrp="1"/>
+          </p:cNvSpPr>
           <p:nvPr>
             <p:ph type="title"/>
           </p:nvPr>
@@ -13579,12 +13842,12 @@
           </a:ln>
         </p:spPr>
         <p:txBody>
-          <a:bodyPr anchorCtr="0" anchor="ctr" bIns="91425" lIns="91425" spcFirstLastPara="1" rIns="91425" wrap="square" tIns="91425">
+          <a:bodyPr spcFirstLastPara="1" wrap="square" lIns="91425" tIns="91425" rIns="91425" bIns="91425" anchor="ctr" anchorCtr="0">
             <a:noAutofit/>
           </a:bodyPr>
           <a:lstStyle/>
           <a:p>
-            <a:pPr indent="0" lvl="0" marL="0" rtl="0" algn="l">
+            <a:pPr marL="0" lvl="0" indent="0" algn="l" rtl="0">
               <a:spcBef>
                 <a:spcPts val="0"/>
               </a:spcBef>
@@ -13604,7 +13867,9 @@
       <p:sp>
         <p:nvSpPr>
           <p:cNvPr id="96" name="Google Shape;96;p17"/>
-          <p:cNvSpPr txBox="1"/>
+          <p:cNvSpPr txBox="1">
+            <a:spLocks noGrp="1"/>
+          </p:cNvSpPr>
           <p:nvPr>
             <p:ph type="title"/>
           </p:nvPr>
@@ -13622,12 +13887,12 @@
           </a:ln>
         </p:spPr>
         <p:txBody>
-          <a:bodyPr anchorCtr="0" anchor="ctr" bIns="91425" lIns="91425" spcFirstLastPara="1" rIns="91425" wrap="square" tIns="91425">
+          <a:bodyPr spcFirstLastPara="1" wrap="square" lIns="91425" tIns="91425" rIns="91425" bIns="91425" anchor="ctr" anchorCtr="0">
             <a:noAutofit/>
           </a:bodyPr>
           <a:lstStyle/>
           <a:p>
-            <a:pPr indent="0" lvl="0" marL="0" rtl="0" algn="l">
+            <a:pPr marL="0" lvl="0" indent="0" algn="l" rtl="0">
               <a:spcBef>
                 <a:spcPts val="0"/>
               </a:spcBef>
@@ -13659,23 +13924,23 @@
             <a:avLst/>
           </a:prstGeom>
           <a:noFill/>
-          <a:ln cap="flat" cmpd="sng" w="19050">
+          <a:ln w="19050" cap="flat" cmpd="sng">
             <a:solidFill>
               <a:schemeClr val="lt2"/>
             </a:solidFill>
             <a:prstDash val="solid"/>
             <a:round/>
-            <a:headEnd len="sm" w="sm" type="none"/>
-            <a:tailEnd len="sm" w="sm" type="none"/>
+            <a:headEnd type="none" w="sm" len="sm"/>
+            <a:tailEnd type="none" w="sm" len="sm"/>
           </a:ln>
         </p:spPr>
         <p:txBody>
-          <a:bodyPr anchorCtr="0" anchor="ctr" bIns="91425" lIns="91425" spcFirstLastPara="1" rIns="91425" wrap="square" tIns="91425">
+          <a:bodyPr spcFirstLastPara="1" wrap="square" lIns="91425" tIns="91425" rIns="91425" bIns="91425" anchor="ctr" anchorCtr="0">
             <a:noAutofit/>
           </a:bodyPr>
           <a:lstStyle/>
           <a:p>
-            <a:pPr indent="0" lvl="0" marL="0" rtl="0" algn="ctr">
+            <a:pPr marL="0" lvl="0" indent="0" algn="ctr" rtl="0">
               <a:spcBef>
                 <a:spcPts val="0"/>
               </a:spcBef>
@@ -13723,23 +13988,23 @@
             <a:avLst/>
           </a:prstGeom>
           <a:noFill/>
-          <a:ln cap="flat" cmpd="sng" w="19050">
+          <a:ln w="19050" cap="flat" cmpd="sng">
             <a:solidFill>
               <a:schemeClr val="lt2"/>
             </a:solidFill>
             <a:prstDash val="solid"/>
             <a:round/>
-            <a:headEnd len="sm" w="sm" type="none"/>
-            <a:tailEnd len="sm" w="sm" type="none"/>
+            <a:headEnd type="none" w="sm" len="sm"/>
+            <a:tailEnd type="none" w="sm" len="sm"/>
           </a:ln>
         </p:spPr>
         <p:txBody>
-          <a:bodyPr anchorCtr="0" anchor="t" bIns="91425" lIns="91425" spcFirstLastPara="1" rIns="91425" wrap="square" tIns="91425">
+          <a:bodyPr spcFirstLastPara="1" wrap="square" lIns="91425" tIns="91425" rIns="91425" bIns="91425" anchor="t" anchorCtr="0">
             <a:noAutofit/>
           </a:bodyPr>
           <a:lstStyle/>
           <a:p>
-            <a:pPr indent="0" lvl="0" marL="0" rtl="0" algn="ctr">
+            <a:pPr marL="0" lvl="0" indent="0" algn="ctr" rtl="0">
               <a:spcBef>
                 <a:spcPts val="0"/>
               </a:spcBef>
@@ -13784,23 +14049,23 @@
             <a:avLst/>
           </a:prstGeom>
           <a:noFill/>
-          <a:ln cap="flat" cmpd="sng" w="19050">
+          <a:ln w="19050" cap="flat" cmpd="sng">
             <a:solidFill>
               <a:schemeClr val="lt2"/>
             </a:solidFill>
             <a:prstDash val="solid"/>
             <a:round/>
-            <a:headEnd len="sm" w="sm" type="none"/>
-            <a:tailEnd len="sm" w="sm" type="none"/>
+            <a:headEnd type="none" w="sm" len="sm"/>
+            <a:tailEnd type="none" w="sm" len="sm"/>
           </a:ln>
         </p:spPr>
         <p:txBody>
-          <a:bodyPr anchorCtr="0" anchor="ctr" bIns="91425" lIns="91425" spcFirstLastPara="1" rIns="91425" wrap="square" tIns="91425">
+          <a:bodyPr spcFirstLastPara="1" wrap="square" lIns="91425" tIns="91425" rIns="91425" bIns="91425" anchor="ctr" anchorCtr="0">
             <a:noAutofit/>
           </a:bodyPr>
           <a:lstStyle/>
           <a:p>
-            <a:pPr indent="0" lvl="0" marL="0" rtl="0" algn="ctr">
+            <a:pPr marL="0" lvl="0" indent="0" algn="ctr" rtl="0">
               <a:spcBef>
                 <a:spcPts val="0"/>
               </a:spcBef>
@@ -13840,7 +14105,7 @@
           <p:nvPr/>
         </p:nvCxnSpPr>
         <p:spPr>
-          <a:xfrm flipH="1" rot="10800000">
+          <a:xfrm rot="10800000" flipH="1">
             <a:off x="2066825" y="1865625"/>
             <a:ext cx="966900" cy="6000"/>
           </a:xfrm>
@@ -13848,14 +14113,14 @@
             <a:avLst/>
           </a:prstGeom>
           <a:noFill/>
-          <a:ln cap="flat" cmpd="sng" w="76200">
+          <a:ln w="76200" cap="flat" cmpd="sng">
             <a:solidFill>
               <a:schemeClr val="lt2"/>
             </a:solidFill>
             <a:prstDash val="solid"/>
             <a:round/>
-            <a:headEnd len="med" w="med" type="oval"/>
-            <a:tailEnd len="med" w="med" type="triangle"/>
+            <a:headEnd type="oval" w="med" len="med"/>
+            <a:tailEnd type="triangle" w="med" len="med"/>
           </a:ln>
         </p:spPr>
       </p:cxnSp>
@@ -13877,14 +14142,14 @@
             <a:avLst/>
           </a:prstGeom>
           <a:noFill/>
-          <a:ln cap="flat" cmpd="sng" w="76200">
+          <a:ln w="76200" cap="flat" cmpd="sng">
             <a:solidFill>
               <a:schemeClr val="lt2"/>
             </a:solidFill>
             <a:prstDash val="solid"/>
             <a:round/>
-            <a:headEnd len="med" w="med" type="oval"/>
-            <a:tailEnd len="med" w="med" type="triangle"/>
+            <a:headEnd type="oval" w="med" len="med"/>
+            <a:tailEnd type="triangle" w="med" len="med"/>
           </a:ln>
         </p:spPr>
       </p:cxnSp>
@@ -13903,23 +14168,23 @@
             <a:avLst/>
           </a:prstGeom>
           <a:noFill/>
-          <a:ln cap="flat" cmpd="sng" w="19050">
+          <a:ln w="19050" cap="flat" cmpd="sng">
             <a:solidFill>
               <a:schemeClr val="lt2"/>
             </a:solidFill>
             <a:prstDash val="solid"/>
             <a:round/>
-            <a:headEnd len="sm" w="sm" type="none"/>
-            <a:tailEnd len="sm" w="sm" type="none"/>
+            <a:headEnd type="none" w="sm" len="sm"/>
+            <a:tailEnd type="none" w="sm" len="sm"/>
           </a:ln>
         </p:spPr>
         <p:txBody>
-          <a:bodyPr anchorCtr="0" anchor="ctr" bIns="91425" lIns="91425" spcFirstLastPara="1" rIns="91425" wrap="square" tIns="91425">
+          <a:bodyPr spcFirstLastPara="1" wrap="square" lIns="91425" tIns="91425" rIns="91425" bIns="91425" anchor="ctr" anchorCtr="0">
             <a:noAutofit/>
           </a:bodyPr>
           <a:lstStyle/>
           <a:p>
-            <a:pPr indent="0" lvl="0" marL="0" rtl="0" algn="ctr">
+            <a:pPr marL="0" lvl="0" indent="0" algn="ctr" rtl="0">
               <a:spcBef>
                 <a:spcPts val="0"/>
               </a:spcBef>
@@ -13964,23 +14229,23 @@
             <a:avLst/>
           </a:prstGeom>
           <a:noFill/>
-          <a:ln cap="flat" cmpd="sng" w="19050">
+          <a:ln w="19050" cap="flat" cmpd="sng">
             <a:solidFill>
               <a:schemeClr val="lt2"/>
             </a:solidFill>
             <a:prstDash val="solid"/>
             <a:round/>
-            <a:headEnd len="sm" w="sm" type="none"/>
-            <a:tailEnd len="sm" w="sm" type="none"/>
+            <a:headEnd type="none" w="sm" len="sm"/>
+            <a:tailEnd type="none" w="sm" len="sm"/>
           </a:ln>
         </p:spPr>
         <p:txBody>
-          <a:bodyPr anchorCtr="0" anchor="ctr" bIns="91425" lIns="91425" spcFirstLastPara="1" rIns="91425" wrap="square" tIns="91425">
+          <a:bodyPr spcFirstLastPara="1" wrap="square" lIns="91425" tIns="91425" rIns="91425" bIns="91425" anchor="ctr" anchorCtr="0">
             <a:noAutofit/>
           </a:bodyPr>
           <a:lstStyle/>
           <a:p>
-            <a:pPr indent="0" lvl="0" marL="0" rtl="0" algn="ctr">
+            <a:pPr marL="0" lvl="0" indent="0" algn="ctr" rtl="0">
               <a:spcBef>
                 <a:spcPts val="0"/>
               </a:spcBef>
@@ -14025,23 +14290,23 @@
             <a:avLst/>
           </a:prstGeom>
           <a:noFill/>
-          <a:ln cap="flat" cmpd="sng" w="19050">
+          <a:ln w="19050" cap="flat" cmpd="sng">
             <a:solidFill>
               <a:schemeClr val="lt2"/>
             </a:solidFill>
             <a:prstDash val="solid"/>
             <a:round/>
-            <a:headEnd len="sm" w="sm" type="none"/>
-            <a:tailEnd len="sm" w="sm" type="none"/>
+            <a:headEnd type="none" w="sm" len="sm"/>
+            <a:tailEnd type="none" w="sm" len="sm"/>
           </a:ln>
         </p:spPr>
         <p:txBody>
-          <a:bodyPr anchorCtr="0" anchor="t" bIns="91425" lIns="91425" spcFirstLastPara="1" rIns="91425" wrap="square" tIns="91425">
+          <a:bodyPr spcFirstLastPara="1" wrap="square" lIns="91425" tIns="91425" rIns="91425" bIns="91425" anchor="t" anchorCtr="0">
             <a:noAutofit/>
           </a:bodyPr>
           <a:lstStyle/>
           <a:p>
-            <a:pPr indent="0" lvl="0" marL="0" rtl="0" algn="ctr">
+            <a:pPr marL="0" lvl="0" indent="0" algn="ctr" rtl="0">
               <a:spcBef>
                 <a:spcPts val="0"/>
               </a:spcBef>
@@ -14089,14 +14354,14 @@
             <a:avLst/>
           </a:prstGeom>
           <a:noFill/>
-          <a:ln cap="flat" cmpd="sng" w="76200">
+          <a:ln w="76200" cap="flat" cmpd="sng">
             <a:solidFill>
               <a:schemeClr val="lt2"/>
             </a:solidFill>
             <a:prstDash val="solid"/>
             <a:round/>
-            <a:headEnd len="med" w="med" type="oval"/>
-            <a:tailEnd len="med" w="med" type="triangle"/>
+            <a:headEnd type="oval" w="med" len="med"/>
+            <a:tailEnd type="triangle" w="med" len="med"/>
           </a:ln>
         </p:spPr>
       </p:cxnSp>
@@ -14118,14 +14383,14 @@
             <a:avLst/>
           </a:prstGeom>
           <a:noFill/>
-          <a:ln cap="flat" cmpd="sng" w="76200">
+          <a:ln w="76200" cap="flat" cmpd="sng">
             <a:solidFill>
               <a:schemeClr val="lt2"/>
             </a:solidFill>
             <a:prstDash val="solid"/>
             <a:round/>
-            <a:headEnd len="med" w="med" type="oval"/>
-            <a:tailEnd len="med" w="med" type="triangle"/>
+            <a:headEnd type="oval" w="med" len="med"/>
+            <a:tailEnd type="triangle" w="med" len="med"/>
           </a:ln>
         </p:spPr>
       </p:cxnSp>
@@ -14142,40 +14407,37 @@
           </a:xfrm>
           <a:prstGeom prst="mathMultiply">
             <a:avLst>
-              <a:gd fmla="val 23520" name="adj1"/>
+              <a:gd name="adj1" fmla="val 23520"/>
             </a:avLst>
           </a:prstGeom>
           <a:solidFill>
             <a:srgbClr val="FF0000"/>
           </a:solidFill>
-          <a:ln cap="flat" cmpd="sng" w="9525">
+          <a:ln w="9525" cap="flat" cmpd="sng">
             <a:solidFill>
               <a:schemeClr val="dk2"/>
             </a:solidFill>
             <a:prstDash val="solid"/>
             <a:round/>
-            <a:headEnd len="sm" w="sm" type="none"/>
-            <a:tailEnd len="sm" w="sm" type="none"/>
+            <a:headEnd type="none" w="sm" len="sm"/>
+            <a:tailEnd type="none" w="sm" len="sm"/>
           </a:ln>
         </p:spPr>
         <p:txBody>
-          <a:bodyPr anchorCtr="0" anchor="ctr" bIns="91425" lIns="91425" spcFirstLastPara="1" rIns="91425" wrap="square" tIns="91425">
+          <a:bodyPr spcFirstLastPara="1" wrap="square" lIns="91425" tIns="91425" rIns="91425" bIns="91425" anchor="ctr" anchorCtr="0">
             <a:noAutofit/>
           </a:bodyPr>
           <a:lstStyle/>
           <a:p>
-            <a:pPr indent="0" lvl="0" marL="0" rtl="0" algn="l">
-              <a:spcBef>
-                <a:spcPts val="0"/>
-              </a:spcBef>
-              <a:spcAft>
-                <a:spcPts val="0"/>
-              </a:spcAft>
-              <a:buNone/>
-            </a:pPr>
-            <a:r>
-              <a:t/>
-            </a:r>
+            <a:pPr marL="0" lvl="0" indent="0" algn="l" rtl="0">
+              <a:spcBef>
+                <a:spcPts val="0"/>
+              </a:spcBef>
+              <a:spcAft>
+                <a:spcPts val="0"/>
+              </a:spcAft>
+              <a:buNone/>
+            </a:pPr>
             <a:endParaRPr/>
           </a:p>
         </p:txBody>
@@ -14189,11 +14451,11 @@
 </file>
 
 <file path=ppt/slides/slide6.xml><?xml version="1.0" encoding="utf-8"?>
-<p:sld xmlns:a="http://schemas.openxmlformats.org/drawingml/2006/main" xmlns:r="http://schemas.openxmlformats.org/officeDocument/2006/relationships" xmlns:mc="http://schemas.openxmlformats.org/markup-compatibility/2006" xmlns:mv="urn:schemas-microsoft-com:mac:vml" xmlns:p="http://schemas.openxmlformats.org/presentationml/2006/main" xmlns:c="http://schemas.openxmlformats.org/drawingml/2006/chart" xmlns:dgm="http://schemas.openxmlformats.org/drawingml/2006/diagram" xmlns:o="urn:schemas-microsoft-com:office:office" xmlns:v="urn:schemas-microsoft-com:vml" xmlns:pvml="urn:schemas-microsoft-com:office:powerpoint" xmlns:com="http://schemas.openxmlformats.org/drawingml/2006/compatibility" xmlns:p14="http://schemas.microsoft.com/office/powerpoint/2010/main" xmlns:p15="http://schemas.microsoft.com/office/powerpoint/2012/main" xmlns:ahyp="http://schemas.microsoft.com/office/drawing/2018/hyperlinkcolor">
+<p:sld xmlns:a="http://schemas.openxmlformats.org/drawingml/2006/main" xmlns:r="http://schemas.openxmlformats.org/officeDocument/2006/relationships" xmlns:p="http://schemas.openxmlformats.org/presentationml/2006/main">
   <p:cSld>
     <p:spTree>
       <p:nvGrpSpPr>
-        <p:cNvPr id="109" name="Shape 109"/>
+        <p:cNvPr id="1" name="Shape 109"/>
         <p:cNvGrpSpPr/>
         <p:nvPr/>
       </p:nvGrpSpPr>
@@ -14208,7 +14470,9 @@
       <p:sp>
         <p:nvSpPr>
           <p:cNvPr id="110" name="Google Shape;110;p18"/>
-          <p:cNvSpPr txBox="1"/>
+          <p:cNvSpPr txBox="1">
+            <a:spLocks noGrp="1"/>
+          </p:cNvSpPr>
           <p:nvPr>
             <p:ph type="title"/>
           </p:nvPr>
@@ -14223,12 +14487,12 @@
           </a:prstGeom>
         </p:spPr>
         <p:txBody>
-          <a:bodyPr anchorCtr="0" anchor="b" bIns="91425" lIns="91425" spcFirstLastPara="1" rIns="91425" wrap="square" tIns="91425">
+          <a:bodyPr spcFirstLastPara="1" wrap="square" lIns="91425" tIns="91425" rIns="91425" bIns="91425" anchor="b" anchorCtr="0">
             <a:noAutofit/>
           </a:bodyPr>
           <a:lstStyle/>
           <a:p>
-            <a:pPr indent="0" lvl="0" marL="0" rtl="0" algn="ctr">
+            <a:pPr marL="0" lvl="0" indent="0" algn="ctr" rtl="0">
               <a:spcBef>
                 <a:spcPts val="0"/>
               </a:spcBef>
@@ -14254,11 +14518,11 @@
 </file>
 
 <file path=ppt/slides/slide7.xml><?xml version="1.0" encoding="utf-8"?>
-<p:sld xmlns:a="http://schemas.openxmlformats.org/drawingml/2006/main" xmlns:r="http://schemas.openxmlformats.org/officeDocument/2006/relationships" xmlns:mc="http://schemas.openxmlformats.org/markup-compatibility/2006" xmlns:mv="urn:schemas-microsoft-com:mac:vml" xmlns:p="http://schemas.openxmlformats.org/presentationml/2006/main" xmlns:c="http://schemas.openxmlformats.org/drawingml/2006/chart" xmlns:dgm="http://schemas.openxmlformats.org/drawingml/2006/diagram" xmlns:o="urn:schemas-microsoft-com:office:office" xmlns:v="urn:schemas-microsoft-com:vml" xmlns:pvml="urn:schemas-microsoft-com:office:powerpoint" xmlns:com="http://schemas.openxmlformats.org/drawingml/2006/compatibility" xmlns:p14="http://schemas.microsoft.com/office/powerpoint/2010/main" xmlns:p15="http://schemas.microsoft.com/office/powerpoint/2012/main" xmlns:ahyp="http://schemas.microsoft.com/office/drawing/2018/hyperlinkcolor">
+<p:sld xmlns:a="http://schemas.openxmlformats.org/drawingml/2006/main" xmlns:r="http://schemas.openxmlformats.org/officeDocument/2006/relationships" xmlns:p="http://schemas.openxmlformats.org/presentationml/2006/main">
   <p:cSld>
     <p:spTree>
       <p:nvGrpSpPr>
-        <p:cNvPr id="114" name="Shape 114"/>
+        <p:cNvPr id="1" name="Shape 114"/>
         <p:cNvGrpSpPr/>
         <p:nvPr/>
       </p:nvGrpSpPr>
@@ -14374,12 +14638,12 @@
           </a:ln>
         </p:spPr>
         <p:txBody>
-          <a:bodyPr anchorCtr="0" anchor="t" bIns="91425" lIns="91425" spcFirstLastPara="1" rIns="91425" wrap="square" tIns="91425">
+          <a:bodyPr spcFirstLastPara="1" wrap="square" lIns="91425" tIns="91425" rIns="91425" bIns="91425" anchor="t" anchorCtr="0">
             <a:noAutofit/>
           </a:bodyPr>
           <a:lstStyle/>
           <a:p>
-            <a:pPr indent="0" lvl="0" marL="0" rtl="0" algn="ctr">
+            <a:pPr marL="0" lvl="0" indent="0" algn="ctr" rtl="0">
               <a:spcBef>
                 <a:spcPts val="0"/>
               </a:spcBef>
@@ -14411,17 +14675,17 @@
             </a:endParaRPr>
           </a:p>
           <a:p>
-            <a:pPr indent="0" lvl="0" marL="0" rtl="0" algn="ctr">
-              <a:spcBef>
-                <a:spcPts val="0"/>
-              </a:spcBef>
-              <a:spcAft>
-                <a:spcPts val="0"/>
-              </a:spcAft>
-              <a:buNone/>
-            </a:pPr>
-            <a:r>
-              <a:rPr i="1" lang="en" sz="3200">
+            <a:pPr marL="0" lvl="0" indent="0" algn="ctr" rtl="0">
+              <a:spcBef>
+                <a:spcPts val="0"/>
+              </a:spcBef>
+              <a:spcAft>
+                <a:spcPts val="0"/>
+              </a:spcAft>
+              <a:buNone/>
+            </a:pPr>
+            <a:r>
+              <a:rPr lang="en" sz="3200" i="1">
                 <a:solidFill>
                   <a:schemeClr val="accent5"/>
                 </a:solidFill>
@@ -14432,7 +14696,7 @@
               </a:rPr>
               <a:t>Geographical</a:t>
             </a:r>
-            <a:endParaRPr i="1" sz="3200">
+            <a:endParaRPr sz="3200" i="1">
               <a:solidFill>
                 <a:schemeClr val="accent5"/>
               </a:solidFill>
@@ -14464,23 +14728,20 @@
           </a:ln>
         </p:spPr>
         <p:txBody>
-          <a:bodyPr anchorCtr="0" anchor="t" bIns="91425" lIns="91425" spcFirstLastPara="1" rIns="91425" wrap="square" tIns="91425">
+          <a:bodyPr spcFirstLastPara="1" wrap="square" lIns="91425" tIns="91425" rIns="91425" bIns="91425" anchor="t" anchorCtr="0">
             <a:noAutofit/>
           </a:bodyPr>
           <a:lstStyle/>
           <a:p>
-            <a:pPr indent="0" lvl="0" marL="0" rtl="0" algn="l">
-              <a:spcBef>
-                <a:spcPts val="0"/>
-              </a:spcBef>
-              <a:spcAft>
-                <a:spcPts val="0"/>
-              </a:spcAft>
-              <a:buNone/>
-            </a:pPr>
-            <a:r>
-              <a:t/>
-            </a:r>
+            <a:pPr marL="0" lvl="0" indent="0" algn="l" rtl="0">
+              <a:spcBef>
+                <a:spcPts val="0"/>
+              </a:spcBef>
+              <a:spcAft>
+                <a:spcPts val="0"/>
+              </a:spcAft>
+              <a:buNone/>
+            </a:pPr>
             <a:endParaRPr>
               <a:latin typeface="Roboto"/>
               <a:ea typeface="Roboto"/>
@@ -14505,23 +14766,23 @@
             <a:avLst/>
           </a:prstGeom>
           <a:noFill/>
-          <a:ln cap="flat" cmpd="sng" w="19050">
+          <a:ln w="19050" cap="flat" cmpd="sng">
             <a:solidFill>
               <a:schemeClr val="lt2"/>
             </a:solidFill>
             <a:prstDash val="solid"/>
             <a:round/>
-            <a:headEnd len="sm" w="sm" type="none"/>
-            <a:tailEnd len="sm" w="sm" type="none"/>
+            <a:headEnd type="none" w="sm" len="sm"/>
+            <a:tailEnd type="none" w="sm" len="sm"/>
           </a:ln>
         </p:spPr>
         <p:txBody>
-          <a:bodyPr anchorCtr="0" anchor="ctr" bIns="91425" lIns="91425" spcFirstLastPara="1" rIns="91425" wrap="square" tIns="91425">
+          <a:bodyPr spcFirstLastPara="1" wrap="square" lIns="91425" tIns="91425" rIns="91425" bIns="91425" anchor="ctr" anchorCtr="0">
             <a:noAutofit/>
           </a:bodyPr>
           <a:lstStyle/>
           <a:p>
-            <a:pPr indent="0" lvl="0" marL="0" rtl="0" algn="ctr">
+            <a:pPr marL="0" lvl="0" indent="0" algn="ctr" rtl="0">
               <a:spcBef>
                 <a:spcPts val="0"/>
               </a:spcBef>
@@ -14569,23 +14830,23 @@
             <a:avLst/>
           </a:prstGeom>
           <a:noFill/>
-          <a:ln cap="flat" cmpd="sng" w="19050">
+          <a:ln w="19050" cap="flat" cmpd="sng">
             <a:solidFill>
               <a:schemeClr val="lt2"/>
             </a:solidFill>
             <a:prstDash val="solid"/>
             <a:round/>
-            <a:headEnd len="sm" w="sm" type="none"/>
-            <a:tailEnd len="sm" w="sm" type="none"/>
+            <a:headEnd type="none" w="sm" len="sm"/>
+            <a:tailEnd type="none" w="sm" len="sm"/>
           </a:ln>
         </p:spPr>
         <p:txBody>
-          <a:bodyPr anchorCtr="0" anchor="ctr" bIns="91425" lIns="91425" spcFirstLastPara="1" rIns="91425" wrap="square" tIns="91425">
+          <a:bodyPr spcFirstLastPara="1" wrap="square" lIns="91425" tIns="91425" rIns="91425" bIns="91425" anchor="ctr" anchorCtr="0">
             <a:noAutofit/>
           </a:bodyPr>
           <a:lstStyle/>
           <a:p>
-            <a:pPr indent="0" lvl="0" marL="0" rtl="0" algn="ctr">
+            <a:pPr marL="0" lvl="0" indent="0" algn="ctr" rtl="0">
               <a:spcBef>
                 <a:spcPts val="0"/>
               </a:spcBef>
@@ -14630,23 +14891,23 @@
             <a:avLst/>
           </a:prstGeom>
           <a:noFill/>
-          <a:ln cap="flat" cmpd="sng" w="19050">
+          <a:ln w="19050" cap="flat" cmpd="sng">
             <a:solidFill>
               <a:schemeClr val="lt2"/>
             </a:solidFill>
             <a:prstDash val="solid"/>
             <a:round/>
-            <a:headEnd len="sm" w="sm" type="none"/>
-            <a:tailEnd len="sm" w="sm" type="none"/>
+            <a:headEnd type="none" w="sm" len="sm"/>
+            <a:tailEnd type="none" w="sm" len="sm"/>
           </a:ln>
         </p:spPr>
         <p:txBody>
-          <a:bodyPr anchorCtr="0" anchor="ctr" bIns="91425" lIns="91425" spcFirstLastPara="1" rIns="91425" wrap="square" tIns="91425">
+          <a:bodyPr spcFirstLastPara="1" wrap="square" lIns="91425" tIns="91425" rIns="91425" bIns="91425" anchor="ctr" anchorCtr="0">
             <a:noAutofit/>
           </a:bodyPr>
           <a:lstStyle/>
           <a:p>
-            <a:pPr indent="0" lvl="0" marL="0" rtl="0" algn="ctr">
+            <a:pPr marL="0" lvl="0" indent="0" algn="ctr" rtl="0">
               <a:spcBef>
                 <a:spcPts val="0"/>
               </a:spcBef>
@@ -14665,19 +14926,7 @@
                 <a:cs typeface="Roboto"/>
                 <a:sym typeface="Roboto"/>
               </a:rPr>
-              <a:t>Non-</a:t>
-            </a:r>
-            <a:r>
-              <a:rPr lang="en">
-                <a:solidFill>
-                  <a:schemeClr val="dk1"/>
-                </a:solidFill>
-                <a:latin typeface="Roboto"/>
-                <a:ea typeface="Roboto"/>
-                <a:cs typeface="Roboto"/>
-                <a:sym typeface="Roboto"/>
-              </a:rPr>
-              <a:t>Functional</a:t>
+              <a:t>Non-Functional</a:t>
             </a:r>
             <a:endParaRPr>
               <a:latin typeface="Roboto"/>
@@ -14706,14 +14955,14 @@
             <a:avLst/>
           </a:prstGeom>
           <a:noFill/>
-          <a:ln cap="flat" cmpd="sng" w="19050">
+          <a:ln w="19050" cap="flat" cmpd="sng">
             <a:solidFill>
               <a:schemeClr val="lt2"/>
             </a:solidFill>
             <a:prstDash val="solid"/>
             <a:round/>
-            <a:headEnd len="med" w="med" type="none"/>
-            <a:tailEnd len="med" w="med" type="none"/>
+            <a:headEnd type="none" w="med" len="med"/>
+            <a:tailEnd type="none" w="med" len="med"/>
           </a:ln>
         </p:spPr>
       </p:cxnSp>
@@ -14732,14 +14981,14 @@
             <a:avLst/>
           </a:prstGeom>
           <a:noFill/>
-          <a:ln cap="flat" cmpd="sng" w="19050">
+          <a:ln w="19050" cap="flat" cmpd="sng">
             <a:solidFill>
               <a:schemeClr val="lt2"/>
             </a:solidFill>
             <a:prstDash val="solid"/>
             <a:round/>
-            <a:headEnd len="med" w="med" type="none"/>
-            <a:tailEnd len="med" w="med" type="none"/>
+            <a:headEnd type="none" w="med" len="med"/>
+            <a:tailEnd type="none" w="med" len="med"/>
           </a:ln>
         </p:spPr>
       </p:cxnSp>
@@ -14758,14 +15007,14 @@
             <a:avLst/>
           </a:prstGeom>
           <a:noFill/>
-          <a:ln cap="flat" cmpd="sng" w="19050">
+          <a:ln w="19050" cap="flat" cmpd="sng">
             <a:solidFill>
               <a:schemeClr val="lt2"/>
             </a:solidFill>
             <a:prstDash val="solid"/>
             <a:round/>
-            <a:headEnd len="med" w="med" type="none"/>
-            <a:tailEnd len="med" w="med" type="none"/>
+            <a:headEnd type="none" w="med" len="med"/>
+            <a:tailEnd type="none" w="med" len="med"/>
           </a:ln>
         </p:spPr>
       </p:cxnSp>
@@ -14778,11 +15027,11 @@
 </file>
 
 <file path=ppt/slides/slide8.xml><?xml version="1.0" encoding="utf-8"?>
-<p:sld xmlns:a="http://schemas.openxmlformats.org/drawingml/2006/main" xmlns:r="http://schemas.openxmlformats.org/officeDocument/2006/relationships" xmlns:mc="http://schemas.openxmlformats.org/markup-compatibility/2006" xmlns:mv="urn:schemas-microsoft-com:mac:vml" xmlns:p="http://schemas.openxmlformats.org/presentationml/2006/main" xmlns:c="http://schemas.openxmlformats.org/drawingml/2006/chart" xmlns:dgm="http://schemas.openxmlformats.org/drawingml/2006/diagram" xmlns:o="urn:schemas-microsoft-com:office:office" xmlns:v="urn:schemas-microsoft-com:vml" xmlns:pvml="urn:schemas-microsoft-com:office:powerpoint" xmlns:com="http://schemas.openxmlformats.org/drawingml/2006/compatibility" xmlns:p14="http://schemas.microsoft.com/office/powerpoint/2010/main" xmlns:p15="http://schemas.microsoft.com/office/powerpoint/2012/main" xmlns:ahyp="http://schemas.microsoft.com/office/drawing/2018/hyperlinkcolor">
+<p:sld xmlns:a="http://schemas.openxmlformats.org/drawingml/2006/main" xmlns:r="http://schemas.openxmlformats.org/officeDocument/2006/relationships" xmlns:p="http://schemas.openxmlformats.org/presentationml/2006/main">
   <p:cSld>
     <p:spTree>
       <p:nvGrpSpPr>
-        <p:cNvPr id="129" name="Shape 129"/>
+        <p:cNvPr id="1" name="Shape 129"/>
         <p:cNvGrpSpPr/>
         <p:nvPr/>
       </p:nvGrpSpPr>
@@ -14797,7 +15046,9 @@
       <p:sp>
         <p:nvSpPr>
           <p:cNvPr id="130" name="Google Shape;130;p20"/>
-          <p:cNvSpPr txBox="1"/>
+          <p:cNvSpPr txBox="1">
+            <a:spLocks noGrp="1"/>
+          </p:cNvSpPr>
           <p:nvPr>
             <p:ph type="title"/>
           </p:nvPr>
@@ -14812,12 +15063,12 @@
           </a:prstGeom>
         </p:spPr>
         <p:txBody>
-          <a:bodyPr anchorCtr="0" anchor="b" bIns="91425" lIns="91425" spcFirstLastPara="1" rIns="91425" wrap="square" tIns="91425">
+          <a:bodyPr spcFirstLastPara="1" wrap="square" lIns="91425" tIns="91425" rIns="91425" bIns="91425" anchor="b" anchorCtr="0">
             <a:noAutofit/>
           </a:bodyPr>
           <a:lstStyle/>
           <a:p>
-            <a:pPr indent="0" lvl="0" marL="0" rtl="0" algn="ctr">
+            <a:pPr marL="0" lvl="0" indent="0" algn="ctr" rtl="0">
               <a:spcBef>
                 <a:spcPts val="0"/>
               </a:spcBef>
@@ -14837,9 +15088,11 @@
       <p:sp>
         <p:nvSpPr>
           <p:cNvPr id="131" name="Google Shape;131;p20"/>
-          <p:cNvSpPr txBox="1"/>
+          <p:cNvSpPr txBox="1">
+            <a:spLocks noGrp="1"/>
+          </p:cNvSpPr>
           <p:nvPr>
-            <p:ph idx="1" type="subTitle"/>
+            <p:ph type="subTitle" idx="1"/>
           </p:nvPr>
         </p:nvSpPr>
         <p:spPr>
@@ -14852,12 +15105,12 @@
           </a:prstGeom>
         </p:spPr>
         <p:txBody>
-          <a:bodyPr anchorCtr="0" anchor="t" bIns="91425" lIns="91425" spcFirstLastPara="1" rIns="91425" wrap="square" tIns="91425">
+          <a:bodyPr spcFirstLastPara="1" wrap="square" lIns="91425" tIns="91425" rIns="91425" bIns="91425" anchor="t" anchorCtr="0">
             <a:noAutofit/>
           </a:bodyPr>
           <a:lstStyle/>
           <a:p>
-            <a:pPr indent="0" lvl="0" marL="0" rtl="0" algn="ctr">
+            <a:pPr marL="0" lvl="0" indent="0" algn="ctr" rtl="0">
               <a:spcBef>
                 <a:spcPts val="0"/>
               </a:spcBef>
@@ -14877,9 +15130,11 @@
       <p:sp>
         <p:nvSpPr>
           <p:cNvPr id="132" name="Google Shape;132;p20"/>
-          <p:cNvSpPr txBox="1"/>
+          <p:cNvSpPr txBox="1">
+            <a:spLocks noGrp="1"/>
+          </p:cNvSpPr>
           <p:nvPr>
-            <p:ph idx="2" type="body"/>
+            <p:ph type="body" idx="2"/>
           </p:nvPr>
         </p:nvSpPr>
         <p:spPr>
@@ -14892,12 +15147,12 @@
           </a:prstGeom>
         </p:spPr>
         <p:txBody>
-          <a:bodyPr anchorCtr="0" anchor="ctr" bIns="91425" lIns="91425" spcFirstLastPara="1" rIns="91425" wrap="square" tIns="91425">
+          <a:bodyPr spcFirstLastPara="1" wrap="square" lIns="91425" tIns="91425" rIns="91425" bIns="91425" anchor="ctr" anchorCtr="0">
             <a:noAutofit/>
           </a:bodyPr>
           <a:lstStyle/>
           <a:p>
-            <a:pPr indent="-330200" lvl="0" marL="457200" rtl="0" algn="l">
+            <a:pPr marL="457200" lvl="0" indent="-330200" algn="l" rtl="0">
               <a:spcBef>
                 <a:spcPts val="0"/>
               </a:spcBef>
@@ -14914,7 +15169,7 @@
             <a:endParaRPr sz="1600"/>
           </a:p>
           <a:p>
-            <a:pPr indent="-330200" lvl="0" marL="457200" rtl="0" algn="l">
+            <a:pPr marL="457200" lvl="0" indent="-330200" algn="l" rtl="0">
               <a:spcBef>
                 <a:spcPts val="0"/>
               </a:spcBef>
@@ -14931,7 +15186,7 @@
             <a:endParaRPr sz="1600"/>
           </a:p>
           <a:p>
-            <a:pPr indent="-330200" lvl="0" marL="457200" rtl="0" algn="l">
+            <a:pPr marL="457200" lvl="0" indent="-330200" algn="l" rtl="0">
               <a:spcBef>
                 <a:spcPts val="0"/>
               </a:spcBef>
@@ -14948,7 +15203,7 @@
             <a:endParaRPr sz="1600"/>
           </a:p>
           <a:p>
-            <a:pPr indent="-311150" lvl="1" marL="914400" rtl="0" algn="l">
+            <a:pPr marL="914400" lvl="1" indent="-311150" algn="l" rtl="0">
               <a:spcBef>
                 <a:spcPts val="0"/>
               </a:spcBef>
@@ -14965,7 +15220,7 @@
             <a:endParaRPr sz="1300"/>
           </a:p>
           <a:p>
-            <a:pPr indent="-311150" lvl="1" marL="914400" rtl="0" algn="l">
+            <a:pPr marL="914400" lvl="1" indent="-311150" algn="l" rtl="0">
               <a:spcBef>
                 <a:spcPts val="0"/>
               </a:spcBef>
@@ -14982,7 +15237,7 @@
             <a:endParaRPr sz="1300"/>
           </a:p>
           <a:p>
-            <a:pPr indent="-311150" lvl="1" marL="914400" rtl="0" algn="l">
+            <a:pPr marL="914400" lvl="1" indent="-311150" algn="l" rtl="0">
               <a:spcBef>
                 <a:spcPts val="0"/>
               </a:spcBef>
@@ -14999,7 +15254,7 @@
             <a:endParaRPr sz="1300"/>
           </a:p>
           <a:p>
-            <a:pPr indent="-311150" lvl="1" marL="914400" rtl="0" algn="l">
+            <a:pPr marL="914400" lvl="1" indent="-311150" algn="l" rtl="0">
               <a:spcBef>
                 <a:spcPts val="0"/>
               </a:spcBef>
@@ -15016,7 +15271,7 @@
             <a:endParaRPr sz="1300"/>
           </a:p>
           <a:p>
-            <a:pPr indent="-311150" lvl="1" marL="914400" rtl="0" algn="l">
+            <a:pPr marL="914400" lvl="1" indent="-311150" algn="l" rtl="0">
               <a:spcBef>
                 <a:spcPts val="0"/>
               </a:spcBef>
@@ -15033,7 +15288,7 @@
             <a:endParaRPr sz="1300"/>
           </a:p>
           <a:p>
-            <a:pPr indent="-311150" lvl="1" marL="914400" rtl="0" algn="l">
+            <a:pPr marL="914400" lvl="1" indent="-311150" algn="l" rtl="0">
               <a:spcBef>
                 <a:spcPts val="0"/>
               </a:spcBef>
@@ -15050,7 +15305,7 @@
             <a:endParaRPr sz="1300"/>
           </a:p>
           <a:p>
-            <a:pPr indent="-311150" lvl="1" marL="914400" rtl="0" algn="l">
+            <a:pPr marL="914400" lvl="1" indent="-311150" algn="l" rtl="0">
               <a:spcBef>
                 <a:spcPts val="0"/>
               </a:spcBef>
@@ -15133,11 +15388,11 @@
 </file>
 
 <file path=ppt/slides/slide9.xml><?xml version="1.0" encoding="utf-8"?>
-<p:sld xmlns:a="http://schemas.openxmlformats.org/drawingml/2006/main" xmlns:r="http://schemas.openxmlformats.org/officeDocument/2006/relationships" xmlns:mc="http://schemas.openxmlformats.org/markup-compatibility/2006" xmlns:mv="urn:schemas-microsoft-com:mac:vml" xmlns:p="http://schemas.openxmlformats.org/presentationml/2006/main" xmlns:c="http://schemas.openxmlformats.org/drawingml/2006/chart" xmlns:dgm="http://schemas.openxmlformats.org/drawingml/2006/diagram" xmlns:o="urn:schemas-microsoft-com:office:office" xmlns:v="urn:schemas-microsoft-com:vml" xmlns:pvml="urn:schemas-microsoft-com:office:powerpoint" xmlns:com="http://schemas.openxmlformats.org/drawingml/2006/compatibility" xmlns:p14="http://schemas.microsoft.com/office/powerpoint/2010/main" xmlns:p15="http://schemas.microsoft.com/office/powerpoint/2012/main" xmlns:ahyp="http://schemas.microsoft.com/office/drawing/2018/hyperlinkcolor">
+<p:sld xmlns:a="http://schemas.openxmlformats.org/drawingml/2006/main" xmlns:r="http://schemas.openxmlformats.org/officeDocument/2006/relationships" xmlns:p="http://schemas.openxmlformats.org/presentationml/2006/main">
   <p:cSld>
     <p:spTree>
       <p:nvGrpSpPr>
-        <p:cNvPr id="138" name="Shape 138"/>
+        <p:cNvPr id="1" name="Shape 138"/>
         <p:cNvGrpSpPr/>
         <p:nvPr/>
       </p:nvGrpSpPr>
@@ -15159,31 +15414,33 @@
           <p:nvPr/>
         </p:nvCxnSpPr>
         <p:spPr>
-          <a:xfrm flipH="1" rot="10800000">
+          <a:xfrm rot="10800000" flipH="1">
             <a:off x="2404050" y="1783650"/>
             <a:ext cx="3414300" cy="2317200"/>
           </a:xfrm>
           <a:prstGeom prst="curvedConnector3">
             <a:avLst>
-              <a:gd fmla="val 50000" name="adj1"/>
+              <a:gd name="adj1" fmla="val 50000"/>
             </a:avLst>
           </a:prstGeom>
           <a:noFill/>
-          <a:ln cap="flat" cmpd="sng" w="38100">
+          <a:ln w="38100" cap="flat" cmpd="sng">
             <a:solidFill>
               <a:schemeClr val="accent5"/>
             </a:solidFill>
             <a:prstDash val="solid"/>
             <a:round/>
-            <a:headEnd len="med" w="med" type="none"/>
-            <a:tailEnd len="med" w="med" type="none"/>
+            <a:headEnd type="none" w="med" len="med"/>
+            <a:tailEnd type="none" w="med" len="med"/>
           </a:ln>
         </p:spPr>
       </p:cxnSp>
       <p:sp>
         <p:nvSpPr>
           <p:cNvPr id="142" name="Google Shape;142;p21"/>
-          <p:cNvSpPr txBox="1"/>
+          <p:cNvSpPr txBox="1">
+            <a:spLocks noGrp="1"/>
+          </p:cNvSpPr>
           <p:nvPr>
             <p:ph type="title"/>
           </p:nvPr>
@@ -15198,12 +15455,12 @@
           </a:prstGeom>
         </p:spPr>
         <p:txBody>
-          <a:bodyPr anchorCtr="0" anchor="b" bIns="91425" lIns="91425" spcFirstLastPara="1" rIns="91425" wrap="square" tIns="91425">
+          <a:bodyPr spcFirstLastPara="1" wrap="square" lIns="91425" tIns="91425" rIns="91425" bIns="91425" anchor="b" anchorCtr="0">
             <a:noAutofit/>
           </a:bodyPr>
           <a:lstStyle/>
           <a:p>
-            <a:pPr indent="0" lvl="0" marL="0" rtl="0" algn="ctr">
+            <a:pPr marL="0" lvl="0" indent="0" algn="ctr" rtl="0">
               <a:spcBef>
                 <a:spcPts val="0"/>
               </a:spcBef>
@@ -15223,9 +15480,11 @@
       <p:sp>
         <p:nvSpPr>
           <p:cNvPr id="143" name="Google Shape;143;p21"/>
-          <p:cNvSpPr txBox="1"/>
+          <p:cNvSpPr txBox="1">
+            <a:spLocks noGrp="1"/>
+          </p:cNvSpPr>
           <p:nvPr>
-            <p:ph idx="2" type="body"/>
+            <p:ph type="body" idx="2"/>
           </p:nvPr>
         </p:nvSpPr>
         <p:spPr>
@@ -15236,23 +15495,23 @@
           <a:prstGeom prst="rect">
             <a:avLst/>
           </a:prstGeom>
-          <a:ln cap="flat" cmpd="sng" w="9525">
+          <a:ln w="9525" cap="flat" cmpd="sng">
             <a:solidFill>
               <a:srgbClr val="000000"/>
             </a:solidFill>
             <a:prstDash val="solid"/>
             <a:round/>
-            <a:headEnd len="sm" w="sm" type="none"/>
-            <a:tailEnd len="sm" w="sm" type="none"/>
+            <a:headEnd type="none" w="sm" len="sm"/>
+            <a:tailEnd type="none" w="sm" len="sm"/>
           </a:ln>
         </p:spPr>
         <p:txBody>
-          <a:bodyPr anchorCtr="0" anchor="ctr" bIns="91425" lIns="91425" spcFirstLastPara="1" rIns="91425" wrap="square" tIns="91425">
+          <a:bodyPr spcFirstLastPara="1" wrap="square" lIns="91425" tIns="91425" rIns="91425" bIns="91425" anchor="ctr" anchorCtr="0">
             <a:noAutofit/>
           </a:bodyPr>
           <a:lstStyle/>
           <a:p>
-            <a:pPr indent="0" lvl="0" marL="0" rtl="0" algn="l">
+            <a:pPr marL="0" lvl="0" indent="0" algn="l" rtl="0">
               <a:spcBef>
                 <a:spcPts val="0"/>
               </a:spcBef>
@@ -15278,7 +15537,7 @@
             </a:endParaRPr>
           </a:p>
           <a:p>
-            <a:pPr indent="0" lvl="0" marL="0" rtl="0" algn="l">
+            <a:pPr marL="0" lvl="0" indent="0" algn="l" rtl="0">
               <a:spcBef>
                 <a:spcPts val="1600"/>
               </a:spcBef>
@@ -15287,9 +15546,6 @@
               </a:spcAft>
               <a:buNone/>
             </a:pPr>
-            <a:r>
-              <a:t/>
-            </a:r>
             <a:endParaRPr/>
           </a:p>
         </p:txBody>
@@ -15311,23 +15567,23 @@
           <a:solidFill>
             <a:schemeClr val="lt1"/>
           </a:solidFill>
-          <a:ln cap="flat" cmpd="sng" w="9525">
+          <a:ln w="9525" cap="flat" cmpd="sng">
             <a:solidFill>
               <a:srgbClr val="000000"/>
             </a:solidFill>
             <a:prstDash val="solid"/>
             <a:round/>
-            <a:headEnd len="sm" w="sm" type="none"/>
-            <a:tailEnd len="sm" w="sm" type="none"/>
+            <a:headEnd type="none" w="sm" len="sm"/>
+            <a:tailEnd type="none" w="sm" len="sm"/>
           </a:ln>
         </p:spPr>
         <p:txBody>
-          <a:bodyPr anchorCtr="0" anchor="ctr" bIns="91425" lIns="91425" spcFirstLastPara="1" rIns="91425" wrap="square" tIns="91425">
+          <a:bodyPr spcFirstLastPara="1" wrap="square" lIns="91425" tIns="91425" rIns="91425" bIns="91425" anchor="ctr" anchorCtr="0">
             <a:noAutofit/>
           </a:bodyPr>
           <a:lstStyle/>
           <a:p>
-            <a:pPr indent="0" lvl="0" marL="0" rtl="0" algn="l">
+            <a:pPr marL="0" lvl="0" indent="0" algn="l" rtl="0">
               <a:spcBef>
                 <a:spcPts val="0"/>
               </a:spcBef>
@@ -15351,19 +15607,7 @@
                 <a:cs typeface="Roboto"/>
                 <a:sym typeface="Roboto"/>
               </a:rPr>
-              <a:t>M</a:t>
-            </a:r>
-            <a:r>
-              <a:rPr lang="en" sz="1800">
-                <a:solidFill>
-                  <a:schemeClr val="dk1"/>
-                </a:solidFill>
-                <a:latin typeface="Roboto"/>
-                <a:ea typeface="Roboto"/>
-                <a:cs typeface="Roboto"/>
-                <a:sym typeface="Roboto"/>
-              </a:rPr>
-              <a:t>ultiple reporters</a:t>
+              <a:t>Multiple reporters</a:t>
             </a:r>
             <a:endParaRPr>
               <a:solidFill>
@@ -15397,23 +15641,23 @@
           <a:solidFill>
             <a:schemeClr val="lt1"/>
           </a:solidFill>
-          <a:ln cap="flat" cmpd="sng" w="9525">
+          <a:ln w="9525" cap="flat" cmpd="sng">
             <a:solidFill>
               <a:srgbClr val="000000"/>
             </a:solidFill>
             <a:prstDash val="solid"/>
             <a:round/>
-            <a:headEnd len="sm" w="sm" type="none"/>
-            <a:tailEnd len="sm" w="sm" type="none"/>
+            <a:headEnd type="none" w="sm" len="sm"/>
+            <a:tailEnd type="none" w="sm" len="sm"/>
           </a:ln>
         </p:spPr>
         <p:txBody>
-          <a:bodyPr anchorCtr="0" anchor="ctr" bIns="91425" lIns="91425" spcFirstLastPara="1" rIns="91425" wrap="square" tIns="91425">
+          <a:bodyPr spcFirstLastPara="1" wrap="square" lIns="91425" tIns="91425" rIns="91425" bIns="91425" anchor="ctr" anchorCtr="0">
             <a:noAutofit/>
           </a:bodyPr>
           <a:lstStyle/>
           <a:p>
-            <a:pPr indent="0" lvl="0" marL="0" rtl="0" algn="l">
+            <a:pPr marL="0" lvl="0" indent="0" algn="l" rtl="0">
               <a:spcBef>
                 <a:spcPts val="0"/>
               </a:spcBef>
@@ -15468,23 +15712,23 @@
           <a:solidFill>
             <a:schemeClr val="lt1"/>
           </a:solidFill>
-          <a:ln cap="flat" cmpd="sng" w="9525">
+          <a:ln w="9525" cap="flat" cmpd="sng">
             <a:solidFill>
               <a:srgbClr val="000000"/>
             </a:solidFill>
             <a:prstDash val="solid"/>
             <a:round/>
-            <a:headEnd len="sm" w="sm" type="none"/>
-            <a:tailEnd len="sm" w="sm" type="none"/>
+            <a:headEnd type="none" w="sm" len="sm"/>
+            <a:tailEnd type="none" w="sm" len="sm"/>
           </a:ln>
         </p:spPr>
         <p:txBody>
-          <a:bodyPr anchorCtr="0" anchor="ctr" bIns="91425" lIns="91425" spcFirstLastPara="1" rIns="91425" wrap="square" tIns="91425">
+          <a:bodyPr spcFirstLastPara="1" wrap="square" lIns="91425" tIns="91425" rIns="91425" bIns="91425" anchor="ctr" anchorCtr="0">
             <a:noAutofit/>
           </a:bodyPr>
           <a:lstStyle/>
           <a:p>
-            <a:pPr indent="0" lvl="0" marL="0" rtl="0" algn="l">
+            <a:pPr marL="0" lvl="0" indent="0" algn="l" rtl="0">
               <a:spcBef>
                 <a:spcPts val="0"/>
               </a:spcBef>
@@ -15542,23 +15786,23 @@
           <a:solidFill>
             <a:schemeClr val="lt1"/>
           </a:solidFill>
-          <a:ln cap="flat" cmpd="sng" w="9525">
+          <a:ln w="9525" cap="flat" cmpd="sng">
             <a:solidFill>
               <a:srgbClr val="000000"/>
             </a:solidFill>
             <a:prstDash val="solid"/>
             <a:round/>
-            <a:headEnd len="sm" w="sm" type="none"/>
-            <a:tailEnd len="sm" w="sm" type="none"/>
+            <a:headEnd type="none" w="sm" len="sm"/>
+            <a:tailEnd type="none" w="sm" len="sm"/>
           </a:ln>
         </p:spPr>
         <p:txBody>
-          <a:bodyPr anchorCtr="0" anchor="ctr" bIns="91425" lIns="91425" spcFirstLastPara="1" rIns="91425" wrap="square" tIns="91425">
+          <a:bodyPr spcFirstLastPara="1" wrap="square" lIns="91425" tIns="91425" rIns="91425" bIns="91425" anchor="ctr" anchorCtr="0">
             <a:noAutofit/>
           </a:bodyPr>
           <a:lstStyle/>
           <a:p>
-            <a:pPr indent="0" lvl="0" marL="0" rtl="0" algn="l">
+            <a:pPr marL="0" lvl="0" indent="0" algn="l" rtl="0">
               <a:spcBef>
                 <a:spcPts val="0"/>
               </a:spcBef>
@@ -15611,23 +15855,23 @@
           <a:solidFill>
             <a:schemeClr val="lt1"/>
           </a:solidFill>
-          <a:ln cap="flat" cmpd="sng" w="9525">
+          <a:ln w="9525" cap="flat" cmpd="sng">
             <a:solidFill>
               <a:srgbClr val="000000"/>
             </a:solidFill>
             <a:prstDash val="solid"/>
             <a:round/>
-            <a:headEnd len="sm" w="sm" type="none"/>
-            <a:tailEnd len="sm" w="sm" type="none"/>
+            <a:headEnd type="none" w="sm" len="sm"/>
+            <a:tailEnd type="none" w="sm" len="sm"/>
           </a:ln>
         </p:spPr>
         <p:txBody>
-          <a:bodyPr anchorCtr="0" anchor="ctr" bIns="91425" lIns="91425" spcFirstLastPara="1" rIns="91425" wrap="square" tIns="91425">
+          <a:bodyPr spcFirstLastPara="1" wrap="square" lIns="91425" tIns="91425" rIns="91425" bIns="91425" anchor="ctr" anchorCtr="0">
             <a:noAutofit/>
           </a:bodyPr>
           <a:lstStyle/>
           <a:p>
-            <a:pPr indent="0" lvl="0" marL="0" rtl="0" algn="l">
+            <a:pPr marL="0" lvl="0" indent="0" algn="l" rtl="0">
               <a:spcBef>
                 <a:spcPts val="0"/>
               </a:spcBef>
@@ -15680,23 +15924,23 @@
           <a:solidFill>
             <a:schemeClr val="lt1"/>
           </a:solidFill>
-          <a:ln cap="flat" cmpd="sng" w="9525">
+          <a:ln w="9525" cap="flat" cmpd="sng">
             <a:solidFill>
               <a:srgbClr val="000000"/>
             </a:solidFill>
             <a:prstDash val="solid"/>
             <a:round/>
-            <a:headEnd len="sm" w="sm" type="none"/>
-            <a:tailEnd len="sm" w="sm" type="none"/>
+            <a:headEnd type="none" w="sm" len="sm"/>
+            <a:tailEnd type="none" w="sm" len="sm"/>
           </a:ln>
         </p:spPr>
         <p:txBody>
-          <a:bodyPr anchorCtr="0" anchor="ctr" bIns="91425" lIns="91425" spcFirstLastPara="1" rIns="91425" wrap="square" tIns="91425">
+          <a:bodyPr spcFirstLastPara="1" wrap="square" lIns="91425" tIns="91425" rIns="91425" bIns="91425" anchor="ctr" anchorCtr="0">
             <a:noAutofit/>
           </a:bodyPr>
           <a:lstStyle/>
           <a:p>
-            <a:pPr indent="0" lvl="0" marL="0" rtl="0" algn="l">
+            <a:pPr marL="0" lvl="0" indent="0" algn="l" rtl="0">
               <a:lnSpc>
                 <a:spcPct val="100000"/>
               </a:lnSpc>
@@ -15749,23 +15993,23 @@
           <a:solidFill>
             <a:schemeClr val="lt1"/>
           </a:solidFill>
-          <a:ln cap="flat" cmpd="sng" w="9525">
+          <a:ln w="9525" cap="flat" cmpd="sng">
             <a:solidFill>
               <a:srgbClr val="000000"/>
             </a:solidFill>
             <a:prstDash val="solid"/>
             <a:round/>
-            <a:headEnd len="sm" w="sm" type="none"/>
-            <a:tailEnd len="sm" w="sm" type="none"/>
+            <a:headEnd type="none" w="sm" len="sm"/>
+            <a:tailEnd type="none" w="sm" len="sm"/>
           </a:ln>
         </p:spPr>
         <p:txBody>
-          <a:bodyPr anchorCtr="0" anchor="t" bIns="91425" lIns="91425" spcFirstLastPara="1" rIns="91425" wrap="square" tIns="91425">
+          <a:bodyPr spcFirstLastPara="1" wrap="square" lIns="91425" tIns="91425" rIns="91425" bIns="91425" anchor="t" anchorCtr="0">
             <a:noAutofit/>
           </a:bodyPr>
           <a:lstStyle/>
           <a:p>
-            <a:pPr indent="0" lvl="0" marL="0" rtl="0" algn="l">
+            <a:pPr marL="0" lvl="0" indent="0" algn="l" rtl="0">
               <a:lnSpc>
                 <a:spcPct val="100000"/>
               </a:lnSpc>
@@ -15800,7 +16044,7 @@
             </a:endParaRPr>
           </a:p>
           <a:p>
-            <a:pPr indent="0" lvl="0" marL="0" rtl="0" algn="l">
+            <a:pPr marL="0" lvl="0" indent="0" algn="l" rtl="0">
               <a:lnSpc>
                 <a:spcPct val="100000"/>
               </a:lnSpc>
@@ -15812,9 +16056,6 @@
               </a:spcAft>
               <a:buNone/>
             </a:pPr>
-            <a:r>
-              <a:t/>
-            </a:r>
             <a:endParaRPr sz="1600">
               <a:solidFill>
                 <a:schemeClr val="dk1"/>
@@ -15826,7 +16067,7 @@
             </a:endParaRPr>
           </a:p>
           <a:p>
-            <a:pPr indent="0" lvl="0" marL="0" rtl="0" algn="l">
+            <a:pPr marL="0" lvl="0" indent="0" algn="l" rtl="0">
               <a:lnSpc>
                 <a:spcPct val="100000"/>
               </a:lnSpc>
@@ -15838,9 +16079,6 @@
               </a:spcAft>
               <a:buNone/>
             </a:pPr>
-            <a:r>
-              <a:t/>
-            </a:r>
             <a:endParaRPr sz="1600">
               <a:solidFill>
                 <a:schemeClr val="dk1"/>
@@ -15870,23 +16108,23 @@
           <a:solidFill>
             <a:schemeClr val="lt1"/>
           </a:solidFill>
-          <a:ln cap="flat" cmpd="sng" w="9525">
+          <a:ln w="9525" cap="flat" cmpd="sng">
             <a:solidFill>
               <a:srgbClr val="000000"/>
             </a:solidFill>
             <a:prstDash val="solid"/>
             <a:round/>
-            <a:headEnd len="sm" w="sm" type="none"/>
-            <a:tailEnd len="sm" w="sm" type="none"/>
+            <a:headEnd type="none" w="sm" len="sm"/>
+            <a:tailEnd type="none" w="sm" len="sm"/>
           </a:ln>
         </p:spPr>
         <p:txBody>
-          <a:bodyPr anchorCtr="0" anchor="t" bIns="91425" lIns="91425" spcFirstLastPara="1" rIns="91425" wrap="square" tIns="91425">
+          <a:bodyPr spcFirstLastPara="1" wrap="square" lIns="91425" tIns="91425" rIns="91425" bIns="91425" anchor="t" anchorCtr="0">
             <a:noAutofit/>
           </a:bodyPr>
           <a:lstStyle/>
           <a:p>
-            <a:pPr indent="0" lvl="0" marL="0" rtl="0" algn="l">
+            <a:pPr marL="0" lvl="0" indent="0" algn="l" rtl="0">
               <a:lnSpc>
                 <a:spcPct val="100000"/>
               </a:lnSpc>
@@ -15921,7 +16159,7 @@
             </a:endParaRPr>
           </a:p>
           <a:p>
-            <a:pPr indent="0" lvl="0" marL="0" rtl="0" algn="l">
+            <a:pPr marL="0" lvl="0" indent="0" algn="l" rtl="0">
               <a:lnSpc>
                 <a:spcPct val="100000"/>
               </a:lnSpc>
@@ -15933,9 +16171,6 @@
               </a:spcAft>
               <a:buNone/>
             </a:pPr>
-            <a:r>
-              <a:t/>
-            </a:r>
             <a:endParaRPr sz="1600">
               <a:solidFill>
                 <a:schemeClr val="dk1"/>
@@ -15964,18 +16199,18 @@
           </a:xfrm>
           <a:prstGeom prst="curvedConnector3">
             <a:avLst>
-              <a:gd fmla="val 49999" name="adj1"/>
+              <a:gd name="adj1" fmla="val 49999"/>
             </a:avLst>
           </a:prstGeom>
           <a:noFill/>
-          <a:ln cap="flat" cmpd="sng" w="38100">
+          <a:ln w="38100" cap="flat" cmpd="sng">
             <a:solidFill>
               <a:schemeClr val="accent5"/>
             </a:solidFill>
             <a:prstDash val="solid"/>
             <a:round/>
-            <a:headEnd len="med" w="med" type="none"/>
-            <a:tailEnd len="med" w="med" type="none"/>
+            <a:headEnd type="none" w="med" len="med"/>
+            <a:tailEnd type="none" w="med" len="med"/>
           </a:ln>
         </p:spPr>
       </p:cxnSp>
@@ -15989,24 +16224,24 @@
           <p:nvPr/>
         </p:nvCxnSpPr>
         <p:spPr>
-          <a:xfrm flipH="1" rot="10800000">
+          <a:xfrm rot="10800000" flipH="1">
             <a:off x="3057800" y="1783550"/>
             <a:ext cx="2760600" cy="394800"/>
           </a:xfrm>
           <a:prstGeom prst="curvedConnector3">
             <a:avLst>
-              <a:gd fmla="val 49999" name="adj1"/>
+              <a:gd name="adj1" fmla="val 49999"/>
             </a:avLst>
           </a:prstGeom>
           <a:noFill/>
-          <a:ln cap="flat" cmpd="sng" w="38100">
+          <a:ln w="38100" cap="flat" cmpd="sng">
             <a:solidFill>
               <a:schemeClr val="accent5"/>
             </a:solidFill>
             <a:prstDash val="solid"/>
             <a:round/>
-            <a:headEnd len="med" w="med" type="none"/>
-            <a:tailEnd len="med" w="med" type="none"/>
+            <a:headEnd type="none" w="med" len="med"/>
+            <a:tailEnd type="none" w="med" len="med"/>
           </a:ln>
         </p:spPr>
       </p:cxnSp>
@@ -16020,24 +16255,24 @@
           <p:nvPr/>
         </p:nvCxnSpPr>
         <p:spPr>
-          <a:xfrm flipH="1" rot="10800000">
+          <a:xfrm rot="10800000" flipH="1">
             <a:off x="2440200" y="2798000"/>
             <a:ext cx="3378300" cy="212700"/>
           </a:xfrm>
           <a:prstGeom prst="curvedConnector3">
             <a:avLst>
-              <a:gd fmla="val 50002" name="adj1"/>
+              <a:gd name="adj1" fmla="val 50002"/>
             </a:avLst>
           </a:prstGeom>
           <a:noFill/>
-          <a:ln cap="flat" cmpd="sng" w="38100">
+          <a:ln w="38100" cap="flat" cmpd="sng">
             <a:solidFill>
               <a:schemeClr val="accent5"/>
             </a:solidFill>
             <a:prstDash val="solid"/>
             <a:round/>
-            <a:headEnd len="med" w="med" type="none"/>
-            <a:tailEnd len="med" w="med" type="none"/>
+            <a:headEnd type="none" w="med" len="med"/>
+            <a:tailEnd type="none" w="med" len="med"/>
           </a:ln>
         </p:spPr>
       </p:cxnSp>
@@ -16048,24 +16283,24 @@
           <p:nvPr/>
         </p:nvCxnSpPr>
         <p:spPr>
-          <a:xfrm flipH="1" rot="10800000">
+          <a:xfrm rot="10800000" flipH="1">
             <a:off x="2404050" y="3506000"/>
             <a:ext cx="3426600" cy="672000"/>
           </a:xfrm>
           <a:prstGeom prst="curvedConnector3">
             <a:avLst>
-              <a:gd fmla="val 50000" name="adj1"/>
+              <a:gd name="adj1" fmla="val 50000"/>
             </a:avLst>
           </a:prstGeom>
           <a:noFill/>
-          <a:ln cap="flat" cmpd="sng" w="38100">
+          <a:ln w="38100" cap="flat" cmpd="sng">
             <a:solidFill>
               <a:schemeClr val="accent5"/>
             </a:solidFill>
             <a:prstDash val="solid"/>
             <a:round/>
-            <a:headEnd len="med" w="med" type="none"/>
-            <a:tailEnd len="med" w="med" type="none"/>
+            <a:headEnd type="none" w="med" len="med"/>
+            <a:tailEnd type="none" w="med" len="med"/>
           </a:ln>
         </p:spPr>
       </p:cxnSp>
@@ -16086,34 +16321,31 @@
           <a:solidFill>
             <a:schemeClr val="dk2"/>
           </a:solidFill>
-          <a:ln cap="flat" cmpd="sng" w="9525">
+          <a:ln w="9525" cap="flat" cmpd="sng">
             <a:solidFill>
               <a:schemeClr val="dk2"/>
             </a:solidFill>
             <a:prstDash val="solid"/>
             <a:round/>
-            <a:headEnd len="sm" w="sm" type="none"/>
-            <a:tailEnd len="sm" w="sm" type="none"/>
+            <a:headEnd type="none" w="sm" len="sm"/>
+            <a:tailEnd type="none" w="sm" len="sm"/>
           </a:ln>
         </p:spPr>
         <p:txBody>
-          <a:bodyPr anchorCtr="0" anchor="ctr" bIns="91425" lIns="91425" spcFirstLastPara="1" rIns="91425" wrap="square" tIns="91425">
+          <a:bodyPr spcFirstLastPara="1" wrap="square" lIns="91425" tIns="91425" rIns="91425" bIns="91425" anchor="ctr" anchorCtr="0">
             <a:noAutofit/>
           </a:bodyPr>
           <a:lstStyle/>
           <a:p>
-            <a:pPr indent="0" lvl="0" marL="0" rtl="0" algn="l">
-              <a:spcBef>
-                <a:spcPts val="0"/>
-              </a:spcBef>
-              <a:spcAft>
-                <a:spcPts val="0"/>
-              </a:spcAft>
-              <a:buNone/>
-            </a:pPr>
-            <a:r>
-              <a:t/>
-            </a:r>
+            <a:pPr marL="0" lvl="0" indent="0" algn="l" rtl="0">
+              <a:spcBef>
+                <a:spcPts val="0"/>
+              </a:spcBef>
+              <a:spcAft>
+                <a:spcPts val="0"/>
+              </a:spcAft>
+              <a:buNone/>
+            </a:pPr>
             <a:endParaRPr/>
           </a:p>
         </p:txBody>
@@ -16126,32 +16358,32 @@
   <p:timing>
     <p:tnLst>
       <p:par>
-        <p:cTn dur="indefinite" nodeType="tmRoot" restart="never">
+        <p:cTn id="1" dur="indefinite" restart="never" nodeType="tmRoot">
           <p:childTnLst>
             <p:seq concurrent="1" nextAc="seek">
-              <p:cTn dur="indefinite" id="2" nodeType="mainSeq">
+              <p:cTn id="2" dur="indefinite" nodeType="mainSeq">
                 <p:childTnLst>
                   <p:par>
-                    <p:cTn fill="hold">
+                    <p:cTn id="3" fill="hold">
                       <p:stCondLst>
                         <p:cond delay="indefinite"/>
                       </p:stCondLst>
                       <p:childTnLst>
                         <p:par>
-                          <p:cTn fill="hold">
+                          <p:cTn id="4" fill="hold">
                             <p:stCondLst>
                               <p:cond delay="0"/>
                             </p:stCondLst>
                             <p:childTnLst>
                               <p:par>
-                                <p:cTn fill="hold" nodeType="clickEffect" presetClass="entr" presetID="10" presetSubtype="0">
+                                <p:cTn id="5" presetID="10" presetClass="entr" presetSubtype="0" fill="hold" nodeType="clickEffect">
                                   <p:stCondLst>
                                     <p:cond delay="0"/>
                                   </p:stCondLst>
                                   <p:childTnLst>
                                     <p:set>
                                       <p:cBhvr>
-                                        <p:cTn dur="1" fill="hold">
+                                        <p:cTn id="6" dur="1" fill="hold">
                                           <p:stCondLst>
                                             <p:cond delay="0"/>
                                           </p:stCondLst>
@@ -16167,9 +16399,9 @@
                                         <p:strVal val="visible"/>
                                       </p:to>
                                     </p:set>
-                                    <p:animEffect filter="fade" transition="in">
+                                    <p:animEffect transition="in" filter="fade">
                                       <p:cBhvr>
-                                        <p:cTn dur="1000"/>
+                                        <p:cTn id="7" dur="1000"/>
                                         <p:tgtEl>
                                           <p:spTgt spid="144"/>
                                         </p:tgtEl>
@@ -16187,14 +16419,14 @@
                 </p:childTnLst>
               </p:cTn>
               <p:prevCondLst>
-                <p:cond evt="onPrev">
+                <p:cond evt="onPrev" delay="0">
                   <p:tgtEl>
                     <p:sldTgt/>
                   </p:tgtEl>
                 </p:cond>
               </p:prevCondLst>
               <p:nextCondLst>
-                <p:cond evt="onNext">
+                <p:cond evt="onNext" delay="0">
                   <p:tgtEl>
                     <p:sldTgt/>
                   </p:tgtEl>
@@ -16210,7 +16442,7 @@
 </file>
 
 <file path=ppt/theme/theme1.xml><?xml version="1.0" encoding="utf-8"?>
-<a:theme xmlns:a="http://schemas.openxmlformats.org/drawingml/2006/main" xmlns:r="http://schemas.openxmlformats.org/officeDocument/2006/relationships" name="Marina">
+<a:theme xmlns:a="http://schemas.openxmlformats.org/drawingml/2006/main" name="Marina">
   <a:themeElements>
     <a:clrScheme name="Marina">
       <a:dk1>
@@ -16485,11 +16717,13 @@
       </a:bgFillStyleLst>
     </a:fmtScheme>
   </a:themeElements>
+  <a:objectDefaults/>
+  <a:extraClrSchemeLst/>
 </a:theme>
 </file>
 
 <file path=ppt/theme/theme2.xml><?xml version="1.0" encoding="utf-8"?>
-<a:theme xmlns:a="http://schemas.openxmlformats.org/drawingml/2006/main" xmlns:r="http://schemas.openxmlformats.org/officeDocument/2006/relationships">
+<a:theme xmlns:a="http://schemas.openxmlformats.org/drawingml/2006/main">
   <a:themeElements>
     <a:clrScheme name="Default">
       <a:dk1>
@@ -16764,5 +16998,7 @@
       </a:bgFillStyleLst>
     </a:fmtScheme>
   </a:themeElements>
+  <a:objectDefaults/>
+  <a:extraClrSchemeLst/>
 </a:theme>
 </file>